--- a/figures/resources/binarization.pptx
+++ b/figures/resources/binarization.pptx
@@ -1,19 +1,20 @@
 
 <file path=ppt/presentation.xml><?xml version="1.0" encoding="utf-8"?>
-<p:presentation xmlns:a="http://schemas.openxmlformats.org/drawingml/2006/main" xmlns:r="http://schemas.openxmlformats.org/officeDocument/2006/relationships" xmlns:mc="http://schemas.openxmlformats.org/markup-compatibility/2006" xmlns:mv="urn:schemas-microsoft-com:mac:vml" xmlns:p="http://schemas.openxmlformats.org/presentationml/2006/main" xmlns:c="http://schemas.openxmlformats.org/drawingml/2006/chart" xmlns:dgm="http://schemas.openxmlformats.org/drawingml/2006/diagram" xmlns:o="urn:schemas-microsoft-com:office:office" xmlns:v="urn:schemas-microsoft-com:vml" xmlns:pvml="urn:schemas-microsoft-com:office:powerpoint" xmlns:com="http://schemas.openxmlformats.org/drawingml/2006/compatibility" xmlns:p14="http://schemas.microsoft.com/office/powerpoint/2010/main" xmlns:p15="http://schemas.microsoft.com/office/powerpoint/2012/main" xmlns:ahyp="http://schemas.microsoft.com/office/drawing/2018/hyperlinkcolor" autoCompressPictures="0" strictFirstAndLastChars="0" saveSubsetFonts="1">
+<p:presentation xmlns:a="http://schemas.openxmlformats.org/drawingml/2006/main" xmlns:r="http://schemas.openxmlformats.org/officeDocument/2006/relationships" xmlns:p="http://schemas.openxmlformats.org/presentationml/2006/main" strictFirstAndLastChars="0" saveSubsetFonts="1" autoCompressPictures="0">
   <p:sldMasterIdLst>
-    <p:sldMasterId id="2147483658" r:id="rId3"/>
+    <p:sldMasterId id="2147483658" r:id="rId1"/>
   </p:sldMasterIdLst>
   <p:notesMasterIdLst>
     <p:notesMasterId r:id="rId4"/>
   </p:notesMasterIdLst>
   <p:sldIdLst>
-    <p:sldId id="256" r:id="rId5"/>
+    <p:sldId id="256" r:id="rId2"/>
+    <p:sldId id="257" r:id="rId3"/>
   </p:sldIdLst>
-  <p:sldSz cy="13716000" cx="24384000"/>
+  <p:sldSz cx="24384000" cy="13716000"/>
   <p:notesSz cx="6858000" cy="9144000"/>
   <p:defaultTextStyle>
-    <a:defPPr lvl="0" marR="0" rtl="0" algn="l">
+    <a:defPPr marR="0" lvl="0" algn="l" rtl="0">
       <a:lnSpc>
         <a:spcPct val="100000"/>
       </a:lnSpc>
@@ -24,7 +25,7 @@
         <a:spcPts val="0"/>
       </a:spcAft>
     </a:defPPr>
-    <a:lvl1pPr lvl="0" marR="0" rtl="0" algn="l">
+    <a:lvl1pPr marR="0" lvl="0" algn="l" rtl="0">
       <a:lnSpc>
         <a:spcPct val="100000"/>
       </a:lnSpc>
@@ -38,7 +39,7 @@
         <a:srgbClr val="000000"/>
       </a:buClr>
       <a:buFont typeface="Arial"/>
-      <a:defRPr b="0" i="0" sz="1400" u="none" cap="none" strike="noStrike">
+      <a:defRPr sz="1400" b="0" i="0" u="none" strike="noStrike" cap="none">
         <a:solidFill>
           <a:srgbClr val="000000"/>
         </a:solidFill>
@@ -48,7 +49,7 @@
         <a:sym typeface="Arial"/>
       </a:defRPr>
     </a:lvl1pPr>
-    <a:lvl2pPr lvl="1" marR="0" rtl="0" algn="l">
+    <a:lvl2pPr marR="0" lvl="1" algn="l" rtl="0">
       <a:lnSpc>
         <a:spcPct val="100000"/>
       </a:lnSpc>
@@ -62,7 +63,7 @@
         <a:srgbClr val="000000"/>
       </a:buClr>
       <a:buFont typeface="Arial"/>
-      <a:defRPr b="0" i="0" sz="1400" u="none" cap="none" strike="noStrike">
+      <a:defRPr sz="1400" b="0" i="0" u="none" strike="noStrike" cap="none">
         <a:solidFill>
           <a:srgbClr val="000000"/>
         </a:solidFill>
@@ -72,7 +73,7 @@
         <a:sym typeface="Arial"/>
       </a:defRPr>
     </a:lvl2pPr>
-    <a:lvl3pPr lvl="2" marR="0" rtl="0" algn="l">
+    <a:lvl3pPr marR="0" lvl="2" algn="l" rtl="0">
       <a:lnSpc>
         <a:spcPct val="100000"/>
       </a:lnSpc>
@@ -86,7 +87,7 @@
         <a:srgbClr val="000000"/>
       </a:buClr>
       <a:buFont typeface="Arial"/>
-      <a:defRPr b="0" i="0" sz="1400" u="none" cap="none" strike="noStrike">
+      <a:defRPr sz="1400" b="0" i="0" u="none" strike="noStrike" cap="none">
         <a:solidFill>
           <a:srgbClr val="000000"/>
         </a:solidFill>
@@ -96,7 +97,7 @@
         <a:sym typeface="Arial"/>
       </a:defRPr>
     </a:lvl3pPr>
-    <a:lvl4pPr lvl="3" marR="0" rtl="0" algn="l">
+    <a:lvl4pPr marR="0" lvl="3" algn="l" rtl="0">
       <a:lnSpc>
         <a:spcPct val="100000"/>
       </a:lnSpc>
@@ -110,7 +111,7 @@
         <a:srgbClr val="000000"/>
       </a:buClr>
       <a:buFont typeface="Arial"/>
-      <a:defRPr b="0" i="0" sz="1400" u="none" cap="none" strike="noStrike">
+      <a:defRPr sz="1400" b="0" i="0" u="none" strike="noStrike" cap="none">
         <a:solidFill>
           <a:srgbClr val="000000"/>
         </a:solidFill>
@@ -120,7 +121,7 @@
         <a:sym typeface="Arial"/>
       </a:defRPr>
     </a:lvl4pPr>
-    <a:lvl5pPr lvl="4" marR="0" rtl="0" algn="l">
+    <a:lvl5pPr marR="0" lvl="4" algn="l" rtl="0">
       <a:lnSpc>
         <a:spcPct val="100000"/>
       </a:lnSpc>
@@ -134,7 +135,7 @@
         <a:srgbClr val="000000"/>
       </a:buClr>
       <a:buFont typeface="Arial"/>
-      <a:defRPr b="0" i="0" sz="1400" u="none" cap="none" strike="noStrike">
+      <a:defRPr sz="1400" b="0" i="0" u="none" strike="noStrike" cap="none">
         <a:solidFill>
           <a:srgbClr val="000000"/>
         </a:solidFill>
@@ -144,7 +145,7 @@
         <a:sym typeface="Arial"/>
       </a:defRPr>
     </a:lvl5pPr>
-    <a:lvl6pPr lvl="5" marR="0" rtl="0" algn="l">
+    <a:lvl6pPr marR="0" lvl="5" algn="l" rtl="0">
       <a:lnSpc>
         <a:spcPct val="100000"/>
       </a:lnSpc>
@@ -158,7 +159,7 @@
         <a:srgbClr val="000000"/>
       </a:buClr>
       <a:buFont typeface="Arial"/>
-      <a:defRPr b="0" i="0" sz="1400" u="none" cap="none" strike="noStrike">
+      <a:defRPr sz="1400" b="0" i="0" u="none" strike="noStrike" cap="none">
         <a:solidFill>
           <a:srgbClr val="000000"/>
         </a:solidFill>
@@ -168,7 +169,7 @@
         <a:sym typeface="Arial"/>
       </a:defRPr>
     </a:lvl6pPr>
-    <a:lvl7pPr lvl="6" marR="0" rtl="0" algn="l">
+    <a:lvl7pPr marR="0" lvl="6" algn="l" rtl="0">
       <a:lnSpc>
         <a:spcPct val="100000"/>
       </a:lnSpc>
@@ -182,7 +183,7 @@
         <a:srgbClr val="000000"/>
       </a:buClr>
       <a:buFont typeface="Arial"/>
-      <a:defRPr b="0" i="0" sz="1400" u="none" cap="none" strike="noStrike">
+      <a:defRPr sz="1400" b="0" i="0" u="none" strike="noStrike" cap="none">
         <a:solidFill>
           <a:srgbClr val="000000"/>
         </a:solidFill>
@@ -192,7 +193,7 @@
         <a:sym typeface="Arial"/>
       </a:defRPr>
     </a:lvl7pPr>
-    <a:lvl8pPr lvl="7" marR="0" rtl="0" algn="l">
+    <a:lvl8pPr marR="0" lvl="7" algn="l" rtl="0">
       <a:lnSpc>
         <a:spcPct val="100000"/>
       </a:lnSpc>
@@ -206,7 +207,7 @@
         <a:srgbClr val="000000"/>
       </a:buClr>
       <a:buFont typeface="Arial"/>
-      <a:defRPr b="0" i="0" sz="1400" u="none" cap="none" strike="noStrike">
+      <a:defRPr sz="1400" b="0" i="0" u="none" strike="noStrike" cap="none">
         <a:solidFill>
           <a:srgbClr val="000000"/>
         </a:solidFill>
@@ -216,7 +217,7 @@
         <a:sym typeface="Arial"/>
       </a:defRPr>
     </a:lvl8pPr>
-    <a:lvl9pPr lvl="8" marR="0" rtl="0" algn="l">
+    <a:lvl9pPr marR="0" lvl="8" algn="l" rtl="0">
       <a:lnSpc>
         <a:spcPct val="100000"/>
       </a:lnSpc>
@@ -230,7 +231,7 @@
         <a:srgbClr val="000000"/>
       </a:buClr>
       <a:buFont typeface="Arial"/>
-      <a:defRPr b="0" i="0" sz="1400" u="none" cap="none" strike="noStrike">
+      <a:defRPr sz="1400" b="0" i="0" u="none" strike="noStrike" cap="none">
         <a:solidFill>
           <a:srgbClr val="000000"/>
         </a:solidFill>
@@ -245,18 +246,19 @@
 </file>
 
 <file path=ppt/notesMasters/notesMaster1.xml><?xml version="1.0" encoding="utf-8"?>
-<p:notesMaster xmlns:a="http://schemas.openxmlformats.org/drawingml/2006/main" xmlns:r="http://schemas.openxmlformats.org/officeDocument/2006/relationships" xmlns:mc="http://schemas.openxmlformats.org/markup-compatibility/2006" xmlns:mv="urn:schemas-microsoft-com:mac:vml" xmlns:p="http://schemas.openxmlformats.org/presentationml/2006/main" xmlns:c="http://schemas.openxmlformats.org/drawingml/2006/chart" xmlns:dgm="http://schemas.openxmlformats.org/drawingml/2006/diagram" xmlns:o="urn:schemas-microsoft-com:office:office" xmlns:v="urn:schemas-microsoft-com:vml" xmlns:pvml="urn:schemas-microsoft-com:office:powerpoint" xmlns:com="http://schemas.openxmlformats.org/drawingml/2006/compatibility" xmlns:p14="http://schemas.microsoft.com/office/powerpoint/2010/main" xmlns:p15="http://schemas.microsoft.com/office/powerpoint/2012/main" xmlns:ahyp="http://schemas.microsoft.com/office/drawing/2018/hyperlinkcolor">
+<p:notesMaster xmlns:a="http://schemas.openxmlformats.org/drawingml/2006/main" xmlns:r="http://schemas.openxmlformats.org/officeDocument/2006/relationships" xmlns:p="http://schemas.openxmlformats.org/presentationml/2006/main">
   <p:cSld>
     <p:bg>
       <p:bgPr>
         <a:solidFill>
           <a:schemeClr val="lt1"/>
         </a:solidFill>
+        <a:effectLst/>
       </p:bgPr>
     </p:bg>
     <p:spTree>
       <p:nvGrpSpPr>
-        <p:cNvPr id="2" name="Shape 2"/>
+        <p:cNvPr id="1" name="Shape 2"/>
         <p:cNvGrpSpPr/>
         <p:nvPr/>
       </p:nvGrpSpPr>
@@ -271,9 +273,11 @@
       <p:sp>
         <p:nvSpPr>
           <p:cNvPr id="3" name="Google Shape;3;n"/>
-          <p:cNvSpPr/>
+          <p:cNvSpPr>
+            <a:spLocks noGrp="1" noRot="1" noChangeAspect="1"/>
+          </p:cNvSpPr>
           <p:nvPr>
-            <p:ph idx="2" type="sldImg"/>
+            <p:ph type="sldImg" idx="2"/>
           </p:nvPr>
         </p:nvSpPr>
         <p:spPr>
@@ -282,9 +286,13 @@
             <a:ext cx="4572000" cy="3429000"/>
           </a:xfrm>
           <a:custGeom>
-            <a:rect b="b" l="l" r="r" t="t"/>
+            <a:avLst/>
+            <a:gdLst/>
+            <a:ahLst/>
+            <a:cxnLst/>
+            <a:rect l="l" t="t" r="r" b="b"/>
             <a:pathLst>
-              <a:path extrusionOk="0" h="120000" w="120000">
+              <a:path w="120000" h="120000" extrusionOk="0">
                 <a:moveTo>
                   <a:pt x="0" y="0"/>
                 </a:moveTo>
@@ -310,9 +318,11 @@
       <p:sp>
         <p:nvSpPr>
           <p:cNvPr id="4" name="Google Shape;4;n"/>
-          <p:cNvSpPr txBox="1"/>
+          <p:cNvSpPr txBox="1">
+            <a:spLocks noGrp="1"/>
+          </p:cNvSpPr>
           <p:nvPr>
-            <p:ph idx="1" type="body"/>
+            <p:ph type="body" idx="1"/>
           </p:nvPr>
         </p:nvSpPr>
         <p:spPr>
@@ -329,11 +339,11 @@
           </a:ln>
         </p:spPr>
         <p:txBody>
-          <a:bodyPr anchorCtr="0" anchor="t" bIns="45700" lIns="91425" spcFirstLastPara="1" rIns="91425" wrap="square" tIns="45700">
+          <a:bodyPr spcFirstLastPara="1" wrap="square" lIns="91425" tIns="45700" rIns="91425" bIns="45700" anchor="t" anchorCtr="0">
             <a:noAutofit/>
           </a:bodyPr>
           <a:lstStyle>
-            <a:lvl1pPr indent="-228600" lvl="0" marL="457200" marR="0" rtl="0" algn="l">
+            <a:lvl1pPr marL="457200" marR="0" lvl="0" indent="-228600" algn="l" rtl="0">
               <a:lnSpc>
                 <a:spcPct val="100000"/>
               </a:lnSpc>
@@ -349,7 +359,7 @@
               <a:buSzPts val="1400"/>
               <a:buFont typeface="Arial"/>
               <a:buNone/>
-              <a:defRPr b="0" i="0" sz="3600" u="none" cap="none" strike="noStrike">
+              <a:defRPr sz="3600" b="0" i="0" u="none" strike="noStrike" cap="none">
                 <a:solidFill>
                   <a:srgbClr val="000000"/>
                 </a:solidFill>
@@ -359,7 +369,7 @@
                 <a:sym typeface="Arial"/>
               </a:defRPr>
             </a:lvl1pPr>
-            <a:lvl2pPr indent="-228600" lvl="1" marL="914400" marR="0" rtl="0" algn="l">
+            <a:lvl2pPr marL="914400" marR="0" lvl="1" indent="-228600" algn="l" rtl="0">
               <a:lnSpc>
                 <a:spcPct val="100000"/>
               </a:lnSpc>
@@ -375,7 +385,7 @@
               <a:buSzPts val="1400"/>
               <a:buFont typeface="Arial"/>
               <a:buNone/>
-              <a:defRPr b="0" i="0" sz="3600" u="none" cap="none" strike="noStrike">
+              <a:defRPr sz="3600" b="0" i="0" u="none" strike="noStrike" cap="none">
                 <a:solidFill>
                   <a:srgbClr val="000000"/>
                 </a:solidFill>
@@ -385,7 +395,7 @@
                 <a:sym typeface="Arial"/>
               </a:defRPr>
             </a:lvl2pPr>
-            <a:lvl3pPr indent="-228600" lvl="2" marL="1371600" marR="0" rtl="0" algn="l">
+            <a:lvl3pPr marL="1371600" marR="0" lvl="2" indent="-228600" algn="l" rtl="0">
               <a:lnSpc>
                 <a:spcPct val="100000"/>
               </a:lnSpc>
@@ -401,7 +411,7 @@
               <a:buSzPts val="1400"/>
               <a:buFont typeface="Arial"/>
               <a:buNone/>
-              <a:defRPr b="0" i="0" sz="3600" u="none" cap="none" strike="noStrike">
+              <a:defRPr sz="3600" b="0" i="0" u="none" strike="noStrike" cap="none">
                 <a:solidFill>
                   <a:srgbClr val="000000"/>
                 </a:solidFill>
@@ -411,7 +421,7 @@
                 <a:sym typeface="Arial"/>
               </a:defRPr>
             </a:lvl3pPr>
-            <a:lvl4pPr indent="-228600" lvl="3" marL="1828800" marR="0" rtl="0" algn="l">
+            <a:lvl4pPr marL="1828800" marR="0" lvl="3" indent="-228600" algn="l" rtl="0">
               <a:lnSpc>
                 <a:spcPct val="100000"/>
               </a:lnSpc>
@@ -427,7 +437,7 @@
               <a:buSzPts val="1400"/>
               <a:buFont typeface="Arial"/>
               <a:buNone/>
-              <a:defRPr b="0" i="0" sz="3600" u="none" cap="none" strike="noStrike">
+              <a:defRPr sz="3600" b="0" i="0" u="none" strike="noStrike" cap="none">
                 <a:solidFill>
                   <a:srgbClr val="000000"/>
                 </a:solidFill>
@@ -437,7 +447,7 @@
                 <a:sym typeface="Arial"/>
               </a:defRPr>
             </a:lvl4pPr>
-            <a:lvl5pPr indent="-228600" lvl="4" marL="2286000" marR="0" rtl="0" algn="l">
+            <a:lvl5pPr marL="2286000" marR="0" lvl="4" indent="-228600" algn="l" rtl="0">
               <a:lnSpc>
                 <a:spcPct val="100000"/>
               </a:lnSpc>
@@ -453,7 +463,7 @@
               <a:buSzPts val="1400"/>
               <a:buFont typeface="Arial"/>
               <a:buNone/>
-              <a:defRPr b="0" i="0" sz="3600" u="none" cap="none" strike="noStrike">
+              <a:defRPr sz="3600" b="0" i="0" u="none" strike="noStrike" cap="none">
                 <a:solidFill>
                   <a:srgbClr val="000000"/>
                 </a:solidFill>
@@ -463,7 +473,7 @@
                 <a:sym typeface="Arial"/>
               </a:defRPr>
             </a:lvl5pPr>
-            <a:lvl6pPr indent="-228600" lvl="5" marL="2743200" marR="0" rtl="0" algn="l">
+            <a:lvl6pPr marL="2743200" marR="0" lvl="5" indent="-228600" algn="l" rtl="0">
               <a:lnSpc>
                 <a:spcPct val="100000"/>
               </a:lnSpc>
@@ -479,7 +489,7 @@
               <a:buSzPts val="1400"/>
               <a:buFont typeface="Arial"/>
               <a:buNone/>
-              <a:defRPr b="0" i="0" sz="3600" u="none" cap="none" strike="noStrike">
+              <a:defRPr sz="3600" b="0" i="0" u="none" strike="noStrike" cap="none">
                 <a:solidFill>
                   <a:srgbClr val="000000"/>
                 </a:solidFill>
@@ -489,7 +499,7 @@
                 <a:sym typeface="Arial"/>
               </a:defRPr>
             </a:lvl6pPr>
-            <a:lvl7pPr indent="-228600" lvl="6" marL="3200400" marR="0" rtl="0" algn="l">
+            <a:lvl7pPr marL="3200400" marR="0" lvl="6" indent="-228600" algn="l" rtl="0">
               <a:lnSpc>
                 <a:spcPct val="100000"/>
               </a:lnSpc>
@@ -505,7 +515,7 @@
               <a:buSzPts val="1400"/>
               <a:buFont typeface="Arial"/>
               <a:buNone/>
-              <a:defRPr b="0" i="0" sz="3600" u="none" cap="none" strike="noStrike">
+              <a:defRPr sz="3600" b="0" i="0" u="none" strike="noStrike" cap="none">
                 <a:solidFill>
                   <a:srgbClr val="000000"/>
                 </a:solidFill>
@@ -515,7 +525,7 @@
                 <a:sym typeface="Arial"/>
               </a:defRPr>
             </a:lvl7pPr>
-            <a:lvl8pPr indent="-228600" lvl="7" marL="3657600" marR="0" rtl="0" algn="l">
+            <a:lvl8pPr marL="3657600" marR="0" lvl="7" indent="-228600" algn="l" rtl="0">
               <a:lnSpc>
                 <a:spcPct val="100000"/>
               </a:lnSpc>
@@ -531,7 +541,7 @@
               <a:buSzPts val="1400"/>
               <a:buFont typeface="Arial"/>
               <a:buNone/>
-              <a:defRPr b="0" i="0" sz="3600" u="none" cap="none" strike="noStrike">
+              <a:defRPr sz="3600" b="0" i="0" u="none" strike="noStrike" cap="none">
                 <a:solidFill>
                   <a:srgbClr val="000000"/>
                 </a:solidFill>
@@ -541,7 +551,7 @@
                 <a:sym typeface="Arial"/>
               </a:defRPr>
             </a:lvl8pPr>
-            <a:lvl9pPr indent="-228600" lvl="8" marL="4114800" marR="0" rtl="0" algn="l">
+            <a:lvl9pPr marL="4114800" marR="0" lvl="8" indent="-228600" algn="l" rtl="0">
               <a:lnSpc>
                 <a:spcPct val="100000"/>
               </a:lnSpc>
@@ -557,7 +567,7 @@
               <a:buSzPts val="1400"/>
               <a:buFont typeface="Arial"/>
               <a:buNone/>
-              <a:defRPr b="0" i="0" sz="3600" u="none" cap="none" strike="noStrike">
+              <a:defRPr sz="3600" b="0" i="0" u="none" strike="noStrike" cap="none">
                 <a:solidFill>
                   <a:srgbClr val="000000"/>
                 </a:solidFill>
@@ -568,14 +578,16 @@
               </a:defRPr>
             </a:lvl9pPr>
           </a:lstStyle>
-          <a:p/>
+          <a:p>
+            <a:endParaRPr/>
+          </a:p>
         </p:txBody>
       </p:sp>
     </p:spTree>
   </p:cSld>
-  <p:clrMap accent1="accent1" accent2="accent2" accent3="accent3" accent4="accent4" accent5="accent5" accent6="accent6" bg1="lt1" bg2="dk2" tx1="dk1" tx2="lt2" folHlink="folHlink" hlink="hlink"/>
+  <p:clrMap bg1="lt1" tx1="dk1" bg2="dk2" tx2="lt2" accent1="accent1" accent2="accent2" accent3="accent3" accent4="accent4" accent5="accent5" accent6="accent6" hlink="hlink" folHlink="folHlink"/>
   <p:notesStyle>
-    <a:defPPr lvl="0" marR="0" rtl="0" algn="l">
+    <a:defPPr marR="0" lvl="0" algn="l" rtl="0">
       <a:lnSpc>
         <a:spcPct val="100000"/>
       </a:lnSpc>
@@ -586,7 +598,7 @@
         <a:spcPts val="0"/>
       </a:spcAft>
     </a:defPPr>
-    <a:lvl1pPr lvl="0" marR="0" rtl="0" algn="l">
+    <a:lvl1pPr marR="0" lvl="0" algn="l" rtl="0">
       <a:lnSpc>
         <a:spcPct val="100000"/>
       </a:lnSpc>
@@ -600,7 +612,7 @@
         <a:srgbClr val="000000"/>
       </a:buClr>
       <a:buFont typeface="Arial"/>
-      <a:defRPr b="0" i="0" sz="1400" u="none" cap="none" strike="noStrike">
+      <a:defRPr sz="1400" b="0" i="0" u="none" strike="noStrike" cap="none">
         <a:solidFill>
           <a:srgbClr val="000000"/>
         </a:solidFill>
@@ -610,7 +622,7 @@
         <a:sym typeface="Arial"/>
       </a:defRPr>
     </a:lvl1pPr>
-    <a:lvl2pPr lvl="1" marR="0" rtl="0" algn="l">
+    <a:lvl2pPr marR="0" lvl="1" algn="l" rtl="0">
       <a:lnSpc>
         <a:spcPct val="100000"/>
       </a:lnSpc>
@@ -624,7 +636,7 @@
         <a:srgbClr val="000000"/>
       </a:buClr>
       <a:buFont typeface="Arial"/>
-      <a:defRPr b="0" i="0" sz="1400" u="none" cap="none" strike="noStrike">
+      <a:defRPr sz="1400" b="0" i="0" u="none" strike="noStrike" cap="none">
         <a:solidFill>
           <a:srgbClr val="000000"/>
         </a:solidFill>
@@ -634,7 +646,7 @@
         <a:sym typeface="Arial"/>
       </a:defRPr>
     </a:lvl2pPr>
-    <a:lvl3pPr lvl="2" marR="0" rtl="0" algn="l">
+    <a:lvl3pPr marR="0" lvl="2" algn="l" rtl="0">
       <a:lnSpc>
         <a:spcPct val="100000"/>
       </a:lnSpc>
@@ -648,7 +660,7 @@
         <a:srgbClr val="000000"/>
       </a:buClr>
       <a:buFont typeface="Arial"/>
-      <a:defRPr b="0" i="0" sz="1400" u="none" cap="none" strike="noStrike">
+      <a:defRPr sz="1400" b="0" i="0" u="none" strike="noStrike" cap="none">
         <a:solidFill>
           <a:srgbClr val="000000"/>
         </a:solidFill>
@@ -658,7 +670,7 @@
         <a:sym typeface="Arial"/>
       </a:defRPr>
     </a:lvl3pPr>
-    <a:lvl4pPr lvl="3" marR="0" rtl="0" algn="l">
+    <a:lvl4pPr marR="0" lvl="3" algn="l" rtl="0">
       <a:lnSpc>
         <a:spcPct val="100000"/>
       </a:lnSpc>
@@ -672,7 +684,7 @@
         <a:srgbClr val="000000"/>
       </a:buClr>
       <a:buFont typeface="Arial"/>
-      <a:defRPr b="0" i="0" sz="1400" u="none" cap="none" strike="noStrike">
+      <a:defRPr sz="1400" b="0" i="0" u="none" strike="noStrike" cap="none">
         <a:solidFill>
           <a:srgbClr val="000000"/>
         </a:solidFill>
@@ -682,7 +694,7 @@
         <a:sym typeface="Arial"/>
       </a:defRPr>
     </a:lvl4pPr>
-    <a:lvl5pPr lvl="4" marR="0" rtl="0" algn="l">
+    <a:lvl5pPr marR="0" lvl="4" algn="l" rtl="0">
       <a:lnSpc>
         <a:spcPct val="100000"/>
       </a:lnSpc>
@@ -696,7 +708,7 @@
         <a:srgbClr val="000000"/>
       </a:buClr>
       <a:buFont typeface="Arial"/>
-      <a:defRPr b="0" i="0" sz="1400" u="none" cap="none" strike="noStrike">
+      <a:defRPr sz="1400" b="0" i="0" u="none" strike="noStrike" cap="none">
         <a:solidFill>
           <a:srgbClr val="000000"/>
         </a:solidFill>
@@ -706,7 +718,7 @@
         <a:sym typeface="Arial"/>
       </a:defRPr>
     </a:lvl5pPr>
-    <a:lvl6pPr lvl="5" marR="0" rtl="0" algn="l">
+    <a:lvl6pPr marR="0" lvl="5" algn="l" rtl="0">
       <a:lnSpc>
         <a:spcPct val="100000"/>
       </a:lnSpc>
@@ -720,7 +732,7 @@
         <a:srgbClr val="000000"/>
       </a:buClr>
       <a:buFont typeface="Arial"/>
-      <a:defRPr b="0" i="0" sz="1400" u="none" cap="none" strike="noStrike">
+      <a:defRPr sz="1400" b="0" i="0" u="none" strike="noStrike" cap="none">
         <a:solidFill>
           <a:srgbClr val="000000"/>
         </a:solidFill>
@@ -730,7 +742,7 @@
         <a:sym typeface="Arial"/>
       </a:defRPr>
     </a:lvl6pPr>
-    <a:lvl7pPr lvl="6" marR="0" rtl="0" algn="l">
+    <a:lvl7pPr marR="0" lvl="6" algn="l" rtl="0">
       <a:lnSpc>
         <a:spcPct val="100000"/>
       </a:lnSpc>
@@ -744,7 +756,7 @@
         <a:srgbClr val="000000"/>
       </a:buClr>
       <a:buFont typeface="Arial"/>
-      <a:defRPr b="0" i="0" sz="1400" u="none" cap="none" strike="noStrike">
+      <a:defRPr sz="1400" b="0" i="0" u="none" strike="noStrike" cap="none">
         <a:solidFill>
           <a:srgbClr val="000000"/>
         </a:solidFill>
@@ -754,7 +766,7 @@
         <a:sym typeface="Arial"/>
       </a:defRPr>
     </a:lvl7pPr>
-    <a:lvl8pPr lvl="7" marR="0" rtl="0" algn="l">
+    <a:lvl8pPr marR="0" lvl="7" algn="l" rtl="0">
       <a:lnSpc>
         <a:spcPct val="100000"/>
       </a:lnSpc>
@@ -768,7 +780,7 @@
         <a:srgbClr val="000000"/>
       </a:buClr>
       <a:buFont typeface="Arial"/>
-      <a:defRPr b="0" i="0" sz="1400" u="none" cap="none" strike="noStrike">
+      <a:defRPr sz="1400" b="0" i="0" u="none" strike="noStrike" cap="none">
         <a:solidFill>
           <a:srgbClr val="000000"/>
         </a:solidFill>
@@ -778,7 +790,7 @@
         <a:sym typeface="Arial"/>
       </a:defRPr>
     </a:lvl8pPr>
-    <a:lvl9pPr lvl="8" marR="0" rtl="0" algn="l">
+    <a:lvl9pPr marR="0" lvl="8" algn="l" rtl="0">
       <a:lnSpc>
         <a:spcPct val="100000"/>
       </a:lnSpc>
@@ -792,7 +804,7 @@
         <a:srgbClr val="000000"/>
       </a:buClr>
       <a:buFont typeface="Arial"/>
-      <a:defRPr b="0" i="0" sz="1400" u="none" cap="none" strike="noStrike">
+      <a:defRPr sz="1400" b="0" i="0" u="none" strike="noStrike" cap="none">
         <a:solidFill>
           <a:srgbClr val="000000"/>
         </a:solidFill>
@@ -807,11 +819,11 @@
 </file>
 
 <file path=ppt/notesSlides/notesSlide1.xml><?xml version="1.0" encoding="utf-8"?>
-<p:notes xmlns:a="http://schemas.openxmlformats.org/drawingml/2006/main" xmlns:r="http://schemas.openxmlformats.org/officeDocument/2006/relationships" xmlns:mc="http://schemas.openxmlformats.org/markup-compatibility/2006" xmlns:mv="urn:schemas-microsoft-com:mac:vml" xmlns:p="http://schemas.openxmlformats.org/presentationml/2006/main" xmlns:c="http://schemas.openxmlformats.org/drawingml/2006/chart" xmlns:dgm="http://schemas.openxmlformats.org/drawingml/2006/diagram" xmlns:o="urn:schemas-microsoft-com:office:office" xmlns:v="urn:schemas-microsoft-com:vml" xmlns:pvml="urn:schemas-microsoft-com:office:powerpoint" xmlns:com="http://schemas.openxmlformats.org/drawingml/2006/compatibility" xmlns:p14="http://schemas.microsoft.com/office/powerpoint/2010/main" xmlns:p15="http://schemas.microsoft.com/office/powerpoint/2012/main" xmlns:ahyp="http://schemas.microsoft.com/office/drawing/2018/hyperlinkcolor" showMasterPhAnim="0" showMasterSp="0">
+<p:notes xmlns:a="http://schemas.openxmlformats.org/drawingml/2006/main" xmlns:r="http://schemas.openxmlformats.org/officeDocument/2006/relationships" xmlns:p="http://schemas.openxmlformats.org/presentationml/2006/main" showMasterSp="0" showMasterPhAnim="0">
   <p:cSld>
     <p:spTree>
       <p:nvGrpSpPr>
-        <p:cNvPr id="47" name="Shape 47"/>
+        <p:cNvPr id="1" name="Shape 47"/>
         <p:cNvGrpSpPr/>
         <p:nvPr/>
       </p:nvGrpSpPr>
@@ -826,9 +838,11 @@
       <p:sp>
         <p:nvSpPr>
           <p:cNvPr id="48" name="Google Shape;48;p14:notes"/>
-          <p:cNvSpPr/>
+          <p:cNvSpPr>
+            <a:spLocks noGrp="1" noRot="1" noChangeAspect="1"/>
+          </p:cNvSpPr>
           <p:nvPr>
-            <p:ph idx="2" type="sldImg"/>
+            <p:ph type="sldImg" idx="2"/>
           </p:nvPr>
         </p:nvSpPr>
         <p:spPr>
@@ -837,9 +851,13 @@
             <a:ext cx="6096000" cy="3429000"/>
           </a:xfrm>
           <a:custGeom>
-            <a:rect b="b" l="l" r="r" t="t"/>
+            <a:avLst/>
+            <a:gdLst/>
+            <a:ahLst/>
+            <a:cxnLst/>
+            <a:rect l="l" t="t" r="r" b="b"/>
             <a:pathLst>
-              <a:path extrusionOk="0" h="120000" w="120000">
+              <a:path w="120000" h="120000" extrusionOk="0">
                 <a:moveTo>
                   <a:pt x="0" y="0"/>
                 </a:moveTo>
@@ -865,9 +883,11 @@
       <p:sp>
         <p:nvSpPr>
           <p:cNvPr id="49" name="Google Shape;49;p14:notes"/>
-          <p:cNvSpPr txBox="1"/>
+          <p:cNvSpPr txBox="1">
+            <a:spLocks noGrp="1"/>
+          </p:cNvSpPr>
           <p:nvPr>
-            <p:ph idx="1" type="body"/>
+            <p:ph type="body" idx="1"/>
           </p:nvPr>
         </p:nvSpPr>
         <p:spPr>
@@ -884,12 +904,12 @@
           </a:ln>
         </p:spPr>
         <p:txBody>
-          <a:bodyPr anchorCtr="0" anchor="t" bIns="45700" lIns="91425" spcFirstLastPara="1" rIns="91425" wrap="square" tIns="45700">
+          <a:bodyPr spcFirstLastPara="1" wrap="square" lIns="91425" tIns="45700" rIns="91425" bIns="45700" anchor="t" anchorCtr="0">
             <a:noAutofit/>
           </a:bodyPr>
           <a:lstStyle/>
           <a:p>
-            <a:pPr indent="0" lvl="0" marL="0" marR="0" rtl="0" algn="l">
+            <a:pPr marL="0" marR="0" lvl="0" indent="0" algn="l" rtl="0">
               <a:lnSpc>
                 <a:spcPct val="100000"/>
               </a:lnSpc>
@@ -919,11 +939,11 @@
 </file>
 
 <file path=ppt/slideLayouts/slideLayout1.xml><?xml version="1.0" encoding="utf-8"?>
-<p:sldLayout xmlns:a="http://schemas.openxmlformats.org/drawingml/2006/main" xmlns:r="http://schemas.openxmlformats.org/officeDocument/2006/relationships" xmlns:mc="http://schemas.openxmlformats.org/markup-compatibility/2006" xmlns:mv="urn:schemas-microsoft-com:mac:vml" xmlns:p="http://schemas.openxmlformats.org/presentationml/2006/main" xmlns:c="http://schemas.openxmlformats.org/drawingml/2006/chart" xmlns:dgm="http://schemas.openxmlformats.org/drawingml/2006/diagram" xmlns:o="urn:schemas-microsoft-com:office:office" xmlns:v="urn:schemas-microsoft-com:vml" xmlns:pvml="urn:schemas-microsoft-com:office:powerpoint" xmlns:com="http://schemas.openxmlformats.org/drawingml/2006/compatibility" xmlns:p14="http://schemas.microsoft.com/office/powerpoint/2010/main" xmlns:p15="http://schemas.microsoft.com/office/powerpoint/2012/main" xmlns:ahyp="http://schemas.microsoft.com/office/drawing/2018/hyperlinkcolor" matchingName="TITLE" type="title">
+<p:sldLayout xmlns:a="http://schemas.openxmlformats.org/drawingml/2006/main" xmlns:r="http://schemas.openxmlformats.org/officeDocument/2006/relationships" xmlns:p="http://schemas.openxmlformats.org/presentationml/2006/main" matchingName="TITLE" type="title">
   <p:cSld name="TITLE">
     <p:spTree>
       <p:nvGrpSpPr>
-        <p:cNvPr id="9" name="Shape 9"/>
+        <p:cNvPr id="1" name="Shape 9"/>
         <p:cNvGrpSpPr/>
         <p:nvPr/>
       </p:nvGrpSpPr>
@@ -938,7 +958,9 @@
       <p:sp>
         <p:nvSpPr>
           <p:cNvPr id="10" name="Google Shape;10;p2"/>
-          <p:cNvSpPr txBox="1"/>
+          <p:cNvSpPr txBox="1">
+            <a:spLocks noGrp="1"/>
+          </p:cNvSpPr>
           <p:nvPr>
             <p:ph type="title"/>
           </p:nvPr>
@@ -957,7 +979,7 @@
           </a:ln>
         </p:spPr>
         <p:txBody>
-          <a:bodyPr anchorCtr="0" anchor="b" bIns="243775" lIns="243775" spcFirstLastPara="1" rIns="243775" wrap="square" tIns="243775">
+          <a:bodyPr spcFirstLastPara="1" wrap="square" lIns="243775" tIns="243775" rIns="243775" bIns="243775" anchor="b" anchorCtr="0">
             <a:noAutofit/>
           </a:bodyPr>
           <a:lstStyle>
@@ -1116,15 +1138,19 @@
               <a:defRPr/>
             </a:lvl9pPr>
           </a:lstStyle>
-          <a:p/>
+          <a:p>
+            <a:endParaRPr/>
+          </a:p>
         </p:txBody>
       </p:sp>
       <p:sp>
         <p:nvSpPr>
           <p:cNvPr id="11" name="Google Shape;11;p2"/>
-          <p:cNvSpPr txBox="1"/>
+          <p:cNvSpPr txBox="1">
+            <a:spLocks noGrp="1"/>
+          </p:cNvSpPr>
           <p:nvPr>
-            <p:ph idx="1" type="body"/>
+            <p:ph type="body" idx="1"/>
           </p:nvPr>
         </p:nvSpPr>
         <p:spPr>
@@ -1141,11 +1167,11 @@
           </a:ln>
         </p:spPr>
         <p:txBody>
-          <a:bodyPr anchorCtr="0" anchor="t" bIns="243775" lIns="243775" spcFirstLastPara="1" rIns="243775" wrap="square" tIns="243775">
+          <a:bodyPr spcFirstLastPara="1" wrap="square" lIns="243775" tIns="243775" rIns="243775" bIns="243775" anchor="t" anchorCtr="0">
             <a:noAutofit/>
           </a:bodyPr>
           <a:lstStyle>
-            <a:lvl1pPr indent="-228600" lvl="0" marL="457200" algn="ctr">
+            <a:lvl1pPr marL="457200" lvl="0" indent="-228600" algn="ctr">
               <a:lnSpc>
                 <a:spcPct val="100000"/>
               </a:lnSpc>
@@ -1163,7 +1189,7 @@
               <a:buNone/>
               <a:defRPr sz="7400"/>
             </a:lvl1pPr>
-            <a:lvl2pPr indent="-228600" lvl="1" marL="914400" algn="ctr">
+            <a:lvl2pPr marL="914400" lvl="1" indent="-228600" algn="ctr">
               <a:lnSpc>
                 <a:spcPct val="100000"/>
               </a:lnSpc>
@@ -1181,7 +1207,7 @@
               <a:buNone/>
               <a:defRPr sz="7400"/>
             </a:lvl2pPr>
-            <a:lvl3pPr indent="-228600" lvl="2" marL="1371600" algn="ctr">
+            <a:lvl3pPr marL="1371600" lvl="2" indent="-228600" algn="ctr">
               <a:lnSpc>
                 <a:spcPct val="100000"/>
               </a:lnSpc>
@@ -1199,7 +1225,7 @@
               <a:buNone/>
               <a:defRPr sz="7400"/>
             </a:lvl3pPr>
-            <a:lvl4pPr indent="-228600" lvl="3" marL="1828800" algn="ctr">
+            <a:lvl4pPr marL="1828800" lvl="3" indent="-228600" algn="ctr">
               <a:lnSpc>
                 <a:spcPct val="100000"/>
               </a:lnSpc>
@@ -1217,7 +1243,7 @@
               <a:buNone/>
               <a:defRPr sz="7400"/>
             </a:lvl4pPr>
-            <a:lvl5pPr indent="-228600" lvl="4" marL="2286000" algn="ctr">
+            <a:lvl5pPr marL="2286000" lvl="4" indent="-228600" algn="ctr">
               <a:lnSpc>
                 <a:spcPct val="100000"/>
               </a:lnSpc>
@@ -1235,7 +1261,7 @@
               <a:buNone/>
               <a:defRPr sz="7400"/>
             </a:lvl5pPr>
-            <a:lvl6pPr indent="-533400" lvl="5" marL="2743200" algn="l">
+            <a:lvl6pPr marL="2743200" lvl="5" indent="-533400" algn="l">
               <a:lnSpc>
                 <a:spcPct val="115000"/>
               </a:lnSpc>
@@ -1249,7 +1275,7 @@
               <a:buChar char="■"/>
               <a:defRPr/>
             </a:lvl6pPr>
-            <a:lvl7pPr indent="-533400" lvl="6" marL="3200400" algn="l">
+            <a:lvl7pPr marL="3200400" lvl="6" indent="-533400" algn="l">
               <a:lnSpc>
                 <a:spcPct val="115000"/>
               </a:lnSpc>
@@ -1263,7 +1289,7 @@
               <a:buChar char="●"/>
               <a:defRPr/>
             </a:lvl7pPr>
-            <a:lvl8pPr indent="-533400" lvl="7" marL="3657600" algn="l">
+            <a:lvl8pPr marL="3657600" lvl="7" indent="-533400" algn="l">
               <a:lnSpc>
                 <a:spcPct val="115000"/>
               </a:lnSpc>
@@ -1277,7 +1303,7 @@
               <a:buChar char="○"/>
               <a:defRPr/>
             </a:lvl8pPr>
-            <a:lvl9pPr indent="-533400" lvl="8" marL="4114800" algn="l">
+            <a:lvl9pPr marL="4114800" lvl="8" indent="-533400" algn="l">
               <a:lnSpc>
                 <a:spcPct val="115000"/>
               </a:lnSpc>
@@ -1292,15 +1318,19 @@
               <a:defRPr/>
             </a:lvl9pPr>
           </a:lstStyle>
-          <a:p/>
+          <a:p>
+            <a:endParaRPr/>
+          </a:p>
         </p:txBody>
       </p:sp>
       <p:sp>
         <p:nvSpPr>
           <p:cNvPr id="12" name="Google Shape;12;p2"/>
-          <p:cNvSpPr txBox="1"/>
+          <p:cNvSpPr txBox="1">
+            <a:spLocks noGrp="1"/>
+          </p:cNvSpPr>
           <p:nvPr>
-            <p:ph idx="12" type="sldNum"/>
+            <p:ph type="sldNum" idx="12"/>
           </p:nvPr>
         </p:nvSpPr>
         <p:spPr>
@@ -1317,27 +1347,27 @@
           </a:ln>
         </p:spPr>
         <p:txBody>
-          <a:bodyPr anchorCtr="0" anchor="ctr" bIns="243775" lIns="243775" spcFirstLastPara="1" rIns="243775" wrap="square" tIns="243775">
+          <a:bodyPr spcFirstLastPara="1" wrap="square" lIns="243775" tIns="243775" rIns="243775" bIns="243775" anchor="ctr" anchorCtr="0">
             <a:noAutofit/>
           </a:bodyPr>
           <a:lstStyle>
-            <a:lvl1pPr indent="0" lvl="0" marL="0" marR="0" algn="r">
-              <a:lnSpc>
-                <a:spcPct val="100000"/>
-              </a:lnSpc>
-              <a:spcBef>
-                <a:spcPts val="0"/>
-              </a:spcBef>
-              <a:spcAft>
-                <a:spcPts val="0"/>
-              </a:spcAft>
-              <a:buClr>
-                <a:srgbClr val="ADADAD"/>
-              </a:buClr>
-              <a:buSzPts val="2600"/>
-              <a:buFont typeface="Arial"/>
-              <a:buNone/>
-              <a:defRPr b="0" i="0" sz="2600" u="none" cap="none" strike="noStrike">
+            <a:lvl1pPr marL="0" marR="0" lvl="0" indent="0" algn="r">
+              <a:lnSpc>
+                <a:spcPct val="100000"/>
+              </a:lnSpc>
+              <a:spcBef>
+                <a:spcPts val="0"/>
+              </a:spcBef>
+              <a:spcAft>
+                <a:spcPts val="0"/>
+              </a:spcAft>
+              <a:buClr>
+                <a:srgbClr val="ADADAD"/>
+              </a:buClr>
+              <a:buSzPts val="2600"/>
+              <a:buFont typeface="Arial"/>
+              <a:buNone/>
+              <a:defRPr sz="2600" b="0" i="0" u="none" strike="noStrike" cap="none">
                 <a:solidFill>
                   <a:srgbClr val="ADADAD"/>
                 </a:solidFill>
@@ -1347,23 +1377,23 @@
                 <a:sym typeface="Arial"/>
               </a:defRPr>
             </a:lvl1pPr>
-            <a:lvl2pPr indent="0" lvl="1" marL="0" marR="0" algn="r">
-              <a:lnSpc>
-                <a:spcPct val="100000"/>
-              </a:lnSpc>
-              <a:spcBef>
-                <a:spcPts val="0"/>
-              </a:spcBef>
-              <a:spcAft>
-                <a:spcPts val="0"/>
-              </a:spcAft>
-              <a:buClr>
-                <a:srgbClr val="ADADAD"/>
-              </a:buClr>
-              <a:buSzPts val="2600"/>
-              <a:buFont typeface="Arial"/>
-              <a:buNone/>
-              <a:defRPr b="0" i="0" sz="2600" u="none" cap="none" strike="noStrike">
+            <a:lvl2pPr marL="0" marR="0" lvl="1" indent="0" algn="r">
+              <a:lnSpc>
+                <a:spcPct val="100000"/>
+              </a:lnSpc>
+              <a:spcBef>
+                <a:spcPts val="0"/>
+              </a:spcBef>
+              <a:spcAft>
+                <a:spcPts val="0"/>
+              </a:spcAft>
+              <a:buClr>
+                <a:srgbClr val="ADADAD"/>
+              </a:buClr>
+              <a:buSzPts val="2600"/>
+              <a:buFont typeface="Arial"/>
+              <a:buNone/>
+              <a:defRPr sz="2600" b="0" i="0" u="none" strike="noStrike" cap="none">
                 <a:solidFill>
                   <a:srgbClr val="ADADAD"/>
                 </a:solidFill>
@@ -1373,23 +1403,23 @@
                 <a:sym typeface="Arial"/>
               </a:defRPr>
             </a:lvl2pPr>
-            <a:lvl3pPr indent="0" lvl="2" marL="0" marR="0" algn="r">
-              <a:lnSpc>
-                <a:spcPct val="100000"/>
-              </a:lnSpc>
-              <a:spcBef>
-                <a:spcPts val="0"/>
-              </a:spcBef>
-              <a:spcAft>
-                <a:spcPts val="0"/>
-              </a:spcAft>
-              <a:buClr>
-                <a:srgbClr val="ADADAD"/>
-              </a:buClr>
-              <a:buSzPts val="2600"/>
-              <a:buFont typeface="Arial"/>
-              <a:buNone/>
-              <a:defRPr b="0" i="0" sz="2600" u="none" cap="none" strike="noStrike">
+            <a:lvl3pPr marL="0" marR="0" lvl="2" indent="0" algn="r">
+              <a:lnSpc>
+                <a:spcPct val="100000"/>
+              </a:lnSpc>
+              <a:spcBef>
+                <a:spcPts val="0"/>
+              </a:spcBef>
+              <a:spcAft>
+                <a:spcPts val="0"/>
+              </a:spcAft>
+              <a:buClr>
+                <a:srgbClr val="ADADAD"/>
+              </a:buClr>
+              <a:buSzPts val="2600"/>
+              <a:buFont typeface="Arial"/>
+              <a:buNone/>
+              <a:defRPr sz="2600" b="0" i="0" u="none" strike="noStrike" cap="none">
                 <a:solidFill>
                   <a:srgbClr val="ADADAD"/>
                 </a:solidFill>
@@ -1399,23 +1429,23 @@
                 <a:sym typeface="Arial"/>
               </a:defRPr>
             </a:lvl3pPr>
-            <a:lvl4pPr indent="0" lvl="3" marL="0" marR="0" algn="r">
-              <a:lnSpc>
-                <a:spcPct val="100000"/>
-              </a:lnSpc>
-              <a:spcBef>
-                <a:spcPts val="0"/>
-              </a:spcBef>
-              <a:spcAft>
-                <a:spcPts val="0"/>
-              </a:spcAft>
-              <a:buClr>
-                <a:srgbClr val="ADADAD"/>
-              </a:buClr>
-              <a:buSzPts val="2600"/>
-              <a:buFont typeface="Arial"/>
-              <a:buNone/>
-              <a:defRPr b="0" i="0" sz="2600" u="none" cap="none" strike="noStrike">
+            <a:lvl4pPr marL="0" marR="0" lvl="3" indent="0" algn="r">
+              <a:lnSpc>
+                <a:spcPct val="100000"/>
+              </a:lnSpc>
+              <a:spcBef>
+                <a:spcPts val="0"/>
+              </a:spcBef>
+              <a:spcAft>
+                <a:spcPts val="0"/>
+              </a:spcAft>
+              <a:buClr>
+                <a:srgbClr val="ADADAD"/>
+              </a:buClr>
+              <a:buSzPts val="2600"/>
+              <a:buFont typeface="Arial"/>
+              <a:buNone/>
+              <a:defRPr sz="2600" b="0" i="0" u="none" strike="noStrike" cap="none">
                 <a:solidFill>
                   <a:srgbClr val="ADADAD"/>
                 </a:solidFill>
@@ -1425,23 +1455,23 @@
                 <a:sym typeface="Arial"/>
               </a:defRPr>
             </a:lvl4pPr>
-            <a:lvl5pPr indent="0" lvl="4" marL="0" marR="0" algn="r">
-              <a:lnSpc>
-                <a:spcPct val="100000"/>
-              </a:lnSpc>
-              <a:spcBef>
-                <a:spcPts val="0"/>
-              </a:spcBef>
-              <a:spcAft>
-                <a:spcPts val="0"/>
-              </a:spcAft>
-              <a:buClr>
-                <a:srgbClr val="ADADAD"/>
-              </a:buClr>
-              <a:buSzPts val="2600"/>
-              <a:buFont typeface="Arial"/>
-              <a:buNone/>
-              <a:defRPr b="0" i="0" sz="2600" u="none" cap="none" strike="noStrike">
+            <a:lvl5pPr marL="0" marR="0" lvl="4" indent="0" algn="r">
+              <a:lnSpc>
+                <a:spcPct val="100000"/>
+              </a:lnSpc>
+              <a:spcBef>
+                <a:spcPts val="0"/>
+              </a:spcBef>
+              <a:spcAft>
+                <a:spcPts val="0"/>
+              </a:spcAft>
+              <a:buClr>
+                <a:srgbClr val="ADADAD"/>
+              </a:buClr>
+              <a:buSzPts val="2600"/>
+              <a:buFont typeface="Arial"/>
+              <a:buNone/>
+              <a:defRPr sz="2600" b="0" i="0" u="none" strike="noStrike" cap="none">
                 <a:solidFill>
                   <a:srgbClr val="ADADAD"/>
                 </a:solidFill>
@@ -1451,23 +1481,23 @@
                 <a:sym typeface="Arial"/>
               </a:defRPr>
             </a:lvl5pPr>
-            <a:lvl6pPr indent="0" lvl="5" marL="0" marR="0" algn="r">
-              <a:lnSpc>
-                <a:spcPct val="100000"/>
-              </a:lnSpc>
-              <a:spcBef>
-                <a:spcPts val="0"/>
-              </a:spcBef>
-              <a:spcAft>
-                <a:spcPts val="0"/>
-              </a:spcAft>
-              <a:buClr>
-                <a:srgbClr val="ADADAD"/>
-              </a:buClr>
-              <a:buSzPts val="2600"/>
-              <a:buFont typeface="Arial"/>
-              <a:buNone/>
-              <a:defRPr b="0" i="0" sz="2600" u="none" cap="none" strike="noStrike">
+            <a:lvl6pPr marL="0" marR="0" lvl="5" indent="0" algn="r">
+              <a:lnSpc>
+                <a:spcPct val="100000"/>
+              </a:lnSpc>
+              <a:spcBef>
+                <a:spcPts val="0"/>
+              </a:spcBef>
+              <a:spcAft>
+                <a:spcPts val="0"/>
+              </a:spcAft>
+              <a:buClr>
+                <a:srgbClr val="ADADAD"/>
+              </a:buClr>
+              <a:buSzPts val="2600"/>
+              <a:buFont typeface="Arial"/>
+              <a:buNone/>
+              <a:defRPr sz="2600" b="0" i="0" u="none" strike="noStrike" cap="none">
                 <a:solidFill>
                   <a:srgbClr val="ADADAD"/>
                 </a:solidFill>
@@ -1477,23 +1507,23 @@
                 <a:sym typeface="Arial"/>
               </a:defRPr>
             </a:lvl6pPr>
-            <a:lvl7pPr indent="0" lvl="6" marL="0" marR="0" algn="r">
-              <a:lnSpc>
-                <a:spcPct val="100000"/>
-              </a:lnSpc>
-              <a:spcBef>
-                <a:spcPts val="0"/>
-              </a:spcBef>
-              <a:spcAft>
-                <a:spcPts val="0"/>
-              </a:spcAft>
-              <a:buClr>
-                <a:srgbClr val="ADADAD"/>
-              </a:buClr>
-              <a:buSzPts val="2600"/>
-              <a:buFont typeface="Arial"/>
-              <a:buNone/>
-              <a:defRPr b="0" i="0" sz="2600" u="none" cap="none" strike="noStrike">
+            <a:lvl7pPr marL="0" marR="0" lvl="6" indent="0" algn="r">
+              <a:lnSpc>
+                <a:spcPct val="100000"/>
+              </a:lnSpc>
+              <a:spcBef>
+                <a:spcPts val="0"/>
+              </a:spcBef>
+              <a:spcAft>
+                <a:spcPts val="0"/>
+              </a:spcAft>
+              <a:buClr>
+                <a:srgbClr val="ADADAD"/>
+              </a:buClr>
+              <a:buSzPts val="2600"/>
+              <a:buFont typeface="Arial"/>
+              <a:buNone/>
+              <a:defRPr sz="2600" b="0" i="0" u="none" strike="noStrike" cap="none">
                 <a:solidFill>
                   <a:srgbClr val="ADADAD"/>
                 </a:solidFill>
@@ -1503,23 +1533,23 @@
                 <a:sym typeface="Arial"/>
               </a:defRPr>
             </a:lvl7pPr>
-            <a:lvl8pPr indent="0" lvl="7" marL="0" marR="0" algn="r">
-              <a:lnSpc>
-                <a:spcPct val="100000"/>
-              </a:lnSpc>
-              <a:spcBef>
-                <a:spcPts val="0"/>
-              </a:spcBef>
-              <a:spcAft>
-                <a:spcPts val="0"/>
-              </a:spcAft>
-              <a:buClr>
-                <a:srgbClr val="ADADAD"/>
-              </a:buClr>
-              <a:buSzPts val="2600"/>
-              <a:buFont typeface="Arial"/>
-              <a:buNone/>
-              <a:defRPr b="0" i="0" sz="2600" u="none" cap="none" strike="noStrike">
+            <a:lvl8pPr marL="0" marR="0" lvl="7" indent="0" algn="r">
+              <a:lnSpc>
+                <a:spcPct val="100000"/>
+              </a:lnSpc>
+              <a:spcBef>
+                <a:spcPts val="0"/>
+              </a:spcBef>
+              <a:spcAft>
+                <a:spcPts val="0"/>
+              </a:spcAft>
+              <a:buClr>
+                <a:srgbClr val="ADADAD"/>
+              </a:buClr>
+              <a:buSzPts val="2600"/>
+              <a:buFont typeface="Arial"/>
+              <a:buNone/>
+              <a:defRPr sz="2600" b="0" i="0" u="none" strike="noStrike" cap="none">
                 <a:solidFill>
                   <a:srgbClr val="ADADAD"/>
                 </a:solidFill>
@@ -1529,23 +1559,23 @@
                 <a:sym typeface="Arial"/>
               </a:defRPr>
             </a:lvl8pPr>
-            <a:lvl9pPr indent="0" lvl="8" marL="0" marR="0" algn="r">
-              <a:lnSpc>
-                <a:spcPct val="100000"/>
-              </a:lnSpc>
-              <a:spcBef>
-                <a:spcPts val="0"/>
-              </a:spcBef>
-              <a:spcAft>
-                <a:spcPts val="0"/>
-              </a:spcAft>
-              <a:buClr>
-                <a:srgbClr val="ADADAD"/>
-              </a:buClr>
-              <a:buSzPts val="2600"/>
-              <a:buFont typeface="Arial"/>
-              <a:buNone/>
-              <a:defRPr b="0" i="0" sz="2600" u="none" cap="none" strike="noStrike">
+            <a:lvl9pPr marL="0" marR="0" lvl="8" indent="0" algn="r">
+              <a:lnSpc>
+                <a:spcPct val="100000"/>
+              </a:lnSpc>
+              <a:spcBef>
+                <a:spcPts val="0"/>
+              </a:spcBef>
+              <a:spcAft>
+                <a:spcPts val="0"/>
+              </a:spcAft>
+              <a:buClr>
+                <a:srgbClr val="ADADAD"/>
+              </a:buClr>
+              <a:buSzPts val="2600"/>
+              <a:buFont typeface="Arial"/>
+              <a:buNone/>
+              <a:defRPr sz="2600" b="0" i="0" u="none" strike="noStrike" cap="none">
                 <a:solidFill>
                   <a:srgbClr val="ADADAD"/>
                 </a:solidFill>
@@ -1557,7 +1587,7 @@
             </a:lvl9pPr>
           </a:lstStyle>
           <a:p>
-            <a:pPr indent="0" lvl="0" marL="0" rtl="0" algn="r">
+            <a:pPr marL="0" lvl="0" indent="0" algn="r" rtl="0">
               <a:spcBef>
                 <a:spcPts val="0"/>
               </a:spcBef>
@@ -1583,11 +1613,11 @@
 </file>
 
 <file path=ppt/slideLayouts/slideLayout10.xml><?xml version="1.0" encoding="utf-8"?>
-<p:sldLayout xmlns:a="http://schemas.openxmlformats.org/drawingml/2006/main" xmlns:r="http://schemas.openxmlformats.org/officeDocument/2006/relationships" xmlns:mc="http://schemas.openxmlformats.org/markup-compatibility/2006" xmlns:mv="urn:schemas-microsoft-com:mac:vml" xmlns:p="http://schemas.openxmlformats.org/presentationml/2006/main" xmlns:c="http://schemas.openxmlformats.org/drawingml/2006/chart" xmlns:dgm="http://schemas.openxmlformats.org/drawingml/2006/diagram" xmlns:o="urn:schemas-microsoft-com:office:office" xmlns:v="urn:schemas-microsoft-com:vml" xmlns:pvml="urn:schemas-microsoft-com:office:powerpoint" xmlns:com="http://schemas.openxmlformats.org/drawingml/2006/compatibility" xmlns:p14="http://schemas.microsoft.com/office/powerpoint/2010/main" xmlns:p15="http://schemas.microsoft.com/office/powerpoint/2012/main" xmlns:ahyp="http://schemas.microsoft.com/office/drawing/2018/hyperlinkcolor" matchingName="BLANK" type="blank">
+<p:sldLayout xmlns:a="http://schemas.openxmlformats.org/drawingml/2006/main" xmlns:r="http://schemas.openxmlformats.org/officeDocument/2006/relationships" xmlns:p="http://schemas.openxmlformats.org/presentationml/2006/main" matchingName="BLANK" type="blank">
   <p:cSld name="BLANK">
     <p:spTree>
       <p:nvGrpSpPr>
-        <p:cNvPr id="45" name="Shape 45"/>
+        <p:cNvPr id="1" name="Shape 45"/>
         <p:cNvGrpSpPr/>
         <p:nvPr/>
       </p:nvGrpSpPr>
@@ -1602,9 +1632,11 @@
       <p:sp>
         <p:nvSpPr>
           <p:cNvPr id="46" name="Google Shape;46;p11"/>
-          <p:cNvSpPr txBox="1"/>
+          <p:cNvSpPr txBox="1">
+            <a:spLocks noGrp="1"/>
+          </p:cNvSpPr>
           <p:nvPr>
-            <p:ph idx="12" type="sldNum"/>
+            <p:ph type="sldNum" idx="12"/>
           </p:nvPr>
         </p:nvSpPr>
         <p:spPr>
@@ -1621,27 +1653,27 @@
           </a:ln>
         </p:spPr>
         <p:txBody>
-          <a:bodyPr anchorCtr="0" anchor="ctr" bIns="243775" lIns="243775" spcFirstLastPara="1" rIns="243775" wrap="square" tIns="243775">
+          <a:bodyPr spcFirstLastPara="1" wrap="square" lIns="243775" tIns="243775" rIns="243775" bIns="243775" anchor="ctr" anchorCtr="0">
             <a:noAutofit/>
           </a:bodyPr>
           <a:lstStyle>
-            <a:lvl1pPr indent="0" lvl="0" marL="0" marR="0" algn="r">
-              <a:lnSpc>
-                <a:spcPct val="100000"/>
-              </a:lnSpc>
-              <a:spcBef>
-                <a:spcPts val="0"/>
-              </a:spcBef>
-              <a:spcAft>
-                <a:spcPts val="0"/>
-              </a:spcAft>
-              <a:buClr>
-                <a:srgbClr val="ADADAD"/>
-              </a:buClr>
-              <a:buSzPts val="2600"/>
-              <a:buFont typeface="Arial"/>
-              <a:buNone/>
-              <a:defRPr b="0" i="0" sz="2600" u="none" cap="none" strike="noStrike">
+            <a:lvl1pPr marL="0" marR="0" lvl="0" indent="0" algn="r">
+              <a:lnSpc>
+                <a:spcPct val="100000"/>
+              </a:lnSpc>
+              <a:spcBef>
+                <a:spcPts val="0"/>
+              </a:spcBef>
+              <a:spcAft>
+                <a:spcPts val="0"/>
+              </a:spcAft>
+              <a:buClr>
+                <a:srgbClr val="ADADAD"/>
+              </a:buClr>
+              <a:buSzPts val="2600"/>
+              <a:buFont typeface="Arial"/>
+              <a:buNone/>
+              <a:defRPr sz="2600" b="0" i="0" u="none" strike="noStrike" cap="none">
                 <a:solidFill>
                   <a:srgbClr val="ADADAD"/>
                 </a:solidFill>
@@ -1651,23 +1683,23 @@
                 <a:sym typeface="Arial"/>
               </a:defRPr>
             </a:lvl1pPr>
-            <a:lvl2pPr indent="0" lvl="1" marL="0" marR="0" algn="r">
-              <a:lnSpc>
-                <a:spcPct val="100000"/>
-              </a:lnSpc>
-              <a:spcBef>
-                <a:spcPts val="0"/>
-              </a:spcBef>
-              <a:spcAft>
-                <a:spcPts val="0"/>
-              </a:spcAft>
-              <a:buClr>
-                <a:srgbClr val="ADADAD"/>
-              </a:buClr>
-              <a:buSzPts val="2600"/>
-              <a:buFont typeface="Arial"/>
-              <a:buNone/>
-              <a:defRPr b="0" i="0" sz="2600" u="none" cap="none" strike="noStrike">
+            <a:lvl2pPr marL="0" marR="0" lvl="1" indent="0" algn="r">
+              <a:lnSpc>
+                <a:spcPct val="100000"/>
+              </a:lnSpc>
+              <a:spcBef>
+                <a:spcPts val="0"/>
+              </a:spcBef>
+              <a:spcAft>
+                <a:spcPts val="0"/>
+              </a:spcAft>
+              <a:buClr>
+                <a:srgbClr val="ADADAD"/>
+              </a:buClr>
+              <a:buSzPts val="2600"/>
+              <a:buFont typeface="Arial"/>
+              <a:buNone/>
+              <a:defRPr sz="2600" b="0" i="0" u="none" strike="noStrike" cap="none">
                 <a:solidFill>
                   <a:srgbClr val="ADADAD"/>
                 </a:solidFill>
@@ -1677,23 +1709,23 @@
                 <a:sym typeface="Arial"/>
               </a:defRPr>
             </a:lvl2pPr>
-            <a:lvl3pPr indent="0" lvl="2" marL="0" marR="0" algn="r">
-              <a:lnSpc>
-                <a:spcPct val="100000"/>
-              </a:lnSpc>
-              <a:spcBef>
-                <a:spcPts val="0"/>
-              </a:spcBef>
-              <a:spcAft>
-                <a:spcPts val="0"/>
-              </a:spcAft>
-              <a:buClr>
-                <a:srgbClr val="ADADAD"/>
-              </a:buClr>
-              <a:buSzPts val="2600"/>
-              <a:buFont typeface="Arial"/>
-              <a:buNone/>
-              <a:defRPr b="0" i="0" sz="2600" u="none" cap="none" strike="noStrike">
+            <a:lvl3pPr marL="0" marR="0" lvl="2" indent="0" algn="r">
+              <a:lnSpc>
+                <a:spcPct val="100000"/>
+              </a:lnSpc>
+              <a:spcBef>
+                <a:spcPts val="0"/>
+              </a:spcBef>
+              <a:spcAft>
+                <a:spcPts val="0"/>
+              </a:spcAft>
+              <a:buClr>
+                <a:srgbClr val="ADADAD"/>
+              </a:buClr>
+              <a:buSzPts val="2600"/>
+              <a:buFont typeface="Arial"/>
+              <a:buNone/>
+              <a:defRPr sz="2600" b="0" i="0" u="none" strike="noStrike" cap="none">
                 <a:solidFill>
                   <a:srgbClr val="ADADAD"/>
                 </a:solidFill>
@@ -1703,23 +1735,23 @@
                 <a:sym typeface="Arial"/>
               </a:defRPr>
             </a:lvl3pPr>
-            <a:lvl4pPr indent="0" lvl="3" marL="0" marR="0" algn="r">
-              <a:lnSpc>
-                <a:spcPct val="100000"/>
-              </a:lnSpc>
-              <a:spcBef>
-                <a:spcPts val="0"/>
-              </a:spcBef>
-              <a:spcAft>
-                <a:spcPts val="0"/>
-              </a:spcAft>
-              <a:buClr>
-                <a:srgbClr val="ADADAD"/>
-              </a:buClr>
-              <a:buSzPts val="2600"/>
-              <a:buFont typeface="Arial"/>
-              <a:buNone/>
-              <a:defRPr b="0" i="0" sz="2600" u="none" cap="none" strike="noStrike">
+            <a:lvl4pPr marL="0" marR="0" lvl="3" indent="0" algn="r">
+              <a:lnSpc>
+                <a:spcPct val="100000"/>
+              </a:lnSpc>
+              <a:spcBef>
+                <a:spcPts val="0"/>
+              </a:spcBef>
+              <a:spcAft>
+                <a:spcPts val="0"/>
+              </a:spcAft>
+              <a:buClr>
+                <a:srgbClr val="ADADAD"/>
+              </a:buClr>
+              <a:buSzPts val="2600"/>
+              <a:buFont typeface="Arial"/>
+              <a:buNone/>
+              <a:defRPr sz="2600" b="0" i="0" u="none" strike="noStrike" cap="none">
                 <a:solidFill>
                   <a:srgbClr val="ADADAD"/>
                 </a:solidFill>
@@ -1729,23 +1761,23 @@
                 <a:sym typeface="Arial"/>
               </a:defRPr>
             </a:lvl4pPr>
-            <a:lvl5pPr indent="0" lvl="4" marL="0" marR="0" algn="r">
-              <a:lnSpc>
-                <a:spcPct val="100000"/>
-              </a:lnSpc>
-              <a:spcBef>
-                <a:spcPts val="0"/>
-              </a:spcBef>
-              <a:spcAft>
-                <a:spcPts val="0"/>
-              </a:spcAft>
-              <a:buClr>
-                <a:srgbClr val="ADADAD"/>
-              </a:buClr>
-              <a:buSzPts val="2600"/>
-              <a:buFont typeface="Arial"/>
-              <a:buNone/>
-              <a:defRPr b="0" i="0" sz="2600" u="none" cap="none" strike="noStrike">
+            <a:lvl5pPr marL="0" marR="0" lvl="4" indent="0" algn="r">
+              <a:lnSpc>
+                <a:spcPct val="100000"/>
+              </a:lnSpc>
+              <a:spcBef>
+                <a:spcPts val="0"/>
+              </a:spcBef>
+              <a:spcAft>
+                <a:spcPts val="0"/>
+              </a:spcAft>
+              <a:buClr>
+                <a:srgbClr val="ADADAD"/>
+              </a:buClr>
+              <a:buSzPts val="2600"/>
+              <a:buFont typeface="Arial"/>
+              <a:buNone/>
+              <a:defRPr sz="2600" b="0" i="0" u="none" strike="noStrike" cap="none">
                 <a:solidFill>
                   <a:srgbClr val="ADADAD"/>
                 </a:solidFill>
@@ -1755,23 +1787,23 @@
                 <a:sym typeface="Arial"/>
               </a:defRPr>
             </a:lvl5pPr>
-            <a:lvl6pPr indent="0" lvl="5" marL="0" marR="0" algn="r">
-              <a:lnSpc>
-                <a:spcPct val="100000"/>
-              </a:lnSpc>
-              <a:spcBef>
-                <a:spcPts val="0"/>
-              </a:spcBef>
-              <a:spcAft>
-                <a:spcPts val="0"/>
-              </a:spcAft>
-              <a:buClr>
-                <a:srgbClr val="ADADAD"/>
-              </a:buClr>
-              <a:buSzPts val="2600"/>
-              <a:buFont typeface="Arial"/>
-              <a:buNone/>
-              <a:defRPr b="0" i="0" sz="2600" u="none" cap="none" strike="noStrike">
+            <a:lvl6pPr marL="0" marR="0" lvl="5" indent="0" algn="r">
+              <a:lnSpc>
+                <a:spcPct val="100000"/>
+              </a:lnSpc>
+              <a:spcBef>
+                <a:spcPts val="0"/>
+              </a:spcBef>
+              <a:spcAft>
+                <a:spcPts val="0"/>
+              </a:spcAft>
+              <a:buClr>
+                <a:srgbClr val="ADADAD"/>
+              </a:buClr>
+              <a:buSzPts val="2600"/>
+              <a:buFont typeface="Arial"/>
+              <a:buNone/>
+              <a:defRPr sz="2600" b="0" i="0" u="none" strike="noStrike" cap="none">
                 <a:solidFill>
                   <a:srgbClr val="ADADAD"/>
                 </a:solidFill>
@@ -1781,23 +1813,23 @@
                 <a:sym typeface="Arial"/>
               </a:defRPr>
             </a:lvl6pPr>
-            <a:lvl7pPr indent="0" lvl="6" marL="0" marR="0" algn="r">
-              <a:lnSpc>
-                <a:spcPct val="100000"/>
-              </a:lnSpc>
-              <a:spcBef>
-                <a:spcPts val="0"/>
-              </a:spcBef>
-              <a:spcAft>
-                <a:spcPts val="0"/>
-              </a:spcAft>
-              <a:buClr>
-                <a:srgbClr val="ADADAD"/>
-              </a:buClr>
-              <a:buSzPts val="2600"/>
-              <a:buFont typeface="Arial"/>
-              <a:buNone/>
-              <a:defRPr b="0" i="0" sz="2600" u="none" cap="none" strike="noStrike">
+            <a:lvl7pPr marL="0" marR="0" lvl="6" indent="0" algn="r">
+              <a:lnSpc>
+                <a:spcPct val="100000"/>
+              </a:lnSpc>
+              <a:spcBef>
+                <a:spcPts val="0"/>
+              </a:spcBef>
+              <a:spcAft>
+                <a:spcPts val="0"/>
+              </a:spcAft>
+              <a:buClr>
+                <a:srgbClr val="ADADAD"/>
+              </a:buClr>
+              <a:buSzPts val="2600"/>
+              <a:buFont typeface="Arial"/>
+              <a:buNone/>
+              <a:defRPr sz="2600" b="0" i="0" u="none" strike="noStrike" cap="none">
                 <a:solidFill>
                   <a:srgbClr val="ADADAD"/>
                 </a:solidFill>
@@ -1807,23 +1839,23 @@
                 <a:sym typeface="Arial"/>
               </a:defRPr>
             </a:lvl7pPr>
-            <a:lvl8pPr indent="0" lvl="7" marL="0" marR="0" algn="r">
-              <a:lnSpc>
-                <a:spcPct val="100000"/>
-              </a:lnSpc>
-              <a:spcBef>
-                <a:spcPts val="0"/>
-              </a:spcBef>
-              <a:spcAft>
-                <a:spcPts val="0"/>
-              </a:spcAft>
-              <a:buClr>
-                <a:srgbClr val="ADADAD"/>
-              </a:buClr>
-              <a:buSzPts val="2600"/>
-              <a:buFont typeface="Arial"/>
-              <a:buNone/>
-              <a:defRPr b="0" i="0" sz="2600" u="none" cap="none" strike="noStrike">
+            <a:lvl8pPr marL="0" marR="0" lvl="7" indent="0" algn="r">
+              <a:lnSpc>
+                <a:spcPct val="100000"/>
+              </a:lnSpc>
+              <a:spcBef>
+                <a:spcPts val="0"/>
+              </a:spcBef>
+              <a:spcAft>
+                <a:spcPts val="0"/>
+              </a:spcAft>
+              <a:buClr>
+                <a:srgbClr val="ADADAD"/>
+              </a:buClr>
+              <a:buSzPts val="2600"/>
+              <a:buFont typeface="Arial"/>
+              <a:buNone/>
+              <a:defRPr sz="2600" b="0" i="0" u="none" strike="noStrike" cap="none">
                 <a:solidFill>
                   <a:srgbClr val="ADADAD"/>
                 </a:solidFill>
@@ -1833,23 +1865,23 @@
                 <a:sym typeface="Arial"/>
               </a:defRPr>
             </a:lvl8pPr>
-            <a:lvl9pPr indent="0" lvl="8" marL="0" marR="0" algn="r">
-              <a:lnSpc>
-                <a:spcPct val="100000"/>
-              </a:lnSpc>
-              <a:spcBef>
-                <a:spcPts val="0"/>
-              </a:spcBef>
-              <a:spcAft>
-                <a:spcPts val="0"/>
-              </a:spcAft>
-              <a:buClr>
-                <a:srgbClr val="ADADAD"/>
-              </a:buClr>
-              <a:buSzPts val="2600"/>
-              <a:buFont typeface="Arial"/>
-              <a:buNone/>
-              <a:defRPr b="0" i="0" sz="2600" u="none" cap="none" strike="noStrike">
+            <a:lvl9pPr marL="0" marR="0" lvl="8" indent="0" algn="r">
+              <a:lnSpc>
+                <a:spcPct val="100000"/>
+              </a:lnSpc>
+              <a:spcBef>
+                <a:spcPts val="0"/>
+              </a:spcBef>
+              <a:spcAft>
+                <a:spcPts val="0"/>
+              </a:spcAft>
+              <a:buClr>
+                <a:srgbClr val="ADADAD"/>
+              </a:buClr>
+              <a:buSzPts val="2600"/>
+              <a:buFont typeface="Arial"/>
+              <a:buNone/>
+              <a:defRPr sz="2600" b="0" i="0" u="none" strike="noStrike" cap="none">
                 <a:solidFill>
                   <a:srgbClr val="ADADAD"/>
                 </a:solidFill>
@@ -1861,7 +1893,7 @@
             </a:lvl9pPr>
           </a:lstStyle>
           <a:p>
-            <a:pPr indent="0" lvl="0" marL="0" rtl="0" algn="r">
+            <a:pPr marL="0" lvl="0" indent="0" algn="r" rtl="0">
               <a:spcBef>
                 <a:spcPts val="0"/>
               </a:spcBef>
@@ -1887,11 +1919,11 @@
 </file>
 
 <file path=ppt/slideLayouts/slideLayout2.xml><?xml version="1.0" encoding="utf-8"?>
-<p:sldLayout xmlns:a="http://schemas.openxmlformats.org/drawingml/2006/main" xmlns:r="http://schemas.openxmlformats.org/officeDocument/2006/relationships" xmlns:mc="http://schemas.openxmlformats.org/markup-compatibility/2006" xmlns:mv="urn:schemas-microsoft-com:mac:vml" xmlns:p="http://schemas.openxmlformats.org/presentationml/2006/main" xmlns:c="http://schemas.openxmlformats.org/drawingml/2006/chart" xmlns:dgm="http://schemas.openxmlformats.org/drawingml/2006/diagram" xmlns:o="urn:schemas-microsoft-com:office:office" xmlns:v="urn:schemas-microsoft-com:vml" xmlns:pvml="urn:schemas-microsoft-com:office:powerpoint" xmlns:com="http://schemas.openxmlformats.org/drawingml/2006/compatibility" xmlns:p14="http://schemas.microsoft.com/office/powerpoint/2010/main" xmlns:p15="http://schemas.microsoft.com/office/powerpoint/2012/main" xmlns:ahyp="http://schemas.microsoft.com/office/drawing/2018/hyperlinkcolor" matchingName="TITLE_AND_BODY" type="tx">
+<p:sldLayout xmlns:a="http://schemas.openxmlformats.org/drawingml/2006/main" xmlns:r="http://schemas.openxmlformats.org/officeDocument/2006/relationships" xmlns:p="http://schemas.openxmlformats.org/presentationml/2006/main" matchingName="TITLE_AND_BODY" type="tx">
   <p:cSld name="TITLE_AND_BODY">
     <p:spTree>
       <p:nvGrpSpPr>
-        <p:cNvPr id="13" name="Shape 13"/>
+        <p:cNvPr id="1" name="Shape 13"/>
         <p:cNvGrpSpPr/>
         <p:nvPr/>
       </p:nvGrpSpPr>
@@ -1906,7 +1938,9 @@
       <p:sp>
         <p:nvSpPr>
           <p:cNvPr id="14" name="Google Shape;14;p3"/>
-          <p:cNvSpPr txBox="1"/>
+          <p:cNvSpPr txBox="1">
+            <a:spLocks noGrp="1"/>
+          </p:cNvSpPr>
           <p:nvPr>
             <p:ph type="title"/>
           </p:nvPr>
@@ -1925,7 +1959,7 @@
           </a:ln>
         </p:spPr>
         <p:txBody>
-          <a:bodyPr anchorCtr="0" anchor="t" bIns="243775" lIns="243775" spcFirstLastPara="1" rIns="243775" wrap="square" tIns="243775">
+          <a:bodyPr spcFirstLastPara="1" wrap="square" lIns="243775" tIns="243775" rIns="243775" bIns="243775" anchor="t" anchorCtr="0">
             <a:noAutofit/>
           </a:bodyPr>
           <a:lstStyle>
@@ -2083,15 +2117,19 @@
               <a:defRPr/>
             </a:lvl9pPr>
           </a:lstStyle>
-          <a:p/>
+          <a:p>
+            <a:endParaRPr/>
+          </a:p>
         </p:txBody>
       </p:sp>
       <p:sp>
         <p:nvSpPr>
           <p:cNvPr id="15" name="Google Shape;15;p3"/>
-          <p:cNvSpPr txBox="1"/>
+          <p:cNvSpPr txBox="1">
+            <a:spLocks noGrp="1"/>
+          </p:cNvSpPr>
           <p:nvPr>
-            <p:ph idx="1" type="body"/>
+            <p:ph type="body" idx="1"/>
           </p:nvPr>
         </p:nvSpPr>
         <p:spPr>
@@ -2108,11 +2146,11 @@
           </a:ln>
         </p:spPr>
         <p:txBody>
-          <a:bodyPr anchorCtr="0" anchor="t" bIns="243775" lIns="243775" spcFirstLastPara="1" rIns="243775" wrap="square" tIns="243775">
+          <a:bodyPr spcFirstLastPara="1" wrap="square" lIns="243775" tIns="243775" rIns="243775" bIns="243775" anchor="t" anchorCtr="0">
             <a:noAutofit/>
           </a:bodyPr>
           <a:lstStyle>
-            <a:lvl1pPr indent="-533400" lvl="0" marL="457200" algn="l">
+            <a:lvl1pPr marL="457200" lvl="0" indent="-533400" algn="l">
               <a:lnSpc>
                 <a:spcPct val="115000"/>
               </a:lnSpc>
@@ -2126,7 +2164,7 @@
               <a:buChar char="●"/>
               <a:defRPr/>
             </a:lvl1pPr>
-            <a:lvl2pPr indent="-533400" lvl="1" marL="914400" algn="l">
+            <a:lvl2pPr marL="914400" lvl="1" indent="-533400" algn="l">
               <a:lnSpc>
                 <a:spcPct val="115000"/>
               </a:lnSpc>
@@ -2140,7 +2178,7 @@
               <a:buChar char="○"/>
               <a:defRPr/>
             </a:lvl2pPr>
-            <a:lvl3pPr indent="-533400" lvl="2" marL="1371600" algn="l">
+            <a:lvl3pPr marL="1371600" lvl="2" indent="-533400" algn="l">
               <a:lnSpc>
                 <a:spcPct val="115000"/>
               </a:lnSpc>
@@ -2154,7 +2192,7 @@
               <a:buChar char="■"/>
               <a:defRPr/>
             </a:lvl3pPr>
-            <a:lvl4pPr indent="-533400" lvl="3" marL="1828800" algn="l">
+            <a:lvl4pPr marL="1828800" lvl="3" indent="-533400" algn="l">
               <a:lnSpc>
                 <a:spcPct val="115000"/>
               </a:lnSpc>
@@ -2168,7 +2206,7 @@
               <a:buChar char="●"/>
               <a:defRPr/>
             </a:lvl4pPr>
-            <a:lvl5pPr indent="-533400" lvl="4" marL="2286000" algn="l">
+            <a:lvl5pPr marL="2286000" lvl="4" indent="-533400" algn="l">
               <a:lnSpc>
                 <a:spcPct val="115000"/>
               </a:lnSpc>
@@ -2182,7 +2220,7 @@
               <a:buChar char="○"/>
               <a:defRPr/>
             </a:lvl5pPr>
-            <a:lvl6pPr indent="-533400" lvl="5" marL="2743200" algn="l">
+            <a:lvl6pPr marL="2743200" lvl="5" indent="-533400" algn="l">
               <a:lnSpc>
                 <a:spcPct val="115000"/>
               </a:lnSpc>
@@ -2196,7 +2234,7 @@
               <a:buChar char="■"/>
               <a:defRPr/>
             </a:lvl6pPr>
-            <a:lvl7pPr indent="-533400" lvl="6" marL="3200400" algn="l">
+            <a:lvl7pPr marL="3200400" lvl="6" indent="-533400" algn="l">
               <a:lnSpc>
                 <a:spcPct val="115000"/>
               </a:lnSpc>
@@ -2210,7 +2248,7 @@
               <a:buChar char="●"/>
               <a:defRPr/>
             </a:lvl7pPr>
-            <a:lvl8pPr indent="-533400" lvl="7" marL="3657600" algn="l">
+            <a:lvl8pPr marL="3657600" lvl="7" indent="-533400" algn="l">
               <a:lnSpc>
                 <a:spcPct val="115000"/>
               </a:lnSpc>
@@ -2224,7 +2262,7 @@
               <a:buChar char="○"/>
               <a:defRPr/>
             </a:lvl8pPr>
-            <a:lvl9pPr indent="-533400" lvl="8" marL="4114800" algn="l">
+            <a:lvl9pPr marL="4114800" lvl="8" indent="-533400" algn="l">
               <a:lnSpc>
                 <a:spcPct val="115000"/>
               </a:lnSpc>
@@ -2239,15 +2277,19 @@
               <a:defRPr/>
             </a:lvl9pPr>
           </a:lstStyle>
-          <a:p/>
+          <a:p>
+            <a:endParaRPr/>
+          </a:p>
         </p:txBody>
       </p:sp>
       <p:sp>
         <p:nvSpPr>
           <p:cNvPr id="16" name="Google Shape;16;p3"/>
-          <p:cNvSpPr txBox="1"/>
+          <p:cNvSpPr txBox="1">
+            <a:spLocks noGrp="1"/>
+          </p:cNvSpPr>
           <p:nvPr>
-            <p:ph idx="12" type="sldNum"/>
+            <p:ph type="sldNum" idx="12"/>
           </p:nvPr>
         </p:nvSpPr>
         <p:spPr>
@@ -2264,27 +2306,27 @@
           </a:ln>
         </p:spPr>
         <p:txBody>
-          <a:bodyPr anchorCtr="0" anchor="ctr" bIns="243775" lIns="243775" spcFirstLastPara="1" rIns="243775" wrap="square" tIns="243775">
+          <a:bodyPr spcFirstLastPara="1" wrap="square" lIns="243775" tIns="243775" rIns="243775" bIns="243775" anchor="ctr" anchorCtr="0">
             <a:noAutofit/>
           </a:bodyPr>
           <a:lstStyle>
-            <a:lvl1pPr indent="0" lvl="0" marL="0" marR="0" algn="r">
-              <a:lnSpc>
-                <a:spcPct val="100000"/>
-              </a:lnSpc>
-              <a:spcBef>
-                <a:spcPts val="0"/>
-              </a:spcBef>
-              <a:spcAft>
-                <a:spcPts val="0"/>
-              </a:spcAft>
-              <a:buClr>
-                <a:srgbClr val="ADADAD"/>
-              </a:buClr>
-              <a:buSzPts val="2600"/>
-              <a:buFont typeface="Arial"/>
-              <a:buNone/>
-              <a:defRPr b="0" i="0" sz="2600" u="none" cap="none" strike="noStrike">
+            <a:lvl1pPr marL="0" marR="0" lvl="0" indent="0" algn="r">
+              <a:lnSpc>
+                <a:spcPct val="100000"/>
+              </a:lnSpc>
+              <a:spcBef>
+                <a:spcPts val="0"/>
+              </a:spcBef>
+              <a:spcAft>
+                <a:spcPts val="0"/>
+              </a:spcAft>
+              <a:buClr>
+                <a:srgbClr val="ADADAD"/>
+              </a:buClr>
+              <a:buSzPts val="2600"/>
+              <a:buFont typeface="Arial"/>
+              <a:buNone/>
+              <a:defRPr sz="2600" b="0" i="0" u="none" strike="noStrike" cap="none">
                 <a:solidFill>
                   <a:srgbClr val="ADADAD"/>
                 </a:solidFill>
@@ -2294,23 +2336,23 @@
                 <a:sym typeface="Arial"/>
               </a:defRPr>
             </a:lvl1pPr>
-            <a:lvl2pPr indent="0" lvl="1" marL="0" marR="0" algn="r">
-              <a:lnSpc>
-                <a:spcPct val="100000"/>
-              </a:lnSpc>
-              <a:spcBef>
-                <a:spcPts val="0"/>
-              </a:spcBef>
-              <a:spcAft>
-                <a:spcPts val="0"/>
-              </a:spcAft>
-              <a:buClr>
-                <a:srgbClr val="ADADAD"/>
-              </a:buClr>
-              <a:buSzPts val="2600"/>
-              <a:buFont typeface="Arial"/>
-              <a:buNone/>
-              <a:defRPr b="0" i="0" sz="2600" u="none" cap="none" strike="noStrike">
+            <a:lvl2pPr marL="0" marR="0" lvl="1" indent="0" algn="r">
+              <a:lnSpc>
+                <a:spcPct val="100000"/>
+              </a:lnSpc>
+              <a:spcBef>
+                <a:spcPts val="0"/>
+              </a:spcBef>
+              <a:spcAft>
+                <a:spcPts val="0"/>
+              </a:spcAft>
+              <a:buClr>
+                <a:srgbClr val="ADADAD"/>
+              </a:buClr>
+              <a:buSzPts val="2600"/>
+              <a:buFont typeface="Arial"/>
+              <a:buNone/>
+              <a:defRPr sz="2600" b="0" i="0" u="none" strike="noStrike" cap="none">
                 <a:solidFill>
                   <a:srgbClr val="ADADAD"/>
                 </a:solidFill>
@@ -2320,23 +2362,23 @@
                 <a:sym typeface="Arial"/>
               </a:defRPr>
             </a:lvl2pPr>
-            <a:lvl3pPr indent="0" lvl="2" marL="0" marR="0" algn="r">
-              <a:lnSpc>
-                <a:spcPct val="100000"/>
-              </a:lnSpc>
-              <a:spcBef>
-                <a:spcPts val="0"/>
-              </a:spcBef>
-              <a:spcAft>
-                <a:spcPts val="0"/>
-              </a:spcAft>
-              <a:buClr>
-                <a:srgbClr val="ADADAD"/>
-              </a:buClr>
-              <a:buSzPts val="2600"/>
-              <a:buFont typeface="Arial"/>
-              <a:buNone/>
-              <a:defRPr b="0" i="0" sz="2600" u="none" cap="none" strike="noStrike">
+            <a:lvl3pPr marL="0" marR="0" lvl="2" indent="0" algn="r">
+              <a:lnSpc>
+                <a:spcPct val="100000"/>
+              </a:lnSpc>
+              <a:spcBef>
+                <a:spcPts val="0"/>
+              </a:spcBef>
+              <a:spcAft>
+                <a:spcPts val="0"/>
+              </a:spcAft>
+              <a:buClr>
+                <a:srgbClr val="ADADAD"/>
+              </a:buClr>
+              <a:buSzPts val="2600"/>
+              <a:buFont typeface="Arial"/>
+              <a:buNone/>
+              <a:defRPr sz="2600" b="0" i="0" u="none" strike="noStrike" cap="none">
                 <a:solidFill>
                   <a:srgbClr val="ADADAD"/>
                 </a:solidFill>
@@ -2346,23 +2388,23 @@
                 <a:sym typeface="Arial"/>
               </a:defRPr>
             </a:lvl3pPr>
-            <a:lvl4pPr indent="0" lvl="3" marL="0" marR="0" algn="r">
-              <a:lnSpc>
-                <a:spcPct val="100000"/>
-              </a:lnSpc>
-              <a:spcBef>
-                <a:spcPts val="0"/>
-              </a:spcBef>
-              <a:spcAft>
-                <a:spcPts val="0"/>
-              </a:spcAft>
-              <a:buClr>
-                <a:srgbClr val="ADADAD"/>
-              </a:buClr>
-              <a:buSzPts val="2600"/>
-              <a:buFont typeface="Arial"/>
-              <a:buNone/>
-              <a:defRPr b="0" i="0" sz="2600" u="none" cap="none" strike="noStrike">
+            <a:lvl4pPr marL="0" marR="0" lvl="3" indent="0" algn="r">
+              <a:lnSpc>
+                <a:spcPct val="100000"/>
+              </a:lnSpc>
+              <a:spcBef>
+                <a:spcPts val="0"/>
+              </a:spcBef>
+              <a:spcAft>
+                <a:spcPts val="0"/>
+              </a:spcAft>
+              <a:buClr>
+                <a:srgbClr val="ADADAD"/>
+              </a:buClr>
+              <a:buSzPts val="2600"/>
+              <a:buFont typeface="Arial"/>
+              <a:buNone/>
+              <a:defRPr sz="2600" b="0" i="0" u="none" strike="noStrike" cap="none">
                 <a:solidFill>
                   <a:srgbClr val="ADADAD"/>
                 </a:solidFill>
@@ -2372,23 +2414,23 @@
                 <a:sym typeface="Arial"/>
               </a:defRPr>
             </a:lvl4pPr>
-            <a:lvl5pPr indent="0" lvl="4" marL="0" marR="0" algn="r">
-              <a:lnSpc>
-                <a:spcPct val="100000"/>
-              </a:lnSpc>
-              <a:spcBef>
-                <a:spcPts val="0"/>
-              </a:spcBef>
-              <a:spcAft>
-                <a:spcPts val="0"/>
-              </a:spcAft>
-              <a:buClr>
-                <a:srgbClr val="ADADAD"/>
-              </a:buClr>
-              <a:buSzPts val="2600"/>
-              <a:buFont typeface="Arial"/>
-              <a:buNone/>
-              <a:defRPr b="0" i="0" sz="2600" u="none" cap="none" strike="noStrike">
+            <a:lvl5pPr marL="0" marR="0" lvl="4" indent="0" algn="r">
+              <a:lnSpc>
+                <a:spcPct val="100000"/>
+              </a:lnSpc>
+              <a:spcBef>
+                <a:spcPts val="0"/>
+              </a:spcBef>
+              <a:spcAft>
+                <a:spcPts val="0"/>
+              </a:spcAft>
+              <a:buClr>
+                <a:srgbClr val="ADADAD"/>
+              </a:buClr>
+              <a:buSzPts val="2600"/>
+              <a:buFont typeface="Arial"/>
+              <a:buNone/>
+              <a:defRPr sz="2600" b="0" i="0" u="none" strike="noStrike" cap="none">
                 <a:solidFill>
                   <a:srgbClr val="ADADAD"/>
                 </a:solidFill>
@@ -2398,23 +2440,23 @@
                 <a:sym typeface="Arial"/>
               </a:defRPr>
             </a:lvl5pPr>
-            <a:lvl6pPr indent="0" lvl="5" marL="0" marR="0" algn="r">
-              <a:lnSpc>
-                <a:spcPct val="100000"/>
-              </a:lnSpc>
-              <a:spcBef>
-                <a:spcPts val="0"/>
-              </a:spcBef>
-              <a:spcAft>
-                <a:spcPts val="0"/>
-              </a:spcAft>
-              <a:buClr>
-                <a:srgbClr val="ADADAD"/>
-              </a:buClr>
-              <a:buSzPts val="2600"/>
-              <a:buFont typeface="Arial"/>
-              <a:buNone/>
-              <a:defRPr b="0" i="0" sz="2600" u="none" cap="none" strike="noStrike">
+            <a:lvl6pPr marL="0" marR="0" lvl="5" indent="0" algn="r">
+              <a:lnSpc>
+                <a:spcPct val="100000"/>
+              </a:lnSpc>
+              <a:spcBef>
+                <a:spcPts val="0"/>
+              </a:spcBef>
+              <a:spcAft>
+                <a:spcPts val="0"/>
+              </a:spcAft>
+              <a:buClr>
+                <a:srgbClr val="ADADAD"/>
+              </a:buClr>
+              <a:buSzPts val="2600"/>
+              <a:buFont typeface="Arial"/>
+              <a:buNone/>
+              <a:defRPr sz="2600" b="0" i="0" u="none" strike="noStrike" cap="none">
                 <a:solidFill>
                   <a:srgbClr val="ADADAD"/>
                 </a:solidFill>
@@ -2424,23 +2466,23 @@
                 <a:sym typeface="Arial"/>
               </a:defRPr>
             </a:lvl6pPr>
-            <a:lvl7pPr indent="0" lvl="6" marL="0" marR="0" algn="r">
-              <a:lnSpc>
-                <a:spcPct val="100000"/>
-              </a:lnSpc>
-              <a:spcBef>
-                <a:spcPts val="0"/>
-              </a:spcBef>
-              <a:spcAft>
-                <a:spcPts val="0"/>
-              </a:spcAft>
-              <a:buClr>
-                <a:srgbClr val="ADADAD"/>
-              </a:buClr>
-              <a:buSzPts val="2600"/>
-              <a:buFont typeface="Arial"/>
-              <a:buNone/>
-              <a:defRPr b="0" i="0" sz="2600" u="none" cap="none" strike="noStrike">
+            <a:lvl7pPr marL="0" marR="0" lvl="6" indent="0" algn="r">
+              <a:lnSpc>
+                <a:spcPct val="100000"/>
+              </a:lnSpc>
+              <a:spcBef>
+                <a:spcPts val="0"/>
+              </a:spcBef>
+              <a:spcAft>
+                <a:spcPts val="0"/>
+              </a:spcAft>
+              <a:buClr>
+                <a:srgbClr val="ADADAD"/>
+              </a:buClr>
+              <a:buSzPts val="2600"/>
+              <a:buFont typeface="Arial"/>
+              <a:buNone/>
+              <a:defRPr sz="2600" b="0" i="0" u="none" strike="noStrike" cap="none">
                 <a:solidFill>
                   <a:srgbClr val="ADADAD"/>
                 </a:solidFill>
@@ -2450,23 +2492,23 @@
                 <a:sym typeface="Arial"/>
               </a:defRPr>
             </a:lvl7pPr>
-            <a:lvl8pPr indent="0" lvl="7" marL="0" marR="0" algn="r">
-              <a:lnSpc>
-                <a:spcPct val="100000"/>
-              </a:lnSpc>
-              <a:spcBef>
-                <a:spcPts val="0"/>
-              </a:spcBef>
-              <a:spcAft>
-                <a:spcPts val="0"/>
-              </a:spcAft>
-              <a:buClr>
-                <a:srgbClr val="ADADAD"/>
-              </a:buClr>
-              <a:buSzPts val="2600"/>
-              <a:buFont typeface="Arial"/>
-              <a:buNone/>
-              <a:defRPr b="0" i="0" sz="2600" u="none" cap="none" strike="noStrike">
+            <a:lvl8pPr marL="0" marR="0" lvl="7" indent="0" algn="r">
+              <a:lnSpc>
+                <a:spcPct val="100000"/>
+              </a:lnSpc>
+              <a:spcBef>
+                <a:spcPts val="0"/>
+              </a:spcBef>
+              <a:spcAft>
+                <a:spcPts val="0"/>
+              </a:spcAft>
+              <a:buClr>
+                <a:srgbClr val="ADADAD"/>
+              </a:buClr>
+              <a:buSzPts val="2600"/>
+              <a:buFont typeface="Arial"/>
+              <a:buNone/>
+              <a:defRPr sz="2600" b="0" i="0" u="none" strike="noStrike" cap="none">
                 <a:solidFill>
                   <a:srgbClr val="ADADAD"/>
                 </a:solidFill>
@@ -2476,23 +2518,23 @@
                 <a:sym typeface="Arial"/>
               </a:defRPr>
             </a:lvl8pPr>
-            <a:lvl9pPr indent="0" lvl="8" marL="0" marR="0" algn="r">
-              <a:lnSpc>
-                <a:spcPct val="100000"/>
-              </a:lnSpc>
-              <a:spcBef>
-                <a:spcPts val="0"/>
-              </a:spcBef>
-              <a:spcAft>
-                <a:spcPts val="0"/>
-              </a:spcAft>
-              <a:buClr>
-                <a:srgbClr val="ADADAD"/>
-              </a:buClr>
-              <a:buSzPts val="2600"/>
-              <a:buFont typeface="Arial"/>
-              <a:buNone/>
-              <a:defRPr b="0" i="0" sz="2600" u="none" cap="none" strike="noStrike">
+            <a:lvl9pPr marL="0" marR="0" lvl="8" indent="0" algn="r">
+              <a:lnSpc>
+                <a:spcPct val="100000"/>
+              </a:lnSpc>
+              <a:spcBef>
+                <a:spcPts val="0"/>
+              </a:spcBef>
+              <a:spcAft>
+                <a:spcPts val="0"/>
+              </a:spcAft>
+              <a:buClr>
+                <a:srgbClr val="ADADAD"/>
+              </a:buClr>
+              <a:buSzPts val="2600"/>
+              <a:buFont typeface="Arial"/>
+              <a:buNone/>
+              <a:defRPr sz="2600" b="0" i="0" u="none" strike="noStrike" cap="none">
                 <a:solidFill>
                   <a:srgbClr val="ADADAD"/>
                 </a:solidFill>
@@ -2504,7 +2546,7 @@
             </a:lvl9pPr>
           </a:lstStyle>
           <a:p>
-            <a:pPr indent="0" lvl="0" marL="0" rtl="0" algn="r">
+            <a:pPr marL="0" lvl="0" indent="0" algn="r" rtl="0">
               <a:spcBef>
                 <a:spcPts val="0"/>
               </a:spcBef>
@@ -2530,11 +2572,11 @@
 </file>
 
 <file path=ppt/slideLayouts/slideLayout3.xml><?xml version="1.0" encoding="utf-8"?>
-<p:sldLayout xmlns:a="http://schemas.openxmlformats.org/drawingml/2006/main" xmlns:r="http://schemas.openxmlformats.org/officeDocument/2006/relationships" xmlns:mc="http://schemas.openxmlformats.org/markup-compatibility/2006" xmlns:mv="urn:schemas-microsoft-com:mac:vml" xmlns:p="http://schemas.openxmlformats.org/presentationml/2006/main" xmlns:c="http://schemas.openxmlformats.org/drawingml/2006/chart" xmlns:dgm="http://schemas.openxmlformats.org/drawingml/2006/diagram" xmlns:o="urn:schemas-microsoft-com:office:office" xmlns:v="urn:schemas-microsoft-com:vml" xmlns:pvml="urn:schemas-microsoft-com:office:powerpoint" xmlns:com="http://schemas.openxmlformats.org/drawingml/2006/compatibility" xmlns:p14="http://schemas.microsoft.com/office/powerpoint/2010/main" xmlns:p15="http://schemas.microsoft.com/office/powerpoint/2012/main" xmlns:ahyp="http://schemas.microsoft.com/office/drawing/2018/hyperlinkcolor" matchingName="TITLE_AND_TWO_COLUMNS" type="twoColTx">
+<p:sldLayout xmlns:a="http://schemas.openxmlformats.org/drawingml/2006/main" xmlns:r="http://schemas.openxmlformats.org/officeDocument/2006/relationships" xmlns:p="http://schemas.openxmlformats.org/presentationml/2006/main" matchingName="TITLE_AND_TWO_COLUMNS" type="twoColTx">
   <p:cSld name="TITLE_AND_TWO_COLUMNS">
     <p:spTree>
       <p:nvGrpSpPr>
-        <p:cNvPr id="17" name="Shape 17"/>
+        <p:cNvPr id="1" name="Shape 17"/>
         <p:cNvGrpSpPr/>
         <p:nvPr/>
       </p:nvGrpSpPr>
@@ -2549,7 +2591,9 @@
       <p:sp>
         <p:nvSpPr>
           <p:cNvPr id="18" name="Google Shape;18;p4"/>
-          <p:cNvSpPr txBox="1"/>
+          <p:cNvSpPr txBox="1">
+            <a:spLocks noGrp="1"/>
+          </p:cNvSpPr>
           <p:nvPr>
             <p:ph type="title"/>
           </p:nvPr>
@@ -2568,7 +2612,7 @@
           </a:ln>
         </p:spPr>
         <p:txBody>
-          <a:bodyPr anchorCtr="0" anchor="t" bIns="243775" lIns="243775" spcFirstLastPara="1" rIns="243775" wrap="square" tIns="243775">
+          <a:bodyPr spcFirstLastPara="1" wrap="square" lIns="243775" tIns="243775" rIns="243775" bIns="243775" anchor="t" anchorCtr="0">
             <a:noAutofit/>
           </a:bodyPr>
           <a:lstStyle>
@@ -2726,15 +2770,19 @@
               <a:defRPr/>
             </a:lvl9pPr>
           </a:lstStyle>
-          <a:p/>
+          <a:p>
+            <a:endParaRPr/>
+          </a:p>
         </p:txBody>
       </p:sp>
       <p:sp>
         <p:nvSpPr>
           <p:cNvPr id="19" name="Google Shape;19;p4"/>
-          <p:cNvSpPr txBox="1"/>
+          <p:cNvSpPr txBox="1">
+            <a:spLocks noGrp="1"/>
+          </p:cNvSpPr>
           <p:nvPr>
-            <p:ph idx="1" type="body"/>
+            <p:ph type="body" idx="1"/>
           </p:nvPr>
         </p:nvSpPr>
         <p:spPr>
@@ -2751,11 +2799,11 @@
           </a:ln>
         </p:spPr>
         <p:txBody>
-          <a:bodyPr anchorCtr="0" anchor="t" bIns="243775" lIns="243775" spcFirstLastPara="1" rIns="243775" wrap="square" tIns="243775">
+          <a:bodyPr spcFirstLastPara="1" wrap="square" lIns="243775" tIns="243775" rIns="243775" bIns="243775" anchor="t" anchorCtr="0">
             <a:noAutofit/>
           </a:bodyPr>
           <a:lstStyle>
-            <a:lvl1pPr indent="-457200" lvl="0" marL="457200" algn="l">
+            <a:lvl1pPr marL="457200" lvl="0" indent="-457200" algn="l">
               <a:lnSpc>
                 <a:spcPct val="115000"/>
               </a:lnSpc>
@@ -2769,7 +2817,7 @@
               <a:buChar char="●"/>
               <a:defRPr sz="3600"/>
             </a:lvl1pPr>
-            <a:lvl2pPr indent="-457200" lvl="1" marL="914400" algn="l">
+            <a:lvl2pPr marL="914400" lvl="1" indent="-457200" algn="l">
               <a:lnSpc>
                 <a:spcPct val="115000"/>
               </a:lnSpc>
@@ -2783,7 +2831,7 @@
               <a:buChar char="○"/>
               <a:defRPr sz="3600"/>
             </a:lvl2pPr>
-            <a:lvl3pPr indent="-457200" lvl="2" marL="1371600" algn="l">
+            <a:lvl3pPr marL="1371600" lvl="2" indent="-457200" algn="l">
               <a:lnSpc>
                 <a:spcPct val="115000"/>
               </a:lnSpc>
@@ -2797,7 +2845,7 @@
               <a:buChar char="■"/>
               <a:defRPr sz="3600"/>
             </a:lvl3pPr>
-            <a:lvl4pPr indent="-457200" lvl="3" marL="1828800" algn="l">
+            <a:lvl4pPr marL="1828800" lvl="3" indent="-457200" algn="l">
               <a:lnSpc>
                 <a:spcPct val="115000"/>
               </a:lnSpc>
@@ -2811,7 +2859,7 @@
               <a:buChar char="●"/>
               <a:defRPr sz="3600"/>
             </a:lvl4pPr>
-            <a:lvl5pPr indent="-457200" lvl="4" marL="2286000" algn="l">
+            <a:lvl5pPr marL="2286000" lvl="4" indent="-457200" algn="l">
               <a:lnSpc>
                 <a:spcPct val="115000"/>
               </a:lnSpc>
@@ -2825,7 +2873,7 @@
               <a:buChar char="○"/>
               <a:defRPr sz="3600"/>
             </a:lvl5pPr>
-            <a:lvl6pPr indent="-533400" lvl="5" marL="2743200" algn="l">
+            <a:lvl6pPr marL="2743200" lvl="5" indent="-533400" algn="l">
               <a:lnSpc>
                 <a:spcPct val="115000"/>
               </a:lnSpc>
@@ -2839,7 +2887,7 @@
               <a:buChar char="■"/>
               <a:defRPr/>
             </a:lvl6pPr>
-            <a:lvl7pPr indent="-533400" lvl="6" marL="3200400" algn="l">
+            <a:lvl7pPr marL="3200400" lvl="6" indent="-533400" algn="l">
               <a:lnSpc>
                 <a:spcPct val="115000"/>
               </a:lnSpc>
@@ -2853,7 +2901,7 @@
               <a:buChar char="●"/>
               <a:defRPr/>
             </a:lvl7pPr>
-            <a:lvl8pPr indent="-533400" lvl="7" marL="3657600" algn="l">
+            <a:lvl8pPr marL="3657600" lvl="7" indent="-533400" algn="l">
               <a:lnSpc>
                 <a:spcPct val="115000"/>
               </a:lnSpc>
@@ -2867,7 +2915,7 @@
               <a:buChar char="○"/>
               <a:defRPr/>
             </a:lvl8pPr>
-            <a:lvl9pPr indent="-533400" lvl="8" marL="4114800" algn="l">
+            <a:lvl9pPr marL="4114800" lvl="8" indent="-533400" algn="l">
               <a:lnSpc>
                 <a:spcPct val="115000"/>
               </a:lnSpc>
@@ -2882,15 +2930,19 @@
               <a:defRPr/>
             </a:lvl9pPr>
           </a:lstStyle>
-          <a:p/>
+          <a:p>
+            <a:endParaRPr/>
+          </a:p>
         </p:txBody>
       </p:sp>
       <p:sp>
         <p:nvSpPr>
           <p:cNvPr id="20" name="Google Shape;20;p4"/>
-          <p:cNvSpPr txBox="1"/>
+          <p:cNvSpPr txBox="1">
+            <a:spLocks noGrp="1"/>
+          </p:cNvSpPr>
           <p:nvPr>
-            <p:ph idx="2" type="body"/>
+            <p:ph type="body" idx="2"/>
           </p:nvPr>
         </p:nvSpPr>
         <p:spPr>
@@ -2907,11 +2959,11 @@
           </a:ln>
         </p:spPr>
         <p:txBody>
-          <a:bodyPr anchorCtr="0" anchor="t" bIns="243775" lIns="243775" spcFirstLastPara="1" rIns="243775" wrap="square" tIns="243775">
+          <a:bodyPr spcFirstLastPara="1" wrap="square" lIns="243775" tIns="243775" rIns="243775" bIns="243775" anchor="t" anchorCtr="0">
             <a:noAutofit/>
           </a:bodyPr>
           <a:lstStyle>
-            <a:lvl1pPr indent="-533400" lvl="0" marL="457200" algn="l">
+            <a:lvl1pPr marL="457200" lvl="0" indent="-533400" algn="l">
               <a:lnSpc>
                 <a:spcPct val="115000"/>
               </a:lnSpc>
@@ -2925,7 +2977,7 @@
               <a:buChar char="●"/>
               <a:defRPr/>
             </a:lvl1pPr>
-            <a:lvl2pPr indent="-533400" lvl="1" marL="914400" algn="l">
+            <a:lvl2pPr marL="914400" lvl="1" indent="-533400" algn="l">
               <a:lnSpc>
                 <a:spcPct val="115000"/>
               </a:lnSpc>
@@ -2939,7 +2991,7 @@
               <a:buChar char="○"/>
               <a:defRPr/>
             </a:lvl2pPr>
-            <a:lvl3pPr indent="-533400" lvl="2" marL="1371600" algn="l">
+            <a:lvl3pPr marL="1371600" lvl="2" indent="-533400" algn="l">
               <a:lnSpc>
                 <a:spcPct val="115000"/>
               </a:lnSpc>
@@ -2953,7 +3005,7 @@
               <a:buChar char="■"/>
               <a:defRPr/>
             </a:lvl3pPr>
-            <a:lvl4pPr indent="-533400" lvl="3" marL="1828800" algn="l">
+            <a:lvl4pPr marL="1828800" lvl="3" indent="-533400" algn="l">
               <a:lnSpc>
                 <a:spcPct val="115000"/>
               </a:lnSpc>
@@ -2967,7 +3019,7 @@
               <a:buChar char="●"/>
               <a:defRPr/>
             </a:lvl4pPr>
-            <a:lvl5pPr indent="-533400" lvl="4" marL="2286000" algn="l">
+            <a:lvl5pPr marL="2286000" lvl="4" indent="-533400" algn="l">
               <a:lnSpc>
                 <a:spcPct val="115000"/>
               </a:lnSpc>
@@ -2981,7 +3033,7 @@
               <a:buChar char="○"/>
               <a:defRPr/>
             </a:lvl5pPr>
-            <a:lvl6pPr indent="-533400" lvl="5" marL="2743200" algn="l">
+            <a:lvl6pPr marL="2743200" lvl="5" indent="-533400" algn="l">
               <a:lnSpc>
                 <a:spcPct val="115000"/>
               </a:lnSpc>
@@ -2995,7 +3047,7 @@
               <a:buChar char="■"/>
               <a:defRPr/>
             </a:lvl6pPr>
-            <a:lvl7pPr indent="-533400" lvl="6" marL="3200400" algn="l">
+            <a:lvl7pPr marL="3200400" lvl="6" indent="-533400" algn="l">
               <a:lnSpc>
                 <a:spcPct val="115000"/>
               </a:lnSpc>
@@ -3009,7 +3061,7 @@
               <a:buChar char="●"/>
               <a:defRPr/>
             </a:lvl7pPr>
-            <a:lvl8pPr indent="-533400" lvl="7" marL="3657600" algn="l">
+            <a:lvl8pPr marL="3657600" lvl="7" indent="-533400" algn="l">
               <a:lnSpc>
                 <a:spcPct val="115000"/>
               </a:lnSpc>
@@ -3023,7 +3075,7 @@
               <a:buChar char="○"/>
               <a:defRPr/>
             </a:lvl8pPr>
-            <a:lvl9pPr indent="-533400" lvl="8" marL="4114800" algn="l">
+            <a:lvl9pPr marL="4114800" lvl="8" indent="-533400" algn="l">
               <a:lnSpc>
                 <a:spcPct val="115000"/>
               </a:lnSpc>
@@ -3038,15 +3090,19 @@
               <a:defRPr/>
             </a:lvl9pPr>
           </a:lstStyle>
-          <a:p/>
+          <a:p>
+            <a:endParaRPr/>
+          </a:p>
         </p:txBody>
       </p:sp>
       <p:sp>
         <p:nvSpPr>
           <p:cNvPr id="21" name="Google Shape;21;p4"/>
-          <p:cNvSpPr txBox="1"/>
+          <p:cNvSpPr txBox="1">
+            <a:spLocks noGrp="1"/>
+          </p:cNvSpPr>
           <p:nvPr>
-            <p:ph idx="12" type="sldNum"/>
+            <p:ph type="sldNum" idx="12"/>
           </p:nvPr>
         </p:nvSpPr>
         <p:spPr>
@@ -3063,27 +3119,27 @@
           </a:ln>
         </p:spPr>
         <p:txBody>
-          <a:bodyPr anchorCtr="0" anchor="ctr" bIns="243775" lIns="243775" spcFirstLastPara="1" rIns="243775" wrap="square" tIns="243775">
+          <a:bodyPr spcFirstLastPara="1" wrap="square" lIns="243775" tIns="243775" rIns="243775" bIns="243775" anchor="ctr" anchorCtr="0">
             <a:noAutofit/>
           </a:bodyPr>
           <a:lstStyle>
-            <a:lvl1pPr indent="0" lvl="0" marL="0" marR="0" algn="r">
-              <a:lnSpc>
-                <a:spcPct val="100000"/>
-              </a:lnSpc>
-              <a:spcBef>
-                <a:spcPts val="0"/>
-              </a:spcBef>
-              <a:spcAft>
-                <a:spcPts val="0"/>
-              </a:spcAft>
-              <a:buClr>
-                <a:srgbClr val="ADADAD"/>
-              </a:buClr>
-              <a:buSzPts val="2600"/>
-              <a:buFont typeface="Arial"/>
-              <a:buNone/>
-              <a:defRPr b="0" i="0" sz="2600" u="none" cap="none" strike="noStrike">
+            <a:lvl1pPr marL="0" marR="0" lvl="0" indent="0" algn="r">
+              <a:lnSpc>
+                <a:spcPct val="100000"/>
+              </a:lnSpc>
+              <a:spcBef>
+                <a:spcPts val="0"/>
+              </a:spcBef>
+              <a:spcAft>
+                <a:spcPts val="0"/>
+              </a:spcAft>
+              <a:buClr>
+                <a:srgbClr val="ADADAD"/>
+              </a:buClr>
+              <a:buSzPts val="2600"/>
+              <a:buFont typeface="Arial"/>
+              <a:buNone/>
+              <a:defRPr sz="2600" b="0" i="0" u="none" strike="noStrike" cap="none">
                 <a:solidFill>
                   <a:srgbClr val="ADADAD"/>
                 </a:solidFill>
@@ -3093,23 +3149,23 @@
                 <a:sym typeface="Arial"/>
               </a:defRPr>
             </a:lvl1pPr>
-            <a:lvl2pPr indent="0" lvl="1" marL="0" marR="0" algn="r">
-              <a:lnSpc>
-                <a:spcPct val="100000"/>
-              </a:lnSpc>
-              <a:spcBef>
-                <a:spcPts val="0"/>
-              </a:spcBef>
-              <a:spcAft>
-                <a:spcPts val="0"/>
-              </a:spcAft>
-              <a:buClr>
-                <a:srgbClr val="ADADAD"/>
-              </a:buClr>
-              <a:buSzPts val="2600"/>
-              <a:buFont typeface="Arial"/>
-              <a:buNone/>
-              <a:defRPr b="0" i="0" sz="2600" u="none" cap="none" strike="noStrike">
+            <a:lvl2pPr marL="0" marR="0" lvl="1" indent="0" algn="r">
+              <a:lnSpc>
+                <a:spcPct val="100000"/>
+              </a:lnSpc>
+              <a:spcBef>
+                <a:spcPts val="0"/>
+              </a:spcBef>
+              <a:spcAft>
+                <a:spcPts val="0"/>
+              </a:spcAft>
+              <a:buClr>
+                <a:srgbClr val="ADADAD"/>
+              </a:buClr>
+              <a:buSzPts val="2600"/>
+              <a:buFont typeface="Arial"/>
+              <a:buNone/>
+              <a:defRPr sz="2600" b="0" i="0" u="none" strike="noStrike" cap="none">
                 <a:solidFill>
                   <a:srgbClr val="ADADAD"/>
                 </a:solidFill>
@@ -3119,23 +3175,23 @@
                 <a:sym typeface="Arial"/>
               </a:defRPr>
             </a:lvl2pPr>
-            <a:lvl3pPr indent="0" lvl="2" marL="0" marR="0" algn="r">
-              <a:lnSpc>
-                <a:spcPct val="100000"/>
-              </a:lnSpc>
-              <a:spcBef>
-                <a:spcPts val="0"/>
-              </a:spcBef>
-              <a:spcAft>
-                <a:spcPts val="0"/>
-              </a:spcAft>
-              <a:buClr>
-                <a:srgbClr val="ADADAD"/>
-              </a:buClr>
-              <a:buSzPts val="2600"/>
-              <a:buFont typeface="Arial"/>
-              <a:buNone/>
-              <a:defRPr b="0" i="0" sz="2600" u="none" cap="none" strike="noStrike">
+            <a:lvl3pPr marL="0" marR="0" lvl="2" indent="0" algn="r">
+              <a:lnSpc>
+                <a:spcPct val="100000"/>
+              </a:lnSpc>
+              <a:spcBef>
+                <a:spcPts val="0"/>
+              </a:spcBef>
+              <a:spcAft>
+                <a:spcPts val="0"/>
+              </a:spcAft>
+              <a:buClr>
+                <a:srgbClr val="ADADAD"/>
+              </a:buClr>
+              <a:buSzPts val="2600"/>
+              <a:buFont typeface="Arial"/>
+              <a:buNone/>
+              <a:defRPr sz="2600" b="0" i="0" u="none" strike="noStrike" cap="none">
                 <a:solidFill>
                   <a:srgbClr val="ADADAD"/>
                 </a:solidFill>
@@ -3145,23 +3201,23 @@
                 <a:sym typeface="Arial"/>
               </a:defRPr>
             </a:lvl3pPr>
-            <a:lvl4pPr indent="0" lvl="3" marL="0" marR="0" algn="r">
-              <a:lnSpc>
-                <a:spcPct val="100000"/>
-              </a:lnSpc>
-              <a:spcBef>
-                <a:spcPts val="0"/>
-              </a:spcBef>
-              <a:spcAft>
-                <a:spcPts val="0"/>
-              </a:spcAft>
-              <a:buClr>
-                <a:srgbClr val="ADADAD"/>
-              </a:buClr>
-              <a:buSzPts val="2600"/>
-              <a:buFont typeface="Arial"/>
-              <a:buNone/>
-              <a:defRPr b="0" i="0" sz="2600" u="none" cap="none" strike="noStrike">
+            <a:lvl4pPr marL="0" marR="0" lvl="3" indent="0" algn="r">
+              <a:lnSpc>
+                <a:spcPct val="100000"/>
+              </a:lnSpc>
+              <a:spcBef>
+                <a:spcPts val="0"/>
+              </a:spcBef>
+              <a:spcAft>
+                <a:spcPts val="0"/>
+              </a:spcAft>
+              <a:buClr>
+                <a:srgbClr val="ADADAD"/>
+              </a:buClr>
+              <a:buSzPts val="2600"/>
+              <a:buFont typeface="Arial"/>
+              <a:buNone/>
+              <a:defRPr sz="2600" b="0" i="0" u="none" strike="noStrike" cap="none">
                 <a:solidFill>
                   <a:srgbClr val="ADADAD"/>
                 </a:solidFill>
@@ -3171,23 +3227,23 @@
                 <a:sym typeface="Arial"/>
               </a:defRPr>
             </a:lvl4pPr>
-            <a:lvl5pPr indent="0" lvl="4" marL="0" marR="0" algn="r">
-              <a:lnSpc>
-                <a:spcPct val="100000"/>
-              </a:lnSpc>
-              <a:spcBef>
-                <a:spcPts val="0"/>
-              </a:spcBef>
-              <a:spcAft>
-                <a:spcPts val="0"/>
-              </a:spcAft>
-              <a:buClr>
-                <a:srgbClr val="ADADAD"/>
-              </a:buClr>
-              <a:buSzPts val="2600"/>
-              <a:buFont typeface="Arial"/>
-              <a:buNone/>
-              <a:defRPr b="0" i="0" sz="2600" u="none" cap="none" strike="noStrike">
+            <a:lvl5pPr marL="0" marR="0" lvl="4" indent="0" algn="r">
+              <a:lnSpc>
+                <a:spcPct val="100000"/>
+              </a:lnSpc>
+              <a:spcBef>
+                <a:spcPts val="0"/>
+              </a:spcBef>
+              <a:spcAft>
+                <a:spcPts val="0"/>
+              </a:spcAft>
+              <a:buClr>
+                <a:srgbClr val="ADADAD"/>
+              </a:buClr>
+              <a:buSzPts val="2600"/>
+              <a:buFont typeface="Arial"/>
+              <a:buNone/>
+              <a:defRPr sz="2600" b="0" i="0" u="none" strike="noStrike" cap="none">
                 <a:solidFill>
                   <a:srgbClr val="ADADAD"/>
                 </a:solidFill>
@@ -3197,23 +3253,23 @@
                 <a:sym typeface="Arial"/>
               </a:defRPr>
             </a:lvl5pPr>
-            <a:lvl6pPr indent="0" lvl="5" marL="0" marR="0" algn="r">
-              <a:lnSpc>
-                <a:spcPct val="100000"/>
-              </a:lnSpc>
-              <a:spcBef>
-                <a:spcPts val="0"/>
-              </a:spcBef>
-              <a:spcAft>
-                <a:spcPts val="0"/>
-              </a:spcAft>
-              <a:buClr>
-                <a:srgbClr val="ADADAD"/>
-              </a:buClr>
-              <a:buSzPts val="2600"/>
-              <a:buFont typeface="Arial"/>
-              <a:buNone/>
-              <a:defRPr b="0" i="0" sz="2600" u="none" cap="none" strike="noStrike">
+            <a:lvl6pPr marL="0" marR="0" lvl="5" indent="0" algn="r">
+              <a:lnSpc>
+                <a:spcPct val="100000"/>
+              </a:lnSpc>
+              <a:spcBef>
+                <a:spcPts val="0"/>
+              </a:spcBef>
+              <a:spcAft>
+                <a:spcPts val="0"/>
+              </a:spcAft>
+              <a:buClr>
+                <a:srgbClr val="ADADAD"/>
+              </a:buClr>
+              <a:buSzPts val="2600"/>
+              <a:buFont typeface="Arial"/>
+              <a:buNone/>
+              <a:defRPr sz="2600" b="0" i="0" u="none" strike="noStrike" cap="none">
                 <a:solidFill>
                   <a:srgbClr val="ADADAD"/>
                 </a:solidFill>
@@ -3223,23 +3279,23 @@
                 <a:sym typeface="Arial"/>
               </a:defRPr>
             </a:lvl6pPr>
-            <a:lvl7pPr indent="0" lvl="6" marL="0" marR="0" algn="r">
-              <a:lnSpc>
-                <a:spcPct val="100000"/>
-              </a:lnSpc>
-              <a:spcBef>
-                <a:spcPts val="0"/>
-              </a:spcBef>
-              <a:spcAft>
-                <a:spcPts val="0"/>
-              </a:spcAft>
-              <a:buClr>
-                <a:srgbClr val="ADADAD"/>
-              </a:buClr>
-              <a:buSzPts val="2600"/>
-              <a:buFont typeface="Arial"/>
-              <a:buNone/>
-              <a:defRPr b="0" i="0" sz="2600" u="none" cap="none" strike="noStrike">
+            <a:lvl7pPr marL="0" marR="0" lvl="6" indent="0" algn="r">
+              <a:lnSpc>
+                <a:spcPct val="100000"/>
+              </a:lnSpc>
+              <a:spcBef>
+                <a:spcPts val="0"/>
+              </a:spcBef>
+              <a:spcAft>
+                <a:spcPts val="0"/>
+              </a:spcAft>
+              <a:buClr>
+                <a:srgbClr val="ADADAD"/>
+              </a:buClr>
+              <a:buSzPts val="2600"/>
+              <a:buFont typeface="Arial"/>
+              <a:buNone/>
+              <a:defRPr sz="2600" b="0" i="0" u="none" strike="noStrike" cap="none">
                 <a:solidFill>
                   <a:srgbClr val="ADADAD"/>
                 </a:solidFill>
@@ -3249,23 +3305,23 @@
                 <a:sym typeface="Arial"/>
               </a:defRPr>
             </a:lvl7pPr>
-            <a:lvl8pPr indent="0" lvl="7" marL="0" marR="0" algn="r">
-              <a:lnSpc>
-                <a:spcPct val="100000"/>
-              </a:lnSpc>
-              <a:spcBef>
-                <a:spcPts val="0"/>
-              </a:spcBef>
-              <a:spcAft>
-                <a:spcPts val="0"/>
-              </a:spcAft>
-              <a:buClr>
-                <a:srgbClr val="ADADAD"/>
-              </a:buClr>
-              <a:buSzPts val="2600"/>
-              <a:buFont typeface="Arial"/>
-              <a:buNone/>
-              <a:defRPr b="0" i="0" sz="2600" u="none" cap="none" strike="noStrike">
+            <a:lvl8pPr marL="0" marR="0" lvl="7" indent="0" algn="r">
+              <a:lnSpc>
+                <a:spcPct val="100000"/>
+              </a:lnSpc>
+              <a:spcBef>
+                <a:spcPts val="0"/>
+              </a:spcBef>
+              <a:spcAft>
+                <a:spcPts val="0"/>
+              </a:spcAft>
+              <a:buClr>
+                <a:srgbClr val="ADADAD"/>
+              </a:buClr>
+              <a:buSzPts val="2600"/>
+              <a:buFont typeface="Arial"/>
+              <a:buNone/>
+              <a:defRPr sz="2600" b="0" i="0" u="none" strike="noStrike" cap="none">
                 <a:solidFill>
                   <a:srgbClr val="ADADAD"/>
                 </a:solidFill>
@@ -3275,23 +3331,23 @@
                 <a:sym typeface="Arial"/>
               </a:defRPr>
             </a:lvl8pPr>
-            <a:lvl9pPr indent="0" lvl="8" marL="0" marR="0" algn="r">
-              <a:lnSpc>
-                <a:spcPct val="100000"/>
-              </a:lnSpc>
-              <a:spcBef>
-                <a:spcPts val="0"/>
-              </a:spcBef>
-              <a:spcAft>
-                <a:spcPts val="0"/>
-              </a:spcAft>
-              <a:buClr>
-                <a:srgbClr val="ADADAD"/>
-              </a:buClr>
-              <a:buSzPts val="2600"/>
-              <a:buFont typeface="Arial"/>
-              <a:buNone/>
-              <a:defRPr b="0" i="0" sz="2600" u="none" cap="none" strike="noStrike">
+            <a:lvl9pPr marL="0" marR="0" lvl="8" indent="0" algn="r">
+              <a:lnSpc>
+                <a:spcPct val="100000"/>
+              </a:lnSpc>
+              <a:spcBef>
+                <a:spcPts val="0"/>
+              </a:spcBef>
+              <a:spcAft>
+                <a:spcPts val="0"/>
+              </a:spcAft>
+              <a:buClr>
+                <a:srgbClr val="ADADAD"/>
+              </a:buClr>
+              <a:buSzPts val="2600"/>
+              <a:buFont typeface="Arial"/>
+              <a:buNone/>
+              <a:defRPr sz="2600" b="0" i="0" u="none" strike="noStrike" cap="none">
                 <a:solidFill>
                   <a:srgbClr val="ADADAD"/>
                 </a:solidFill>
@@ -3303,7 +3359,7 @@
             </a:lvl9pPr>
           </a:lstStyle>
           <a:p>
-            <a:pPr indent="0" lvl="0" marL="0" rtl="0" algn="r">
+            <a:pPr marL="0" lvl="0" indent="0" algn="r" rtl="0">
               <a:spcBef>
                 <a:spcPts val="0"/>
               </a:spcBef>
@@ -3329,11 +3385,11 @@
 </file>
 
 <file path=ppt/slideLayouts/slideLayout4.xml><?xml version="1.0" encoding="utf-8"?>
-<p:sldLayout xmlns:a="http://schemas.openxmlformats.org/drawingml/2006/main" xmlns:r="http://schemas.openxmlformats.org/officeDocument/2006/relationships" xmlns:mc="http://schemas.openxmlformats.org/markup-compatibility/2006" xmlns:mv="urn:schemas-microsoft-com:mac:vml" xmlns:p="http://schemas.openxmlformats.org/presentationml/2006/main" xmlns:c="http://schemas.openxmlformats.org/drawingml/2006/chart" xmlns:dgm="http://schemas.openxmlformats.org/drawingml/2006/diagram" xmlns:o="urn:schemas-microsoft-com:office:office" xmlns:v="urn:schemas-microsoft-com:vml" xmlns:pvml="urn:schemas-microsoft-com:office:powerpoint" xmlns:com="http://schemas.openxmlformats.org/drawingml/2006/compatibility" xmlns:p14="http://schemas.microsoft.com/office/powerpoint/2010/main" xmlns:p15="http://schemas.microsoft.com/office/powerpoint/2012/main" xmlns:ahyp="http://schemas.microsoft.com/office/drawing/2018/hyperlinkcolor" matchingName="TITLE_ONLY" type="titleOnly">
+<p:sldLayout xmlns:a="http://schemas.openxmlformats.org/drawingml/2006/main" xmlns:r="http://schemas.openxmlformats.org/officeDocument/2006/relationships" xmlns:p="http://schemas.openxmlformats.org/presentationml/2006/main" matchingName="TITLE_ONLY" type="titleOnly">
   <p:cSld name="TITLE_ONLY">
     <p:spTree>
       <p:nvGrpSpPr>
-        <p:cNvPr id="22" name="Shape 22"/>
+        <p:cNvPr id="1" name="Shape 22"/>
         <p:cNvGrpSpPr/>
         <p:nvPr/>
       </p:nvGrpSpPr>
@@ -3348,7 +3404,9 @@
       <p:sp>
         <p:nvSpPr>
           <p:cNvPr id="23" name="Google Shape;23;p5"/>
-          <p:cNvSpPr txBox="1"/>
+          <p:cNvSpPr txBox="1">
+            <a:spLocks noGrp="1"/>
+          </p:cNvSpPr>
           <p:nvPr>
             <p:ph type="title"/>
           </p:nvPr>
@@ -3367,7 +3425,7 @@
           </a:ln>
         </p:spPr>
         <p:txBody>
-          <a:bodyPr anchorCtr="0" anchor="t" bIns="243775" lIns="243775" spcFirstLastPara="1" rIns="243775" wrap="square" tIns="243775">
+          <a:bodyPr spcFirstLastPara="1" wrap="square" lIns="243775" tIns="243775" rIns="243775" bIns="243775" anchor="t" anchorCtr="0">
             <a:noAutofit/>
           </a:bodyPr>
           <a:lstStyle>
@@ -3525,15 +3583,19 @@
               <a:defRPr/>
             </a:lvl9pPr>
           </a:lstStyle>
-          <a:p/>
+          <a:p>
+            <a:endParaRPr/>
+          </a:p>
         </p:txBody>
       </p:sp>
       <p:sp>
         <p:nvSpPr>
           <p:cNvPr id="24" name="Google Shape;24;p5"/>
-          <p:cNvSpPr txBox="1"/>
+          <p:cNvSpPr txBox="1">
+            <a:spLocks noGrp="1"/>
+          </p:cNvSpPr>
           <p:nvPr>
-            <p:ph idx="12" type="sldNum"/>
+            <p:ph type="sldNum" idx="12"/>
           </p:nvPr>
         </p:nvSpPr>
         <p:spPr>
@@ -3550,27 +3612,27 @@
           </a:ln>
         </p:spPr>
         <p:txBody>
-          <a:bodyPr anchorCtr="0" anchor="ctr" bIns="243775" lIns="243775" spcFirstLastPara="1" rIns="243775" wrap="square" tIns="243775">
+          <a:bodyPr spcFirstLastPara="1" wrap="square" lIns="243775" tIns="243775" rIns="243775" bIns="243775" anchor="ctr" anchorCtr="0">
             <a:noAutofit/>
           </a:bodyPr>
           <a:lstStyle>
-            <a:lvl1pPr indent="0" lvl="0" marL="0" marR="0" algn="r">
-              <a:lnSpc>
-                <a:spcPct val="100000"/>
-              </a:lnSpc>
-              <a:spcBef>
-                <a:spcPts val="0"/>
-              </a:spcBef>
-              <a:spcAft>
-                <a:spcPts val="0"/>
-              </a:spcAft>
-              <a:buClr>
-                <a:srgbClr val="ADADAD"/>
-              </a:buClr>
-              <a:buSzPts val="2600"/>
-              <a:buFont typeface="Arial"/>
-              <a:buNone/>
-              <a:defRPr b="0" i="0" sz="2600" u="none" cap="none" strike="noStrike">
+            <a:lvl1pPr marL="0" marR="0" lvl="0" indent="0" algn="r">
+              <a:lnSpc>
+                <a:spcPct val="100000"/>
+              </a:lnSpc>
+              <a:spcBef>
+                <a:spcPts val="0"/>
+              </a:spcBef>
+              <a:spcAft>
+                <a:spcPts val="0"/>
+              </a:spcAft>
+              <a:buClr>
+                <a:srgbClr val="ADADAD"/>
+              </a:buClr>
+              <a:buSzPts val="2600"/>
+              <a:buFont typeface="Arial"/>
+              <a:buNone/>
+              <a:defRPr sz="2600" b="0" i="0" u="none" strike="noStrike" cap="none">
                 <a:solidFill>
                   <a:srgbClr val="ADADAD"/>
                 </a:solidFill>
@@ -3580,23 +3642,23 @@
                 <a:sym typeface="Arial"/>
               </a:defRPr>
             </a:lvl1pPr>
-            <a:lvl2pPr indent="0" lvl="1" marL="0" marR="0" algn="r">
-              <a:lnSpc>
-                <a:spcPct val="100000"/>
-              </a:lnSpc>
-              <a:spcBef>
-                <a:spcPts val="0"/>
-              </a:spcBef>
-              <a:spcAft>
-                <a:spcPts val="0"/>
-              </a:spcAft>
-              <a:buClr>
-                <a:srgbClr val="ADADAD"/>
-              </a:buClr>
-              <a:buSzPts val="2600"/>
-              <a:buFont typeface="Arial"/>
-              <a:buNone/>
-              <a:defRPr b="0" i="0" sz="2600" u="none" cap="none" strike="noStrike">
+            <a:lvl2pPr marL="0" marR="0" lvl="1" indent="0" algn="r">
+              <a:lnSpc>
+                <a:spcPct val="100000"/>
+              </a:lnSpc>
+              <a:spcBef>
+                <a:spcPts val="0"/>
+              </a:spcBef>
+              <a:spcAft>
+                <a:spcPts val="0"/>
+              </a:spcAft>
+              <a:buClr>
+                <a:srgbClr val="ADADAD"/>
+              </a:buClr>
+              <a:buSzPts val="2600"/>
+              <a:buFont typeface="Arial"/>
+              <a:buNone/>
+              <a:defRPr sz="2600" b="0" i="0" u="none" strike="noStrike" cap="none">
                 <a:solidFill>
                   <a:srgbClr val="ADADAD"/>
                 </a:solidFill>
@@ -3606,23 +3668,23 @@
                 <a:sym typeface="Arial"/>
               </a:defRPr>
             </a:lvl2pPr>
-            <a:lvl3pPr indent="0" lvl="2" marL="0" marR="0" algn="r">
-              <a:lnSpc>
-                <a:spcPct val="100000"/>
-              </a:lnSpc>
-              <a:spcBef>
-                <a:spcPts val="0"/>
-              </a:spcBef>
-              <a:spcAft>
-                <a:spcPts val="0"/>
-              </a:spcAft>
-              <a:buClr>
-                <a:srgbClr val="ADADAD"/>
-              </a:buClr>
-              <a:buSzPts val="2600"/>
-              <a:buFont typeface="Arial"/>
-              <a:buNone/>
-              <a:defRPr b="0" i="0" sz="2600" u="none" cap="none" strike="noStrike">
+            <a:lvl3pPr marL="0" marR="0" lvl="2" indent="0" algn="r">
+              <a:lnSpc>
+                <a:spcPct val="100000"/>
+              </a:lnSpc>
+              <a:spcBef>
+                <a:spcPts val="0"/>
+              </a:spcBef>
+              <a:spcAft>
+                <a:spcPts val="0"/>
+              </a:spcAft>
+              <a:buClr>
+                <a:srgbClr val="ADADAD"/>
+              </a:buClr>
+              <a:buSzPts val="2600"/>
+              <a:buFont typeface="Arial"/>
+              <a:buNone/>
+              <a:defRPr sz="2600" b="0" i="0" u="none" strike="noStrike" cap="none">
                 <a:solidFill>
                   <a:srgbClr val="ADADAD"/>
                 </a:solidFill>
@@ -3632,23 +3694,23 @@
                 <a:sym typeface="Arial"/>
               </a:defRPr>
             </a:lvl3pPr>
-            <a:lvl4pPr indent="0" lvl="3" marL="0" marR="0" algn="r">
-              <a:lnSpc>
-                <a:spcPct val="100000"/>
-              </a:lnSpc>
-              <a:spcBef>
-                <a:spcPts val="0"/>
-              </a:spcBef>
-              <a:spcAft>
-                <a:spcPts val="0"/>
-              </a:spcAft>
-              <a:buClr>
-                <a:srgbClr val="ADADAD"/>
-              </a:buClr>
-              <a:buSzPts val="2600"/>
-              <a:buFont typeface="Arial"/>
-              <a:buNone/>
-              <a:defRPr b="0" i="0" sz="2600" u="none" cap="none" strike="noStrike">
+            <a:lvl4pPr marL="0" marR="0" lvl="3" indent="0" algn="r">
+              <a:lnSpc>
+                <a:spcPct val="100000"/>
+              </a:lnSpc>
+              <a:spcBef>
+                <a:spcPts val="0"/>
+              </a:spcBef>
+              <a:spcAft>
+                <a:spcPts val="0"/>
+              </a:spcAft>
+              <a:buClr>
+                <a:srgbClr val="ADADAD"/>
+              </a:buClr>
+              <a:buSzPts val="2600"/>
+              <a:buFont typeface="Arial"/>
+              <a:buNone/>
+              <a:defRPr sz="2600" b="0" i="0" u="none" strike="noStrike" cap="none">
                 <a:solidFill>
                   <a:srgbClr val="ADADAD"/>
                 </a:solidFill>
@@ -3658,23 +3720,23 @@
                 <a:sym typeface="Arial"/>
               </a:defRPr>
             </a:lvl4pPr>
-            <a:lvl5pPr indent="0" lvl="4" marL="0" marR="0" algn="r">
-              <a:lnSpc>
-                <a:spcPct val="100000"/>
-              </a:lnSpc>
-              <a:spcBef>
-                <a:spcPts val="0"/>
-              </a:spcBef>
-              <a:spcAft>
-                <a:spcPts val="0"/>
-              </a:spcAft>
-              <a:buClr>
-                <a:srgbClr val="ADADAD"/>
-              </a:buClr>
-              <a:buSzPts val="2600"/>
-              <a:buFont typeface="Arial"/>
-              <a:buNone/>
-              <a:defRPr b="0" i="0" sz="2600" u="none" cap="none" strike="noStrike">
+            <a:lvl5pPr marL="0" marR="0" lvl="4" indent="0" algn="r">
+              <a:lnSpc>
+                <a:spcPct val="100000"/>
+              </a:lnSpc>
+              <a:spcBef>
+                <a:spcPts val="0"/>
+              </a:spcBef>
+              <a:spcAft>
+                <a:spcPts val="0"/>
+              </a:spcAft>
+              <a:buClr>
+                <a:srgbClr val="ADADAD"/>
+              </a:buClr>
+              <a:buSzPts val="2600"/>
+              <a:buFont typeface="Arial"/>
+              <a:buNone/>
+              <a:defRPr sz="2600" b="0" i="0" u="none" strike="noStrike" cap="none">
                 <a:solidFill>
                   <a:srgbClr val="ADADAD"/>
                 </a:solidFill>
@@ -3684,23 +3746,23 @@
                 <a:sym typeface="Arial"/>
               </a:defRPr>
             </a:lvl5pPr>
-            <a:lvl6pPr indent="0" lvl="5" marL="0" marR="0" algn="r">
-              <a:lnSpc>
-                <a:spcPct val="100000"/>
-              </a:lnSpc>
-              <a:spcBef>
-                <a:spcPts val="0"/>
-              </a:spcBef>
-              <a:spcAft>
-                <a:spcPts val="0"/>
-              </a:spcAft>
-              <a:buClr>
-                <a:srgbClr val="ADADAD"/>
-              </a:buClr>
-              <a:buSzPts val="2600"/>
-              <a:buFont typeface="Arial"/>
-              <a:buNone/>
-              <a:defRPr b="0" i="0" sz="2600" u="none" cap="none" strike="noStrike">
+            <a:lvl6pPr marL="0" marR="0" lvl="5" indent="0" algn="r">
+              <a:lnSpc>
+                <a:spcPct val="100000"/>
+              </a:lnSpc>
+              <a:spcBef>
+                <a:spcPts val="0"/>
+              </a:spcBef>
+              <a:spcAft>
+                <a:spcPts val="0"/>
+              </a:spcAft>
+              <a:buClr>
+                <a:srgbClr val="ADADAD"/>
+              </a:buClr>
+              <a:buSzPts val="2600"/>
+              <a:buFont typeface="Arial"/>
+              <a:buNone/>
+              <a:defRPr sz="2600" b="0" i="0" u="none" strike="noStrike" cap="none">
                 <a:solidFill>
                   <a:srgbClr val="ADADAD"/>
                 </a:solidFill>
@@ -3710,23 +3772,23 @@
                 <a:sym typeface="Arial"/>
               </a:defRPr>
             </a:lvl6pPr>
-            <a:lvl7pPr indent="0" lvl="6" marL="0" marR="0" algn="r">
-              <a:lnSpc>
-                <a:spcPct val="100000"/>
-              </a:lnSpc>
-              <a:spcBef>
-                <a:spcPts val="0"/>
-              </a:spcBef>
-              <a:spcAft>
-                <a:spcPts val="0"/>
-              </a:spcAft>
-              <a:buClr>
-                <a:srgbClr val="ADADAD"/>
-              </a:buClr>
-              <a:buSzPts val="2600"/>
-              <a:buFont typeface="Arial"/>
-              <a:buNone/>
-              <a:defRPr b="0" i="0" sz="2600" u="none" cap="none" strike="noStrike">
+            <a:lvl7pPr marL="0" marR="0" lvl="6" indent="0" algn="r">
+              <a:lnSpc>
+                <a:spcPct val="100000"/>
+              </a:lnSpc>
+              <a:spcBef>
+                <a:spcPts val="0"/>
+              </a:spcBef>
+              <a:spcAft>
+                <a:spcPts val="0"/>
+              </a:spcAft>
+              <a:buClr>
+                <a:srgbClr val="ADADAD"/>
+              </a:buClr>
+              <a:buSzPts val="2600"/>
+              <a:buFont typeface="Arial"/>
+              <a:buNone/>
+              <a:defRPr sz="2600" b="0" i="0" u="none" strike="noStrike" cap="none">
                 <a:solidFill>
                   <a:srgbClr val="ADADAD"/>
                 </a:solidFill>
@@ -3736,23 +3798,23 @@
                 <a:sym typeface="Arial"/>
               </a:defRPr>
             </a:lvl7pPr>
-            <a:lvl8pPr indent="0" lvl="7" marL="0" marR="0" algn="r">
-              <a:lnSpc>
-                <a:spcPct val="100000"/>
-              </a:lnSpc>
-              <a:spcBef>
-                <a:spcPts val="0"/>
-              </a:spcBef>
-              <a:spcAft>
-                <a:spcPts val="0"/>
-              </a:spcAft>
-              <a:buClr>
-                <a:srgbClr val="ADADAD"/>
-              </a:buClr>
-              <a:buSzPts val="2600"/>
-              <a:buFont typeface="Arial"/>
-              <a:buNone/>
-              <a:defRPr b="0" i="0" sz="2600" u="none" cap="none" strike="noStrike">
+            <a:lvl8pPr marL="0" marR="0" lvl="7" indent="0" algn="r">
+              <a:lnSpc>
+                <a:spcPct val="100000"/>
+              </a:lnSpc>
+              <a:spcBef>
+                <a:spcPts val="0"/>
+              </a:spcBef>
+              <a:spcAft>
+                <a:spcPts val="0"/>
+              </a:spcAft>
+              <a:buClr>
+                <a:srgbClr val="ADADAD"/>
+              </a:buClr>
+              <a:buSzPts val="2600"/>
+              <a:buFont typeface="Arial"/>
+              <a:buNone/>
+              <a:defRPr sz="2600" b="0" i="0" u="none" strike="noStrike" cap="none">
                 <a:solidFill>
                   <a:srgbClr val="ADADAD"/>
                 </a:solidFill>
@@ -3762,23 +3824,23 @@
                 <a:sym typeface="Arial"/>
               </a:defRPr>
             </a:lvl8pPr>
-            <a:lvl9pPr indent="0" lvl="8" marL="0" marR="0" algn="r">
-              <a:lnSpc>
-                <a:spcPct val="100000"/>
-              </a:lnSpc>
-              <a:spcBef>
-                <a:spcPts val="0"/>
-              </a:spcBef>
-              <a:spcAft>
-                <a:spcPts val="0"/>
-              </a:spcAft>
-              <a:buClr>
-                <a:srgbClr val="ADADAD"/>
-              </a:buClr>
-              <a:buSzPts val="2600"/>
-              <a:buFont typeface="Arial"/>
-              <a:buNone/>
-              <a:defRPr b="0" i="0" sz="2600" u="none" cap="none" strike="noStrike">
+            <a:lvl9pPr marL="0" marR="0" lvl="8" indent="0" algn="r">
+              <a:lnSpc>
+                <a:spcPct val="100000"/>
+              </a:lnSpc>
+              <a:spcBef>
+                <a:spcPts val="0"/>
+              </a:spcBef>
+              <a:spcAft>
+                <a:spcPts val="0"/>
+              </a:spcAft>
+              <a:buClr>
+                <a:srgbClr val="ADADAD"/>
+              </a:buClr>
+              <a:buSzPts val="2600"/>
+              <a:buFont typeface="Arial"/>
+              <a:buNone/>
+              <a:defRPr sz="2600" b="0" i="0" u="none" strike="noStrike" cap="none">
                 <a:solidFill>
                   <a:srgbClr val="ADADAD"/>
                 </a:solidFill>
@@ -3790,7 +3852,7 @@
             </a:lvl9pPr>
           </a:lstStyle>
           <a:p>
-            <a:pPr indent="0" lvl="0" marL="0" rtl="0" algn="r">
+            <a:pPr marL="0" lvl="0" indent="0" algn="r" rtl="0">
               <a:spcBef>
                 <a:spcPts val="0"/>
               </a:spcBef>
@@ -3816,11 +3878,11 @@
 </file>
 
 <file path=ppt/slideLayouts/slideLayout5.xml><?xml version="1.0" encoding="utf-8"?>
-<p:sldLayout xmlns:a="http://schemas.openxmlformats.org/drawingml/2006/main" xmlns:r="http://schemas.openxmlformats.org/officeDocument/2006/relationships" xmlns:mc="http://schemas.openxmlformats.org/markup-compatibility/2006" xmlns:mv="urn:schemas-microsoft-com:mac:vml" xmlns:p="http://schemas.openxmlformats.org/presentationml/2006/main" xmlns:c="http://schemas.openxmlformats.org/drawingml/2006/chart" xmlns:dgm="http://schemas.openxmlformats.org/drawingml/2006/diagram" xmlns:o="urn:schemas-microsoft-com:office:office" xmlns:v="urn:schemas-microsoft-com:vml" xmlns:pvml="urn:schemas-microsoft-com:office:powerpoint" xmlns:com="http://schemas.openxmlformats.org/drawingml/2006/compatibility" xmlns:p14="http://schemas.microsoft.com/office/powerpoint/2010/main" xmlns:p15="http://schemas.microsoft.com/office/powerpoint/2012/main" xmlns:ahyp="http://schemas.microsoft.com/office/drawing/2018/hyperlinkcolor" matchingName="ONE_COLUMN_TEXT">
+<p:sldLayout xmlns:a="http://schemas.openxmlformats.org/drawingml/2006/main" xmlns:r="http://schemas.openxmlformats.org/officeDocument/2006/relationships" xmlns:p="http://schemas.openxmlformats.org/presentationml/2006/main" matchingName="ONE_COLUMN_TEXT">
   <p:cSld name="ONE_COLUMN_TEXT">
     <p:spTree>
       <p:nvGrpSpPr>
-        <p:cNvPr id="25" name="Shape 25"/>
+        <p:cNvPr id="1" name="Shape 25"/>
         <p:cNvGrpSpPr/>
         <p:nvPr/>
       </p:nvGrpSpPr>
@@ -3835,7 +3897,9 @@
       <p:sp>
         <p:nvSpPr>
           <p:cNvPr id="26" name="Google Shape;26;p6"/>
-          <p:cNvSpPr txBox="1"/>
+          <p:cNvSpPr txBox="1">
+            <a:spLocks noGrp="1"/>
+          </p:cNvSpPr>
           <p:nvPr>
             <p:ph type="title"/>
           </p:nvPr>
@@ -3854,7 +3918,7 @@
           </a:ln>
         </p:spPr>
         <p:txBody>
-          <a:bodyPr anchorCtr="0" anchor="b" bIns="243775" lIns="243775" spcFirstLastPara="1" rIns="243775" wrap="square" tIns="243775">
+          <a:bodyPr spcFirstLastPara="1" wrap="square" lIns="243775" tIns="243775" rIns="243775" bIns="243775" anchor="b" anchorCtr="0">
             <a:noAutofit/>
           </a:bodyPr>
           <a:lstStyle>
@@ -4013,15 +4077,19 @@
               <a:defRPr/>
             </a:lvl9pPr>
           </a:lstStyle>
-          <a:p/>
+          <a:p>
+            <a:endParaRPr/>
+          </a:p>
         </p:txBody>
       </p:sp>
       <p:sp>
         <p:nvSpPr>
           <p:cNvPr id="27" name="Google Shape;27;p6"/>
-          <p:cNvSpPr txBox="1"/>
+          <p:cNvSpPr txBox="1">
+            <a:spLocks noGrp="1"/>
+          </p:cNvSpPr>
           <p:nvPr>
-            <p:ph idx="1" type="body"/>
+            <p:ph type="body" idx="1"/>
           </p:nvPr>
         </p:nvSpPr>
         <p:spPr>
@@ -4038,11 +4106,11 @@
           </a:ln>
         </p:spPr>
         <p:txBody>
-          <a:bodyPr anchorCtr="0" anchor="t" bIns="243775" lIns="243775" spcFirstLastPara="1" rIns="243775" wrap="square" tIns="243775">
+          <a:bodyPr spcFirstLastPara="1" wrap="square" lIns="243775" tIns="243775" rIns="243775" bIns="243775" anchor="t" anchorCtr="0">
             <a:noAutofit/>
           </a:bodyPr>
           <a:lstStyle>
-            <a:lvl1pPr indent="-431800" lvl="0" marL="457200" algn="l">
+            <a:lvl1pPr marL="457200" lvl="0" indent="-431800" algn="l">
               <a:lnSpc>
                 <a:spcPct val="115000"/>
               </a:lnSpc>
@@ -4056,7 +4124,7 @@
               <a:buChar char="●"/>
               <a:defRPr sz="3200"/>
             </a:lvl1pPr>
-            <a:lvl2pPr indent="-431800" lvl="1" marL="914400" algn="l">
+            <a:lvl2pPr marL="914400" lvl="1" indent="-431800" algn="l">
               <a:lnSpc>
                 <a:spcPct val="115000"/>
               </a:lnSpc>
@@ -4070,7 +4138,7 @@
               <a:buChar char="○"/>
               <a:defRPr sz="3200"/>
             </a:lvl2pPr>
-            <a:lvl3pPr indent="-431800" lvl="2" marL="1371600" algn="l">
+            <a:lvl3pPr marL="1371600" lvl="2" indent="-431800" algn="l">
               <a:lnSpc>
                 <a:spcPct val="115000"/>
               </a:lnSpc>
@@ -4084,7 +4152,7 @@
               <a:buChar char="■"/>
               <a:defRPr sz="3200"/>
             </a:lvl3pPr>
-            <a:lvl4pPr indent="-431800" lvl="3" marL="1828800" algn="l">
+            <a:lvl4pPr marL="1828800" lvl="3" indent="-431800" algn="l">
               <a:lnSpc>
                 <a:spcPct val="115000"/>
               </a:lnSpc>
@@ -4098,7 +4166,7 @@
               <a:buChar char="●"/>
               <a:defRPr sz="3200"/>
             </a:lvl4pPr>
-            <a:lvl5pPr indent="-431800" lvl="4" marL="2286000" algn="l">
+            <a:lvl5pPr marL="2286000" lvl="4" indent="-431800" algn="l">
               <a:lnSpc>
                 <a:spcPct val="115000"/>
               </a:lnSpc>
@@ -4112,7 +4180,7 @@
               <a:buChar char="○"/>
               <a:defRPr sz="3200"/>
             </a:lvl5pPr>
-            <a:lvl6pPr indent="-533400" lvl="5" marL="2743200" algn="l">
+            <a:lvl6pPr marL="2743200" lvl="5" indent="-533400" algn="l">
               <a:lnSpc>
                 <a:spcPct val="115000"/>
               </a:lnSpc>
@@ -4126,7 +4194,7 @@
               <a:buChar char="■"/>
               <a:defRPr/>
             </a:lvl6pPr>
-            <a:lvl7pPr indent="-533400" lvl="6" marL="3200400" algn="l">
+            <a:lvl7pPr marL="3200400" lvl="6" indent="-533400" algn="l">
               <a:lnSpc>
                 <a:spcPct val="115000"/>
               </a:lnSpc>
@@ -4140,7 +4208,7 @@
               <a:buChar char="●"/>
               <a:defRPr/>
             </a:lvl7pPr>
-            <a:lvl8pPr indent="-533400" lvl="7" marL="3657600" algn="l">
+            <a:lvl8pPr marL="3657600" lvl="7" indent="-533400" algn="l">
               <a:lnSpc>
                 <a:spcPct val="115000"/>
               </a:lnSpc>
@@ -4154,7 +4222,7 @@
               <a:buChar char="○"/>
               <a:defRPr/>
             </a:lvl8pPr>
-            <a:lvl9pPr indent="-533400" lvl="8" marL="4114800" algn="l">
+            <a:lvl9pPr marL="4114800" lvl="8" indent="-533400" algn="l">
               <a:lnSpc>
                 <a:spcPct val="115000"/>
               </a:lnSpc>
@@ -4169,15 +4237,19 @@
               <a:defRPr/>
             </a:lvl9pPr>
           </a:lstStyle>
-          <a:p/>
+          <a:p>
+            <a:endParaRPr/>
+          </a:p>
         </p:txBody>
       </p:sp>
       <p:sp>
         <p:nvSpPr>
           <p:cNvPr id="28" name="Google Shape;28;p6"/>
-          <p:cNvSpPr txBox="1"/>
+          <p:cNvSpPr txBox="1">
+            <a:spLocks noGrp="1"/>
+          </p:cNvSpPr>
           <p:nvPr>
-            <p:ph idx="12" type="sldNum"/>
+            <p:ph type="sldNum" idx="12"/>
           </p:nvPr>
         </p:nvSpPr>
         <p:spPr>
@@ -4194,27 +4266,27 @@
           </a:ln>
         </p:spPr>
         <p:txBody>
-          <a:bodyPr anchorCtr="0" anchor="ctr" bIns="243775" lIns="243775" spcFirstLastPara="1" rIns="243775" wrap="square" tIns="243775">
+          <a:bodyPr spcFirstLastPara="1" wrap="square" lIns="243775" tIns="243775" rIns="243775" bIns="243775" anchor="ctr" anchorCtr="0">
             <a:noAutofit/>
           </a:bodyPr>
           <a:lstStyle>
-            <a:lvl1pPr indent="0" lvl="0" marL="0" marR="0" algn="r">
-              <a:lnSpc>
-                <a:spcPct val="100000"/>
-              </a:lnSpc>
-              <a:spcBef>
-                <a:spcPts val="0"/>
-              </a:spcBef>
-              <a:spcAft>
-                <a:spcPts val="0"/>
-              </a:spcAft>
-              <a:buClr>
-                <a:srgbClr val="ADADAD"/>
-              </a:buClr>
-              <a:buSzPts val="2600"/>
-              <a:buFont typeface="Arial"/>
-              <a:buNone/>
-              <a:defRPr b="0" i="0" sz="2600" u="none" cap="none" strike="noStrike">
+            <a:lvl1pPr marL="0" marR="0" lvl="0" indent="0" algn="r">
+              <a:lnSpc>
+                <a:spcPct val="100000"/>
+              </a:lnSpc>
+              <a:spcBef>
+                <a:spcPts val="0"/>
+              </a:spcBef>
+              <a:spcAft>
+                <a:spcPts val="0"/>
+              </a:spcAft>
+              <a:buClr>
+                <a:srgbClr val="ADADAD"/>
+              </a:buClr>
+              <a:buSzPts val="2600"/>
+              <a:buFont typeface="Arial"/>
+              <a:buNone/>
+              <a:defRPr sz="2600" b="0" i="0" u="none" strike="noStrike" cap="none">
                 <a:solidFill>
                   <a:srgbClr val="ADADAD"/>
                 </a:solidFill>
@@ -4224,23 +4296,23 @@
                 <a:sym typeface="Arial"/>
               </a:defRPr>
             </a:lvl1pPr>
-            <a:lvl2pPr indent="0" lvl="1" marL="0" marR="0" algn="r">
-              <a:lnSpc>
-                <a:spcPct val="100000"/>
-              </a:lnSpc>
-              <a:spcBef>
-                <a:spcPts val="0"/>
-              </a:spcBef>
-              <a:spcAft>
-                <a:spcPts val="0"/>
-              </a:spcAft>
-              <a:buClr>
-                <a:srgbClr val="ADADAD"/>
-              </a:buClr>
-              <a:buSzPts val="2600"/>
-              <a:buFont typeface="Arial"/>
-              <a:buNone/>
-              <a:defRPr b="0" i="0" sz="2600" u="none" cap="none" strike="noStrike">
+            <a:lvl2pPr marL="0" marR="0" lvl="1" indent="0" algn="r">
+              <a:lnSpc>
+                <a:spcPct val="100000"/>
+              </a:lnSpc>
+              <a:spcBef>
+                <a:spcPts val="0"/>
+              </a:spcBef>
+              <a:spcAft>
+                <a:spcPts val="0"/>
+              </a:spcAft>
+              <a:buClr>
+                <a:srgbClr val="ADADAD"/>
+              </a:buClr>
+              <a:buSzPts val="2600"/>
+              <a:buFont typeface="Arial"/>
+              <a:buNone/>
+              <a:defRPr sz="2600" b="0" i="0" u="none" strike="noStrike" cap="none">
                 <a:solidFill>
                   <a:srgbClr val="ADADAD"/>
                 </a:solidFill>
@@ -4250,23 +4322,23 @@
                 <a:sym typeface="Arial"/>
               </a:defRPr>
             </a:lvl2pPr>
-            <a:lvl3pPr indent="0" lvl="2" marL="0" marR="0" algn="r">
-              <a:lnSpc>
-                <a:spcPct val="100000"/>
-              </a:lnSpc>
-              <a:spcBef>
-                <a:spcPts val="0"/>
-              </a:spcBef>
-              <a:spcAft>
-                <a:spcPts val="0"/>
-              </a:spcAft>
-              <a:buClr>
-                <a:srgbClr val="ADADAD"/>
-              </a:buClr>
-              <a:buSzPts val="2600"/>
-              <a:buFont typeface="Arial"/>
-              <a:buNone/>
-              <a:defRPr b="0" i="0" sz="2600" u="none" cap="none" strike="noStrike">
+            <a:lvl3pPr marL="0" marR="0" lvl="2" indent="0" algn="r">
+              <a:lnSpc>
+                <a:spcPct val="100000"/>
+              </a:lnSpc>
+              <a:spcBef>
+                <a:spcPts val="0"/>
+              </a:spcBef>
+              <a:spcAft>
+                <a:spcPts val="0"/>
+              </a:spcAft>
+              <a:buClr>
+                <a:srgbClr val="ADADAD"/>
+              </a:buClr>
+              <a:buSzPts val="2600"/>
+              <a:buFont typeface="Arial"/>
+              <a:buNone/>
+              <a:defRPr sz="2600" b="0" i="0" u="none" strike="noStrike" cap="none">
                 <a:solidFill>
                   <a:srgbClr val="ADADAD"/>
                 </a:solidFill>
@@ -4276,23 +4348,23 @@
                 <a:sym typeface="Arial"/>
               </a:defRPr>
             </a:lvl3pPr>
-            <a:lvl4pPr indent="0" lvl="3" marL="0" marR="0" algn="r">
-              <a:lnSpc>
-                <a:spcPct val="100000"/>
-              </a:lnSpc>
-              <a:spcBef>
-                <a:spcPts val="0"/>
-              </a:spcBef>
-              <a:spcAft>
-                <a:spcPts val="0"/>
-              </a:spcAft>
-              <a:buClr>
-                <a:srgbClr val="ADADAD"/>
-              </a:buClr>
-              <a:buSzPts val="2600"/>
-              <a:buFont typeface="Arial"/>
-              <a:buNone/>
-              <a:defRPr b="0" i="0" sz="2600" u="none" cap="none" strike="noStrike">
+            <a:lvl4pPr marL="0" marR="0" lvl="3" indent="0" algn="r">
+              <a:lnSpc>
+                <a:spcPct val="100000"/>
+              </a:lnSpc>
+              <a:spcBef>
+                <a:spcPts val="0"/>
+              </a:spcBef>
+              <a:spcAft>
+                <a:spcPts val="0"/>
+              </a:spcAft>
+              <a:buClr>
+                <a:srgbClr val="ADADAD"/>
+              </a:buClr>
+              <a:buSzPts val="2600"/>
+              <a:buFont typeface="Arial"/>
+              <a:buNone/>
+              <a:defRPr sz="2600" b="0" i="0" u="none" strike="noStrike" cap="none">
                 <a:solidFill>
                   <a:srgbClr val="ADADAD"/>
                 </a:solidFill>
@@ -4302,23 +4374,23 @@
                 <a:sym typeface="Arial"/>
               </a:defRPr>
             </a:lvl4pPr>
-            <a:lvl5pPr indent="0" lvl="4" marL="0" marR="0" algn="r">
-              <a:lnSpc>
-                <a:spcPct val="100000"/>
-              </a:lnSpc>
-              <a:spcBef>
-                <a:spcPts val="0"/>
-              </a:spcBef>
-              <a:spcAft>
-                <a:spcPts val="0"/>
-              </a:spcAft>
-              <a:buClr>
-                <a:srgbClr val="ADADAD"/>
-              </a:buClr>
-              <a:buSzPts val="2600"/>
-              <a:buFont typeface="Arial"/>
-              <a:buNone/>
-              <a:defRPr b="0" i="0" sz="2600" u="none" cap="none" strike="noStrike">
+            <a:lvl5pPr marL="0" marR="0" lvl="4" indent="0" algn="r">
+              <a:lnSpc>
+                <a:spcPct val="100000"/>
+              </a:lnSpc>
+              <a:spcBef>
+                <a:spcPts val="0"/>
+              </a:spcBef>
+              <a:spcAft>
+                <a:spcPts val="0"/>
+              </a:spcAft>
+              <a:buClr>
+                <a:srgbClr val="ADADAD"/>
+              </a:buClr>
+              <a:buSzPts val="2600"/>
+              <a:buFont typeface="Arial"/>
+              <a:buNone/>
+              <a:defRPr sz="2600" b="0" i="0" u="none" strike="noStrike" cap="none">
                 <a:solidFill>
                   <a:srgbClr val="ADADAD"/>
                 </a:solidFill>
@@ -4328,23 +4400,23 @@
                 <a:sym typeface="Arial"/>
               </a:defRPr>
             </a:lvl5pPr>
-            <a:lvl6pPr indent="0" lvl="5" marL="0" marR="0" algn="r">
-              <a:lnSpc>
-                <a:spcPct val="100000"/>
-              </a:lnSpc>
-              <a:spcBef>
-                <a:spcPts val="0"/>
-              </a:spcBef>
-              <a:spcAft>
-                <a:spcPts val="0"/>
-              </a:spcAft>
-              <a:buClr>
-                <a:srgbClr val="ADADAD"/>
-              </a:buClr>
-              <a:buSzPts val="2600"/>
-              <a:buFont typeface="Arial"/>
-              <a:buNone/>
-              <a:defRPr b="0" i="0" sz="2600" u="none" cap="none" strike="noStrike">
+            <a:lvl6pPr marL="0" marR="0" lvl="5" indent="0" algn="r">
+              <a:lnSpc>
+                <a:spcPct val="100000"/>
+              </a:lnSpc>
+              <a:spcBef>
+                <a:spcPts val="0"/>
+              </a:spcBef>
+              <a:spcAft>
+                <a:spcPts val="0"/>
+              </a:spcAft>
+              <a:buClr>
+                <a:srgbClr val="ADADAD"/>
+              </a:buClr>
+              <a:buSzPts val="2600"/>
+              <a:buFont typeface="Arial"/>
+              <a:buNone/>
+              <a:defRPr sz="2600" b="0" i="0" u="none" strike="noStrike" cap="none">
                 <a:solidFill>
                   <a:srgbClr val="ADADAD"/>
                 </a:solidFill>
@@ -4354,23 +4426,23 @@
                 <a:sym typeface="Arial"/>
               </a:defRPr>
             </a:lvl6pPr>
-            <a:lvl7pPr indent="0" lvl="6" marL="0" marR="0" algn="r">
-              <a:lnSpc>
-                <a:spcPct val="100000"/>
-              </a:lnSpc>
-              <a:spcBef>
-                <a:spcPts val="0"/>
-              </a:spcBef>
-              <a:spcAft>
-                <a:spcPts val="0"/>
-              </a:spcAft>
-              <a:buClr>
-                <a:srgbClr val="ADADAD"/>
-              </a:buClr>
-              <a:buSzPts val="2600"/>
-              <a:buFont typeface="Arial"/>
-              <a:buNone/>
-              <a:defRPr b="0" i="0" sz="2600" u="none" cap="none" strike="noStrike">
+            <a:lvl7pPr marL="0" marR="0" lvl="6" indent="0" algn="r">
+              <a:lnSpc>
+                <a:spcPct val="100000"/>
+              </a:lnSpc>
+              <a:spcBef>
+                <a:spcPts val="0"/>
+              </a:spcBef>
+              <a:spcAft>
+                <a:spcPts val="0"/>
+              </a:spcAft>
+              <a:buClr>
+                <a:srgbClr val="ADADAD"/>
+              </a:buClr>
+              <a:buSzPts val="2600"/>
+              <a:buFont typeface="Arial"/>
+              <a:buNone/>
+              <a:defRPr sz="2600" b="0" i="0" u="none" strike="noStrike" cap="none">
                 <a:solidFill>
                   <a:srgbClr val="ADADAD"/>
                 </a:solidFill>
@@ -4380,23 +4452,23 @@
                 <a:sym typeface="Arial"/>
               </a:defRPr>
             </a:lvl7pPr>
-            <a:lvl8pPr indent="0" lvl="7" marL="0" marR="0" algn="r">
-              <a:lnSpc>
-                <a:spcPct val="100000"/>
-              </a:lnSpc>
-              <a:spcBef>
-                <a:spcPts val="0"/>
-              </a:spcBef>
-              <a:spcAft>
-                <a:spcPts val="0"/>
-              </a:spcAft>
-              <a:buClr>
-                <a:srgbClr val="ADADAD"/>
-              </a:buClr>
-              <a:buSzPts val="2600"/>
-              <a:buFont typeface="Arial"/>
-              <a:buNone/>
-              <a:defRPr b="0" i="0" sz="2600" u="none" cap="none" strike="noStrike">
+            <a:lvl8pPr marL="0" marR="0" lvl="7" indent="0" algn="r">
+              <a:lnSpc>
+                <a:spcPct val="100000"/>
+              </a:lnSpc>
+              <a:spcBef>
+                <a:spcPts val="0"/>
+              </a:spcBef>
+              <a:spcAft>
+                <a:spcPts val="0"/>
+              </a:spcAft>
+              <a:buClr>
+                <a:srgbClr val="ADADAD"/>
+              </a:buClr>
+              <a:buSzPts val="2600"/>
+              <a:buFont typeface="Arial"/>
+              <a:buNone/>
+              <a:defRPr sz="2600" b="0" i="0" u="none" strike="noStrike" cap="none">
                 <a:solidFill>
                   <a:srgbClr val="ADADAD"/>
                 </a:solidFill>
@@ -4406,23 +4478,23 @@
                 <a:sym typeface="Arial"/>
               </a:defRPr>
             </a:lvl8pPr>
-            <a:lvl9pPr indent="0" lvl="8" marL="0" marR="0" algn="r">
-              <a:lnSpc>
-                <a:spcPct val="100000"/>
-              </a:lnSpc>
-              <a:spcBef>
-                <a:spcPts val="0"/>
-              </a:spcBef>
-              <a:spcAft>
-                <a:spcPts val="0"/>
-              </a:spcAft>
-              <a:buClr>
-                <a:srgbClr val="ADADAD"/>
-              </a:buClr>
-              <a:buSzPts val="2600"/>
-              <a:buFont typeface="Arial"/>
-              <a:buNone/>
-              <a:defRPr b="0" i="0" sz="2600" u="none" cap="none" strike="noStrike">
+            <a:lvl9pPr marL="0" marR="0" lvl="8" indent="0" algn="r">
+              <a:lnSpc>
+                <a:spcPct val="100000"/>
+              </a:lnSpc>
+              <a:spcBef>
+                <a:spcPts val="0"/>
+              </a:spcBef>
+              <a:spcAft>
+                <a:spcPts val="0"/>
+              </a:spcAft>
+              <a:buClr>
+                <a:srgbClr val="ADADAD"/>
+              </a:buClr>
+              <a:buSzPts val="2600"/>
+              <a:buFont typeface="Arial"/>
+              <a:buNone/>
+              <a:defRPr sz="2600" b="0" i="0" u="none" strike="noStrike" cap="none">
                 <a:solidFill>
                   <a:srgbClr val="ADADAD"/>
                 </a:solidFill>
@@ -4434,7 +4506,7 @@
             </a:lvl9pPr>
           </a:lstStyle>
           <a:p>
-            <a:pPr indent="0" lvl="0" marL="0" rtl="0" algn="r">
+            <a:pPr marL="0" lvl="0" indent="0" algn="r" rtl="0">
               <a:spcBef>
                 <a:spcPts val="0"/>
               </a:spcBef>
@@ -4460,11 +4532,11 @@
 </file>
 
 <file path=ppt/slideLayouts/slideLayout6.xml><?xml version="1.0" encoding="utf-8"?>
-<p:sldLayout xmlns:a="http://schemas.openxmlformats.org/drawingml/2006/main" xmlns:r="http://schemas.openxmlformats.org/officeDocument/2006/relationships" xmlns:mc="http://schemas.openxmlformats.org/markup-compatibility/2006" xmlns:mv="urn:schemas-microsoft-com:mac:vml" xmlns:p="http://schemas.openxmlformats.org/presentationml/2006/main" xmlns:c="http://schemas.openxmlformats.org/drawingml/2006/chart" xmlns:dgm="http://schemas.openxmlformats.org/drawingml/2006/diagram" xmlns:o="urn:schemas-microsoft-com:office:office" xmlns:v="urn:schemas-microsoft-com:vml" xmlns:pvml="urn:schemas-microsoft-com:office:powerpoint" xmlns:com="http://schemas.openxmlformats.org/drawingml/2006/compatibility" xmlns:p14="http://schemas.microsoft.com/office/powerpoint/2010/main" xmlns:p15="http://schemas.microsoft.com/office/powerpoint/2012/main" xmlns:ahyp="http://schemas.microsoft.com/office/drawing/2018/hyperlinkcolor" matchingName="MAIN_POINT">
+<p:sldLayout xmlns:a="http://schemas.openxmlformats.org/drawingml/2006/main" xmlns:r="http://schemas.openxmlformats.org/officeDocument/2006/relationships" xmlns:p="http://schemas.openxmlformats.org/presentationml/2006/main" matchingName="MAIN_POINT">
   <p:cSld name="MAIN_POINT">
     <p:spTree>
       <p:nvGrpSpPr>
-        <p:cNvPr id="29" name="Shape 29"/>
+        <p:cNvPr id="1" name="Shape 29"/>
         <p:cNvGrpSpPr/>
         <p:nvPr/>
       </p:nvGrpSpPr>
@@ -4479,7 +4551,9 @@
       <p:sp>
         <p:nvSpPr>
           <p:cNvPr id="30" name="Google Shape;30;p7"/>
-          <p:cNvSpPr txBox="1"/>
+          <p:cNvSpPr txBox="1">
+            <a:spLocks noGrp="1"/>
+          </p:cNvSpPr>
           <p:nvPr>
             <p:ph type="title"/>
           </p:nvPr>
@@ -4498,7 +4572,7 @@
           </a:ln>
         </p:spPr>
         <p:txBody>
-          <a:bodyPr anchorCtr="0" anchor="ctr" bIns="243775" lIns="243775" spcFirstLastPara="1" rIns="243775" wrap="square" tIns="243775">
+          <a:bodyPr spcFirstLastPara="1" wrap="square" lIns="243775" tIns="243775" rIns="243775" bIns="243775" anchor="ctr" anchorCtr="0">
             <a:noAutofit/>
           </a:bodyPr>
           <a:lstStyle>
@@ -4657,15 +4731,19 @@
               <a:defRPr/>
             </a:lvl9pPr>
           </a:lstStyle>
-          <a:p/>
+          <a:p>
+            <a:endParaRPr/>
+          </a:p>
         </p:txBody>
       </p:sp>
       <p:sp>
         <p:nvSpPr>
           <p:cNvPr id="31" name="Google Shape;31;p7"/>
-          <p:cNvSpPr txBox="1"/>
+          <p:cNvSpPr txBox="1">
+            <a:spLocks noGrp="1"/>
+          </p:cNvSpPr>
           <p:nvPr>
-            <p:ph idx="12" type="sldNum"/>
+            <p:ph type="sldNum" idx="12"/>
           </p:nvPr>
         </p:nvSpPr>
         <p:spPr>
@@ -4682,27 +4760,27 @@
           </a:ln>
         </p:spPr>
         <p:txBody>
-          <a:bodyPr anchorCtr="0" anchor="ctr" bIns="243775" lIns="243775" spcFirstLastPara="1" rIns="243775" wrap="square" tIns="243775">
+          <a:bodyPr spcFirstLastPara="1" wrap="square" lIns="243775" tIns="243775" rIns="243775" bIns="243775" anchor="ctr" anchorCtr="0">
             <a:noAutofit/>
           </a:bodyPr>
           <a:lstStyle>
-            <a:lvl1pPr indent="0" lvl="0" marL="0" marR="0" algn="r">
-              <a:lnSpc>
-                <a:spcPct val="100000"/>
-              </a:lnSpc>
-              <a:spcBef>
-                <a:spcPts val="0"/>
-              </a:spcBef>
-              <a:spcAft>
-                <a:spcPts val="0"/>
-              </a:spcAft>
-              <a:buClr>
-                <a:srgbClr val="ADADAD"/>
-              </a:buClr>
-              <a:buSzPts val="2600"/>
-              <a:buFont typeface="Arial"/>
-              <a:buNone/>
-              <a:defRPr b="0" i="0" sz="2600" u="none" cap="none" strike="noStrike">
+            <a:lvl1pPr marL="0" marR="0" lvl="0" indent="0" algn="r">
+              <a:lnSpc>
+                <a:spcPct val="100000"/>
+              </a:lnSpc>
+              <a:spcBef>
+                <a:spcPts val="0"/>
+              </a:spcBef>
+              <a:spcAft>
+                <a:spcPts val="0"/>
+              </a:spcAft>
+              <a:buClr>
+                <a:srgbClr val="ADADAD"/>
+              </a:buClr>
+              <a:buSzPts val="2600"/>
+              <a:buFont typeface="Arial"/>
+              <a:buNone/>
+              <a:defRPr sz="2600" b="0" i="0" u="none" strike="noStrike" cap="none">
                 <a:solidFill>
                   <a:srgbClr val="ADADAD"/>
                 </a:solidFill>
@@ -4712,23 +4790,23 @@
                 <a:sym typeface="Arial"/>
               </a:defRPr>
             </a:lvl1pPr>
-            <a:lvl2pPr indent="0" lvl="1" marL="0" marR="0" algn="r">
-              <a:lnSpc>
-                <a:spcPct val="100000"/>
-              </a:lnSpc>
-              <a:spcBef>
-                <a:spcPts val="0"/>
-              </a:spcBef>
-              <a:spcAft>
-                <a:spcPts val="0"/>
-              </a:spcAft>
-              <a:buClr>
-                <a:srgbClr val="ADADAD"/>
-              </a:buClr>
-              <a:buSzPts val="2600"/>
-              <a:buFont typeface="Arial"/>
-              <a:buNone/>
-              <a:defRPr b="0" i="0" sz="2600" u="none" cap="none" strike="noStrike">
+            <a:lvl2pPr marL="0" marR="0" lvl="1" indent="0" algn="r">
+              <a:lnSpc>
+                <a:spcPct val="100000"/>
+              </a:lnSpc>
+              <a:spcBef>
+                <a:spcPts val="0"/>
+              </a:spcBef>
+              <a:spcAft>
+                <a:spcPts val="0"/>
+              </a:spcAft>
+              <a:buClr>
+                <a:srgbClr val="ADADAD"/>
+              </a:buClr>
+              <a:buSzPts val="2600"/>
+              <a:buFont typeface="Arial"/>
+              <a:buNone/>
+              <a:defRPr sz="2600" b="0" i="0" u="none" strike="noStrike" cap="none">
                 <a:solidFill>
                   <a:srgbClr val="ADADAD"/>
                 </a:solidFill>
@@ -4738,23 +4816,23 @@
                 <a:sym typeface="Arial"/>
               </a:defRPr>
             </a:lvl2pPr>
-            <a:lvl3pPr indent="0" lvl="2" marL="0" marR="0" algn="r">
-              <a:lnSpc>
-                <a:spcPct val="100000"/>
-              </a:lnSpc>
-              <a:spcBef>
-                <a:spcPts val="0"/>
-              </a:spcBef>
-              <a:spcAft>
-                <a:spcPts val="0"/>
-              </a:spcAft>
-              <a:buClr>
-                <a:srgbClr val="ADADAD"/>
-              </a:buClr>
-              <a:buSzPts val="2600"/>
-              <a:buFont typeface="Arial"/>
-              <a:buNone/>
-              <a:defRPr b="0" i="0" sz="2600" u="none" cap="none" strike="noStrike">
+            <a:lvl3pPr marL="0" marR="0" lvl="2" indent="0" algn="r">
+              <a:lnSpc>
+                <a:spcPct val="100000"/>
+              </a:lnSpc>
+              <a:spcBef>
+                <a:spcPts val="0"/>
+              </a:spcBef>
+              <a:spcAft>
+                <a:spcPts val="0"/>
+              </a:spcAft>
+              <a:buClr>
+                <a:srgbClr val="ADADAD"/>
+              </a:buClr>
+              <a:buSzPts val="2600"/>
+              <a:buFont typeface="Arial"/>
+              <a:buNone/>
+              <a:defRPr sz="2600" b="0" i="0" u="none" strike="noStrike" cap="none">
                 <a:solidFill>
                   <a:srgbClr val="ADADAD"/>
                 </a:solidFill>
@@ -4764,23 +4842,23 @@
                 <a:sym typeface="Arial"/>
               </a:defRPr>
             </a:lvl3pPr>
-            <a:lvl4pPr indent="0" lvl="3" marL="0" marR="0" algn="r">
-              <a:lnSpc>
-                <a:spcPct val="100000"/>
-              </a:lnSpc>
-              <a:spcBef>
-                <a:spcPts val="0"/>
-              </a:spcBef>
-              <a:spcAft>
-                <a:spcPts val="0"/>
-              </a:spcAft>
-              <a:buClr>
-                <a:srgbClr val="ADADAD"/>
-              </a:buClr>
-              <a:buSzPts val="2600"/>
-              <a:buFont typeface="Arial"/>
-              <a:buNone/>
-              <a:defRPr b="0" i="0" sz="2600" u="none" cap="none" strike="noStrike">
+            <a:lvl4pPr marL="0" marR="0" lvl="3" indent="0" algn="r">
+              <a:lnSpc>
+                <a:spcPct val="100000"/>
+              </a:lnSpc>
+              <a:spcBef>
+                <a:spcPts val="0"/>
+              </a:spcBef>
+              <a:spcAft>
+                <a:spcPts val="0"/>
+              </a:spcAft>
+              <a:buClr>
+                <a:srgbClr val="ADADAD"/>
+              </a:buClr>
+              <a:buSzPts val="2600"/>
+              <a:buFont typeface="Arial"/>
+              <a:buNone/>
+              <a:defRPr sz="2600" b="0" i="0" u="none" strike="noStrike" cap="none">
                 <a:solidFill>
                   <a:srgbClr val="ADADAD"/>
                 </a:solidFill>
@@ -4790,23 +4868,23 @@
                 <a:sym typeface="Arial"/>
               </a:defRPr>
             </a:lvl4pPr>
-            <a:lvl5pPr indent="0" lvl="4" marL="0" marR="0" algn="r">
-              <a:lnSpc>
-                <a:spcPct val="100000"/>
-              </a:lnSpc>
-              <a:spcBef>
-                <a:spcPts val="0"/>
-              </a:spcBef>
-              <a:spcAft>
-                <a:spcPts val="0"/>
-              </a:spcAft>
-              <a:buClr>
-                <a:srgbClr val="ADADAD"/>
-              </a:buClr>
-              <a:buSzPts val="2600"/>
-              <a:buFont typeface="Arial"/>
-              <a:buNone/>
-              <a:defRPr b="0" i="0" sz="2600" u="none" cap="none" strike="noStrike">
+            <a:lvl5pPr marL="0" marR="0" lvl="4" indent="0" algn="r">
+              <a:lnSpc>
+                <a:spcPct val="100000"/>
+              </a:lnSpc>
+              <a:spcBef>
+                <a:spcPts val="0"/>
+              </a:spcBef>
+              <a:spcAft>
+                <a:spcPts val="0"/>
+              </a:spcAft>
+              <a:buClr>
+                <a:srgbClr val="ADADAD"/>
+              </a:buClr>
+              <a:buSzPts val="2600"/>
+              <a:buFont typeface="Arial"/>
+              <a:buNone/>
+              <a:defRPr sz="2600" b="0" i="0" u="none" strike="noStrike" cap="none">
                 <a:solidFill>
                   <a:srgbClr val="ADADAD"/>
                 </a:solidFill>
@@ -4816,23 +4894,23 @@
                 <a:sym typeface="Arial"/>
               </a:defRPr>
             </a:lvl5pPr>
-            <a:lvl6pPr indent="0" lvl="5" marL="0" marR="0" algn="r">
-              <a:lnSpc>
-                <a:spcPct val="100000"/>
-              </a:lnSpc>
-              <a:spcBef>
-                <a:spcPts val="0"/>
-              </a:spcBef>
-              <a:spcAft>
-                <a:spcPts val="0"/>
-              </a:spcAft>
-              <a:buClr>
-                <a:srgbClr val="ADADAD"/>
-              </a:buClr>
-              <a:buSzPts val="2600"/>
-              <a:buFont typeface="Arial"/>
-              <a:buNone/>
-              <a:defRPr b="0" i="0" sz="2600" u="none" cap="none" strike="noStrike">
+            <a:lvl6pPr marL="0" marR="0" lvl="5" indent="0" algn="r">
+              <a:lnSpc>
+                <a:spcPct val="100000"/>
+              </a:lnSpc>
+              <a:spcBef>
+                <a:spcPts val="0"/>
+              </a:spcBef>
+              <a:spcAft>
+                <a:spcPts val="0"/>
+              </a:spcAft>
+              <a:buClr>
+                <a:srgbClr val="ADADAD"/>
+              </a:buClr>
+              <a:buSzPts val="2600"/>
+              <a:buFont typeface="Arial"/>
+              <a:buNone/>
+              <a:defRPr sz="2600" b="0" i="0" u="none" strike="noStrike" cap="none">
                 <a:solidFill>
                   <a:srgbClr val="ADADAD"/>
                 </a:solidFill>
@@ -4842,23 +4920,23 @@
                 <a:sym typeface="Arial"/>
               </a:defRPr>
             </a:lvl6pPr>
-            <a:lvl7pPr indent="0" lvl="6" marL="0" marR="0" algn="r">
-              <a:lnSpc>
-                <a:spcPct val="100000"/>
-              </a:lnSpc>
-              <a:spcBef>
-                <a:spcPts val="0"/>
-              </a:spcBef>
-              <a:spcAft>
-                <a:spcPts val="0"/>
-              </a:spcAft>
-              <a:buClr>
-                <a:srgbClr val="ADADAD"/>
-              </a:buClr>
-              <a:buSzPts val="2600"/>
-              <a:buFont typeface="Arial"/>
-              <a:buNone/>
-              <a:defRPr b="0" i="0" sz="2600" u="none" cap="none" strike="noStrike">
+            <a:lvl7pPr marL="0" marR="0" lvl="6" indent="0" algn="r">
+              <a:lnSpc>
+                <a:spcPct val="100000"/>
+              </a:lnSpc>
+              <a:spcBef>
+                <a:spcPts val="0"/>
+              </a:spcBef>
+              <a:spcAft>
+                <a:spcPts val="0"/>
+              </a:spcAft>
+              <a:buClr>
+                <a:srgbClr val="ADADAD"/>
+              </a:buClr>
+              <a:buSzPts val="2600"/>
+              <a:buFont typeface="Arial"/>
+              <a:buNone/>
+              <a:defRPr sz="2600" b="0" i="0" u="none" strike="noStrike" cap="none">
                 <a:solidFill>
                   <a:srgbClr val="ADADAD"/>
                 </a:solidFill>
@@ -4868,23 +4946,23 @@
                 <a:sym typeface="Arial"/>
               </a:defRPr>
             </a:lvl7pPr>
-            <a:lvl8pPr indent="0" lvl="7" marL="0" marR="0" algn="r">
-              <a:lnSpc>
-                <a:spcPct val="100000"/>
-              </a:lnSpc>
-              <a:spcBef>
-                <a:spcPts val="0"/>
-              </a:spcBef>
-              <a:spcAft>
-                <a:spcPts val="0"/>
-              </a:spcAft>
-              <a:buClr>
-                <a:srgbClr val="ADADAD"/>
-              </a:buClr>
-              <a:buSzPts val="2600"/>
-              <a:buFont typeface="Arial"/>
-              <a:buNone/>
-              <a:defRPr b="0" i="0" sz="2600" u="none" cap="none" strike="noStrike">
+            <a:lvl8pPr marL="0" marR="0" lvl="7" indent="0" algn="r">
+              <a:lnSpc>
+                <a:spcPct val="100000"/>
+              </a:lnSpc>
+              <a:spcBef>
+                <a:spcPts val="0"/>
+              </a:spcBef>
+              <a:spcAft>
+                <a:spcPts val="0"/>
+              </a:spcAft>
+              <a:buClr>
+                <a:srgbClr val="ADADAD"/>
+              </a:buClr>
+              <a:buSzPts val="2600"/>
+              <a:buFont typeface="Arial"/>
+              <a:buNone/>
+              <a:defRPr sz="2600" b="0" i="0" u="none" strike="noStrike" cap="none">
                 <a:solidFill>
                   <a:srgbClr val="ADADAD"/>
                 </a:solidFill>
@@ -4894,23 +4972,23 @@
                 <a:sym typeface="Arial"/>
               </a:defRPr>
             </a:lvl8pPr>
-            <a:lvl9pPr indent="0" lvl="8" marL="0" marR="0" algn="r">
-              <a:lnSpc>
-                <a:spcPct val="100000"/>
-              </a:lnSpc>
-              <a:spcBef>
-                <a:spcPts val="0"/>
-              </a:spcBef>
-              <a:spcAft>
-                <a:spcPts val="0"/>
-              </a:spcAft>
-              <a:buClr>
-                <a:srgbClr val="ADADAD"/>
-              </a:buClr>
-              <a:buSzPts val="2600"/>
-              <a:buFont typeface="Arial"/>
-              <a:buNone/>
-              <a:defRPr b="0" i="0" sz="2600" u="none" cap="none" strike="noStrike">
+            <a:lvl9pPr marL="0" marR="0" lvl="8" indent="0" algn="r">
+              <a:lnSpc>
+                <a:spcPct val="100000"/>
+              </a:lnSpc>
+              <a:spcBef>
+                <a:spcPts val="0"/>
+              </a:spcBef>
+              <a:spcAft>
+                <a:spcPts val="0"/>
+              </a:spcAft>
+              <a:buClr>
+                <a:srgbClr val="ADADAD"/>
+              </a:buClr>
+              <a:buSzPts val="2600"/>
+              <a:buFont typeface="Arial"/>
+              <a:buNone/>
+              <a:defRPr sz="2600" b="0" i="0" u="none" strike="noStrike" cap="none">
                 <a:solidFill>
                   <a:srgbClr val="ADADAD"/>
                 </a:solidFill>
@@ -4922,7 +5000,7 @@
             </a:lvl9pPr>
           </a:lstStyle>
           <a:p>
-            <a:pPr indent="0" lvl="0" marL="0" rtl="0" algn="r">
+            <a:pPr marL="0" lvl="0" indent="0" algn="r" rtl="0">
               <a:spcBef>
                 <a:spcPts val="0"/>
               </a:spcBef>
@@ -4948,11 +5026,11 @@
 </file>
 
 <file path=ppt/slideLayouts/slideLayout7.xml><?xml version="1.0" encoding="utf-8"?>
-<p:sldLayout xmlns:a="http://schemas.openxmlformats.org/drawingml/2006/main" xmlns:r="http://schemas.openxmlformats.org/officeDocument/2006/relationships" xmlns:mc="http://schemas.openxmlformats.org/markup-compatibility/2006" xmlns:mv="urn:schemas-microsoft-com:mac:vml" xmlns:p="http://schemas.openxmlformats.org/presentationml/2006/main" xmlns:c="http://schemas.openxmlformats.org/drawingml/2006/chart" xmlns:dgm="http://schemas.openxmlformats.org/drawingml/2006/diagram" xmlns:o="urn:schemas-microsoft-com:office:office" xmlns:v="urn:schemas-microsoft-com:vml" xmlns:pvml="urn:schemas-microsoft-com:office:powerpoint" xmlns:com="http://schemas.openxmlformats.org/drawingml/2006/compatibility" xmlns:p14="http://schemas.microsoft.com/office/powerpoint/2010/main" xmlns:p15="http://schemas.microsoft.com/office/powerpoint/2012/main" xmlns:ahyp="http://schemas.microsoft.com/office/drawing/2018/hyperlinkcolor" matchingName="SECTION_TITLE_AND_DESCRIPTION">
+<p:sldLayout xmlns:a="http://schemas.openxmlformats.org/drawingml/2006/main" xmlns:r="http://schemas.openxmlformats.org/officeDocument/2006/relationships" xmlns:p="http://schemas.openxmlformats.org/presentationml/2006/main" matchingName="SECTION_TITLE_AND_DESCRIPTION">
   <p:cSld name="SECTION_TITLE_AND_DESCRIPTION">
     <p:spTree>
       <p:nvGrpSpPr>
-        <p:cNvPr id="32" name="Shape 32"/>
+        <p:cNvPr id="1" name="Shape 32"/>
         <p:cNvGrpSpPr/>
         <p:nvPr/>
       </p:nvGrpSpPr>
@@ -4986,12 +5064,12 @@
           </a:ln>
         </p:spPr>
         <p:txBody>
-          <a:bodyPr anchorCtr="0" anchor="ctr" bIns="0" lIns="0" spcFirstLastPara="1" rIns="0" wrap="square" tIns="0">
+          <a:bodyPr spcFirstLastPara="1" wrap="square" lIns="0" tIns="0" rIns="0" bIns="0" anchor="ctr" anchorCtr="0">
             <a:noAutofit/>
           </a:bodyPr>
           <a:lstStyle/>
           <a:p>
-            <a:pPr indent="0" lvl="0" marL="0" marR="0" rtl="0" algn="l">
+            <a:pPr marL="0" marR="0" lvl="0" indent="0" algn="l" rtl="0">
               <a:lnSpc>
                 <a:spcPct val="100000"/>
               </a:lnSpc>
@@ -5008,10 +5086,7 @@
               <a:buFont typeface="Arial"/>
               <a:buNone/>
             </a:pPr>
-            <a:r>
-              <a:t/>
-            </a:r>
-            <a:endParaRPr b="0" i="0" sz="3600" u="none" cap="none" strike="noStrike">
+            <a:endParaRPr sz="3600" b="0" i="0" u="none" strike="noStrike" cap="none">
               <a:solidFill>
                 <a:srgbClr val="000000"/>
               </a:solidFill>
@@ -5026,7 +5101,9 @@
       <p:sp>
         <p:nvSpPr>
           <p:cNvPr id="34" name="Google Shape;34;p8"/>
-          <p:cNvSpPr txBox="1"/>
+          <p:cNvSpPr txBox="1">
+            <a:spLocks noGrp="1"/>
+          </p:cNvSpPr>
           <p:nvPr>
             <p:ph type="title"/>
           </p:nvPr>
@@ -5045,7 +5122,7 @@
           </a:ln>
         </p:spPr>
         <p:txBody>
-          <a:bodyPr anchorCtr="0" anchor="b" bIns="243775" lIns="243775" spcFirstLastPara="1" rIns="243775" wrap="square" tIns="243775">
+          <a:bodyPr spcFirstLastPara="1" wrap="square" lIns="243775" tIns="243775" rIns="243775" bIns="243775" anchor="b" anchorCtr="0">
             <a:noAutofit/>
           </a:bodyPr>
           <a:lstStyle>
@@ -5204,15 +5281,19 @@
               <a:defRPr/>
             </a:lvl9pPr>
           </a:lstStyle>
-          <a:p/>
+          <a:p>
+            <a:endParaRPr/>
+          </a:p>
         </p:txBody>
       </p:sp>
       <p:sp>
         <p:nvSpPr>
           <p:cNvPr id="35" name="Google Shape;35;p8"/>
-          <p:cNvSpPr txBox="1"/>
+          <p:cNvSpPr txBox="1">
+            <a:spLocks noGrp="1"/>
+          </p:cNvSpPr>
           <p:nvPr>
-            <p:ph idx="1" type="body"/>
+            <p:ph type="body" idx="1"/>
           </p:nvPr>
         </p:nvSpPr>
         <p:spPr>
@@ -5229,11 +5310,11 @@
           </a:ln>
         </p:spPr>
         <p:txBody>
-          <a:bodyPr anchorCtr="0" anchor="t" bIns="243775" lIns="243775" spcFirstLastPara="1" rIns="243775" wrap="square" tIns="243775">
+          <a:bodyPr spcFirstLastPara="1" wrap="square" lIns="243775" tIns="243775" rIns="243775" bIns="243775" anchor="t" anchorCtr="0">
             <a:noAutofit/>
           </a:bodyPr>
           <a:lstStyle>
-            <a:lvl1pPr indent="-228600" lvl="0" marL="457200" algn="ctr">
+            <a:lvl1pPr marL="457200" lvl="0" indent="-228600" algn="ctr">
               <a:lnSpc>
                 <a:spcPct val="100000"/>
               </a:lnSpc>
@@ -5251,7 +5332,7 @@
               <a:buNone/>
               <a:defRPr sz="5600"/>
             </a:lvl1pPr>
-            <a:lvl2pPr indent="-228600" lvl="1" marL="914400" algn="ctr">
+            <a:lvl2pPr marL="914400" lvl="1" indent="-228600" algn="ctr">
               <a:lnSpc>
                 <a:spcPct val="100000"/>
               </a:lnSpc>
@@ -5269,7 +5350,7 @@
               <a:buNone/>
               <a:defRPr sz="5600"/>
             </a:lvl2pPr>
-            <a:lvl3pPr indent="-228600" lvl="2" marL="1371600" algn="ctr">
+            <a:lvl3pPr marL="1371600" lvl="2" indent="-228600" algn="ctr">
               <a:lnSpc>
                 <a:spcPct val="100000"/>
               </a:lnSpc>
@@ -5287,7 +5368,7 @@
               <a:buNone/>
               <a:defRPr sz="5600"/>
             </a:lvl3pPr>
-            <a:lvl4pPr indent="-228600" lvl="3" marL="1828800" algn="ctr">
+            <a:lvl4pPr marL="1828800" lvl="3" indent="-228600" algn="ctr">
               <a:lnSpc>
                 <a:spcPct val="100000"/>
               </a:lnSpc>
@@ -5305,7 +5386,7 @@
               <a:buNone/>
               <a:defRPr sz="5600"/>
             </a:lvl4pPr>
-            <a:lvl5pPr indent="-228600" lvl="4" marL="2286000" algn="ctr">
+            <a:lvl5pPr marL="2286000" lvl="4" indent="-228600" algn="ctr">
               <a:lnSpc>
                 <a:spcPct val="100000"/>
               </a:lnSpc>
@@ -5323,7 +5404,7 @@
               <a:buNone/>
               <a:defRPr sz="5600"/>
             </a:lvl5pPr>
-            <a:lvl6pPr indent="-533400" lvl="5" marL="2743200" algn="l">
+            <a:lvl6pPr marL="2743200" lvl="5" indent="-533400" algn="l">
               <a:lnSpc>
                 <a:spcPct val="115000"/>
               </a:lnSpc>
@@ -5337,7 +5418,7 @@
               <a:buChar char="■"/>
               <a:defRPr/>
             </a:lvl6pPr>
-            <a:lvl7pPr indent="-533400" lvl="6" marL="3200400" algn="l">
+            <a:lvl7pPr marL="3200400" lvl="6" indent="-533400" algn="l">
               <a:lnSpc>
                 <a:spcPct val="115000"/>
               </a:lnSpc>
@@ -5351,7 +5432,7 @@
               <a:buChar char="●"/>
               <a:defRPr/>
             </a:lvl7pPr>
-            <a:lvl8pPr indent="-533400" lvl="7" marL="3657600" algn="l">
+            <a:lvl8pPr marL="3657600" lvl="7" indent="-533400" algn="l">
               <a:lnSpc>
                 <a:spcPct val="115000"/>
               </a:lnSpc>
@@ -5365,7 +5446,7 @@
               <a:buChar char="○"/>
               <a:defRPr/>
             </a:lvl8pPr>
-            <a:lvl9pPr indent="-533400" lvl="8" marL="4114800" algn="l">
+            <a:lvl9pPr marL="4114800" lvl="8" indent="-533400" algn="l">
               <a:lnSpc>
                 <a:spcPct val="115000"/>
               </a:lnSpc>
@@ -5380,15 +5461,19 @@
               <a:defRPr/>
             </a:lvl9pPr>
           </a:lstStyle>
-          <a:p/>
+          <a:p>
+            <a:endParaRPr/>
+          </a:p>
         </p:txBody>
       </p:sp>
       <p:sp>
         <p:nvSpPr>
           <p:cNvPr id="36" name="Google Shape;36;p8"/>
-          <p:cNvSpPr txBox="1"/>
+          <p:cNvSpPr txBox="1">
+            <a:spLocks noGrp="1"/>
+          </p:cNvSpPr>
           <p:nvPr>
-            <p:ph idx="2" type="body"/>
+            <p:ph type="body" idx="2"/>
           </p:nvPr>
         </p:nvSpPr>
         <p:spPr>
@@ -5405,11 +5490,11 @@
           </a:ln>
         </p:spPr>
         <p:txBody>
-          <a:bodyPr anchorCtr="0" anchor="ctr" bIns="243775" lIns="243775" spcFirstLastPara="1" rIns="243775" wrap="square" tIns="243775">
+          <a:bodyPr spcFirstLastPara="1" wrap="square" lIns="243775" tIns="243775" rIns="243775" bIns="243775" anchor="ctr" anchorCtr="0">
             <a:noAutofit/>
           </a:bodyPr>
           <a:lstStyle>
-            <a:lvl1pPr indent="-533400" lvl="0" marL="457200" algn="l">
+            <a:lvl1pPr marL="457200" lvl="0" indent="-533400" algn="l">
               <a:lnSpc>
                 <a:spcPct val="115000"/>
               </a:lnSpc>
@@ -5423,7 +5508,7 @@
               <a:buChar char="●"/>
               <a:defRPr/>
             </a:lvl1pPr>
-            <a:lvl2pPr indent="-533400" lvl="1" marL="914400" algn="l">
+            <a:lvl2pPr marL="914400" lvl="1" indent="-533400" algn="l">
               <a:lnSpc>
                 <a:spcPct val="115000"/>
               </a:lnSpc>
@@ -5437,7 +5522,7 @@
               <a:buChar char="○"/>
               <a:defRPr/>
             </a:lvl2pPr>
-            <a:lvl3pPr indent="-533400" lvl="2" marL="1371600" algn="l">
+            <a:lvl3pPr marL="1371600" lvl="2" indent="-533400" algn="l">
               <a:lnSpc>
                 <a:spcPct val="115000"/>
               </a:lnSpc>
@@ -5451,7 +5536,7 @@
               <a:buChar char="■"/>
               <a:defRPr/>
             </a:lvl3pPr>
-            <a:lvl4pPr indent="-533400" lvl="3" marL="1828800" algn="l">
+            <a:lvl4pPr marL="1828800" lvl="3" indent="-533400" algn="l">
               <a:lnSpc>
                 <a:spcPct val="115000"/>
               </a:lnSpc>
@@ -5465,7 +5550,7 @@
               <a:buChar char="●"/>
               <a:defRPr/>
             </a:lvl4pPr>
-            <a:lvl5pPr indent="-533400" lvl="4" marL="2286000" algn="l">
+            <a:lvl5pPr marL="2286000" lvl="4" indent="-533400" algn="l">
               <a:lnSpc>
                 <a:spcPct val="115000"/>
               </a:lnSpc>
@@ -5479,7 +5564,7 @@
               <a:buChar char="○"/>
               <a:defRPr/>
             </a:lvl5pPr>
-            <a:lvl6pPr indent="-533400" lvl="5" marL="2743200" algn="l">
+            <a:lvl6pPr marL="2743200" lvl="5" indent="-533400" algn="l">
               <a:lnSpc>
                 <a:spcPct val="115000"/>
               </a:lnSpc>
@@ -5493,7 +5578,7 @@
               <a:buChar char="■"/>
               <a:defRPr/>
             </a:lvl6pPr>
-            <a:lvl7pPr indent="-533400" lvl="6" marL="3200400" algn="l">
+            <a:lvl7pPr marL="3200400" lvl="6" indent="-533400" algn="l">
               <a:lnSpc>
                 <a:spcPct val="115000"/>
               </a:lnSpc>
@@ -5507,7 +5592,7 @@
               <a:buChar char="●"/>
               <a:defRPr/>
             </a:lvl7pPr>
-            <a:lvl8pPr indent="-533400" lvl="7" marL="3657600" algn="l">
+            <a:lvl8pPr marL="3657600" lvl="7" indent="-533400" algn="l">
               <a:lnSpc>
                 <a:spcPct val="115000"/>
               </a:lnSpc>
@@ -5521,7 +5606,7 @@
               <a:buChar char="○"/>
               <a:defRPr/>
             </a:lvl8pPr>
-            <a:lvl9pPr indent="-533400" lvl="8" marL="4114800" algn="l">
+            <a:lvl9pPr marL="4114800" lvl="8" indent="-533400" algn="l">
               <a:lnSpc>
                 <a:spcPct val="115000"/>
               </a:lnSpc>
@@ -5536,15 +5621,19 @@
               <a:defRPr/>
             </a:lvl9pPr>
           </a:lstStyle>
-          <a:p/>
+          <a:p>
+            <a:endParaRPr/>
+          </a:p>
         </p:txBody>
       </p:sp>
       <p:sp>
         <p:nvSpPr>
           <p:cNvPr id="37" name="Google Shape;37;p8"/>
-          <p:cNvSpPr txBox="1"/>
+          <p:cNvSpPr txBox="1">
+            <a:spLocks noGrp="1"/>
+          </p:cNvSpPr>
           <p:nvPr>
-            <p:ph idx="12" type="sldNum"/>
+            <p:ph type="sldNum" idx="12"/>
           </p:nvPr>
         </p:nvSpPr>
         <p:spPr>
@@ -5561,27 +5650,27 @@
           </a:ln>
         </p:spPr>
         <p:txBody>
-          <a:bodyPr anchorCtr="0" anchor="ctr" bIns="243775" lIns="243775" spcFirstLastPara="1" rIns="243775" wrap="square" tIns="243775">
+          <a:bodyPr spcFirstLastPara="1" wrap="square" lIns="243775" tIns="243775" rIns="243775" bIns="243775" anchor="ctr" anchorCtr="0">
             <a:noAutofit/>
           </a:bodyPr>
           <a:lstStyle>
-            <a:lvl1pPr indent="0" lvl="0" marL="0" marR="0" algn="r">
-              <a:lnSpc>
-                <a:spcPct val="100000"/>
-              </a:lnSpc>
-              <a:spcBef>
-                <a:spcPts val="0"/>
-              </a:spcBef>
-              <a:spcAft>
-                <a:spcPts val="0"/>
-              </a:spcAft>
-              <a:buClr>
-                <a:srgbClr val="ADADAD"/>
-              </a:buClr>
-              <a:buSzPts val="2600"/>
-              <a:buFont typeface="Arial"/>
-              <a:buNone/>
-              <a:defRPr b="0" i="0" sz="2600" u="none" cap="none" strike="noStrike">
+            <a:lvl1pPr marL="0" marR="0" lvl="0" indent="0" algn="r">
+              <a:lnSpc>
+                <a:spcPct val="100000"/>
+              </a:lnSpc>
+              <a:spcBef>
+                <a:spcPts val="0"/>
+              </a:spcBef>
+              <a:spcAft>
+                <a:spcPts val="0"/>
+              </a:spcAft>
+              <a:buClr>
+                <a:srgbClr val="ADADAD"/>
+              </a:buClr>
+              <a:buSzPts val="2600"/>
+              <a:buFont typeface="Arial"/>
+              <a:buNone/>
+              <a:defRPr sz="2600" b="0" i="0" u="none" strike="noStrike" cap="none">
                 <a:solidFill>
                   <a:srgbClr val="ADADAD"/>
                 </a:solidFill>
@@ -5591,23 +5680,23 @@
                 <a:sym typeface="Arial"/>
               </a:defRPr>
             </a:lvl1pPr>
-            <a:lvl2pPr indent="0" lvl="1" marL="0" marR="0" algn="r">
-              <a:lnSpc>
-                <a:spcPct val="100000"/>
-              </a:lnSpc>
-              <a:spcBef>
-                <a:spcPts val="0"/>
-              </a:spcBef>
-              <a:spcAft>
-                <a:spcPts val="0"/>
-              </a:spcAft>
-              <a:buClr>
-                <a:srgbClr val="ADADAD"/>
-              </a:buClr>
-              <a:buSzPts val="2600"/>
-              <a:buFont typeface="Arial"/>
-              <a:buNone/>
-              <a:defRPr b="0" i="0" sz="2600" u="none" cap="none" strike="noStrike">
+            <a:lvl2pPr marL="0" marR="0" lvl="1" indent="0" algn="r">
+              <a:lnSpc>
+                <a:spcPct val="100000"/>
+              </a:lnSpc>
+              <a:spcBef>
+                <a:spcPts val="0"/>
+              </a:spcBef>
+              <a:spcAft>
+                <a:spcPts val="0"/>
+              </a:spcAft>
+              <a:buClr>
+                <a:srgbClr val="ADADAD"/>
+              </a:buClr>
+              <a:buSzPts val="2600"/>
+              <a:buFont typeface="Arial"/>
+              <a:buNone/>
+              <a:defRPr sz="2600" b="0" i="0" u="none" strike="noStrike" cap="none">
                 <a:solidFill>
                   <a:srgbClr val="ADADAD"/>
                 </a:solidFill>
@@ -5617,23 +5706,23 @@
                 <a:sym typeface="Arial"/>
               </a:defRPr>
             </a:lvl2pPr>
-            <a:lvl3pPr indent="0" lvl="2" marL="0" marR="0" algn="r">
-              <a:lnSpc>
-                <a:spcPct val="100000"/>
-              </a:lnSpc>
-              <a:spcBef>
-                <a:spcPts val="0"/>
-              </a:spcBef>
-              <a:spcAft>
-                <a:spcPts val="0"/>
-              </a:spcAft>
-              <a:buClr>
-                <a:srgbClr val="ADADAD"/>
-              </a:buClr>
-              <a:buSzPts val="2600"/>
-              <a:buFont typeface="Arial"/>
-              <a:buNone/>
-              <a:defRPr b="0" i="0" sz="2600" u="none" cap="none" strike="noStrike">
+            <a:lvl3pPr marL="0" marR="0" lvl="2" indent="0" algn="r">
+              <a:lnSpc>
+                <a:spcPct val="100000"/>
+              </a:lnSpc>
+              <a:spcBef>
+                <a:spcPts val="0"/>
+              </a:spcBef>
+              <a:spcAft>
+                <a:spcPts val="0"/>
+              </a:spcAft>
+              <a:buClr>
+                <a:srgbClr val="ADADAD"/>
+              </a:buClr>
+              <a:buSzPts val="2600"/>
+              <a:buFont typeface="Arial"/>
+              <a:buNone/>
+              <a:defRPr sz="2600" b="0" i="0" u="none" strike="noStrike" cap="none">
                 <a:solidFill>
                   <a:srgbClr val="ADADAD"/>
                 </a:solidFill>
@@ -5643,23 +5732,23 @@
                 <a:sym typeface="Arial"/>
               </a:defRPr>
             </a:lvl3pPr>
-            <a:lvl4pPr indent="0" lvl="3" marL="0" marR="0" algn="r">
-              <a:lnSpc>
-                <a:spcPct val="100000"/>
-              </a:lnSpc>
-              <a:spcBef>
-                <a:spcPts val="0"/>
-              </a:spcBef>
-              <a:spcAft>
-                <a:spcPts val="0"/>
-              </a:spcAft>
-              <a:buClr>
-                <a:srgbClr val="ADADAD"/>
-              </a:buClr>
-              <a:buSzPts val="2600"/>
-              <a:buFont typeface="Arial"/>
-              <a:buNone/>
-              <a:defRPr b="0" i="0" sz="2600" u="none" cap="none" strike="noStrike">
+            <a:lvl4pPr marL="0" marR="0" lvl="3" indent="0" algn="r">
+              <a:lnSpc>
+                <a:spcPct val="100000"/>
+              </a:lnSpc>
+              <a:spcBef>
+                <a:spcPts val="0"/>
+              </a:spcBef>
+              <a:spcAft>
+                <a:spcPts val="0"/>
+              </a:spcAft>
+              <a:buClr>
+                <a:srgbClr val="ADADAD"/>
+              </a:buClr>
+              <a:buSzPts val="2600"/>
+              <a:buFont typeface="Arial"/>
+              <a:buNone/>
+              <a:defRPr sz="2600" b="0" i="0" u="none" strike="noStrike" cap="none">
                 <a:solidFill>
                   <a:srgbClr val="ADADAD"/>
                 </a:solidFill>
@@ -5669,23 +5758,23 @@
                 <a:sym typeface="Arial"/>
               </a:defRPr>
             </a:lvl4pPr>
-            <a:lvl5pPr indent="0" lvl="4" marL="0" marR="0" algn="r">
-              <a:lnSpc>
-                <a:spcPct val="100000"/>
-              </a:lnSpc>
-              <a:spcBef>
-                <a:spcPts val="0"/>
-              </a:spcBef>
-              <a:spcAft>
-                <a:spcPts val="0"/>
-              </a:spcAft>
-              <a:buClr>
-                <a:srgbClr val="ADADAD"/>
-              </a:buClr>
-              <a:buSzPts val="2600"/>
-              <a:buFont typeface="Arial"/>
-              <a:buNone/>
-              <a:defRPr b="0" i="0" sz="2600" u="none" cap="none" strike="noStrike">
+            <a:lvl5pPr marL="0" marR="0" lvl="4" indent="0" algn="r">
+              <a:lnSpc>
+                <a:spcPct val="100000"/>
+              </a:lnSpc>
+              <a:spcBef>
+                <a:spcPts val="0"/>
+              </a:spcBef>
+              <a:spcAft>
+                <a:spcPts val="0"/>
+              </a:spcAft>
+              <a:buClr>
+                <a:srgbClr val="ADADAD"/>
+              </a:buClr>
+              <a:buSzPts val="2600"/>
+              <a:buFont typeface="Arial"/>
+              <a:buNone/>
+              <a:defRPr sz="2600" b="0" i="0" u="none" strike="noStrike" cap="none">
                 <a:solidFill>
                   <a:srgbClr val="ADADAD"/>
                 </a:solidFill>
@@ -5695,23 +5784,23 @@
                 <a:sym typeface="Arial"/>
               </a:defRPr>
             </a:lvl5pPr>
-            <a:lvl6pPr indent="0" lvl="5" marL="0" marR="0" algn="r">
-              <a:lnSpc>
-                <a:spcPct val="100000"/>
-              </a:lnSpc>
-              <a:spcBef>
-                <a:spcPts val="0"/>
-              </a:spcBef>
-              <a:spcAft>
-                <a:spcPts val="0"/>
-              </a:spcAft>
-              <a:buClr>
-                <a:srgbClr val="ADADAD"/>
-              </a:buClr>
-              <a:buSzPts val="2600"/>
-              <a:buFont typeface="Arial"/>
-              <a:buNone/>
-              <a:defRPr b="0" i="0" sz="2600" u="none" cap="none" strike="noStrike">
+            <a:lvl6pPr marL="0" marR="0" lvl="5" indent="0" algn="r">
+              <a:lnSpc>
+                <a:spcPct val="100000"/>
+              </a:lnSpc>
+              <a:spcBef>
+                <a:spcPts val="0"/>
+              </a:spcBef>
+              <a:spcAft>
+                <a:spcPts val="0"/>
+              </a:spcAft>
+              <a:buClr>
+                <a:srgbClr val="ADADAD"/>
+              </a:buClr>
+              <a:buSzPts val="2600"/>
+              <a:buFont typeface="Arial"/>
+              <a:buNone/>
+              <a:defRPr sz="2600" b="0" i="0" u="none" strike="noStrike" cap="none">
                 <a:solidFill>
                   <a:srgbClr val="ADADAD"/>
                 </a:solidFill>
@@ -5721,23 +5810,23 @@
                 <a:sym typeface="Arial"/>
               </a:defRPr>
             </a:lvl6pPr>
-            <a:lvl7pPr indent="0" lvl="6" marL="0" marR="0" algn="r">
-              <a:lnSpc>
-                <a:spcPct val="100000"/>
-              </a:lnSpc>
-              <a:spcBef>
-                <a:spcPts val="0"/>
-              </a:spcBef>
-              <a:spcAft>
-                <a:spcPts val="0"/>
-              </a:spcAft>
-              <a:buClr>
-                <a:srgbClr val="ADADAD"/>
-              </a:buClr>
-              <a:buSzPts val="2600"/>
-              <a:buFont typeface="Arial"/>
-              <a:buNone/>
-              <a:defRPr b="0" i="0" sz="2600" u="none" cap="none" strike="noStrike">
+            <a:lvl7pPr marL="0" marR="0" lvl="6" indent="0" algn="r">
+              <a:lnSpc>
+                <a:spcPct val="100000"/>
+              </a:lnSpc>
+              <a:spcBef>
+                <a:spcPts val="0"/>
+              </a:spcBef>
+              <a:spcAft>
+                <a:spcPts val="0"/>
+              </a:spcAft>
+              <a:buClr>
+                <a:srgbClr val="ADADAD"/>
+              </a:buClr>
+              <a:buSzPts val="2600"/>
+              <a:buFont typeface="Arial"/>
+              <a:buNone/>
+              <a:defRPr sz="2600" b="0" i="0" u="none" strike="noStrike" cap="none">
                 <a:solidFill>
                   <a:srgbClr val="ADADAD"/>
                 </a:solidFill>
@@ -5747,23 +5836,23 @@
                 <a:sym typeface="Arial"/>
               </a:defRPr>
             </a:lvl7pPr>
-            <a:lvl8pPr indent="0" lvl="7" marL="0" marR="0" algn="r">
-              <a:lnSpc>
-                <a:spcPct val="100000"/>
-              </a:lnSpc>
-              <a:spcBef>
-                <a:spcPts val="0"/>
-              </a:spcBef>
-              <a:spcAft>
-                <a:spcPts val="0"/>
-              </a:spcAft>
-              <a:buClr>
-                <a:srgbClr val="ADADAD"/>
-              </a:buClr>
-              <a:buSzPts val="2600"/>
-              <a:buFont typeface="Arial"/>
-              <a:buNone/>
-              <a:defRPr b="0" i="0" sz="2600" u="none" cap="none" strike="noStrike">
+            <a:lvl8pPr marL="0" marR="0" lvl="7" indent="0" algn="r">
+              <a:lnSpc>
+                <a:spcPct val="100000"/>
+              </a:lnSpc>
+              <a:spcBef>
+                <a:spcPts val="0"/>
+              </a:spcBef>
+              <a:spcAft>
+                <a:spcPts val="0"/>
+              </a:spcAft>
+              <a:buClr>
+                <a:srgbClr val="ADADAD"/>
+              </a:buClr>
+              <a:buSzPts val="2600"/>
+              <a:buFont typeface="Arial"/>
+              <a:buNone/>
+              <a:defRPr sz="2600" b="0" i="0" u="none" strike="noStrike" cap="none">
                 <a:solidFill>
                   <a:srgbClr val="ADADAD"/>
                 </a:solidFill>
@@ -5773,23 +5862,23 @@
                 <a:sym typeface="Arial"/>
               </a:defRPr>
             </a:lvl8pPr>
-            <a:lvl9pPr indent="0" lvl="8" marL="0" marR="0" algn="r">
-              <a:lnSpc>
-                <a:spcPct val="100000"/>
-              </a:lnSpc>
-              <a:spcBef>
-                <a:spcPts val="0"/>
-              </a:spcBef>
-              <a:spcAft>
-                <a:spcPts val="0"/>
-              </a:spcAft>
-              <a:buClr>
-                <a:srgbClr val="ADADAD"/>
-              </a:buClr>
-              <a:buSzPts val="2600"/>
-              <a:buFont typeface="Arial"/>
-              <a:buNone/>
-              <a:defRPr b="0" i="0" sz="2600" u="none" cap="none" strike="noStrike">
+            <a:lvl9pPr marL="0" marR="0" lvl="8" indent="0" algn="r">
+              <a:lnSpc>
+                <a:spcPct val="100000"/>
+              </a:lnSpc>
+              <a:spcBef>
+                <a:spcPts val="0"/>
+              </a:spcBef>
+              <a:spcAft>
+                <a:spcPts val="0"/>
+              </a:spcAft>
+              <a:buClr>
+                <a:srgbClr val="ADADAD"/>
+              </a:buClr>
+              <a:buSzPts val="2600"/>
+              <a:buFont typeface="Arial"/>
+              <a:buNone/>
+              <a:defRPr sz="2600" b="0" i="0" u="none" strike="noStrike" cap="none">
                 <a:solidFill>
                   <a:srgbClr val="ADADAD"/>
                 </a:solidFill>
@@ -5801,7 +5890,7 @@
             </a:lvl9pPr>
           </a:lstStyle>
           <a:p>
-            <a:pPr indent="0" lvl="0" marL="0" rtl="0" algn="r">
+            <a:pPr marL="0" lvl="0" indent="0" algn="r" rtl="0">
               <a:spcBef>
                 <a:spcPts val="0"/>
               </a:spcBef>
@@ -5827,11 +5916,11 @@
 </file>
 
 <file path=ppt/slideLayouts/slideLayout8.xml><?xml version="1.0" encoding="utf-8"?>
-<p:sldLayout xmlns:a="http://schemas.openxmlformats.org/drawingml/2006/main" xmlns:r="http://schemas.openxmlformats.org/officeDocument/2006/relationships" xmlns:mc="http://schemas.openxmlformats.org/markup-compatibility/2006" xmlns:mv="urn:schemas-microsoft-com:mac:vml" xmlns:p="http://schemas.openxmlformats.org/presentationml/2006/main" xmlns:c="http://schemas.openxmlformats.org/drawingml/2006/chart" xmlns:dgm="http://schemas.openxmlformats.org/drawingml/2006/diagram" xmlns:o="urn:schemas-microsoft-com:office:office" xmlns:v="urn:schemas-microsoft-com:vml" xmlns:pvml="urn:schemas-microsoft-com:office:powerpoint" xmlns:com="http://schemas.openxmlformats.org/drawingml/2006/compatibility" xmlns:p14="http://schemas.microsoft.com/office/powerpoint/2010/main" xmlns:p15="http://schemas.microsoft.com/office/powerpoint/2012/main" xmlns:ahyp="http://schemas.microsoft.com/office/drawing/2018/hyperlinkcolor" matchingName="CAPTION_ONLY">
+<p:sldLayout xmlns:a="http://schemas.openxmlformats.org/drawingml/2006/main" xmlns:r="http://schemas.openxmlformats.org/officeDocument/2006/relationships" xmlns:p="http://schemas.openxmlformats.org/presentationml/2006/main" matchingName="CAPTION_ONLY">
   <p:cSld name="CAPTION_ONLY">
     <p:spTree>
       <p:nvGrpSpPr>
-        <p:cNvPr id="38" name="Shape 38"/>
+        <p:cNvPr id="1" name="Shape 38"/>
         <p:cNvGrpSpPr/>
         <p:nvPr/>
       </p:nvGrpSpPr>
@@ -5846,9 +5935,11 @@
       <p:sp>
         <p:nvSpPr>
           <p:cNvPr id="39" name="Google Shape;39;p9"/>
-          <p:cNvSpPr txBox="1"/>
+          <p:cNvSpPr txBox="1">
+            <a:spLocks noGrp="1"/>
+          </p:cNvSpPr>
           <p:nvPr>
-            <p:ph idx="1" type="body"/>
+            <p:ph type="body" idx="1"/>
           </p:nvPr>
         </p:nvSpPr>
         <p:spPr>
@@ -5865,11 +5956,11 @@
           </a:ln>
         </p:spPr>
         <p:txBody>
-          <a:bodyPr anchorCtr="0" anchor="ctr" bIns="243775" lIns="243775" spcFirstLastPara="1" rIns="243775" wrap="square" tIns="243775">
+          <a:bodyPr spcFirstLastPara="1" wrap="square" lIns="243775" tIns="243775" rIns="243775" bIns="243775" anchor="ctr" anchorCtr="0">
             <a:noAutofit/>
           </a:bodyPr>
           <a:lstStyle>
-            <a:lvl1pPr indent="-228600" lvl="0" marL="457200" algn="l">
+            <a:lvl1pPr marL="457200" lvl="0" indent="-228600" algn="l">
               <a:lnSpc>
                 <a:spcPct val="100000"/>
               </a:lnSpc>
@@ -5887,15 +5978,19 @@
               <a:defRPr/>
             </a:lvl1pPr>
           </a:lstStyle>
-          <a:p/>
+          <a:p>
+            <a:endParaRPr/>
+          </a:p>
         </p:txBody>
       </p:sp>
       <p:sp>
         <p:nvSpPr>
           <p:cNvPr id="40" name="Google Shape;40;p9"/>
-          <p:cNvSpPr txBox="1"/>
+          <p:cNvSpPr txBox="1">
+            <a:spLocks noGrp="1"/>
+          </p:cNvSpPr>
           <p:nvPr>
-            <p:ph idx="12" type="sldNum"/>
+            <p:ph type="sldNum" idx="12"/>
           </p:nvPr>
         </p:nvSpPr>
         <p:spPr>
@@ -5912,27 +6007,27 @@
           </a:ln>
         </p:spPr>
         <p:txBody>
-          <a:bodyPr anchorCtr="0" anchor="ctr" bIns="243775" lIns="243775" spcFirstLastPara="1" rIns="243775" wrap="square" tIns="243775">
+          <a:bodyPr spcFirstLastPara="1" wrap="square" lIns="243775" tIns="243775" rIns="243775" bIns="243775" anchor="ctr" anchorCtr="0">
             <a:noAutofit/>
           </a:bodyPr>
           <a:lstStyle>
-            <a:lvl1pPr indent="0" lvl="0" marL="0" marR="0" algn="r">
-              <a:lnSpc>
-                <a:spcPct val="100000"/>
-              </a:lnSpc>
-              <a:spcBef>
-                <a:spcPts val="0"/>
-              </a:spcBef>
-              <a:spcAft>
-                <a:spcPts val="0"/>
-              </a:spcAft>
-              <a:buClr>
-                <a:srgbClr val="ADADAD"/>
-              </a:buClr>
-              <a:buSzPts val="2600"/>
-              <a:buFont typeface="Arial"/>
-              <a:buNone/>
-              <a:defRPr b="0" i="0" sz="2600" u="none" cap="none" strike="noStrike">
+            <a:lvl1pPr marL="0" marR="0" lvl="0" indent="0" algn="r">
+              <a:lnSpc>
+                <a:spcPct val="100000"/>
+              </a:lnSpc>
+              <a:spcBef>
+                <a:spcPts val="0"/>
+              </a:spcBef>
+              <a:spcAft>
+                <a:spcPts val="0"/>
+              </a:spcAft>
+              <a:buClr>
+                <a:srgbClr val="ADADAD"/>
+              </a:buClr>
+              <a:buSzPts val="2600"/>
+              <a:buFont typeface="Arial"/>
+              <a:buNone/>
+              <a:defRPr sz="2600" b="0" i="0" u="none" strike="noStrike" cap="none">
                 <a:solidFill>
                   <a:srgbClr val="ADADAD"/>
                 </a:solidFill>
@@ -5942,23 +6037,23 @@
                 <a:sym typeface="Arial"/>
               </a:defRPr>
             </a:lvl1pPr>
-            <a:lvl2pPr indent="0" lvl="1" marL="0" marR="0" algn="r">
-              <a:lnSpc>
-                <a:spcPct val="100000"/>
-              </a:lnSpc>
-              <a:spcBef>
-                <a:spcPts val="0"/>
-              </a:spcBef>
-              <a:spcAft>
-                <a:spcPts val="0"/>
-              </a:spcAft>
-              <a:buClr>
-                <a:srgbClr val="ADADAD"/>
-              </a:buClr>
-              <a:buSzPts val="2600"/>
-              <a:buFont typeface="Arial"/>
-              <a:buNone/>
-              <a:defRPr b="0" i="0" sz="2600" u="none" cap="none" strike="noStrike">
+            <a:lvl2pPr marL="0" marR="0" lvl="1" indent="0" algn="r">
+              <a:lnSpc>
+                <a:spcPct val="100000"/>
+              </a:lnSpc>
+              <a:spcBef>
+                <a:spcPts val="0"/>
+              </a:spcBef>
+              <a:spcAft>
+                <a:spcPts val="0"/>
+              </a:spcAft>
+              <a:buClr>
+                <a:srgbClr val="ADADAD"/>
+              </a:buClr>
+              <a:buSzPts val="2600"/>
+              <a:buFont typeface="Arial"/>
+              <a:buNone/>
+              <a:defRPr sz="2600" b="0" i="0" u="none" strike="noStrike" cap="none">
                 <a:solidFill>
                   <a:srgbClr val="ADADAD"/>
                 </a:solidFill>
@@ -5968,23 +6063,23 @@
                 <a:sym typeface="Arial"/>
               </a:defRPr>
             </a:lvl2pPr>
-            <a:lvl3pPr indent="0" lvl="2" marL="0" marR="0" algn="r">
-              <a:lnSpc>
-                <a:spcPct val="100000"/>
-              </a:lnSpc>
-              <a:spcBef>
-                <a:spcPts val="0"/>
-              </a:spcBef>
-              <a:spcAft>
-                <a:spcPts val="0"/>
-              </a:spcAft>
-              <a:buClr>
-                <a:srgbClr val="ADADAD"/>
-              </a:buClr>
-              <a:buSzPts val="2600"/>
-              <a:buFont typeface="Arial"/>
-              <a:buNone/>
-              <a:defRPr b="0" i="0" sz="2600" u="none" cap="none" strike="noStrike">
+            <a:lvl3pPr marL="0" marR="0" lvl="2" indent="0" algn="r">
+              <a:lnSpc>
+                <a:spcPct val="100000"/>
+              </a:lnSpc>
+              <a:spcBef>
+                <a:spcPts val="0"/>
+              </a:spcBef>
+              <a:spcAft>
+                <a:spcPts val="0"/>
+              </a:spcAft>
+              <a:buClr>
+                <a:srgbClr val="ADADAD"/>
+              </a:buClr>
+              <a:buSzPts val="2600"/>
+              <a:buFont typeface="Arial"/>
+              <a:buNone/>
+              <a:defRPr sz="2600" b="0" i="0" u="none" strike="noStrike" cap="none">
                 <a:solidFill>
                   <a:srgbClr val="ADADAD"/>
                 </a:solidFill>
@@ -5994,23 +6089,23 @@
                 <a:sym typeface="Arial"/>
               </a:defRPr>
             </a:lvl3pPr>
-            <a:lvl4pPr indent="0" lvl="3" marL="0" marR="0" algn="r">
-              <a:lnSpc>
-                <a:spcPct val="100000"/>
-              </a:lnSpc>
-              <a:spcBef>
-                <a:spcPts val="0"/>
-              </a:spcBef>
-              <a:spcAft>
-                <a:spcPts val="0"/>
-              </a:spcAft>
-              <a:buClr>
-                <a:srgbClr val="ADADAD"/>
-              </a:buClr>
-              <a:buSzPts val="2600"/>
-              <a:buFont typeface="Arial"/>
-              <a:buNone/>
-              <a:defRPr b="0" i="0" sz="2600" u="none" cap="none" strike="noStrike">
+            <a:lvl4pPr marL="0" marR="0" lvl="3" indent="0" algn="r">
+              <a:lnSpc>
+                <a:spcPct val="100000"/>
+              </a:lnSpc>
+              <a:spcBef>
+                <a:spcPts val="0"/>
+              </a:spcBef>
+              <a:spcAft>
+                <a:spcPts val="0"/>
+              </a:spcAft>
+              <a:buClr>
+                <a:srgbClr val="ADADAD"/>
+              </a:buClr>
+              <a:buSzPts val="2600"/>
+              <a:buFont typeface="Arial"/>
+              <a:buNone/>
+              <a:defRPr sz="2600" b="0" i="0" u="none" strike="noStrike" cap="none">
                 <a:solidFill>
                   <a:srgbClr val="ADADAD"/>
                 </a:solidFill>
@@ -6020,23 +6115,23 @@
                 <a:sym typeface="Arial"/>
               </a:defRPr>
             </a:lvl4pPr>
-            <a:lvl5pPr indent="0" lvl="4" marL="0" marR="0" algn="r">
-              <a:lnSpc>
-                <a:spcPct val="100000"/>
-              </a:lnSpc>
-              <a:spcBef>
-                <a:spcPts val="0"/>
-              </a:spcBef>
-              <a:spcAft>
-                <a:spcPts val="0"/>
-              </a:spcAft>
-              <a:buClr>
-                <a:srgbClr val="ADADAD"/>
-              </a:buClr>
-              <a:buSzPts val="2600"/>
-              <a:buFont typeface="Arial"/>
-              <a:buNone/>
-              <a:defRPr b="0" i="0" sz="2600" u="none" cap="none" strike="noStrike">
+            <a:lvl5pPr marL="0" marR="0" lvl="4" indent="0" algn="r">
+              <a:lnSpc>
+                <a:spcPct val="100000"/>
+              </a:lnSpc>
+              <a:spcBef>
+                <a:spcPts val="0"/>
+              </a:spcBef>
+              <a:spcAft>
+                <a:spcPts val="0"/>
+              </a:spcAft>
+              <a:buClr>
+                <a:srgbClr val="ADADAD"/>
+              </a:buClr>
+              <a:buSzPts val="2600"/>
+              <a:buFont typeface="Arial"/>
+              <a:buNone/>
+              <a:defRPr sz="2600" b="0" i="0" u="none" strike="noStrike" cap="none">
                 <a:solidFill>
                   <a:srgbClr val="ADADAD"/>
                 </a:solidFill>
@@ -6046,23 +6141,23 @@
                 <a:sym typeface="Arial"/>
               </a:defRPr>
             </a:lvl5pPr>
-            <a:lvl6pPr indent="0" lvl="5" marL="0" marR="0" algn="r">
-              <a:lnSpc>
-                <a:spcPct val="100000"/>
-              </a:lnSpc>
-              <a:spcBef>
-                <a:spcPts val="0"/>
-              </a:spcBef>
-              <a:spcAft>
-                <a:spcPts val="0"/>
-              </a:spcAft>
-              <a:buClr>
-                <a:srgbClr val="ADADAD"/>
-              </a:buClr>
-              <a:buSzPts val="2600"/>
-              <a:buFont typeface="Arial"/>
-              <a:buNone/>
-              <a:defRPr b="0" i="0" sz="2600" u="none" cap="none" strike="noStrike">
+            <a:lvl6pPr marL="0" marR="0" lvl="5" indent="0" algn="r">
+              <a:lnSpc>
+                <a:spcPct val="100000"/>
+              </a:lnSpc>
+              <a:spcBef>
+                <a:spcPts val="0"/>
+              </a:spcBef>
+              <a:spcAft>
+                <a:spcPts val="0"/>
+              </a:spcAft>
+              <a:buClr>
+                <a:srgbClr val="ADADAD"/>
+              </a:buClr>
+              <a:buSzPts val="2600"/>
+              <a:buFont typeface="Arial"/>
+              <a:buNone/>
+              <a:defRPr sz="2600" b="0" i="0" u="none" strike="noStrike" cap="none">
                 <a:solidFill>
                   <a:srgbClr val="ADADAD"/>
                 </a:solidFill>
@@ -6072,23 +6167,23 @@
                 <a:sym typeface="Arial"/>
               </a:defRPr>
             </a:lvl6pPr>
-            <a:lvl7pPr indent="0" lvl="6" marL="0" marR="0" algn="r">
-              <a:lnSpc>
-                <a:spcPct val="100000"/>
-              </a:lnSpc>
-              <a:spcBef>
-                <a:spcPts val="0"/>
-              </a:spcBef>
-              <a:spcAft>
-                <a:spcPts val="0"/>
-              </a:spcAft>
-              <a:buClr>
-                <a:srgbClr val="ADADAD"/>
-              </a:buClr>
-              <a:buSzPts val="2600"/>
-              <a:buFont typeface="Arial"/>
-              <a:buNone/>
-              <a:defRPr b="0" i="0" sz="2600" u="none" cap="none" strike="noStrike">
+            <a:lvl7pPr marL="0" marR="0" lvl="6" indent="0" algn="r">
+              <a:lnSpc>
+                <a:spcPct val="100000"/>
+              </a:lnSpc>
+              <a:spcBef>
+                <a:spcPts val="0"/>
+              </a:spcBef>
+              <a:spcAft>
+                <a:spcPts val="0"/>
+              </a:spcAft>
+              <a:buClr>
+                <a:srgbClr val="ADADAD"/>
+              </a:buClr>
+              <a:buSzPts val="2600"/>
+              <a:buFont typeface="Arial"/>
+              <a:buNone/>
+              <a:defRPr sz="2600" b="0" i="0" u="none" strike="noStrike" cap="none">
                 <a:solidFill>
                   <a:srgbClr val="ADADAD"/>
                 </a:solidFill>
@@ -6098,23 +6193,23 @@
                 <a:sym typeface="Arial"/>
               </a:defRPr>
             </a:lvl7pPr>
-            <a:lvl8pPr indent="0" lvl="7" marL="0" marR="0" algn="r">
-              <a:lnSpc>
-                <a:spcPct val="100000"/>
-              </a:lnSpc>
-              <a:spcBef>
-                <a:spcPts val="0"/>
-              </a:spcBef>
-              <a:spcAft>
-                <a:spcPts val="0"/>
-              </a:spcAft>
-              <a:buClr>
-                <a:srgbClr val="ADADAD"/>
-              </a:buClr>
-              <a:buSzPts val="2600"/>
-              <a:buFont typeface="Arial"/>
-              <a:buNone/>
-              <a:defRPr b="0" i="0" sz="2600" u="none" cap="none" strike="noStrike">
+            <a:lvl8pPr marL="0" marR="0" lvl="7" indent="0" algn="r">
+              <a:lnSpc>
+                <a:spcPct val="100000"/>
+              </a:lnSpc>
+              <a:spcBef>
+                <a:spcPts val="0"/>
+              </a:spcBef>
+              <a:spcAft>
+                <a:spcPts val="0"/>
+              </a:spcAft>
+              <a:buClr>
+                <a:srgbClr val="ADADAD"/>
+              </a:buClr>
+              <a:buSzPts val="2600"/>
+              <a:buFont typeface="Arial"/>
+              <a:buNone/>
+              <a:defRPr sz="2600" b="0" i="0" u="none" strike="noStrike" cap="none">
                 <a:solidFill>
                   <a:srgbClr val="ADADAD"/>
                 </a:solidFill>
@@ -6124,23 +6219,23 @@
                 <a:sym typeface="Arial"/>
               </a:defRPr>
             </a:lvl8pPr>
-            <a:lvl9pPr indent="0" lvl="8" marL="0" marR="0" algn="r">
-              <a:lnSpc>
-                <a:spcPct val="100000"/>
-              </a:lnSpc>
-              <a:spcBef>
-                <a:spcPts val="0"/>
-              </a:spcBef>
-              <a:spcAft>
-                <a:spcPts val="0"/>
-              </a:spcAft>
-              <a:buClr>
-                <a:srgbClr val="ADADAD"/>
-              </a:buClr>
-              <a:buSzPts val="2600"/>
-              <a:buFont typeface="Arial"/>
-              <a:buNone/>
-              <a:defRPr b="0" i="0" sz="2600" u="none" cap="none" strike="noStrike">
+            <a:lvl9pPr marL="0" marR="0" lvl="8" indent="0" algn="r">
+              <a:lnSpc>
+                <a:spcPct val="100000"/>
+              </a:lnSpc>
+              <a:spcBef>
+                <a:spcPts val="0"/>
+              </a:spcBef>
+              <a:spcAft>
+                <a:spcPts val="0"/>
+              </a:spcAft>
+              <a:buClr>
+                <a:srgbClr val="ADADAD"/>
+              </a:buClr>
+              <a:buSzPts val="2600"/>
+              <a:buFont typeface="Arial"/>
+              <a:buNone/>
+              <a:defRPr sz="2600" b="0" i="0" u="none" strike="noStrike" cap="none">
                 <a:solidFill>
                   <a:srgbClr val="ADADAD"/>
                 </a:solidFill>
@@ -6152,7 +6247,7 @@
             </a:lvl9pPr>
           </a:lstStyle>
           <a:p>
-            <a:pPr indent="0" lvl="0" marL="0" rtl="0" algn="r">
+            <a:pPr marL="0" lvl="0" indent="0" algn="r" rtl="0">
               <a:spcBef>
                 <a:spcPts val="0"/>
               </a:spcBef>
@@ -6178,11 +6273,11 @@
 </file>
 
 <file path=ppt/slideLayouts/slideLayout9.xml><?xml version="1.0" encoding="utf-8"?>
-<p:sldLayout xmlns:a="http://schemas.openxmlformats.org/drawingml/2006/main" xmlns:r="http://schemas.openxmlformats.org/officeDocument/2006/relationships" xmlns:mc="http://schemas.openxmlformats.org/markup-compatibility/2006" xmlns:mv="urn:schemas-microsoft-com:mac:vml" xmlns:p="http://schemas.openxmlformats.org/presentationml/2006/main" xmlns:c="http://schemas.openxmlformats.org/drawingml/2006/chart" xmlns:dgm="http://schemas.openxmlformats.org/drawingml/2006/diagram" xmlns:o="urn:schemas-microsoft-com:office:office" xmlns:v="urn:schemas-microsoft-com:vml" xmlns:pvml="urn:schemas-microsoft-com:office:powerpoint" xmlns:com="http://schemas.openxmlformats.org/drawingml/2006/compatibility" xmlns:p14="http://schemas.microsoft.com/office/powerpoint/2010/main" xmlns:p15="http://schemas.microsoft.com/office/powerpoint/2012/main" xmlns:ahyp="http://schemas.microsoft.com/office/drawing/2018/hyperlinkcolor" matchingName="BIG_NUMBER">
+<p:sldLayout xmlns:a="http://schemas.openxmlformats.org/drawingml/2006/main" xmlns:r="http://schemas.openxmlformats.org/officeDocument/2006/relationships" xmlns:p="http://schemas.openxmlformats.org/presentationml/2006/main" matchingName="BIG_NUMBER">
   <p:cSld name="BIG_NUMBER">
     <p:spTree>
       <p:nvGrpSpPr>
-        <p:cNvPr id="41" name="Shape 41"/>
+        <p:cNvPr id="1" name="Shape 41"/>
         <p:cNvGrpSpPr/>
         <p:nvPr/>
       </p:nvGrpSpPr>
@@ -6197,7 +6292,9 @@
       <p:sp>
         <p:nvSpPr>
           <p:cNvPr id="42" name="Google Shape;42;p10"/>
-          <p:cNvSpPr txBox="1"/>
+          <p:cNvSpPr txBox="1">
+            <a:spLocks noGrp="1"/>
+          </p:cNvSpPr>
           <p:nvPr>
             <p:ph type="title"/>
           </p:nvPr>
@@ -6216,7 +6313,7 @@
           </a:ln>
         </p:spPr>
         <p:txBody>
-          <a:bodyPr anchorCtr="0" anchor="b" bIns="243775" lIns="243775" spcFirstLastPara="1" rIns="243775" wrap="square" tIns="243775">
+          <a:bodyPr spcFirstLastPara="1" wrap="square" lIns="243775" tIns="243775" rIns="243775" bIns="243775" anchor="b" anchorCtr="0">
             <a:noAutofit/>
           </a:bodyPr>
           <a:lstStyle>
@@ -6375,15 +6472,19 @@
               <a:defRPr/>
             </a:lvl9pPr>
           </a:lstStyle>
-          <a:p/>
+          <a:p>
+            <a:endParaRPr/>
+          </a:p>
         </p:txBody>
       </p:sp>
       <p:sp>
         <p:nvSpPr>
           <p:cNvPr id="43" name="Google Shape;43;p10"/>
-          <p:cNvSpPr txBox="1"/>
+          <p:cNvSpPr txBox="1">
+            <a:spLocks noGrp="1"/>
+          </p:cNvSpPr>
           <p:nvPr>
-            <p:ph idx="1" type="body"/>
+            <p:ph type="body" idx="1"/>
           </p:nvPr>
         </p:nvSpPr>
         <p:spPr>
@@ -6400,11 +6501,11 @@
           </a:ln>
         </p:spPr>
         <p:txBody>
-          <a:bodyPr anchorCtr="0" anchor="t" bIns="243775" lIns="243775" spcFirstLastPara="1" rIns="243775" wrap="square" tIns="243775">
+          <a:bodyPr spcFirstLastPara="1" wrap="square" lIns="243775" tIns="243775" rIns="243775" bIns="243775" anchor="t" anchorCtr="0">
             <a:noAutofit/>
           </a:bodyPr>
           <a:lstStyle>
-            <a:lvl1pPr indent="-533400" lvl="0" marL="457200" algn="ctr">
+            <a:lvl1pPr marL="457200" lvl="0" indent="-533400" algn="ctr">
               <a:lnSpc>
                 <a:spcPct val="115000"/>
               </a:lnSpc>
@@ -6418,7 +6519,7 @@
               <a:buChar char="●"/>
               <a:defRPr/>
             </a:lvl1pPr>
-            <a:lvl2pPr indent="-533400" lvl="1" marL="914400" algn="ctr">
+            <a:lvl2pPr marL="914400" lvl="1" indent="-533400" algn="ctr">
               <a:lnSpc>
                 <a:spcPct val="115000"/>
               </a:lnSpc>
@@ -6432,7 +6533,7 @@
               <a:buChar char="○"/>
               <a:defRPr/>
             </a:lvl2pPr>
-            <a:lvl3pPr indent="-533400" lvl="2" marL="1371600" algn="ctr">
+            <a:lvl3pPr marL="1371600" lvl="2" indent="-533400" algn="ctr">
               <a:lnSpc>
                 <a:spcPct val="115000"/>
               </a:lnSpc>
@@ -6446,7 +6547,7 @@
               <a:buChar char="■"/>
               <a:defRPr/>
             </a:lvl3pPr>
-            <a:lvl4pPr indent="-533400" lvl="3" marL="1828800" algn="ctr">
+            <a:lvl4pPr marL="1828800" lvl="3" indent="-533400" algn="ctr">
               <a:lnSpc>
                 <a:spcPct val="115000"/>
               </a:lnSpc>
@@ -6460,7 +6561,7 @@
               <a:buChar char="●"/>
               <a:defRPr/>
             </a:lvl4pPr>
-            <a:lvl5pPr indent="-533400" lvl="4" marL="2286000" algn="ctr">
+            <a:lvl5pPr marL="2286000" lvl="4" indent="-533400" algn="ctr">
               <a:lnSpc>
                 <a:spcPct val="115000"/>
               </a:lnSpc>
@@ -6474,7 +6575,7 @@
               <a:buChar char="○"/>
               <a:defRPr/>
             </a:lvl5pPr>
-            <a:lvl6pPr indent="-533400" lvl="5" marL="2743200" algn="l">
+            <a:lvl6pPr marL="2743200" lvl="5" indent="-533400" algn="l">
               <a:lnSpc>
                 <a:spcPct val="115000"/>
               </a:lnSpc>
@@ -6488,7 +6589,7 @@
               <a:buChar char="■"/>
               <a:defRPr/>
             </a:lvl6pPr>
-            <a:lvl7pPr indent="-533400" lvl="6" marL="3200400" algn="l">
+            <a:lvl7pPr marL="3200400" lvl="6" indent="-533400" algn="l">
               <a:lnSpc>
                 <a:spcPct val="115000"/>
               </a:lnSpc>
@@ -6502,7 +6603,7 @@
               <a:buChar char="●"/>
               <a:defRPr/>
             </a:lvl7pPr>
-            <a:lvl8pPr indent="-533400" lvl="7" marL="3657600" algn="l">
+            <a:lvl8pPr marL="3657600" lvl="7" indent="-533400" algn="l">
               <a:lnSpc>
                 <a:spcPct val="115000"/>
               </a:lnSpc>
@@ -6516,7 +6617,7 @@
               <a:buChar char="○"/>
               <a:defRPr/>
             </a:lvl8pPr>
-            <a:lvl9pPr indent="-533400" lvl="8" marL="4114800" algn="l">
+            <a:lvl9pPr marL="4114800" lvl="8" indent="-533400" algn="l">
               <a:lnSpc>
                 <a:spcPct val="115000"/>
               </a:lnSpc>
@@ -6531,15 +6632,19 @@
               <a:defRPr/>
             </a:lvl9pPr>
           </a:lstStyle>
-          <a:p/>
+          <a:p>
+            <a:endParaRPr/>
+          </a:p>
         </p:txBody>
       </p:sp>
       <p:sp>
         <p:nvSpPr>
           <p:cNvPr id="44" name="Google Shape;44;p10"/>
-          <p:cNvSpPr txBox="1"/>
+          <p:cNvSpPr txBox="1">
+            <a:spLocks noGrp="1"/>
+          </p:cNvSpPr>
           <p:nvPr>
-            <p:ph idx="12" type="sldNum"/>
+            <p:ph type="sldNum" idx="12"/>
           </p:nvPr>
         </p:nvSpPr>
         <p:spPr>
@@ -6556,27 +6661,27 @@
           </a:ln>
         </p:spPr>
         <p:txBody>
-          <a:bodyPr anchorCtr="0" anchor="ctr" bIns="243775" lIns="243775" spcFirstLastPara="1" rIns="243775" wrap="square" tIns="243775">
+          <a:bodyPr spcFirstLastPara="1" wrap="square" lIns="243775" tIns="243775" rIns="243775" bIns="243775" anchor="ctr" anchorCtr="0">
             <a:noAutofit/>
           </a:bodyPr>
           <a:lstStyle>
-            <a:lvl1pPr indent="0" lvl="0" marL="0" marR="0" algn="r">
-              <a:lnSpc>
-                <a:spcPct val="100000"/>
-              </a:lnSpc>
-              <a:spcBef>
-                <a:spcPts val="0"/>
-              </a:spcBef>
-              <a:spcAft>
-                <a:spcPts val="0"/>
-              </a:spcAft>
-              <a:buClr>
-                <a:srgbClr val="ADADAD"/>
-              </a:buClr>
-              <a:buSzPts val="2600"/>
-              <a:buFont typeface="Arial"/>
-              <a:buNone/>
-              <a:defRPr b="0" i="0" sz="2600" u="none" cap="none" strike="noStrike">
+            <a:lvl1pPr marL="0" marR="0" lvl="0" indent="0" algn="r">
+              <a:lnSpc>
+                <a:spcPct val="100000"/>
+              </a:lnSpc>
+              <a:spcBef>
+                <a:spcPts val="0"/>
+              </a:spcBef>
+              <a:spcAft>
+                <a:spcPts val="0"/>
+              </a:spcAft>
+              <a:buClr>
+                <a:srgbClr val="ADADAD"/>
+              </a:buClr>
+              <a:buSzPts val="2600"/>
+              <a:buFont typeface="Arial"/>
+              <a:buNone/>
+              <a:defRPr sz="2600" b="0" i="0" u="none" strike="noStrike" cap="none">
                 <a:solidFill>
                   <a:srgbClr val="ADADAD"/>
                 </a:solidFill>
@@ -6586,23 +6691,23 @@
                 <a:sym typeface="Arial"/>
               </a:defRPr>
             </a:lvl1pPr>
-            <a:lvl2pPr indent="0" lvl="1" marL="0" marR="0" algn="r">
-              <a:lnSpc>
-                <a:spcPct val="100000"/>
-              </a:lnSpc>
-              <a:spcBef>
-                <a:spcPts val="0"/>
-              </a:spcBef>
-              <a:spcAft>
-                <a:spcPts val="0"/>
-              </a:spcAft>
-              <a:buClr>
-                <a:srgbClr val="ADADAD"/>
-              </a:buClr>
-              <a:buSzPts val="2600"/>
-              <a:buFont typeface="Arial"/>
-              <a:buNone/>
-              <a:defRPr b="0" i="0" sz="2600" u="none" cap="none" strike="noStrike">
+            <a:lvl2pPr marL="0" marR="0" lvl="1" indent="0" algn="r">
+              <a:lnSpc>
+                <a:spcPct val="100000"/>
+              </a:lnSpc>
+              <a:spcBef>
+                <a:spcPts val="0"/>
+              </a:spcBef>
+              <a:spcAft>
+                <a:spcPts val="0"/>
+              </a:spcAft>
+              <a:buClr>
+                <a:srgbClr val="ADADAD"/>
+              </a:buClr>
+              <a:buSzPts val="2600"/>
+              <a:buFont typeface="Arial"/>
+              <a:buNone/>
+              <a:defRPr sz="2600" b="0" i="0" u="none" strike="noStrike" cap="none">
                 <a:solidFill>
                   <a:srgbClr val="ADADAD"/>
                 </a:solidFill>
@@ -6612,23 +6717,23 @@
                 <a:sym typeface="Arial"/>
               </a:defRPr>
             </a:lvl2pPr>
-            <a:lvl3pPr indent="0" lvl="2" marL="0" marR="0" algn="r">
-              <a:lnSpc>
-                <a:spcPct val="100000"/>
-              </a:lnSpc>
-              <a:spcBef>
-                <a:spcPts val="0"/>
-              </a:spcBef>
-              <a:spcAft>
-                <a:spcPts val="0"/>
-              </a:spcAft>
-              <a:buClr>
-                <a:srgbClr val="ADADAD"/>
-              </a:buClr>
-              <a:buSzPts val="2600"/>
-              <a:buFont typeface="Arial"/>
-              <a:buNone/>
-              <a:defRPr b="0" i="0" sz="2600" u="none" cap="none" strike="noStrike">
+            <a:lvl3pPr marL="0" marR="0" lvl="2" indent="0" algn="r">
+              <a:lnSpc>
+                <a:spcPct val="100000"/>
+              </a:lnSpc>
+              <a:spcBef>
+                <a:spcPts val="0"/>
+              </a:spcBef>
+              <a:spcAft>
+                <a:spcPts val="0"/>
+              </a:spcAft>
+              <a:buClr>
+                <a:srgbClr val="ADADAD"/>
+              </a:buClr>
+              <a:buSzPts val="2600"/>
+              <a:buFont typeface="Arial"/>
+              <a:buNone/>
+              <a:defRPr sz="2600" b="0" i="0" u="none" strike="noStrike" cap="none">
                 <a:solidFill>
                   <a:srgbClr val="ADADAD"/>
                 </a:solidFill>
@@ -6638,23 +6743,23 @@
                 <a:sym typeface="Arial"/>
               </a:defRPr>
             </a:lvl3pPr>
-            <a:lvl4pPr indent="0" lvl="3" marL="0" marR="0" algn="r">
-              <a:lnSpc>
-                <a:spcPct val="100000"/>
-              </a:lnSpc>
-              <a:spcBef>
-                <a:spcPts val="0"/>
-              </a:spcBef>
-              <a:spcAft>
-                <a:spcPts val="0"/>
-              </a:spcAft>
-              <a:buClr>
-                <a:srgbClr val="ADADAD"/>
-              </a:buClr>
-              <a:buSzPts val="2600"/>
-              <a:buFont typeface="Arial"/>
-              <a:buNone/>
-              <a:defRPr b="0" i="0" sz="2600" u="none" cap="none" strike="noStrike">
+            <a:lvl4pPr marL="0" marR="0" lvl="3" indent="0" algn="r">
+              <a:lnSpc>
+                <a:spcPct val="100000"/>
+              </a:lnSpc>
+              <a:spcBef>
+                <a:spcPts val="0"/>
+              </a:spcBef>
+              <a:spcAft>
+                <a:spcPts val="0"/>
+              </a:spcAft>
+              <a:buClr>
+                <a:srgbClr val="ADADAD"/>
+              </a:buClr>
+              <a:buSzPts val="2600"/>
+              <a:buFont typeface="Arial"/>
+              <a:buNone/>
+              <a:defRPr sz="2600" b="0" i="0" u="none" strike="noStrike" cap="none">
                 <a:solidFill>
                   <a:srgbClr val="ADADAD"/>
                 </a:solidFill>
@@ -6664,23 +6769,23 @@
                 <a:sym typeface="Arial"/>
               </a:defRPr>
             </a:lvl4pPr>
-            <a:lvl5pPr indent="0" lvl="4" marL="0" marR="0" algn="r">
-              <a:lnSpc>
-                <a:spcPct val="100000"/>
-              </a:lnSpc>
-              <a:spcBef>
-                <a:spcPts val="0"/>
-              </a:spcBef>
-              <a:spcAft>
-                <a:spcPts val="0"/>
-              </a:spcAft>
-              <a:buClr>
-                <a:srgbClr val="ADADAD"/>
-              </a:buClr>
-              <a:buSzPts val="2600"/>
-              <a:buFont typeface="Arial"/>
-              <a:buNone/>
-              <a:defRPr b="0" i="0" sz="2600" u="none" cap="none" strike="noStrike">
+            <a:lvl5pPr marL="0" marR="0" lvl="4" indent="0" algn="r">
+              <a:lnSpc>
+                <a:spcPct val="100000"/>
+              </a:lnSpc>
+              <a:spcBef>
+                <a:spcPts val="0"/>
+              </a:spcBef>
+              <a:spcAft>
+                <a:spcPts val="0"/>
+              </a:spcAft>
+              <a:buClr>
+                <a:srgbClr val="ADADAD"/>
+              </a:buClr>
+              <a:buSzPts val="2600"/>
+              <a:buFont typeface="Arial"/>
+              <a:buNone/>
+              <a:defRPr sz="2600" b="0" i="0" u="none" strike="noStrike" cap="none">
                 <a:solidFill>
                   <a:srgbClr val="ADADAD"/>
                 </a:solidFill>
@@ -6690,23 +6795,23 @@
                 <a:sym typeface="Arial"/>
               </a:defRPr>
             </a:lvl5pPr>
-            <a:lvl6pPr indent="0" lvl="5" marL="0" marR="0" algn="r">
-              <a:lnSpc>
-                <a:spcPct val="100000"/>
-              </a:lnSpc>
-              <a:spcBef>
-                <a:spcPts val="0"/>
-              </a:spcBef>
-              <a:spcAft>
-                <a:spcPts val="0"/>
-              </a:spcAft>
-              <a:buClr>
-                <a:srgbClr val="ADADAD"/>
-              </a:buClr>
-              <a:buSzPts val="2600"/>
-              <a:buFont typeface="Arial"/>
-              <a:buNone/>
-              <a:defRPr b="0" i="0" sz="2600" u="none" cap="none" strike="noStrike">
+            <a:lvl6pPr marL="0" marR="0" lvl="5" indent="0" algn="r">
+              <a:lnSpc>
+                <a:spcPct val="100000"/>
+              </a:lnSpc>
+              <a:spcBef>
+                <a:spcPts val="0"/>
+              </a:spcBef>
+              <a:spcAft>
+                <a:spcPts val="0"/>
+              </a:spcAft>
+              <a:buClr>
+                <a:srgbClr val="ADADAD"/>
+              </a:buClr>
+              <a:buSzPts val="2600"/>
+              <a:buFont typeface="Arial"/>
+              <a:buNone/>
+              <a:defRPr sz="2600" b="0" i="0" u="none" strike="noStrike" cap="none">
                 <a:solidFill>
                   <a:srgbClr val="ADADAD"/>
                 </a:solidFill>
@@ -6716,23 +6821,23 @@
                 <a:sym typeface="Arial"/>
               </a:defRPr>
             </a:lvl6pPr>
-            <a:lvl7pPr indent="0" lvl="6" marL="0" marR="0" algn="r">
-              <a:lnSpc>
-                <a:spcPct val="100000"/>
-              </a:lnSpc>
-              <a:spcBef>
-                <a:spcPts val="0"/>
-              </a:spcBef>
-              <a:spcAft>
-                <a:spcPts val="0"/>
-              </a:spcAft>
-              <a:buClr>
-                <a:srgbClr val="ADADAD"/>
-              </a:buClr>
-              <a:buSzPts val="2600"/>
-              <a:buFont typeface="Arial"/>
-              <a:buNone/>
-              <a:defRPr b="0" i="0" sz="2600" u="none" cap="none" strike="noStrike">
+            <a:lvl7pPr marL="0" marR="0" lvl="6" indent="0" algn="r">
+              <a:lnSpc>
+                <a:spcPct val="100000"/>
+              </a:lnSpc>
+              <a:spcBef>
+                <a:spcPts val="0"/>
+              </a:spcBef>
+              <a:spcAft>
+                <a:spcPts val="0"/>
+              </a:spcAft>
+              <a:buClr>
+                <a:srgbClr val="ADADAD"/>
+              </a:buClr>
+              <a:buSzPts val="2600"/>
+              <a:buFont typeface="Arial"/>
+              <a:buNone/>
+              <a:defRPr sz="2600" b="0" i="0" u="none" strike="noStrike" cap="none">
                 <a:solidFill>
                   <a:srgbClr val="ADADAD"/>
                 </a:solidFill>
@@ -6742,23 +6847,23 @@
                 <a:sym typeface="Arial"/>
               </a:defRPr>
             </a:lvl7pPr>
-            <a:lvl8pPr indent="0" lvl="7" marL="0" marR="0" algn="r">
-              <a:lnSpc>
-                <a:spcPct val="100000"/>
-              </a:lnSpc>
-              <a:spcBef>
-                <a:spcPts val="0"/>
-              </a:spcBef>
-              <a:spcAft>
-                <a:spcPts val="0"/>
-              </a:spcAft>
-              <a:buClr>
-                <a:srgbClr val="ADADAD"/>
-              </a:buClr>
-              <a:buSzPts val="2600"/>
-              <a:buFont typeface="Arial"/>
-              <a:buNone/>
-              <a:defRPr b="0" i="0" sz="2600" u="none" cap="none" strike="noStrike">
+            <a:lvl8pPr marL="0" marR="0" lvl="7" indent="0" algn="r">
+              <a:lnSpc>
+                <a:spcPct val="100000"/>
+              </a:lnSpc>
+              <a:spcBef>
+                <a:spcPts val="0"/>
+              </a:spcBef>
+              <a:spcAft>
+                <a:spcPts val="0"/>
+              </a:spcAft>
+              <a:buClr>
+                <a:srgbClr val="ADADAD"/>
+              </a:buClr>
+              <a:buSzPts val="2600"/>
+              <a:buFont typeface="Arial"/>
+              <a:buNone/>
+              <a:defRPr sz="2600" b="0" i="0" u="none" strike="noStrike" cap="none">
                 <a:solidFill>
                   <a:srgbClr val="ADADAD"/>
                 </a:solidFill>
@@ -6768,23 +6873,23 @@
                 <a:sym typeface="Arial"/>
               </a:defRPr>
             </a:lvl8pPr>
-            <a:lvl9pPr indent="0" lvl="8" marL="0" marR="0" algn="r">
-              <a:lnSpc>
-                <a:spcPct val="100000"/>
-              </a:lnSpc>
-              <a:spcBef>
-                <a:spcPts val="0"/>
-              </a:spcBef>
-              <a:spcAft>
-                <a:spcPts val="0"/>
-              </a:spcAft>
-              <a:buClr>
-                <a:srgbClr val="ADADAD"/>
-              </a:buClr>
-              <a:buSzPts val="2600"/>
-              <a:buFont typeface="Arial"/>
-              <a:buNone/>
-              <a:defRPr b="0" i="0" sz="2600" u="none" cap="none" strike="noStrike">
+            <a:lvl9pPr marL="0" marR="0" lvl="8" indent="0" algn="r">
+              <a:lnSpc>
+                <a:spcPct val="100000"/>
+              </a:lnSpc>
+              <a:spcBef>
+                <a:spcPts val="0"/>
+              </a:spcBef>
+              <a:spcAft>
+                <a:spcPts val="0"/>
+              </a:spcAft>
+              <a:buClr>
+                <a:srgbClr val="ADADAD"/>
+              </a:buClr>
+              <a:buSzPts val="2600"/>
+              <a:buFont typeface="Arial"/>
+              <a:buNone/>
+              <a:defRPr sz="2600" b="0" i="0" u="none" strike="noStrike" cap="none">
                 <a:solidFill>
                   <a:srgbClr val="ADADAD"/>
                 </a:solidFill>
@@ -6796,7 +6901,7 @@
             </a:lvl9pPr>
           </a:lstStyle>
           <a:p>
-            <a:pPr indent="0" lvl="0" marL="0" rtl="0" algn="r">
+            <a:pPr marL="0" lvl="0" indent="0" algn="r" rtl="0">
               <a:spcBef>
                 <a:spcPts val="0"/>
               </a:spcBef>
@@ -6822,18 +6927,19 @@
 </file>
 
 <file path=ppt/slideMasters/slideMaster1.xml><?xml version="1.0" encoding="utf-8"?>
-<p:sldMaster xmlns:a="http://schemas.openxmlformats.org/drawingml/2006/main" xmlns:r="http://schemas.openxmlformats.org/officeDocument/2006/relationships" xmlns:mc="http://schemas.openxmlformats.org/markup-compatibility/2006" xmlns:mv="urn:schemas-microsoft-com:mac:vml" xmlns:p="http://schemas.openxmlformats.org/presentationml/2006/main" xmlns:c="http://schemas.openxmlformats.org/drawingml/2006/chart" xmlns:dgm="http://schemas.openxmlformats.org/drawingml/2006/diagram" xmlns:o="urn:schemas-microsoft-com:office:office" xmlns:v="urn:schemas-microsoft-com:vml" xmlns:pvml="urn:schemas-microsoft-com:office:powerpoint" xmlns:com="http://schemas.openxmlformats.org/drawingml/2006/compatibility" xmlns:p14="http://schemas.microsoft.com/office/powerpoint/2010/main" xmlns:p15="http://schemas.microsoft.com/office/powerpoint/2012/main" xmlns:ahyp="http://schemas.microsoft.com/office/drawing/2018/hyperlinkcolor">
+<p:sldMaster xmlns:a="http://schemas.openxmlformats.org/drawingml/2006/main" xmlns:r="http://schemas.openxmlformats.org/officeDocument/2006/relationships" xmlns:p="http://schemas.openxmlformats.org/presentationml/2006/main">
   <p:cSld>
     <p:bg>
       <p:bgPr>
         <a:solidFill>
           <a:srgbClr val="434343"/>
         </a:solidFill>
+        <a:effectLst/>
       </p:bgPr>
     </p:bg>
     <p:spTree>
       <p:nvGrpSpPr>
-        <p:cNvPr id="5" name="Shape 5"/>
+        <p:cNvPr id="1" name="Shape 5"/>
         <p:cNvGrpSpPr/>
         <p:nvPr/>
       </p:nvGrpSpPr>
@@ -6848,7 +6954,9 @@
       <p:sp>
         <p:nvSpPr>
           <p:cNvPr id="6" name="Google Shape;6;p1"/>
-          <p:cNvSpPr txBox="1"/>
+          <p:cNvSpPr txBox="1">
+            <a:spLocks noGrp="1"/>
+          </p:cNvSpPr>
           <p:nvPr>
             <p:ph type="title"/>
           </p:nvPr>
@@ -6867,11 +6975,11 @@
           </a:ln>
         </p:spPr>
         <p:txBody>
-          <a:bodyPr anchorCtr="0" anchor="t" bIns="243775" lIns="243775" spcFirstLastPara="1" rIns="243775" wrap="square" tIns="243775">
+          <a:bodyPr spcFirstLastPara="1" wrap="square" lIns="243775" tIns="243775" rIns="243775" bIns="243775" anchor="t" anchorCtr="0">
             <a:noAutofit/>
           </a:bodyPr>
           <a:lstStyle>
-            <a:lvl1pPr lvl="0" marR="0" rtl="0" algn="l">
+            <a:lvl1pPr marR="0" lvl="0" algn="l" rtl="0">
               <a:lnSpc>
                 <a:spcPct val="100000"/>
               </a:lnSpc>
@@ -6887,7 +6995,7 @@
               <a:buSzPts val="7400"/>
               <a:buFont typeface="Arial"/>
               <a:buNone/>
-              <a:defRPr b="0" i="0" sz="7400" u="none" cap="none" strike="noStrike">
+              <a:defRPr sz="7400" b="0" i="0" u="none" strike="noStrike" cap="none">
                 <a:solidFill>
                   <a:srgbClr val="FFFFFF"/>
                 </a:solidFill>
@@ -6897,7 +7005,7 @@
                 <a:sym typeface="Arial"/>
               </a:defRPr>
             </a:lvl1pPr>
-            <a:lvl2pPr lvl="1" marR="0" rtl="0" algn="l">
+            <a:lvl2pPr marR="0" lvl="1" algn="l" rtl="0">
               <a:lnSpc>
                 <a:spcPct val="100000"/>
               </a:lnSpc>
@@ -6913,7 +7021,7 @@
               <a:buSzPts val="7400"/>
               <a:buFont typeface="Arial"/>
               <a:buNone/>
-              <a:defRPr b="0" i="0" sz="7400" u="none" cap="none" strike="noStrike">
+              <a:defRPr sz="7400" b="0" i="0" u="none" strike="noStrike" cap="none">
                 <a:solidFill>
                   <a:srgbClr val="FFFFFF"/>
                 </a:solidFill>
@@ -6923,7 +7031,7 @@
                 <a:sym typeface="Arial"/>
               </a:defRPr>
             </a:lvl2pPr>
-            <a:lvl3pPr lvl="2" marR="0" rtl="0" algn="l">
+            <a:lvl3pPr marR="0" lvl="2" algn="l" rtl="0">
               <a:lnSpc>
                 <a:spcPct val="100000"/>
               </a:lnSpc>
@@ -6939,7 +7047,7 @@
               <a:buSzPts val="7400"/>
               <a:buFont typeface="Arial"/>
               <a:buNone/>
-              <a:defRPr b="0" i="0" sz="7400" u="none" cap="none" strike="noStrike">
+              <a:defRPr sz="7400" b="0" i="0" u="none" strike="noStrike" cap="none">
                 <a:solidFill>
                   <a:srgbClr val="FFFFFF"/>
                 </a:solidFill>
@@ -6949,7 +7057,7 @@
                 <a:sym typeface="Arial"/>
               </a:defRPr>
             </a:lvl3pPr>
-            <a:lvl4pPr lvl="3" marR="0" rtl="0" algn="l">
+            <a:lvl4pPr marR="0" lvl="3" algn="l" rtl="0">
               <a:lnSpc>
                 <a:spcPct val="100000"/>
               </a:lnSpc>
@@ -6965,7 +7073,7 @@
               <a:buSzPts val="7400"/>
               <a:buFont typeface="Arial"/>
               <a:buNone/>
-              <a:defRPr b="0" i="0" sz="7400" u="none" cap="none" strike="noStrike">
+              <a:defRPr sz="7400" b="0" i="0" u="none" strike="noStrike" cap="none">
                 <a:solidFill>
                   <a:srgbClr val="FFFFFF"/>
                 </a:solidFill>
@@ -6975,7 +7083,7 @@
                 <a:sym typeface="Arial"/>
               </a:defRPr>
             </a:lvl4pPr>
-            <a:lvl5pPr lvl="4" marR="0" rtl="0" algn="l">
+            <a:lvl5pPr marR="0" lvl="4" algn="l" rtl="0">
               <a:lnSpc>
                 <a:spcPct val="100000"/>
               </a:lnSpc>
@@ -6991,7 +7099,7 @@
               <a:buSzPts val="7400"/>
               <a:buFont typeface="Arial"/>
               <a:buNone/>
-              <a:defRPr b="0" i="0" sz="7400" u="none" cap="none" strike="noStrike">
+              <a:defRPr sz="7400" b="0" i="0" u="none" strike="noStrike" cap="none">
                 <a:solidFill>
                   <a:srgbClr val="FFFFFF"/>
                 </a:solidFill>
@@ -7001,7 +7109,7 @@
                 <a:sym typeface="Arial"/>
               </a:defRPr>
             </a:lvl5pPr>
-            <a:lvl6pPr lvl="5" marR="0" rtl="0" algn="l">
+            <a:lvl6pPr marR="0" lvl="5" algn="l" rtl="0">
               <a:lnSpc>
                 <a:spcPct val="100000"/>
               </a:lnSpc>
@@ -7017,7 +7125,7 @@
               <a:buSzPts val="7400"/>
               <a:buFont typeface="Arial"/>
               <a:buNone/>
-              <a:defRPr b="0" i="0" sz="7400" u="none" cap="none" strike="noStrike">
+              <a:defRPr sz="7400" b="0" i="0" u="none" strike="noStrike" cap="none">
                 <a:solidFill>
                   <a:srgbClr val="FFFFFF"/>
                 </a:solidFill>
@@ -7027,7 +7135,7 @@
                 <a:sym typeface="Arial"/>
               </a:defRPr>
             </a:lvl6pPr>
-            <a:lvl7pPr lvl="6" marR="0" rtl="0" algn="l">
+            <a:lvl7pPr marR="0" lvl="6" algn="l" rtl="0">
               <a:lnSpc>
                 <a:spcPct val="100000"/>
               </a:lnSpc>
@@ -7043,7 +7151,7 @@
               <a:buSzPts val="7400"/>
               <a:buFont typeface="Arial"/>
               <a:buNone/>
-              <a:defRPr b="0" i="0" sz="7400" u="none" cap="none" strike="noStrike">
+              <a:defRPr sz="7400" b="0" i="0" u="none" strike="noStrike" cap="none">
                 <a:solidFill>
                   <a:srgbClr val="FFFFFF"/>
                 </a:solidFill>
@@ -7053,7 +7161,7 @@
                 <a:sym typeface="Arial"/>
               </a:defRPr>
             </a:lvl7pPr>
-            <a:lvl8pPr lvl="7" marR="0" rtl="0" algn="l">
+            <a:lvl8pPr marR="0" lvl="7" algn="l" rtl="0">
               <a:lnSpc>
                 <a:spcPct val="100000"/>
               </a:lnSpc>
@@ -7069,7 +7177,7 @@
               <a:buSzPts val="7400"/>
               <a:buFont typeface="Arial"/>
               <a:buNone/>
-              <a:defRPr b="0" i="0" sz="7400" u="none" cap="none" strike="noStrike">
+              <a:defRPr sz="7400" b="0" i="0" u="none" strike="noStrike" cap="none">
                 <a:solidFill>
                   <a:srgbClr val="FFFFFF"/>
                 </a:solidFill>
@@ -7079,7 +7187,7 @@
                 <a:sym typeface="Arial"/>
               </a:defRPr>
             </a:lvl8pPr>
-            <a:lvl9pPr lvl="8" marR="0" rtl="0" algn="l">
+            <a:lvl9pPr marR="0" lvl="8" algn="l" rtl="0">
               <a:lnSpc>
                 <a:spcPct val="100000"/>
               </a:lnSpc>
@@ -7095,7 +7203,7 @@
               <a:buSzPts val="7400"/>
               <a:buFont typeface="Arial"/>
               <a:buNone/>
-              <a:defRPr b="0" i="0" sz="7400" u="none" cap="none" strike="noStrike">
+              <a:defRPr sz="7400" b="0" i="0" u="none" strike="noStrike" cap="none">
                 <a:solidFill>
                   <a:srgbClr val="FFFFFF"/>
                 </a:solidFill>
@@ -7106,15 +7214,19 @@
               </a:defRPr>
             </a:lvl9pPr>
           </a:lstStyle>
-          <a:p/>
+          <a:p>
+            <a:endParaRPr/>
+          </a:p>
         </p:txBody>
       </p:sp>
       <p:sp>
         <p:nvSpPr>
           <p:cNvPr id="7" name="Google Shape;7;p1"/>
-          <p:cNvSpPr txBox="1"/>
+          <p:cNvSpPr txBox="1">
+            <a:spLocks noGrp="1"/>
+          </p:cNvSpPr>
           <p:nvPr>
-            <p:ph idx="1" type="body"/>
+            <p:ph type="body" idx="1"/>
           </p:nvPr>
         </p:nvSpPr>
         <p:spPr>
@@ -7131,11 +7243,11 @@
           </a:ln>
         </p:spPr>
         <p:txBody>
-          <a:bodyPr anchorCtr="0" anchor="t" bIns="243775" lIns="243775" spcFirstLastPara="1" rIns="243775" wrap="square" tIns="243775">
+          <a:bodyPr spcFirstLastPara="1" wrap="square" lIns="243775" tIns="243775" rIns="243775" bIns="243775" anchor="t" anchorCtr="0">
             <a:noAutofit/>
           </a:bodyPr>
           <a:lstStyle>
-            <a:lvl1pPr indent="-533400" lvl="0" marL="457200" marR="0" rtl="0" algn="l">
+            <a:lvl1pPr marL="457200" marR="0" lvl="0" indent="-533400" algn="l" rtl="0">
               <a:lnSpc>
                 <a:spcPct val="115000"/>
               </a:lnSpc>
@@ -7151,7 +7263,7 @@
               <a:buSzPts val="4800"/>
               <a:buFont typeface="Arial"/>
               <a:buChar char="●"/>
-              <a:defRPr b="0" i="0" sz="4800" u="none" cap="none" strike="noStrike">
+              <a:defRPr sz="4800" b="0" i="0" u="none" strike="noStrike" cap="none">
                 <a:solidFill>
                   <a:srgbClr val="ADADAD"/>
                 </a:solidFill>
@@ -7161,7 +7273,7 @@
                 <a:sym typeface="Arial"/>
               </a:defRPr>
             </a:lvl1pPr>
-            <a:lvl2pPr indent="-533400" lvl="1" marL="914400" marR="0" rtl="0" algn="l">
+            <a:lvl2pPr marL="914400" marR="0" lvl="1" indent="-533400" algn="l" rtl="0">
               <a:lnSpc>
                 <a:spcPct val="115000"/>
               </a:lnSpc>
@@ -7177,7 +7289,7 @@
               <a:buSzPts val="4800"/>
               <a:buFont typeface="Arial"/>
               <a:buChar char="○"/>
-              <a:defRPr b="0" i="0" sz="4800" u="none" cap="none" strike="noStrike">
+              <a:defRPr sz="4800" b="0" i="0" u="none" strike="noStrike" cap="none">
                 <a:solidFill>
                   <a:srgbClr val="ADADAD"/>
                 </a:solidFill>
@@ -7187,7 +7299,7 @@
                 <a:sym typeface="Arial"/>
               </a:defRPr>
             </a:lvl2pPr>
-            <a:lvl3pPr indent="-533400" lvl="2" marL="1371600" marR="0" rtl="0" algn="l">
+            <a:lvl3pPr marL="1371600" marR="0" lvl="2" indent="-533400" algn="l" rtl="0">
               <a:lnSpc>
                 <a:spcPct val="115000"/>
               </a:lnSpc>
@@ -7203,7 +7315,7 @@
               <a:buSzPts val="4800"/>
               <a:buFont typeface="Arial"/>
               <a:buChar char="■"/>
-              <a:defRPr b="0" i="0" sz="4800" u="none" cap="none" strike="noStrike">
+              <a:defRPr sz="4800" b="0" i="0" u="none" strike="noStrike" cap="none">
                 <a:solidFill>
                   <a:srgbClr val="ADADAD"/>
                 </a:solidFill>
@@ -7213,7 +7325,7 @@
                 <a:sym typeface="Arial"/>
               </a:defRPr>
             </a:lvl3pPr>
-            <a:lvl4pPr indent="-533400" lvl="3" marL="1828800" marR="0" rtl="0" algn="l">
+            <a:lvl4pPr marL="1828800" marR="0" lvl="3" indent="-533400" algn="l" rtl="0">
               <a:lnSpc>
                 <a:spcPct val="115000"/>
               </a:lnSpc>
@@ -7229,7 +7341,7 @@
               <a:buSzPts val="4800"/>
               <a:buFont typeface="Arial"/>
               <a:buChar char="●"/>
-              <a:defRPr b="0" i="0" sz="4800" u="none" cap="none" strike="noStrike">
+              <a:defRPr sz="4800" b="0" i="0" u="none" strike="noStrike" cap="none">
                 <a:solidFill>
                   <a:srgbClr val="ADADAD"/>
                 </a:solidFill>
@@ -7239,7 +7351,7 @@
                 <a:sym typeface="Arial"/>
               </a:defRPr>
             </a:lvl4pPr>
-            <a:lvl5pPr indent="-533400" lvl="4" marL="2286000" marR="0" rtl="0" algn="l">
+            <a:lvl5pPr marL="2286000" marR="0" lvl="4" indent="-533400" algn="l" rtl="0">
               <a:lnSpc>
                 <a:spcPct val="115000"/>
               </a:lnSpc>
@@ -7255,7 +7367,7 @@
               <a:buSzPts val="4800"/>
               <a:buFont typeface="Arial"/>
               <a:buChar char="○"/>
-              <a:defRPr b="0" i="0" sz="4800" u="none" cap="none" strike="noStrike">
+              <a:defRPr sz="4800" b="0" i="0" u="none" strike="noStrike" cap="none">
                 <a:solidFill>
                   <a:srgbClr val="ADADAD"/>
                 </a:solidFill>
@@ -7265,7 +7377,7 @@
                 <a:sym typeface="Arial"/>
               </a:defRPr>
             </a:lvl5pPr>
-            <a:lvl6pPr indent="-533400" lvl="5" marL="2743200" marR="0" rtl="0" algn="l">
+            <a:lvl6pPr marL="2743200" marR="0" lvl="5" indent="-533400" algn="l" rtl="0">
               <a:lnSpc>
                 <a:spcPct val="115000"/>
               </a:lnSpc>
@@ -7281,7 +7393,7 @@
               <a:buSzPts val="4800"/>
               <a:buFont typeface="Arial"/>
               <a:buChar char="■"/>
-              <a:defRPr b="0" i="0" sz="4800" u="none" cap="none" strike="noStrike">
+              <a:defRPr sz="4800" b="0" i="0" u="none" strike="noStrike" cap="none">
                 <a:solidFill>
                   <a:srgbClr val="ADADAD"/>
                 </a:solidFill>
@@ -7291,7 +7403,7 @@
                 <a:sym typeface="Arial"/>
               </a:defRPr>
             </a:lvl6pPr>
-            <a:lvl7pPr indent="-533400" lvl="6" marL="3200400" marR="0" rtl="0" algn="l">
+            <a:lvl7pPr marL="3200400" marR="0" lvl="6" indent="-533400" algn="l" rtl="0">
               <a:lnSpc>
                 <a:spcPct val="115000"/>
               </a:lnSpc>
@@ -7307,7 +7419,7 @@
               <a:buSzPts val="4800"/>
               <a:buFont typeface="Arial"/>
               <a:buChar char="●"/>
-              <a:defRPr b="0" i="0" sz="4800" u="none" cap="none" strike="noStrike">
+              <a:defRPr sz="4800" b="0" i="0" u="none" strike="noStrike" cap="none">
                 <a:solidFill>
                   <a:srgbClr val="ADADAD"/>
                 </a:solidFill>
@@ -7317,7 +7429,7 @@
                 <a:sym typeface="Arial"/>
               </a:defRPr>
             </a:lvl7pPr>
-            <a:lvl8pPr indent="-533400" lvl="7" marL="3657600" marR="0" rtl="0" algn="l">
+            <a:lvl8pPr marL="3657600" marR="0" lvl="7" indent="-533400" algn="l" rtl="0">
               <a:lnSpc>
                 <a:spcPct val="115000"/>
               </a:lnSpc>
@@ -7333,7 +7445,7 @@
               <a:buSzPts val="4800"/>
               <a:buFont typeface="Arial"/>
               <a:buChar char="○"/>
-              <a:defRPr b="0" i="0" sz="4800" u="none" cap="none" strike="noStrike">
+              <a:defRPr sz="4800" b="0" i="0" u="none" strike="noStrike" cap="none">
                 <a:solidFill>
                   <a:srgbClr val="ADADAD"/>
                 </a:solidFill>
@@ -7343,7 +7455,7 @@
                 <a:sym typeface="Arial"/>
               </a:defRPr>
             </a:lvl8pPr>
-            <a:lvl9pPr indent="-533400" lvl="8" marL="4114800" marR="0" rtl="0" algn="l">
+            <a:lvl9pPr marL="4114800" marR="0" lvl="8" indent="-533400" algn="l" rtl="0">
               <a:lnSpc>
                 <a:spcPct val="115000"/>
               </a:lnSpc>
@@ -7359,7 +7471,7 @@
               <a:buSzPts val="4800"/>
               <a:buFont typeface="Arial"/>
               <a:buChar char="■"/>
-              <a:defRPr b="0" i="0" sz="4800" u="none" cap="none" strike="noStrike">
+              <a:defRPr sz="4800" b="0" i="0" u="none" strike="noStrike" cap="none">
                 <a:solidFill>
                   <a:srgbClr val="ADADAD"/>
                 </a:solidFill>
@@ -7370,15 +7482,19 @@
               </a:defRPr>
             </a:lvl9pPr>
           </a:lstStyle>
-          <a:p/>
+          <a:p>
+            <a:endParaRPr/>
+          </a:p>
         </p:txBody>
       </p:sp>
       <p:sp>
         <p:nvSpPr>
           <p:cNvPr id="8" name="Google Shape;8;p1"/>
-          <p:cNvSpPr txBox="1"/>
+          <p:cNvSpPr txBox="1">
+            <a:spLocks noGrp="1"/>
+          </p:cNvSpPr>
           <p:nvPr>
-            <p:ph idx="12" type="sldNum"/>
+            <p:ph type="sldNum" idx="12"/>
           </p:nvPr>
         </p:nvSpPr>
         <p:spPr>
@@ -7395,27 +7511,27 @@
           </a:ln>
         </p:spPr>
         <p:txBody>
-          <a:bodyPr anchorCtr="0" anchor="ctr" bIns="243775" lIns="243775" spcFirstLastPara="1" rIns="243775" wrap="square" tIns="243775">
+          <a:bodyPr spcFirstLastPara="1" wrap="square" lIns="243775" tIns="243775" rIns="243775" bIns="243775" anchor="ctr" anchorCtr="0">
             <a:noAutofit/>
           </a:bodyPr>
           <a:lstStyle>
-            <a:lvl1pPr indent="0" lvl="0" marL="0" marR="0" rtl="0" algn="r">
-              <a:lnSpc>
-                <a:spcPct val="100000"/>
-              </a:lnSpc>
-              <a:spcBef>
-                <a:spcPts val="0"/>
-              </a:spcBef>
-              <a:spcAft>
-                <a:spcPts val="0"/>
-              </a:spcAft>
-              <a:buClr>
-                <a:srgbClr val="ADADAD"/>
-              </a:buClr>
-              <a:buSzPts val="2600"/>
-              <a:buFont typeface="Arial"/>
-              <a:buNone/>
-              <a:defRPr b="0" i="0" sz="2600" u="none" cap="none" strike="noStrike">
+            <a:lvl1pPr marL="0" marR="0" lvl="0" indent="0" algn="r" rtl="0">
+              <a:lnSpc>
+                <a:spcPct val="100000"/>
+              </a:lnSpc>
+              <a:spcBef>
+                <a:spcPts val="0"/>
+              </a:spcBef>
+              <a:spcAft>
+                <a:spcPts val="0"/>
+              </a:spcAft>
+              <a:buClr>
+                <a:srgbClr val="ADADAD"/>
+              </a:buClr>
+              <a:buSzPts val="2600"/>
+              <a:buFont typeface="Arial"/>
+              <a:buNone/>
+              <a:defRPr sz="2600" b="0" i="0" u="none" strike="noStrike" cap="none">
                 <a:solidFill>
                   <a:srgbClr val="ADADAD"/>
                 </a:solidFill>
@@ -7425,23 +7541,23 @@
                 <a:sym typeface="Arial"/>
               </a:defRPr>
             </a:lvl1pPr>
-            <a:lvl2pPr indent="0" lvl="1" marL="0" marR="0" rtl="0" algn="r">
-              <a:lnSpc>
-                <a:spcPct val="100000"/>
-              </a:lnSpc>
-              <a:spcBef>
-                <a:spcPts val="0"/>
-              </a:spcBef>
-              <a:spcAft>
-                <a:spcPts val="0"/>
-              </a:spcAft>
-              <a:buClr>
-                <a:srgbClr val="ADADAD"/>
-              </a:buClr>
-              <a:buSzPts val="2600"/>
-              <a:buFont typeface="Arial"/>
-              <a:buNone/>
-              <a:defRPr b="0" i="0" sz="2600" u="none" cap="none" strike="noStrike">
+            <a:lvl2pPr marL="0" marR="0" lvl="1" indent="0" algn="r" rtl="0">
+              <a:lnSpc>
+                <a:spcPct val="100000"/>
+              </a:lnSpc>
+              <a:spcBef>
+                <a:spcPts val="0"/>
+              </a:spcBef>
+              <a:spcAft>
+                <a:spcPts val="0"/>
+              </a:spcAft>
+              <a:buClr>
+                <a:srgbClr val="ADADAD"/>
+              </a:buClr>
+              <a:buSzPts val="2600"/>
+              <a:buFont typeface="Arial"/>
+              <a:buNone/>
+              <a:defRPr sz="2600" b="0" i="0" u="none" strike="noStrike" cap="none">
                 <a:solidFill>
                   <a:srgbClr val="ADADAD"/>
                 </a:solidFill>
@@ -7451,23 +7567,23 @@
                 <a:sym typeface="Arial"/>
               </a:defRPr>
             </a:lvl2pPr>
-            <a:lvl3pPr indent="0" lvl="2" marL="0" marR="0" rtl="0" algn="r">
-              <a:lnSpc>
-                <a:spcPct val="100000"/>
-              </a:lnSpc>
-              <a:spcBef>
-                <a:spcPts val="0"/>
-              </a:spcBef>
-              <a:spcAft>
-                <a:spcPts val="0"/>
-              </a:spcAft>
-              <a:buClr>
-                <a:srgbClr val="ADADAD"/>
-              </a:buClr>
-              <a:buSzPts val="2600"/>
-              <a:buFont typeface="Arial"/>
-              <a:buNone/>
-              <a:defRPr b="0" i="0" sz="2600" u="none" cap="none" strike="noStrike">
+            <a:lvl3pPr marL="0" marR="0" lvl="2" indent="0" algn="r" rtl="0">
+              <a:lnSpc>
+                <a:spcPct val="100000"/>
+              </a:lnSpc>
+              <a:spcBef>
+                <a:spcPts val="0"/>
+              </a:spcBef>
+              <a:spcAft>
+                <a:spcPts val="0"/>
+              </a:spcAft>
+              <a:buClr>
+                <a:srgbClr val="ADADAD"/>
+              </a:buClr>
+              <a:buSzPts val="2600"/>
+              <a:buFont typeface="Arial"/>
+              <a:buNone/>
+              <a:defRPr sz="2600" b="0" i="0" u="none" strike="noStrike" cap="none">
                 <a:solidFill>
                   <a:srgbClr val="ADADAD"/>
                 </a:solidFill>
@@ -7477,23 +7593,23 @@
                 <a:sym typeface="Arial"/>
               </a:defRPr>
             </a:lvl3pPr>
-            <a:lvl4pPr indent="0" lvl="3" marL="0" marR="0" rtl="0" algn="r">
-              <a:lnSpc>
-                <a:spcPct val="100000"/>
-              </a:lnSpc>
-              <a:spcBef>
-                <a:spcPts val="0"/>
-              </a:spcBef>
-              <a:spcAft>
-                <a:spcPts val="0"/>
-              </a:spcAft>
-              <a:buClr>
-                <a:srgbClr val="ADADAD"/>
-              </a:buClr>
-              <a:buSzPts val="2600"/>
-              <a:buFont typeface="Arial"/>
-              <a:buNone/>
-              <a:defRPr b="0" i="0" sz="2600" u="none" cap="none" strike="noStrike">
+            <a:lvl4pPr marL="0" marR="0" lvl="3" indent="0" algn="r" rtl="0">
+              <a:lnSpc>
+                <a:spcPct val="100000"/>
+              </a:lnSpc>
+              <a:spcBef>
+                <a:spcPts val="0"/>
+              </a:spcBef>
+              <a:spcAft>
+                <a:spcPts val="0"/>
+              </a:spcAft>
+              <a:buClr>
+                <a:srgbClr val="ADADAD"/>
+              </a:buClr>
+              <a:buSzPts val="2600"/>
+              <a:buFont typeface="Arial"/>
+              <a:buNone/>
+              <a:defRPr sz="2600" b="0" i="0" u="none" strike="noStrike" cap="none">
                 <a:solidFill>
                   <a:srgbClr val="ADADAD"/>
                 </a:solidFill>
@@ -7503,23 +7619,23 @@
                 <a:sym typeface="Arial"/>
               </a:defRPr>
             </a:lvl4pPr>
-            <a:lvl5pPr indent="0" lvl="4" marL="0" marR="0" rtl="0" algn="r">
-              <a:lnSpc>
-                <a:spcPct val="100000"/>
-              </a:lnSpc>
-              <a:spcBef>
-                <a:spcPts val="0"/>
-              </a:spcBef>
-              <a:spcAft>
-                <a:spcPts val="0"/>
-              </a:spcAft>
-              <a:buClr>
-                <a:srgbClr val="ADADAD"/>
-              </a:buClr>
-              <a:buSzPts val="2600"/>
-              <a:buFont typeface="Arial"/>
-              <a:buNone/>
-              <a:defRPr b="0" i="0" sz="2600" u="none" cap="none" strike="noStrike">
+            <a:lvl5pPr marL="0" marR="0" lvl="4" indent="0" algn="r" rtl="0">
+              <a:lnSpc>
+                <a:spcPct val="100000"/>
+              </a:lnSpc>
+              <a:spcBef>
+                <a:spcPts val="0"/>
+              </a:spcBef>
+              <a:spcAft>
+                <a:spcPts val="0"/>
+              </a:spcAft>
+              <a:buClr>
+                <a:srgbClr val="ADADAD"/>
+              </a:buClr>
+              <a:buSzPts val="2600"/>
+              <a:buFont typeface="Arial"/>
+              <a:buNone/>
+              <a:defRPr sz="2600" b="0" i="0" u="none" strike="noStrike" cap="none">
                 <a:solidFill>
                   <a:srgbClr val="ADADAD"/>
                 </a:solidFill>
@@ -7529,23 +7645,23 @@
                 <a:sym typeface="Arial"/>
               </a:defRPr>
             </a:lvl5pPr>
-            <a:lvl6pPr indent="0" lvl="5" marL="0" marR="0" rtl="0" algn="r">
-              <a:lnSpc>
-                <a:spcPct val="100000"/>
-              </a:lnSpc>
-              <a:spcBef>
-                <a:spcPts val="0"/>
-              </a:spcBef>
-              <a:spcAft>
-                <a:spcPts val="0"/>
-              </a:spcAft>
-              <a:buClr>
-                <a:srgbClr val="ADADAD"/>
-              </a:buClr>
-              <a:buSzPts val="2600"/>
-              <a:buFont typeface="Arial"/>
-              <a:buNone/>
-              <a:defRPr b="0" i="0" sz="2600" u="none" cap="none" strike="noStrike">
+            <a:lvl6pPr marL="0" marR="0" lvl="5" indent="0" algn="r" rtl="0">
+              <a:lnSpc>
+                <a:spcPct val="100000"/>
+              </a:lnSpc>
+              <a:spcBef>
+                <a:spcPts val="0"/>
+              </a:spcBef>
+              <a:spcAft>
+                <a:spcPts val="0"/>
+              </a:spcAft>
+              <a:buClr>
+                <a:srgbClr val="ADADAD"/>
+              </a:buClr>
+              <a:buSzPts val="2600"/>
+              <a:buFont typeface="Arial"/>
+              <a:buNone/>
+              <a:defRPr sz="2600" b="0" i="0" u="none" strike="noStrike" cap="none">
                 <a:solidFill>
                   <a:srgbClr val="ADADAD"/>
                 </a:solidFill>
@@ -7555,23 +7671,23 @@
                 <a:sym typeface="Arial"/>
               </a:defRPr>
             </a:lvl6pPr>
-            <a:lvl7pPr indent="0" lvl="6" marL="0" marR="0" rtl="0" algn="r">
-              <a:lnSpc>
-                <a:spcPct val="100000"/>
-              </a:lnSpc>
-              <a:spcBef>
-                <a:spcPts val="0"/>
-              </a:spcBef>
-              <a:spcAft>
-                <a:spcPts val="0"/>
-              </a:spcAft>
-              <a:buClr>
-                <a:srgbClr val="ADADAD"/>
-              </a:buClr>
-              <a:buSzPts val="2600"/>
-              <a:buFont typeface="Arial"/>
-              <a:buNone/>
-              <a:defRPr b="0" i="0" sz="2600" u="none" cap="none" strike="noStrike">
+            <a:lvl7pPr marL="0" marR="0" lvl="6" indent="0" algn="r" rtl="0">
+              <a:lnSpc>
+                <a:spcPct val="100000"/>
+              </a:lnSpc>
+              <a:spcBef>
+                <a:spcPts val="0"/>
+              </a:spcBef>
+              <a:spcAft>
+                <a:spcPts val="0"/>
+              </a:spcAft>
+              <a:buClr>
+                <a:srgbClr val="ADADAD"/>
+              </a:buClr>
+              <a:buSzPts val="2600"/>
+              <a:buFont typeface="Arial"/>
+              <a:buNone/>
+              <a:defRPr sz="2600" b="0" i="0" u="none" strike="noStrike" cap="none">
                 <a:solidFill>
                   <a:srgbClr val="ADADAD"/>
                 </a:solidFill>
@@ -7581,23 +7697,23 @@
                 <a:sym typeface="Arial"/>
               </a:defRPr>
             </a:lvl7pPr>
-            <a:lvl8pPr indent="0" lvl="7" marL="0" marR="0" rtl="0" algn="r">
-              <a:lnSpc>
-                <a:spcPct val="100000"/>
-              </a:lnSpc>
-              <a:spcBef>
-                <a:spcPts val="0"/>
-              </a:spcBef>
-              <a:spcAft>
-                <a:spcPts val="0"/>
-              </a:spcAft>
-              <a:buClr>
-                <a:srgbClr val="ADADAD"/>
-              </a:buClr>
-              <a:buSzPts val="2600"/>
-              <a:buFont typeface="Arial"/>
-              <a:buNone/>
-              <a:defRPr b="0" i="0" sz="2600" u="none" cap="none" strike="noStrike">
+            <a:lvl8pPr marL="0" marR="0" lvl="7" indent="0" algn="r" rtl="0">
+              <a:lnSpc>
+                <a:spcPct val="100000"/>
+              </a:lnSpc>
+              <a:spcBef>
+                <a:spcPts val="0"/>
+              </a:spcBef>
+              <a:spcAft>
+                <a:spcPts val="0"/>
+              </a:spcAft>
+              <a:buClr>
+                <a:srgbClr val="ADADAD"/>
+              </a:buClr>
+              <a:buSzPts val="2600"/>
+              <a:buFont typeface="Arial"/>
+              <a:buNone/>
+              <a:defRPr sz="2600" b="0" i="0" u="none" strike="noStrike" cap="none">
                 <a:solidFill>
                   <a:srgbClr val="ADADAD"/>
                 </a:solidFill>
@@ -7607,23 +7723,23 @@
                 <a:sym typeface="Arial"/>
               </a:defRPr>
             </a:lvl8pPr>
-            <a:lvl9pPr indent="0" lvl="8" marL="0" marR="0" rtl="0" algn="r">
-              <a:lnSpc>
-                <a:spcPct val="100000"/>
-              </a:lnSpc>
-              <a:spcBef>
-                <a:spcPts val="0"/>
-              </a:spcBef>
-              <a:spcAft>
-                <a:spcPts val="0"/>
-              </a:spcAft>
-              <a:buClr>
-                <a:srgbClr val="ADADAD"/>
-              </a:buClr>
-              <a:buSzPts val="2600"/>
-              <a:buFont typeface="Arial"/>
-              <a:buNone/>
-              <a:defRPr b="0" i="0" sz="2600" u="none" cap="none" strike="noStrike">
+            <a:lvl9pPr marL="0" marR="0" lvl="8" indent="0" algn="r" rtl="0">
+              <a:lnSpc>
+                <a:spcPct val="100000"/>
+              </a:lnSpc>
+              <a:spcBef>
+                <a:spcPts val="0"/>
+              </a:spcBef>
+              <a:spcAft>
+                <a:spcPts val="0"/>
+              </a:spcAft>
+              <a:buClr>
+                <a:srgbClr val="ADADAD"/>
+              </a:buClr>
+              <a:buSzPts val="2600"/>
+              <a:buFont typeface="Arial"/>
+              <a:buNone/>
+              <a:defRPr sz="2600" b="0" i="0" u="none" strike="noStrike" cap="none">
                 <a:solidFill>
                   <a:srgbClr val="ADADAD"/>
                 </a:solidFill>
@@ -7635,7 +7751,7 @@
             </a:lvl9pPr>
           </a:lstStyle>
           <a:p>
-            <a:pPr indent="0" lvl="0" marL="0" rtl="0" algn="r">
+            <a:pPr marL="0" lvl="0" indent="0" algn="r" rtl="0">
               <a:spcBef>
                 <a:spcPts val="0"/>
               </a:spcBef>
@@ -7658,7 +7774,7 @@
       </p:sp>
     </p:spTree>
   </p:cSld>
-  <p:clrMap accent1="accent1" accent2="accent2" accent3="accent3" accent4="accent4" accent5="accent5" accent6="accent6" bg1="lt1" bg2="dk2" tx1="dk1" tx2="lt2" folHlink="folHlink" hlink="hlink"/>
+  <p:clrMap bg1="lt1" tx1="dk1" bg2="dk2" tx2="lt2" accent1="accent1" accent2="accent2" accent3="accent3" accent4="accent4" accent5="accent5" accent6="accent6" hlink="hlink" folHlink="folHlink"/>
   <p:sldLayoutIdLst>
     <p:sldLayoutId id="2147483648" r:id="rId1"/>
     <p:sldLayoutId id="2147483649" r:id="rId2"/>
@@ -7671,10 +7787,10 @@
     <p:sldLayoutId id="2147483656" r:id="rId9"/>
     <p:sldLayoutId id="2147483657" r:id="rId10"/>
   </p:sldLayoutIdLst>
-  <p:hf dt="0" ftr="0" hdr="0" sldNum="0"/>
+  <p:hf sldNum="0" hdr="0" ftr="0" dt="0"/>
   <p:txStyles>
     <p:titleStyle>
-      <a:defPPr lvl="0" marR="0" rtl="0" algn="l">
+      <a:defPPr marR="0" lvl="0" algn="l" rtl="0">
         <a:lnSpc>
           <a:spcPct val="100000"/>
         </a:lnSpc>
@@ -7685,7 +7801,7 @@
           <a:spcPts val="0"/>
         </a:spcAft>
       </a:defPPr>
-      <a:lvl1pPr lvl="0" marR="0" rtl="0" algn="l">
+      <a:lvl1pPr marR="0" lvl="0" algn="l" rtl="0">
         <a:lnSpc>
           <a:spcPct val="100000"/>
         </a:lnSpc>
@@ -7699,7 +7815,7 @@
           <a:srgbClr val="000000"/>
         </a:buClr>
         <a:buFont typeface="Arial"/>
-        <a:defRPr b="0" i="0" sz="1400" u="none" cap="none" strike="noStrike">
+        <a:defRPr sz="1400" b="0" i="0" u="none" strike="noStrike" cap="none">
           <a:solidFill>
             <a:srgbClr val="000000"/>
           </a:solidFill>
@@ -7709,7 +7825,7 @@
           <a:sym typeface="Arial"/>
         </a:defRPr>
       </a:lvl1pPr>
-      <a:lvl2pPr lvl="1" marR="0" rtl="0" algn="l">
+      <a:lvl2pPr marR="0" lvl="1" algn="l" rtl="0">
         <a:lnSpc>
           <a:spcPct val="100000"/>
         </a:lnSpc>
@@ -7723,7 +7839,7 @@
           <a:srgbClr val="000000"/>
         </a:buClr>
         <a:buFont typeface="Arial"/>
-        <a:defRPr b="0" i="0" sz="1400" u="none" cap="none" strike="noStrike">
+        <a:defRPr sz="1400" b="0" i="0" u="none" strike="noStrike" cap="none">
           <a:solidFill>
             <a:srgbClr val="000000"/>
           </a:solidFill>
@@ -7733,7 +7849,7 @@
           <a:sym typeface="Arial"/>
         </a:defRPr>
       </a:lvl2pPr>
-      <a:lvl3pPr lvl="2" marR="0" rtl="0" algn="l">
+      <a:lvl3pPr marR="0" lvl="2" algn="l" rtl="0">
         <a:lnSpc>
           <a:spcPct val="100000"/>
         </a:lnSpc>
@@ -7747,7 +7863,7 @@
           <a:srgbClr val="000000"/>
         </a:buClr>
         <a:buFont typeface="Arial"/>
-        <a:defRPr b="0" i="0" sz="1400" u="none" cap="none" strike="noStrike">
+        <a:defRPr sz="1400" b="0" i="0" u="none" strike="noStrike" cap="none">
           <a:solidFill>
             <a:srgbClr val="000000"/>
           </a:solidFill>
@@ -7757,7 +7873,7 @@
           <a:sym typeface="Arial"/>
         </a:defRPr>
       </a:lvl3pPr>
-      <a:lvl4pPr lvl="3" marR="0" rtl="0" algn="l">
+      <a:lvl4pPr marR="0" lvl="3" algn="l" rtl="0">
         <a:lnSpc>
           <a:spcPct val="100000"/>
         </a:lnSpc>
@@ -7771,7 +7887,7 @@
           <a:srgbClr val="000000"/>
         </a:buClr>
         <a:buFont typeface="Arial"/>
-        <a:defRPr b="0" i="0" sz="1400" u="none" cap="none" strike="noStrike">
+        <a:defRPr sz="1400" b="0" i="0" u="none" strike="noStrike" cap="none">
           <a:solidFill>
             <a:srgbClr val="000000"/>
           </a:solidFill>
@@ -7781,7 +7897,7 @@
           <a:sym typeface="Arial"/>
         </a:defRPr>
       </a:lvl4pPr>
-      <a:lvl5pPr lvl="4" marR="0" rtl="0" algn="l">
+      <a:lvl5pPr marR="0" lvl="4" algn="l" rtl="0">
         <a:lnSpc>
           <a:spcPct val="100000"/>
         </a:lnSpc>
@@ -7795,7 +7911,7 @@
           <a:srgbClr val="000000"/>
         </a:buClr>
         <a:buFont typeface="Arial"/>
-        <a:defRPr b="0" i="0" sz="1400" u="none" cap="none" strike="noStrike">
+        <a:defRPr sz="1400" b="0" i="0" u="none" strike="noStrike" cap="none">
           <a:solidFill>
             <a:srgbClr val="000000"/>
           </a:solidFill>
@@ -7805,7 +7921,7 @@
           <a:sym typeface="Arial"/>
         </a:defRPr>
       </a:lvl5pPr>
-      <a:lvl6pPr lvl="5" marR="0" rtl="0" algn="l">
+      <a:lvl6pPr marR="0" lvl="5" algn="l" rtl="0">
         <a:lnSpc>
           <a:spcPct val="100000"/>
         </a:lnSpc>
@@ -7819,7 +7935,7 @@
           <a:srgbClr val="000000"/>
         </a:buClr>
         <a:buFont typeface="Arial"/>
-        <a:defRPr b="0" i="0" sz="1400" u="none" cap="none" strike="noStrike">
+        <a:defRPr sz="1400" b="0" i="0" u="none" strike="noStrike" cap="none">
           <a:solidFill>
             <a:srgbClr val="000000"/>
           </a:solidFill>
@@ -7829,7 +7945,7 @@
           <a:sym typeface="Arial"/>
         </a:defRPr>
       </a:lvl6pPr>
-      <a:lvl7pPr lvl="6" marR="0" rtl="0" algn="l">
+      <a:lvl7pPr marR="0" lvl="6" algn="l" rtl="0">
         <a:lnSpc>
           <a:spcPct val="100000"/>
         </a:lnSpc>
@@ -7843,7 +7959,7 @@
           <a:srgbClr val="000000"/>
         </a:buClr>
         <a:buFont typeface="Arial"/>
-        <a:defRPr b="0" i="0" sz="1400" u="none" cap="none" strike="noStrike">
+        <a:defRPr sz="1400" b="0" i="0" u="none" strike="noStrike" cap="none">
           <a:solidFill>
             <a:srgbClr val="000000"/>
           </a:solidFill>
@@ -7853,7 +7969,7 @@
           <a:sym typeface="Arial"/>
         </a:defRPr>
       </a:lvl7pPr>
-      <a:lvl8pPr lvl="7" marR="0" rtl="0" algn="l">
+      <a:lvl8pPr marR="0" lvl="7" algn="l" rtl="0">
         <a:lnSpc>
           <a:spcPct val="100000"/>
         </a:lnSpc>
@@ -7867,7 +7983,7 @@
           <a:srgbClr val="000000"/>
         </a:buClr>
         <a:buFont typeface="Arial"/>
-        <a:defRPr b="0" i="0" sz="1400" u="none" cap="none" strike="noStrike">
+        <a:defRPr sz="1400" b="0" i="0" u="none" strike="noStrike" cap="none">
           <a:solidFill>
             <a:srgbClr val="000000"/>
           </a:solidFill>
@@ -7877,7 +7993,7 @@
           <a:sym typeface="Arial"/>
         </a:defRPr>
       </a:lvl8pPr>
-      <a:lvl9pPr lvl="8" marR="0" rtl="0" algn="l">
+      <a:lvl9pPr marR="0" lvl="8" algn="l" rtl="0">
         <a:lnSpc>
           <a:spcPct val="100000"/>
         </a:lnSpc>
@@ -7891,7 +8007,7 @@
           <a:srgbClr val="000000"/>
         </a:buClr>
         <a:buFont typeface="Arial"/>
-        <a:defRPr b="0" i="0" sz="1400" u="none" cap="none" strike="noStrike">
+        <a:defRPr sz="1400" b="0" i="0" u="none" strike="noStrike" cap="none">
           <a:solidFill>
             <a:srgbClr val="000000"/>
           </a:solidFill>
@@ -7903,7 +8019,7 @@
       </a:lvl9pPr>
     </p:titleStyle>
     <p:bodyStyle>
-      <a:defPPr lvl="0" marR="0" rtl="0" algn="l">
+      <a:defPPr marR="0" lvl="0" algn="l" rtl="0">
         <a:lnSpc>
           <a:spcPct val="100000"/>
         </a:lnSpc>
@@ -7914,7 +8030,7 @@
           <a:spcPts val="0"/>
         </a:spcAft>
       </a:defPPr>
-      <a:lvl1pPr lvl="0" marR="0" rtl="0" algn="l">
+      <a:lvl1pPr marR="0" lvl="0" algn="l" rtl="0">
         <a:lnSpc>
           <a:spcPct val="100000"/>
         </a:lnSpc>
@@ -7928,7 +8044,7 @@
           <a:srgbClr val="000000"/>
         </a:buClr>
         <a:buFont typeface="Arial"/>
-        <a:defRPr b="0" i="0" sz="1400" u="none" cap="none" strike="noStrike">
+        <a:defRPr sz="1400" b="0" i="0" u="none" strike="noStrike" cap="none">
           <a:solidFill>
             <a:srgbClr val="000000"/>
           </a:solidFill>
@@ -7938,7 +8054,7 @@
           <a:sym typeface="Arial"/>
         </a:defRPr>
       </a:lvl1pPr>
-      <a:lvl2pPr lvl="1" marR="0" rtl="0" algn="l">
+      <a:lvl2pPr marR="0" lvl="1" algn="l" rtl="0">
         <a:lnSpc>
           <a:spcPct val="100000"/>
         </a:lnSpc>
@@ -7952,7 +8068,7 @@
           <a:srgbClr val="000000"/>
         </a:buClr>
         <a:buFont typeface="Arial"/>
-        <a:defRPr b="0" i="0" sz="1400" u="none" cap="none" strike="noStrike">
+        <a:defRPr sz="1400" b="0" i="0" u="none" strike="noStrike" cap="none">
           <a:solidFill>
             <a:srgbClr val="000000"/>
           </a:solidFill>
@@ -7962,7 +8078,7 @@
           <a:sym typeface="Arial"/>
         </a:defRPr>
       </a:lvl2pPr>
-      <a:lvl3pPr lvl="2" marR="0" rtl="0" algn="l">
+      <a:lvl3pPr marR="0" lvl="2" algn="l" rtl="0">
         <a:lnSpc>
           <a:spcPct val="100000"/>
         </a:lnSpc>
@@ -7976,7 +8092,7 @@
           <a:srgbClr val="000000"/>
         </a:buClr>
         <a:buFont typeface="Arial"/>
-        <a:defRPr b="0" i="0" sz="1400" u="none" cap="none" strike="noStrike">
+        <a:defRPr sz="1400" b="0" i="0" u="none" strike="noStrike" cap="none">
           <a:solidFill>
             <a:srgbClr val="000000"/>
           </a:solidFill>
@@ -7986,7 +8102,7 @@
           <a:sym typeface="Arial"/>
         </a:defRPr>
       </a:lvl3pPr>
-      <a:lvl4pPr lvl="3" marR="0" rtl="0" algn="l">
+      <a:lvl4pPr marR="0" lvl="3" algn="l" rtl="0">
         <a:lnSpc>
           <a:spcPct val="100000"/>
         </a:lnSpc>
@@ -8000,7 +8116,7 @@
           <a:srgbClr val="000000"/>
         </a:buClr>
         <a:buFont typeface="Arial"/>
-        <a:defRPr b="0" i="0" sz="1400" u="none" cap="none" strike="noStrike">
+        <a:defRPr sz="1400" b="0" i="0" u="none" strike="noStrike" cap="none">
           <a:solidFill>
             <a:srgbClr val="000000"/>
           </a:solidFill>
@@ -8010,7 +8126,7 @@
           <a:sym typeface="Arial"/>
         </a:defRPr>
       </a:lvl4pPr>
-      <a:lvl5pPr lvl="4" marR="0" rtl="0" algn="l">
+      <a:lvl5pPr marR="0" lvl="4" algn="l" rtl="0">
         <a:lnSpc>
           <a:spcPct val="100000"/>
         </a:lnSpc>
@@ -8024,7 +8140,7 @@
           <a:srgbClr val="000000"/>
         </a:buClr>
         <a:buFont typeface="Arial"/>
-        <a:defRPr b="0" i="0" sz="1400" u="none" cap="none" strike="noStrike">
+        <a:defRPr sz="1400" b="0" i="0" u="none" strike="noStrike" cap="none">
           <a:solidFill>
             <a:srgbClr val="000000"/>
           </a:solidFill>
@@ -8034,7 +8150,7 @@
           <a:sym typeface="Arial"/>
         </a:defRPr>
       </a:lvl5pPr>
-      <a:lvl6pPr lvl="5" marR="0" rtl="0" algn="l">
+      <a:lvl6pPr marR="0" lvl="5" algn="l" rtl="0">
         <a:lnSpc>
           <a:spcPct val="100000"/>
         </a:lnSpc>
@@ -8048,7 +8164,7 @@
           <a:srgbClr val="000000"/>
         </a:buClr>
         <a:buFont typeface="Arial"/>
-        <a:defRPr b="0" i="0" sz="1400" u="none" cap="none" strike="noStrike">
+        <a:defRPr sz="1400" b="0" i="0" u="none" strike="noStrike" cap="none">
           <a:solidFill>
             <a:srgbClr val="000000"/>
           </a:solidFill>
@@ -8058,7 +8174,7 @@
           <a:sym typeface="Arial"/>
         </a:defRPr>
       </a:lvl6pPr>
-      <a:lvl7pPr lvl="6" marR="0" rtl="0" algn="l">
+      <a:lvl7pPr marR="0" lvl="6" algn="l" rtl="0">
         <a:lnSpc>
           <a:spcPct val="100000"/>
         </a:lnSpc>
@@ -8072,7 +8188,7 @@
           <a:srgbClr val="000000"/>
         </a:buClr>
         <a:buFont typeface="Arial"/>
-        <a:defRPr b="0" i="0" sz="1400" u="none" cap="none" strike="noStrike">
+        <a:defRPr sz="1400" b="0" i="0" u="none" strike="noStrike" cap="none">
           <a:solidFill>
             <a:srgbClr val="000000"/>
           </a:solidFill>
@@ -8082,7 +8198,7 @@
           <a:sym typeface="Arial"/>
         </a:defRPr>
       </a:lvl7pPr>
-      <a:lvl8pPr lvl="7" marR="0" rtl="0" algn="l">
+      <a:lvl8pPr marR="0" lvl="7" algn="l" rtl="0">
         <a:lnSpc>
           <a:spcPct val="100000"/>
         </a:lnSpc>
@@ -8096,7 +8212,7 @@
           <a:srgbClr val="000000"/>
         </a:buClr>
         <a:buFont typeface="Arial"/>
-        <a:defRPr b="0" i="0" sz="1400" u="none" cap="none" strike="noStrike">
+        <a:defRPr sz="1400" b="0" i="0" u="none" strike="noStrike" cap="none">
           <a:solidFill>
             <a:srgbClr val="000000"/>
           </a:solidFill>
@@ -8106,7 +8222,7 @@
           <a:sym typeface="Arial"/>
         </a:defRPr>
       </a:lvl8pPr>
-      <a:lvl9pPr lvl="8" marR="0" rtl="0" algn="l">
+      <a:lvl9pPr marR="0" lvl="8" algn="l" rtl="0">
         <a:lnSpc>
           <a:spcPct val="100000"/>
         </a:lnSpc>
@@ -8120,7 +8236,7 @@
           <a:srgbClr val="000000"/>
         </a:buClr>
         <a:buFont typeface="Arial"/>
-        <a:defRPr b="0" i="0" sz="1400" u="none" cap="none" strike="noStrike">
+        <a:defRPr sz="1400" b="0" i="0" u="none" strike="noStrike" cap="none">
           <a:solidFill>
             <a:srgbClr val="000000"/>
           </a:solidFill>
@@ -8132,7 +8248,7 @@
       </a:lvl9pPr>
     </p:bodyStyle>
     <p:otherStyle>
-      <a:defPPr lvl="0" marR="0" rtl="0" algn="l">
+      <a:defPPr marR="0" lvl="0" algn="l" rtl="0">
         <a:lnSpc>
           <a:spcPct val="100000"/>
         </a:lnSpc>
@@ -8143,7 +8259,7 @@
           <a:spcPts val="0"/>
         </a:spcAft>
       </a:defPPr>
-      <a:lvl1pPr lvl="0" marR="0" rtl="0" algn="l">
+      <a:lvl1pPr marR="0" lvl="0" algn="l" rtl="0">
         <a:lnSpc>
           <a:spcPct val="100000"/>
         </a:lnSpc>
@@ -8157,7 +8273,7 @@
           <a:srgbClr val="000000"/>
         </a:buClr>
         <a:buFont typeface="Arial"/>
-        <a:defRPr b="0" i="0" sz="1400" u="none" cap="none" strike="noStrike">
+        <a:defRPr sz="1400" b="0" i="0" u="none" strike="noStrike" cap="none">
           <a:solidFill>
             <a:srgbClr val="000000"/>
           </a:solidFill>
@@ -8167,7 +8283,7 @@
           <a:sym typeface="Arial"/>
         </a:defRPr>
       </a:lvl1pPr>
-      <a:lvl2pPr lvl="1" marR="0" rtl="0" algn="l">
+      <a:lvl2pPr marR="0" lvl="1" algn="l" rtl="0">
         <a:lnSpc>
           <a:spcPct val="100000"/>
         </a:lnSpc>
@@ -8181,7 +8297,7 @@
           <a:srgbClr val="000000"/>
         </a:buClr>
         <a:buFont typeface="Arial"/>
-        <a:defRPr b="0" i="0" sz="1400" u="none" cap="none" strike="noStrike">
+        <a:defRPr sz="1400" b="0" i="0" u="none" strike="noStrike" cap="none">
           <a:solidFill>
             <a:srgbClr val="000000"/>
           </a:solidFill>
@@ -8191,7 +8307,7 @@
           <a:sym typeface="Arial"/>
         </a:defRPr>
       </a:lvl2pPr>
-      <a:lvl3pPr lvl="2" marR="0" rtl="0" algn="l">
+      <a:lvl3pPr marR="0" lvl="2" algn="l" rtl="0">
         <a:lnSpc>
           <a:spcPct val="100000"/>
         </a:lnSpc>
@@ -8205,7 +8321,7 @@
           <a:srgbClr val="000000"/>
         </a:buClr>
         <a:buFont typeface="Arial"/>
-        <a:defRPr b="0" i="0" sz="1400" u="none" cap="none" strike="noStrike">
+        <a:defRPr sz="1400" b="0" i="0" u="none" strike="noStrike" cap="none">
           <a:solidFill>
             <a:srgbClr val="000000"/>
           </a:solidFill>
@@ -8215,7 +8331,7 @@
           <a:sym typeface="Arial"/>
         </a:defRPr>
       </a:lvl3pPr>
-      <a:lvl4pPr lvl="3" marR="0" rtl="0" algn="l">
+      <a:lvl4pPr marR="0" lvl="3" algn="l" rtl="0">
         <a:lnSpc>
           <a:spcPct val="100000"/>
         </a:lnSpc>
@@ -8229,7 +8345,7 @@
           <a:srgbClr val="000000"/>
         </a:buClr>
         <a:buFont typeface="Arial"/>
-        <a:defRPr b="0" i="0" sz="1400" u="none" cap="none" strike="noStrike">
+        <a:defRPr sz="1400" b="0" i="0" u="none" strike="noStrike" cap="none">
           <a:solidFill>
             <a:srgbClr val="000000"/>
           </a:solidFill>
@@ -8239,7 +8355,7 @@
           <a:sym typeface="Arial"/>
         </a:defRPr>
       </a:lvl4pPr>
-      <a:lvl5pPr lvl="4" marR="0" rtl="0" algn="l">
+      <a:lvl5pPr marR="0" lvl="4" algn="l" rtl="0">
         <a:lnSpc>
           <a:spcPct val="100000"/>
         </a:lnSpc>
@@ -8253,7 +8369,7 @@
           <a:srgbClr val="000000"/>
         </a:buClr>
         <a:buFont typeface="Arial"/>
-        <a:defRPr b="0" i="0" sz="1400" u="none" cap="none" strike="noStrike">
+        <a:defRPr sz="1400" b="0" i="0" u="none" strike="noStrike" cap="none">
           <a:solidFill>
             <a:srgbClr val="000000"/>
           </a:solidFill>
@@ -8263,7 +8379,7 @@
           <a:sym typeface="Arial"/>
         </a:defRPr>
       </a:lvl5pPr>
-      <a:lvl6pPr lvl="5" marR="0" rtl="0" algn="l">
+      <a:lvl6pPr marR="0" lvl="5" algn="l" rtl="0">
         <a:lnSpc>
           <a:spcPct val="100000"/>
         </a:lnSpc>
@@ -8277,7 +8393,7 @@
           <a:srgbClr val="000000"/>
         </a:buClr>
         <a:buFont typeface="Arial"/>
-        <a:defRPr b="0" i="0" sz="1400" u="none" cap="none" strike="noStrike">
+        <a:defRPr sz="1400" b="0" i="0" u="none" strike="noStrike" cap="none">
           <a:solidFill>
             <a:srgbClr val="000000"/>
           </a:solidFill>
@@ -8287,7 +8403,7 @@
           <a:sym typeface="Arial"/>
         </a:defRPr>
       </a:lvl6pPr>
-      <a:lvl7pPr lvl="6" marR="0" rtl="0" algn="l">
+      <a:lvl7pPr marR="0" lvl="6" algn="l" rtl="0">
         <a:lnSpc>
           <a:spcPct val="100000"/>
         </a:lnSpc>
@@ -8301,7 +8417,7 @@
           <a:srgbClr val="000000"/>
         </a:buClr>
         <a:buFont typeface="Arial"/>
-        <a:defRPr b="0" i="0" sz="1400" u="none" cap="none" strike="noStrike">
+        <a:defRPr sz="1400" b="0" i="0" u="none" strike="noStrike" cap="none">
           <a:solidFill>
             <a:srgbClr val="000000"/>
           </a:solidFill>
@@ -8311,7 +8427,7 @@
           <a:sym typeface="Arial"/>
         </a:defRPr>
       </a:lvl7pPr>
-      <a:lvl8pPr lvl="7" marR="0" rtl="0" algn="l">
+      <a:lvl8pPr marR="0" lvl="7" algn="l" rtl="0">
         <a:lnSpc>
           <a:spcPct val="100000"/>
         </a:lnSpc>
@@ -8325,7 +8441,7 @@
           <a:srgbClr val="000000"/>
         </a:buClr>
         <a:buFont typeface="Arial"/>
-        <a:defRPr b="0" i="0" sz="1400" u="none" cap="none" strike="noStrike">
+        <a:defRPr sz="1400" b="0" i="0" u="none" strike="noStrike" cap="none">
           <a:solidFill>
             <a:srgbClr val="000000"/>
           </a:solidFill>
@@ -8335,7 +8451,7 @@
           <a:sym typeface="Arial"/>
         </a:defRPr>
       </a:lvl8pPr>
-      <a:lvl9pPr lvl="8" marR="0" rtl="0" algn="l">
+      <a:lvl9pPr marR="0" lvl="8" algn="l" rtl="0">
         <a:lnSpc>
           <a:spcPct val="100000"/>
         </a:lnSpc>
@@ -8349,7 +8465,7 @@
           <a:srgbClr val="000000"/>
         </a:buClr>
         <a:buFont typeface="Arial"/>
-        <a:defRPr b="0" i="0" sz="1400" u="none" cap="none" strike="noStrike">
+        <a:defRPr sz="1400" b="0" i="0" u="none" strike="noStrike" cap="none">
           <a:solidFill>
             <a:srgbClr val="000000"/>
           </a:solidFill>
@@ -8365,18 +8481,19 @@
 </file>
 
 <file path=ppt/slides/slide1.xml><?xml version="1.0" encoding="utf-8"?>
-<p:sld xmlns:a="http://schemas.openxmlformats.org/drawingml/2006/main" xmlns:r="http://schemas.openxmlformats.org/officeDocument/2006/relationships" xmlns:mc="http://schemas.openxmlformats.org/markup-compatibility/2006" xmlns:mv="urn:schemas-microsoft-com:mac:vml" xmlns:p="http://schemas.openxmlformats.org/presentationml/2006/main" xmlns:c="http://schemas.openxmlformats.org/drawingml/2006/chart" xmlns:dgm="http://schemas.openxmlformats.org/drawingml/2006/diagram" xmlns:o="urn:schemas-microsoft-com:office:office" xmlns:v="urn:schemas-microsoft-com:vml" xmlns:pvml="urn:schemas-microsoft-com:office:powerpoint" xmlns:com="http://schemas.openxmlformats.org/drawingml/2006/compatibility" xmlns:p14="http://schemas.microsoft.com/office/powerpoint/2010/main" xmlns:p15="http://schemas.microsoft.com/office/powerpoint/2012/main" xmlns:ahyp="http://schemas.microsoft.com/office/drawing/2018/hyperlinkcolor">
+<p:sld xmlns:a="http://schemas.openxmlformats.org/drawingml/2006/main" xmlns:r="http://schemas.openxmlformats.org/officeDocument/2006/relationships" xmlns:p="http://schemas.openxmlformats.org/presentationml/2006/main">
   <p:cSld>
     <p:bg>
       <p:bgPr>
         <a:solidFill>
           <a:schemeClr val="lt1"/>
         </a:solidFill>
+        <a:effectLst/>
       </p:bgPr>
     </p:bg>
     <p:spTree>
       <p:nvGrpSpPr>
-        <p:cNvPr id="50" name="Shape 50"/>
+        <p:cNvPr id="1" name="Shape 50"/>
         <p:cNvGrpSpPr/>
         <p:nvPr/>
       </p:nvGrpSpPr>
@@ -8391,7 +8508,9 @@
       <p:sp>
         <p:nvSpPr>
           <p:cNvPr id="51" name="Google Shape;51;p12"/>
-          <p:cNvSpPr txBox="1"/>
+          <p:cNvSpPr txBox="1">
+            <a:spLocks noGrp="1"/>
+          </p:cNvSpPr>
           <p:nvPr>
             <p:ph type="title"/>
           </p:nvPr>
@@ -8410,12 +8529,12 @@
           </a:ln>
         </p:spPr>
         <p:txBody>
-          <a:bodyPr anchorCtr="0" anchor="t" bIns="243775" lIns="243775" spcFirstLastPara="1" rIns="243775" wrap="square" tIns="243775">
+          <a:bodyPr spcFirstLastPara="1" wrap="square" lIns="243775" tIns="243775" rIns="243775" bIns="243775" anchor="t" anchorCtr="0">
             <a:noAutofit/>
           </a:bodyPr>
           <a:lstStyle/>
           <a:p>
-            <a:pPr indent="0" lvl="0" marL="0" marR="0" rtl="0" algn="ctr">
+            <a:pPr marL="0" marR="0" lvl="0" indent="0" algn="ctr" rtl="0">
               <a:lnSpc>
                 <a:spcPct val="100000"/>
               </a:lnSpc>
@@ -8450,7 +8569,7 @@
       </p:sp>
       <p:pic>
         <p:nvPicPr>
-          <p:cNvPr descr="Google Shape;203;p24" id="52" name="Google Shape;52;p12"/>
+          <p:cNvPr id="52" name="Google Shape;52;p12" descr="Google Shape;203;p24"/>
           <p:cNvPicPr preferRelativeResize="0"/>
           <p:nvPr/>
         </p:nvPicPr>
@@ -8458,7 +8577,7 @@
           <a:blip r:embed="rId3">
             <a:alphaModFix/>
           </a:blip>
-          <a:srcRect b="0" l="0" r="0" t="0"/>
+          <a:srcRect/>
           <a:stretch/>
         </p:blipFill>
         <p:spPr>
@@ -8477,7 +8596,7 @@
       </p:pic>
       <p:pic>
         <p:nvPicPr>
-          <p:cNvPr descr="Google Shape;204;p24" id="53" name="Google Shape;53;p12"/>
+          <p:cNvPr id="53" name="Google Shape;53;p12" descr="Google Shape;204;p24"/>
           <p:cNvPicPr preferRelativeResize="0"/>
           <p:nvPr/>
         </p:nvPicPr>
@@ -8485,12 +8604,12 @@
           <a:blip r:embed="rId4">
             <a:alphaModFix/>
           </a:blip>
-          <a:srcRect b="0" l="0" r="0" t="0"/>
+          <a:srcRect/>
           <a:stretch/>
         </p:blipFill>
         <p:spPr>
           <a:xfrm>
-            <a:off x="5723860" y="3588976"/>
+            <a:off x="5215860" y="3588976"/>
             <a:ext cx="4155533" cy="4155532"/>
           </a:xfrm>
           <a:prstGeom prst="rect">
@@ -8504,7 +8623,7 @@
       </p:pic>
       <p:pic>
         <p:nvPicPr>
-          <p:cNvPr descr="Google Shape;205;p24" id="54" name="Google Shape;54;p12"/>
+          <p:cNvPr id="54" name="Google Shape;54;p12" descr="Google Shape;205;p24"/>
           <p:cNvPicPr preferRelativeResize="0"/>
           <p:nvPr/>
         </p:nvPicPr>
@@ -8512,7 +8631,7 @@
           <a:blip r:embed="rId5">
             <a:alphaModFix/>
           </a:blip>
-          <a:srcRect b="0" l="0" r="0" t="0"/>
+          <a:srcRect/>
           <a:stretch/>
         </p:blipFill>
         <p:spPr>
@@ -8531,7 +8650,7 @@
       </p:pic>
       <p:pic>
         <p:nvPicPr>
-          <p:cNvPr descr="Google Shape;213;p24" id="55" name="Google Shape;55;p12"/>
+          <p:cNvPr id="55" name="Google Shape;55;p12" descr="Google Shape;213;p24"/>
           <p:cNvPicPr preferRelativeResize="0"/>
           <p:nvPr/>
         </p:nvPicPr>
@@ -8539,7 +8658,7 @@
           <a:blip r:embed="rId6">
             <a:alphaModFix/>
           </a:blip>
-          <a:srcRect b="0" l="0" r="0" t="0"/>
+          <a:srcRect/>
           <a:stretch/>
         </p:blipFill>
         <p:spPr>
@@ -8569,29 +8688,29 @@
           </a:xfrm>
           <a:prstGeom prst="roundRect">
             <a:avLst>
-              <a:gd fmla="val 16667" name="adj"/>
+              <a:gd name="adj" fmla="val 16667"/>
             </a:avLst>
           </a:prstGeom>
           <a:solidFill>
             <a:srgbClr val="ADADAD"/>
           </a:solidFill>
-          <a:ln cap="flat" cmpd="sng" w="25400">
+          <a:ln w="25400" cap="flat" cmpd="sng">
             <a:solidFill>
               <a:srgbClr val="303030"/>
             </a:solidFill>
             <a:prstDash val="solid"/>
             <a:round/>
-            <a:headEnd len="sm" w="sm" type="none"/>
-            <a:tailEnd len="sm" w="sm" type="none"/>
+            <a:headEnd type="none" w="sm" len="sm"/>
+            <a:tailEnd type="none" w="sm" len="sm"/>
           </a:ln>
         </p:spPr>
         <p:txBody>
-          <a:bodyPr anchorCtr="0" anchor="ctr" bIns="0" lIns="0" spcFirstLastPara="1" rIns="0" wrap="square" tIns="0">
+          <a:bodyPr spcFirstLastPara="1" wrap="square" lIns="0" tIns="0" rIns="0" bIns="0" anchor="ctr" anchorCtr="0">
             <a:noAutofit/>
           </a:bodyPr>
           <a:lstStyle/>
           <a:p>
-            <a:pPr indent="0" lvl="0" marL="0" marR="0" rtl="0" algn="ctr">
+            <a:pPr marL="0" marR="0" lvl="0" indent="0" algn="ctr" rtl="0">
               <a:lnSpc>
                 <a:spcPct val="100000"/>
               </a:lnSpc>
@@ -8609,7 +8728,7 @@
               <a:buNone/>
             </a:pPr>
             <a:r>
-              <a:rPr b="0" i="0" lang="en-US" sz="3600" u="none" cap="none" strike="noStrike">
+              <a:rPr lang="en-US" sz="3600" b="0" i="0" u="none" strike="noStrike" cap="none">
                 <a:solidFill>
                   <a:srgbClr val="000000"/>
                 </a:solidFill>
@@ -8623,7 +8742,7 @@
             <a:endParaRPr/>
           </a:p>
           <a:p>
-            <a:pPr indent="0" lvl="0" marL="0" marR="0" rtl="0" algn="ctr">
+            <a:pPr marL="0" marR="0" lvl="0" indent="0" algn="ctr" rtl="0">
               <a:lnSpc>
                 <a:spcPct val="100000"/>
               </a:lnSpc>
@@ -8641,7 +8760,7 @@
               <a:buNone/>
             </a:pPr>
             <a:r>
-              <a:rPr b="0" i="0" lang="en-US" sz="3600" u="none" cap="none" strike="noStrike">
+              <a:rPr lang="en-US" sz="3600" b="0" i="0" u="none" strike="noStrike" cap="none">
                 <a:solidFill>
                   <a:srgbClr val="000000"/>
                 </a:solidFill>
@@ -8652,7 +8771,7 @@
               </a:rPr>
               <a:t>threshold</a:t>
             </a:r>
-            <a:endParaRPr b="0" i="0" sz="3600" u="none" cap="none" strike="noStrike">
+            <a:endParaRPr sz="3600" b="0" i="0" u="none" strike="noStrike" cap="none">
               <a:solidFill>
                 <a:srgbClr val="000000"/>
               </a:solidFill>
@@ -8672,8 +8791,519 @@
 </p:sld>
 </file>
 
+<file path=ppt/slides/slide2.xml><?xml version="1.0" encoding="utf-8"?>
+<p:sld xmlns:a="http://schemas.openxmlformats.org/drawingml/2006/main" xmlns:r="http://schemas.openxmlformats.org/officeDocument/2006/relationships" xmlns:p="http://schemas.openxmlformats.org/presentationml/2006/main">
+  <p:cSld>
+    <p:bg>
+      <p:bgPr>
+        <a:solidFill>
+          <a:schemeClr val="bg1"/>
+        </a:solidFill>
+        <a:effectLst/>
+      </p:bgPr>
+    </p:bg>
+    <p:spTree>
+      <p:nvGrpSpPr>
+        <p:cNvPr id="1" name=""/>
+        <p:cNvGrpSpPr/>
+        <p:nvPr/>
+      </p:nvGrpSpPr>
+      <p:grpSpPr>
+        <a:xfrm>
+          <a:off x="0" y="0"/>
+          <a:ext cx="0" cy="0"/>
+          <a:chOff x="0" y="0"/>
+          <a:chExt cx="0" cy="0"/>
+        </a:xfrm>
+      </p:grpSpPr>
+      <p:pic>
+        <p:nvPicPr>
+          <p:cNvPr id="5" name="Picture 4">
+            <a:extLst>
+              <a:ext uri="{FF2B5EF4-FFF2-40B4-BE49-F238E27FC236}">
+                <a16:creationId xmlns:a16="http://schemas.microsoft.com/office/drawing/2014/main" id="{4B8BF8AC-6956-C44E-A427-D93E02885693}"/>
+              </a:ext>
+            </a:extLst>
+          </p:cNvPr>
+          <p:cNvPicPr>
+            <a:picLocks noChangeAspect="1"/>
+          </p:cNvPicPr>
+          <p:nvPr/>
+        </p:nvPicPr>
+        <p:blipFill>
+          <a:blip r:embed="rId2"/>
+          <a:stretch>
+            <a:fillRect/>
+          </a:stretch>
+        </p:blipFill>
+        <p:spPr>
+          <a:xfrm>
+            <a:off x="12704837" y="2032000"/>
+            <a:ext cx="5674172" cy="5902969"/>
+          </a:xfrm>
+          <a:prstGeom prst="rect">
+            <a:avLst/>
+          </a:prstGeom>
+        </p:spPr>
+      </p:pic>
+      <p:pic>
+        <p:nvPicPr>
+          <p:cNvPr id="6" name="Picture 5">
+            <a:extLst>
+              <a:ext uri="{FF2B5EF4-FFF2-40B4-BE49-F238E27FC236}">
+                <a16:creationId xmlns:a16="http://schemas.microsoft.com/office/drawing/2014/main" id="{C86FDA14-8287-2B4E-BB02-47FD0384A03F}"/>
+              </a:ext>
+            </a:extLst>
+          </p:cNvPr>
+          <p:cNvPicPr>
+            <a:picLocks noChangeAspect="1"/>
+          </p:cNvPicPr>
+          <p:nvPr/>
+        </p:nvPicPr>
+        <p:blipFill>
+          <a:blip r:embed="rId3"/>
+          <a:stretch>
+            <a:fillRect/>
+          </a:stretch>
+        </p:blipFill>
+        <p:spPr>
+          <a:xfrm>
+            <a:off x="18440022" y="2032000"/>
+            <a:ext cx="5674172" cy="5902969"/>
+          </a:xfrm>
+          <a:prstGeom prst="rect">
+            <a:avLst/>
+          </a:prstGeom>
+        </p:spPr>
+      </p:pic>
+      <p:pic>
+        <p:nvPicPr>
+          <p:cNvPr id="7" name="Google Shape;53;p12" descr="Google Shape;204;p24">
+            <a:extLst>
+              <a:ext uri="{FF2B5EF4-FFF2-40B4-BE49-F238E27FC236}">
+                <a16:creationId xmlns:a16="http://schemas.microsoft.com/office/drawing/2014/main" id="{A0325386-7D5C-984E-BD5A-9E8238AF751D}"/>
+              </a:ext>
+            </a:extLst>
+          </p:cNvPr>
+          <p:cNvPicPr preferRelativeResize="0"/>
+          <p:nvPr/>
+        </p:nvPicPr>
+        <p:blipFill rotWithShape="1">
+          <a:blip r:embed="rId4">
+            <a:alphaModFix/>
+          </a:blip>
+          <a:srcRect/>
+          <a:stretch/>
+        </p:blipFill>
+        <p:spPr>
+          <a:xfrm>
+            <a:off x="358552" y="2032034"/>
+            <a:ext cx="5902937" cy="5902935"/>
+          </a:xfrm>
+          <a:prstGeom prst="rect">
+            <a:avLst/>
+          </a:prstGeom>
+          <a:noFill/>
+          <a:ln>
+            <a:noFill/>
+          </a:ln>
+        </p:spPr>
+      </p:pic>
+      <p:pic>
+        <p:nvPicPr>
+          <p:cNvPr id="8" name="Google Shape;52;p12" descr="Google Shape;203;p24">
+            <a:extLst>
+              <a:ext uri="{FF2B5EF4-FFF2-40B4-BE49-F238E27FC236}">
+                <a16:creationId xmlns:a16="http://schemas.microsoft.com/office/drawing/2014/main" id="{B0E88E82-8D29-4345-B58A-2D5644FA7E1B}"/>
+              </a:ext>
+            </a:extLst>
+          </p:cNvPr>
+          <p:cNvPicPr preferRelativeResize="0"/>
+          <p:nvPr/>
+        </p:nvPicPr>
+        <p:blipFill rotWithShape="1">
+          <a:blip r:embed="rId5">
+            <a:alphaModFix/>
+          </a:blip>
+          <a:srcRect/>
+          <a:stretch/>
+        </p:blipFill>
+        <p:spPr>
+          <a:xfrm>
+            <a:off x="6322502" y="2032000"/>
+            <a:ext cx="5842734" cy="5902969"/>
+          </a:xfrm>
+          <a:prstGeom prst="rect">
+            <a:avLst/>
+          </a:prstGeom>
+          <a:noFill/>
+          <a:ln>
+            <a:noFill/>
+          </a:ln>
+        </p:spPr>
+      </p:pic>
+      <p:pic>
+        <p:nvPicPr>
+          <p:cNvPr id="9" name="Google Shape;54;p12" descr="Google Shape;205;p24">
+            <a:extLst>
+              <a:ext uri="{FF2B5EF4-FFF2-40B4-BE49-F238E27FC236}">
+                <a16:creationId xmlns:a16="http://schemas.microsoft.com/office/drawing/2014/main" id="{9AB905C2-4370-1A45-BD70-61905620EC78}"/>
+              </a:ext>
+            </a:extLst>
+          </p:cNvPr>
+          <p:cNvPicPr preferRelativeResize="0"/>
+          <p:nvPr/>
+        </p:nvPicPr>
+        <p:blipFill rotWithShape="1">
+          <a:blip r:embed="rId6">
+            <a:alphaModFix/>
+          </a:blip>
+          <a:srcRect/>
+          <a:stretch/>
+        </p:blipFill>
+        <p:spPr>
+          <a:xfrm>
+            <a:off x="7032200" y="8394133"/>
+            <a:ext cx="4423334" cy="2477067"/>
+          </a:xfrm>
+          <a:prstGeom prst="rect">
+            <a:avLst/>
+          </a:prstGeom>
+          <a:noFill/>
+          <a:ln>
+            <a:noFill/>
+          </a:ln>
+        </p:spPr>
+      </p:pic>
+      <p:pic>
+        <p:nvPicPr>
+          <p:cNvPr id="10" name="Google Shape;55;p12" descr="Google Shape;213;p24">
+            <a:extLst>
+              <a:ext uri="{FF2B5EF4-FFF2-40B4-BE49-F238E27FC236}">
+                <a16:creationId xmlns:a16="http://schemas.microsoft.com/office/drawing/2014/main" id="{F19CF41B-13E2-0D46-B150-8FE0A125BDE5}"/>
+              </a:ext>
+            </a:extLst>
+          </p:cNvPr>
+          <p:cNvPicPr preferRelativeResize="0"/>
+          <p:nvPr/>
+        </p:nvPicPr>
+        <p:blipFill rotWithShape="1">
+          <a:blip r:embed="rId7">
+            <a:alphaModFix/>
+          </a:blip>
+          <a:srcRect/>
+          <a:stretch/>
+        </p:blipFill>
+        <p:spPr>
+          <a:xfrm>
+            <a:off x="1029692" y="8464476"/>
+            <a:ext cx="4431893" cy="2406724"/>
+          </a:xfrm>
+          <a:prstGeom prst="rect">
+            <a:avLst/>
+          </a:prstGeom>
+          <a:noFill/>
+          <a:ln>
+            <a:noFill/>
+          </a:ln>
+        </p:spPr>
+      </p:pic>
+    </p:spTree>
+    <p:extLst>
+      <p:ext uri="{BB962C8B-B14F-4D97-AF65-F5344CB8AC3E}">
+        <p14:creationId xmlns:p14="http://schemas.microsoft.com/office/powerpoint/2010/main" val="1402075510"/>
+      </p:ext>
+    </p:extLst>
+  </p:cSld>
+  <p:clrMapOvr>
+    <a:masterClrMapping/>
+  </p:clrMapOvr>
+</p:sld>
+</file>
+
 <file path=ppt/theme/theme1.xml><?xml version="1.0" encoding="utf-8"?>
-<a:theme xmlns:a="http://schemas.openxmlformats.org/drawingml/2006/main" xmlns:r="http://schemas.openxmlformats.org/officeDocument/2006/relationships" name="Simple Dark">
+<a:theme xmlns:a="http://schemas.openxmlformats.org/drawingml/2006/main" name="Simple Dark">
+  <a:themeElements>
+    <a:clrScheme name="Simple Dark">
+      <a:dk1>
+        <a:srgbClr val="434343"/>
+      </a:dk1>
+      <a:lt1>
+        <a:srgbClr val="FFFFFF"/>
+      </a:lt1>
+      <a:dk2>
+        <a:srgbClr val="A7A7A7"/>
+      </a:dk2>
+      <a:lt2>
+        <a:srgbClr val="535353"/>
+      </a:lt2>
+      <a:accent1>
+        <a:srgbClr val="009688"/>
+      </a:accent1>
+      <a:accent2>
+        <a:srgbClr val="EEEEEE"/>
+      </a:accent2>
+      <a:accent3>
+        <a:srgbClr val="78909C"/>
+      </a:accent3>
+      <a:accent4>
+        <a:srgbClr val="FFAB40"/>
+      </a:accent4>
+      <a:accent5>
+        <a:srgbClr val="4DD0E1"/>
+      </a:accent5>
+      <a:accent6>
+        <a:srgbClr val="EEFF41"/>
+      </a:accent6>
+      <a:hlink>
+        <a:srgbClr val="0000FF"/>
+      </a:hlink>
+      <a:folHlink>
+        <a:srgbClr val="FF00FF"/>
+      </a:folHlink>
+    </a:clrScheme>
+    <a:fontScheme name="Office">
+      <a:majorFont>
+        <a:latin typeface="Arial"/>
+        <a:ea typeface=""/>
+        <a:cs typeface=""/>
+        <a:font script="Jpan" typeface="ＭＳ Ｐゴシック"/>
+        <a:font script="Hang" typeface="맑은 고딕"/>
+        <a:font script="Hans" typeface="宋体"/>
+        <a:font script="Hant" typeface="新細明體"/>
+        <a:font script="Arab" typeface="Times New Roman"/>
+        <a:font script="Hebr" typeface="Times New Roman"/>
+        <a:font script="Thai" typeface="Angsana New"/>
+        <a:font script="Ethi" typeface="Nyala"/>
+        <a:font script="Beng" typeface="Vrinda"/>
+        <a:font script="Gujr" typeface="Shruti"/>
+        <a:font script="Khmr" typeface="MoolBoran"/>
+        <a:font script="Knda" typeface="Tunga"/>
+        <a:font script="Guru" typeface="Raavi"/>
+        <a:font script="Cans" typeface="Euphemia"/>
+        <a:font script="Cher" typeface="Plantagenet Cherokee"/>
+        <a:font script="Yiii" typeface="Microsoft Yi Baiti"/>
+        <a:font script="Tibt" typeface="Microsoft Himalaya"/>
+        <a:font script="Thaa" typeface="MV Boli"/>
+        <a:font script="Deva" typeface="Mangal"/>
+        <a:font script="Telu" typeface="Gautami"/>
+        <a:font script="Taml" typeface="Latha"/>
+        <a:font script="Syrc" typeface="Estrangelo Edessa"/>
+        <a:font script="Orya" typeface="Kalinga"/>
+        <a:font script="Mlym" typeface="Kartika"/>
+        <a:font script="Laoo" typeface="DokChampa"/>
+        <a:font script="Sinh" typeface="Iskoola Pota"/>
+        <a:font script="Mong" typeface="Mongolian Baiti"/>
+        <a:font script="Viet" typeface="Times New Roman"/>
+        <a:font script="Uigh" typeface="Microsoft Uighur"/>
+        <a:font script="Geor" typeface="Sylfaen"/>
+      </a:majorFont>
+      <a:minorFont>
+        <a:latin typeface="Arial"/>
+        <a:ea typeface=""/>
+        <a:cs typeface=""/>
+        <a:font script="Jpan" typeface="ＭＳ Ｐゴシック"/>
+        <a:font script="Hang" typeface="맑은 고딕"/>
+        <a:font script="Hans" typeface="宋体"/>
+        <a:font script="Hant" typeface="新細明體"/>
+        <a:font script="Arab" typeface="Arial"/>
+        <a:font script="Hebr" typeface="Arial"/>
+        <a:font script="Thai" typeface="Cordia New"/>
+        <a:font script="Ethi" typeface="Nyala"/>
+        <a:font script="Beng" typeface="Vrinda"/>
+        <a:font script="Gujr" typeface="Shruti"/>
+        <a:font script="Khmr" typeface="DaunPenh"/>
+        <a:font script="Knda" typeface="Tunga"/>
+        <a:font script="Guru" typeface="Raavi"/>
+        <a:font script="Cans" typeface="Euphemia"/>
+        <a:font script="Cher" typeface="Plantagenet Cherokee"/>
+        <a:font script="Yiii" typeface="Microsoft Yi Baiti"/>
+        <a:font script="Tibt" typeface="Microsoft Himalaya"/>
+        <a:font script="Thaa" typeface="MV Boli"/>
+        <a:font script="Deva" typeface="Mangal"/>
+        <a:font script="Telu" typeface="Gautami"/>
+        <a:font script="Taml" typeface="Latha"/>
+        <a:font script="Syrc" typeface="Estrangelo Edessa"/>
+        <a:font script="Orya" typeface="Kalinga"/>
+        <a:font script="Mlym" typeface="Kartika"/>
+        <a:font script="Laoo" typeface="DokChampa"/>
+        <a:font script="Sinh" typeface="Iskoola Pota"/>
+        <a:font script="Mong" typeface="Mongolian Baiti"/>
+        <a:font script="Viet" typeface="Arial"/>
+        <a:font script="Uigh" typeface="Microsoft Uighur"/>
+        <a:font script="Geor" typeface="Sylfaen"/>
+      </a:minorFont>
+    </a:fontScheme>
+    <a:fmtScheme name="Office">
+      <a:fillStyleLst>
+        <a:solidFill>
+          <a:schemeClr val="phClr"/>
+        </a:solidFill>
+        <a:gradFill rotWithShape="1">
+          <a:gsLst>
+            <a:gs pos="0">
+              <a:schemeClr val="phClr">
+                <a:tint val="50000"/>
+                <a:satMod val="300000"/>
+              </a:schemeClr>
+            </a:gs>
+            <a:gs pos="35000">
+              <a:schemeClr val="phClr">
+                <a:tint val="37000"/>
+                <a:satMod val="300000"/>
+              </a:schemeClr>
+            </a:gs>
+            <a:gs pos="100000">
+              <a:schemeClr val="phClr">
+                <a:tint val="15000"/>
+                <a:satMod val="350000"/>
+              </a:schemeClr>
+            </a:gs>
+          </a:gsLst>
+          <a:lin ang="16200000" scaled="1"/>
+        </a:gradFill>
+        <a:gradFill rotWithShape="1">
+          <a:gsLst>
+            <a:gs pos="0">
+              <a:schemeClr val="phClr">
+                <a:tint val="100000"/>
+                <a:shade val="100000"/>
+                <a:satMod val="130000"/>
+              </a:schemeClr>
+            </a:gs>
+            <a:gs pos="100000">
+              <a:schemeClr val="phClr">
+                <a:tint val="50000"/>
+                <a:shade val="100000"/>
+                <a:satMod val="350000"/>
+              </a:schemeClr>
+            </a:gs>
+          </a:gsLst>
+          <a:lin ang="16200000" scaled="0"/>
+        </a:gradFill>
+      </a:fillStyleLst>
+      <a:lnStyleLst>
+        <a:ln w="9525" cap="flat" cmpd="sng" algn="ctr">
+          <a:solidFill>
+            <a:schemeClr val="phClr">
+              <a:shade val="95000"/>
+              <a:satMod val="105000"/>
+            </a:schemeClr>
+          </a:solidFill>
+          <a:prstDash val="solid"/>
+        </a:ln>
+        <a:ln w="25400" cap="flat" cmpd="sng" algn="ctr">
+          <a:solidFill>
+            <a:schemeClr val="phClr"/>
+          </a:solidFill>
+          <a:prstDash val="solid"/>
+        </a:ln>
+        <a:ln w="38100" cap="flat" cmpd="sng" algn="ctr">
+          <a:solidFill>
+            <a:schemeClr val="phClr"/>
+          </a:solidFill>
+          <a:prstDash val="solid"/>
+        </a:ln>
+      </a:lnStyleLst>
+      <a:effectStyleLst>
+        <a:effectStyle>
+          <a:effectLst>
+            <a:outerShdw blurRad="40000" dist="20000" dir="5400000" rotWithShape="0">
+              <a:srgbClr val="000000">
+                <a:alpha val="38000"/>
+              </a:srgbClr>
+            </a:outerShdw>
+          </a:effectLst>
+        </a:effectStyle>
+        <a:effectStyle>
+          <a:effectLst>
+            <a:outerShdw blurRad="40000" dist="23000" dir="5400000" rotWithShape="0">
+              <a:srgbClr val="000000">
+                <a:alpha val="35000"/>
+              </a:srgbClr>
+            </a:outerShdw>
+          </a:effectLst>
+        </a:effectStyle>
+        <a:effectStyle>
+          <a:effectLst>
+            <a:outerShdw blurRad="40000" dist="23000" dir="5400000" rotWithShape="0">
+              <a:srgbClr val="000000">
+                <a:alpha val="35000"/>
+              </a:srgbClr>
+            </a:outerShdw>
+          </a:effectLst>
+          <a:scene3d>
+            <a:camera prst="orthographicFront">
+              <a:rot lat="0" lon="0" rev="0"/>
+            </a:camera>
+            <a:lightRig rig="threePt" dir="t">
+              <a:rot lat="0" lon="0" rev="1200000"/>
+            </a:lightRig>
+          </a:scene3d>
+          <a:sp3d>
+            <a:bevelT w="63500" h="25400"/>
+          </a:sp3d>
+        </a:effectStyle>
+      </a:effectStyleLst>
+      <a:bgFillStyleLst>
+        <a:solidFill>
+          <a:schemeClr val="phClr"/>
+        </a:solidFill>
+        <a:gradFill rotWithShape="1">
+          <a:gsLst>
+            <a:gs pos="0">
+              <a:schemeClr val="phClr">
+                <a:tint val="40000"/>
+                <a:satMod val="350000"/>
+              </a:schemeClr>
+            </a:gs>
+            <a:gs pos="40000">
+              <a:schemeClr val="phClr">
+                <a:tint val="45000"/>
+                <a:shade val="99000"/>
+                <a:satMod val="350000"/>
+              </a:schemeClr>
+            </a:gs>
+            <a:gs pos="100000">
+              <a:schemeClr val="phClr">
+                <a:shade val="20000"/>
+                <a:satMod val="255000"/>
+              </a:schemeClr>
+            </a:gs>
+          </a:gsLst>
+          <a:path path="circle">
+            <a:fillToRect l="50000" t="-80000" r="50000" b="180000"/>
+          </a:path>
+        </a:gradFill>
+        <a:gradFill rotWithShape="1">
+          <a:gsLst>
+            <a:gs pos="0">
+              <a:schemeClr val="phClr">
+                <a:tint val="80000"/>
+                <a:satMod val="300000"/>
+              </a:schemeClr>
+            </a:gs>
+            <a:gs pos="100000">
+              <a:schemeClr val="phClr">
+                <a:shade val="30000"/>
+                <a:satMod val="200000"/>
+              </a:schemeClr>
+            </a:gs>
+          </a:gsLst>
+          <a:path path="circle">
+            <a:fillToRect l="50000" t="50000" r="50000" b="50000"/>
+          </a:path>
+        </a:gradFill>
+      </a:bgFillStyleLst>
+    </a:fmtScheme>
+  </a:themeElements>
+  <a:objectDefaults/>
+  <a:extraClrSchemeLst/>
+</a:theme>
+</file>
+
+<file path=ppt/theme/theme2.xml><?xml version="1.0" encoding="utf-8"?>
+<a:theme xmlns:a="http://schemas.openxmlformats.org/drawingml/2006/main" name="Simple Dark">
   <a:themeElements>
     <a:clrScheme name="Simple Dark">
       <a:dk1>
@@ -8948,284 +9578,7 @@
       </a:bgFillStyleLst>
     </a:fmtScheme>
   </a:themeElements>
-</a:theme>
-</file>
-
-<file path=ppt/theme/theme2.xml><?xml version="1.0" encoding="utf-8"?>
-<a:theme xmlns:a="http://schemas.openxmlformats.org/drawingml/2006/main" xmlns:r="http://schemas.openxmlformats.org/officeDocument/2006/relationships" name="Simple Dark">
-  <a:themeElements>
-    <a:clrScheme name="Simple Dark">
-      <a:dk1>
-        <a:srgbClr val="434343"/>
-      </a:dk1>
-      <a:lt1>
-        <a:srgbClr val="FFFFFF"/>
-      </a:lt1>
-      <a:dk2>
-        <a:srgbClr val="A7A7A7"/>
-      </a:dk2>
-      <a:lt2>
-        <a:srgbClr val="535353"/>
-      </a:lt2>
-      <a:accent1>
-        <a:srgbClr val="009688"/>
-      </a:accent1>
-      <a:accent2>
-        <a:srgbClr val="EEEEEE"/>
-      </a:accent2>
-      <a:accent3>
-        <a:srgbClr val="78909C"/>
-      </a:accent3>
-      <a:accent4>
-        <a:srgbClr val="FFAB40"/>
-      </a:accent4>
-      <a:accent5>
-        <a:srgbClr val="4DD0E1"/>
-      </a:accent5>
-      <a:accent6>
-        <a:srgbClr val="EEFF41"/>
-      </a:accent6>
-      <a:hlink>
-        <a:srgbClr val="0000FF"/>
-      </a:hlink>
-      <a:folHlink>
-        <a:srgbClr val="FF00FF"/>
-      </a:folHlink>
-    </a:clrScheme>
-    <a:fontScheme name="Office">
-      <a:majorFont>
-        <a:latin typeface="Arial"/>
-        <a:ea typeface=""/>
-        <a:cs typeface=""/>
-        <a:font script="Jpan" typeface="ＭＳ Ｐゴシック"/>
-        <a:font script="Hang" typeface="맑은 고딕"/>
-        <a:font script="Hans" typeface="宋体"/>
-        <a:font script="Hant" typeface="新細明體"/>
-        <a:font script="Arab" typeface="Times New Roman"/>
-        <a:font script="Hebr" typeface="Times New Roman"/>
-        <a:font script="Thai" typeface="Angsana New"/>
-        <a:font script="Ethi" typeface="Nyala"/>
-        <a:font script="Beng" typeface="Vrinda"/>
-        <a:font script="Gujr" typeface="Shruti"/>
-        <a:font script="Khmr" typeface="MoolBoran"/>
-        <a:font script="Knda" typeface="Tunga"/>
-        <a:font script="Guru" typeface="Raavi"/>
-        <a:font script="Cans" typeface="Euphemia"/>
-        <a:font script="Cher" typeface="Plantagenet Cherokee"/>
-        <a:font script="Yiii" typeface="Microsoft Yi Baiti"/>
-        <a:font script="Tibt" typeface="Microsoft Himalaya"/>
-        <a:font script="Thaa" typeface="MV Boli"/>
-        <a:font script="Deva" typeface="Mangal"/>
-        <a:font script="Telu" typeface="Gautami"/>
-        <a:font script="Taml" typeface="Latha"/>
-        <a:font script="Syrc" typeface="Estrangelo Edessa"/>
-        <a:font script="Orya" typeface="Kalinga"/>
-        <a:font script="Mlym" typeface="Kartika"/>
-        <a:font script="Laoo" typeface="DokChampa"/>
-        <a:font script="Sinh" typeface="Iskoola Pota"/>
-        <a:font script="Mong" typeface="Mongolian Baiti"/>
-        <a:font script="Viet" typeface="Times New Roman"/>
-        <a:font script="Uigh" typeface="Microsoft Uighur"/>
-        <a:font script="Geor" typeface="Sylfaen"/>
-      </a:majorFont>
-      <a:minorFont>
-        <a:latin typeface="Arial"/>
-        <a:ea typeface=""/>
-        <a:cs typeface=""/>
-        <a:font script="Jpan" typeface="ＭＳ Ｐゴシック"/>
-        <a:font script="Hang" typeface="맑은 고딕"/>
-        <a:font script="Hans" typeface="宋体"/>
-        <a:font script="Hant" typeface="新細明體"/>
-        <a:font script="Arab" typeface="Arial"/>
-        <a:font script="Hebr" typeface="Arial"/>
-        <a:font script="Thai" typeface="Cordia New"/>
-        <a:font script="Ethi" typeface="Nyala"/>
-        <a:font script="Beng" typeface="Vrinda"/>
-        <a:font script="Gujr" typeface="Shruti"/>
-        <a:font script="Khmr" typeface="DaunPenh"/>
-        <a:font script="Knda" typeface="Tunga"/>
-        <a:font script="Guru" typeface="Raavi"/>
-        <a:font script="Cans" typeface="Euphemia"/>
-        <a:font script="Cher" typeface="Plantagenet Cherokee"/>
-        <a:font script="Yiii" typeface="Microsoft Yi Baiti"/>
-        <a:font script="Tibt" typeface="Microsoft Himalaya"/>
-        <a:font script="Thaa" typeface="MV Boli"/>
-        <a:font script="Deva" typeface="Mangal"/>
-        <a:font script="Telu" typeface="Gautami"/>
-        <a:font script="Taml" typeface="Latha"/>
-        <a:font script="Syrc" typeface="Estrangelo Edessa"/>
-        <a:font script="Orya" typeface="Kalinga"/>
-        <a:font script="Mlym" typeface="Kartika"/>
-        <a:font script="Laoo" typeface="DokChampa"/>
-        <a:font script="Sinh" typeface="Iskoola Pota"/>
-        <a:font script="Mong" typeface="Mongolian Baiti"/>
-        <a:font script="Viet" typeface="Arial"/>
-        <a:font script="Uigh" typeface="Microsoft Uighur"/>
-        <a:font script="Geor" typeface="Sylfaen"/>
-      </a:minorFont>
-    </a:fontScheme>
-    <a:fmtScheme name="Office">
-      <a:fillStyleLst>
-        <a:solidFill>
-          <a:schemeClr val="phClr"/>
-        </a:solidFill>
-        <a:gradFill rotWithShape="1">
-          <a:gsLst>
-            <a:gs pos="0">
-              <a:schemeClr val="phClr">
-                <a:tint val="50000"/>
-                <a:satMod val="300000"/>
-              </a:schemeClr>
-            </a:gs>
-            <a:gs pos="35000">
-              <a:schemeClr val="phClr">
-                <a:tint val="37000"/>
-                <a:satMod val="300000"/>
-              </a:schemeClr>
-            </a:gs>
-            <a:gs pos="100000">
-              <a:schemeClr val="phClr">
-                <a:tint val="15000"/>
-                <a:satMod val="350000"/>
-              </a:schemeClr>
-            </a:gs>
-          </a:gsLst>
-          <a:lin ang="16200000" scaled="1"/>
-        </a:gradFill>
-        <a:gradFill rotWithShape="1">
-          <a:gsLst>
-            <a:gs pos="0">
-              <a:schemeClr val="phClr">
-                <a:tint val="100000"/>
-                <a:shade val="100000"/>
-                <a:satMod val="130000"/>
-              </a:schemeClr>
-            </a:gs>
-            <a:gs pos="100000">
-              <a:schemeClr val="phClr">
-                <a:tint val="50000"/>
-                <a:shade val="100000"/>
-                <a:satMod val="350000"/>
-              </a:schemeClr>
-            </a:gs>
-          </a:gsLst>
-          <a:lin ang="16200000" scaled="0"/>
-        </a:gradFill>
-      </a:fillStyleLst>
-      <a:lnStyleLst>
-        <a:ln w="9525" cap="flat" cmpd="sng" algn="ctr">
-          <a:solidFill>
-            <a:schemeClr val="phClr">
-              <a:shade val="95000"/>
-              <a:satMod val="105000"/>
-            </a:schemeClr>
-          </a:solidFill>
-          <a:prstDash val="solid"/>
-        </a:ln>
-        <a:ln w="25400" cap="flat" cmpd="sng" algn="ctr">
-          <a:solidFill>
-            <a:schemeClr val="phClr"/>
-          </a:solidFill>
-          <a:prstDash val="solid"/>
-        </a:ln>
-        <a:ln w="38100" cap="flat" cmpd="sng" algn="ctr">
-          <a:solidFill>
-            <a:schemeClr val="phClr"/>
-          </a:solidFill>
-          <a:prstDash val="solid"/>
-        </a:ln>
-      </a:lnStyleLst>
-      <a:effectStyleLst>
-        <a:effectStyle>
-          <a:effectLst>
-            <a:outerShdw blurRad="40000" dist="20000" dir="5400000" rotWithShape="0">
-              <a:srgbClr val="000000">
-                <a:alpha val="38000"/>
-              </a:srgbClr>
-            </a:outerShdw>
-          </a:effectLst>
-        </a:effectStyle>
-        <a:effectStyle>
-          <a:effectLst>
-            <a:outerShdw blurRad="40000" dist="23000" dir="5400000" rotWithShape="0">
-              <a:srgbClr val="000000">
-                <a:alpha val="35000"/>
-              </a:srgbClr>
-            </a:outerShdw>
-          </a:effectLst>
-        </a:effectStyle>
-        <a:effectStyle>
-          <a:effectLst>
-            <a:outerShdw blurRad="40000" dist="23000" dir="5400000" rotWithShape="0">
-              <a:srgbClr val="000000">
-                <a:alpha val="35000"/>
-              </a:srgbClr>
-            </a:outerShdw>
-          </a:effectLst>
-          <a:scene3d>
-            <a:camera prst="orthographicFront">
-              <a:rot lat="0" lon="0" rev="0"/>
-            </a:camera>
-            <a:lightRig rig="threePt" dir="t">
-              <a:rot lat="0" lon="0" rev="1200000"/>
-            </a:lightRig>
-          </a:scene3d>
-          <a:sp3d>
-            <a:bevelT w="63500" h="25400"/>
-          </a:sp3d>
-        </a:effectStyle>
-      </a:effectStyleLst>
-      <a:bgFillStyleLst>
-        <a:solidFill>
-          <a:schemeClr val="phClr"/>
-        </a:solidFill>
-        <a:gradFill rotWithShape="1">
-          <a:gsLst>
-            <a:gs pos="0">
-              <a:schemeClr val="phClr">
-                <a:tint val="40000"/>
-                <a:satMod val="350000"/>
-              </a:schemeClr>
-            </a:gs>
-            <a:gs pos="40000">
-              <a:schemeClr val="phClr">
-                <a:tint val="45000"/>
-                <a:shade val="99000"/>
-                <a:satMod val="350000"/>
-              </a:schemeClr>
-            </a:gs>
-            <a:gs pos="100000">
-              <a:schemeClr val="phClr">
-                <a:shade val="20000"/>
-                <a:satMod val="255000"/>
-              </a:schemeClr>
-            </a:gs>
-          </a:gsLst>
-          <a:path path="circle">
-            <a:fillToRect l="50000" t="-80000" r="50000" b="180000"/>
-          </a:path>
-        </a:gradFill>
-        <a:gradFill rotWithShape="1">
-          <a:gsLst>
-            <a:gs pos="0">
-              <a:schemeClr val="phClr">
-                <a:tint val="80000"/>
-                <a:satMod val="300000"/>
-              </a:schemeClr>
-            </a:gs>
-            <a:gs pos="100000">
-              <a:schemeClr val="phClr">
-                <a:shade val="30000"/>
-                <a:satMod val="200000"/>
-              </a:schemeClr>
-            </a:gs>
-          </a:gsLst>
-          <a:path path="circle">
-            <a:fillToRect l="50000" t="50000" r="50000" b="50000"/>
-          </a:path>
-        </a:gradFill>
-      </a:bgFillStyleLst>
-    </a:fmtScheme>
-  </a:themeElements>
+  <a:objectDefaults/>
+  <a:extraClrSchemeLst/>
 </a:theme>
 </file>
--- a/figures/resources/binarization.pptx
+++ b/figures/resources/binarization.pptx
@@ -242,6 +242,11 @@
       </a:defRPr>
     </a:lvl9pPr>
   </p:defaultTextStyle>
+  <p:extLst>
+    <p:ext uri="{EFAFB233-063F-42B5-8137-9DF3F51BA10A}">
+      <p15:sldGuideLst xmlns:p15="http://schemas.microsoft.com/office/powerpoint/2012/main"/>
+    </p:ext>
+  </p:extLst>
 </p:presentation>
 </file>
 

--- a/figures/resources/binarization.pptx
+++ b/figures/resources/binarization.pptx
@@ -1,19 +1,20 @@
 
 <file path=ppt/presentation.xml><?xml version="1.0" encoding="utf-8"?>
-<p:presentation xmlns:a="http://schemas.openxmlformats.org/drawingml/2006/main" xmlns:r="http://schemas.openxmlformats.org/officeDocument/2006/relationships" xmlns:mc="http://schemas.openxmlformats.org/markup-compatibility/2006" xmlns:mv="urn:schemas-microsoft-com:mac:vml" xmlns:p="http://schemas.openxmlformats.org/presentationml/2006/main" xmlns:c="http://schemas.openxmlformats.org/drawingml/2006/chart" xmlns:dgm="http://schemas.openxmlformats.org/drawingml/2006/diagram" xmlns:o="urn:schemas-microsoft-com:office:office" xmlns:v="urn:schemas-microsoft-com:vml" xmlns:pvml="urn:schemas-microsoft-com:office:powerpoint" xmlns:com="http://schemas.openxmlformats.org/drawingml/2006/compatibility" xmlns:p14="http://schemas.microsoft.com/office/powerpoint/2010/main" xmlns:p15="http://schemas.microsoft.com/office/powerpoint/2012/main" xmlns:ahyp="http://schemas.microsoft.com/office/drawing/2018/hyperlinkcolor" autoCompressPictures="0" strictFirstAndLastChars="0" saveSubsetFonts="1">
+<p:presentation xmlns:a="http://schemas.openxmlformats.org/drawingml/2006/main" xmlns:r="http://schemas.openxmlformats.org/officeDocument/2006/relationships" xmlns:p="http://schemas.openxmlformats.org/presentationml/2006/main" strictFirstAndLastChars="0" saveSubsetFonts="1" autoCompressPictures="0">
   <p:sldMasterIdLst>
-    <p:sldMasterId id="2147483658" r:id="rId3"/>
+    <p:sldMasterId id="2147483658" r:id="rId1"/>
   </p:sldMasterIdLst>
   <p:notesMasterIdLst>
     <p:notesMasterId r:id="rId4"/>
   </p:notesMasterIdLst>
   <p:sldIdLst>
-    <p:sldId id="256" r:id="rId5"/>
+    <p:sldId id="256" r:id="rId2"/>
+    <p:sldId id="257" r:id="rId3"/>
   </p:sldIdLst>
-  <p:sldSz cy="13716000" cx="24384000"/>
+  <p:sldSz cx="24384000" cy="13716000"/>
   <p:notesSz cx="6858000" cy="9144000"/>
   <p:defaultTextStyle>
-    <a:defPPr lvl="0" marR="0" rtl="0" algn="l">
+    <a:defPPr marR="0" lvl="0" algn="l" rtl="0">
       <a:lnSpc>
         <a:spcPct val="100000"/>
       </a:lnSpc>
@@ -24,7 +25,7 @@
         <a:spcPts val="0"/>
       </a:spcAft>
     </a:defPPr>
-    <a:lvl1pPr lvl="0" marR="0" rtl="0" algn="l">
+    <a:lvl1pPr marR="0" lvl="0" algn="l" rtl="0">
       <a:lnSpc>
         <a:spcPct val="100000"/>
       </a:lnSpc>
@@ -38,7 +39,7 @@
         <a:srgbClr val="000000"/>
       </a:buClr>
       <a:buFont typeface="Arial"/>
-      <a:defRPr b="0" i="0" sz="1400" u="none" cap="none" strike="noStrike">
+      <a:defRPr sz="1400" b="0" i="0" u="none" strike="noStrike" cap="none">
         <a:solidFill>
           <a:srgbClr val="000000"/>
         </a:solidFill>
@@ -48,7 +49,7 @@
         <a:sym typeface="Arial"/>
       </a:defRPr>
     </a:lvl1pPr>
-    <a:lvl2pPr lvl="1" marR="0" rtl="0" algn="l">
+    <a:lvl2pPr marR="0" lvl="1" algn="l" rtl="0">
       <a:lnSpc>
         <a:spcPct val="100000"/>
       </a:lnSpc>
@@ -62,7 +63,7 @@
         <a:srgbClr val="000000"/>
       </a:buClr>
       <a:buFont typeface="Arial"/>
-      <a:defRPr b="0" i="0" sz="1400" u="none" cap="none" strike="noStrike">
+      <a:defRPr sz="1400" b="0" i="0" u="none" strike="noStrike" cap="none">
         <a:solidFill>
           <a:srgbClr val="000000"/>
         </a:solidFill>
@@ -72,7 +73,7 @@
         <a:sym typeface="Arial"/>
       </a:defRPr>
     </a:lvl2pPr>
-    <a:lvl3pPr lvl="2" marR="0" rtl="0" algn="l">
+    <a:lvl3pPr marR="0" lvl="2" algn="l" rtl="0">
       <a:lnSpc>
         <a:spcPct val="100000"/>
       </a:lnSpc>
@@ -86,7 +87,7 @@
         <a:srgbClr val="000000"/>
       </a:buClr>
       <a:buFont typeface="Arial"/>
-      <a:defRPr b="0" i="0" sz="1400" u="none" cap="none" strike="noStrike">
+      <a:defRPr sz="1400" b="0" i="0" u="none" strike="noStrike" cap="none">
         <a:solidFill>
           <a:srgbClr val="000000"/>
         </a:solidFill>
@@ -96,7 +97,7 @@
         <a:sym typeface="Arial"/>
       </a:defRPr>
     </a:lvl3pPr>
-    <a:lvl4pPr lvl="3" marR="0" rtl="0" algn="l">
+    <a:lvl4pPr marR="0" lvl="3" algn="l" rtl="0">
       <a:lnSpc>
         <a:spcPct val="100000"/>
       </a:lnSpc>
@@ -110,7 +111,7 @@
         <a:srgbClr val="000000"/>
       </a:buClr>
       <a:buFont typeface="Arial"/>
-      <a:defRPr b="0" i="0" sz="1400" u="none" cap="none" strike="noStrike">
+      <a:defRPr sz="1400" b="0" i="0" u="none" strike="noStrike" cap="none">
         <a:solidFill>
           <a:srgbClr val="000000"/>
         </a:solidFill>
@@ -120,7 +121,7 @@
         <a:sym typeface="Arial"/>
       </a:defRPr>
     </a:lvl4pPr>
-    <a:lvl5pPr lvl="4" marR="0" rtl="0" algn="l">
+    <a:lvl5pPr marR="0" lvl="4" algn="l" rtl="0">
       <a:lnSpc>
         <a:spcPct val="100000"/>
       </a:lnSpc>
@@ -134,7 +135,7 @@
         <a:srgbClr val="000000"/>
       </a:buClr>
       <a:buFont typeface="Arial"/>
-      <a:defRPr b="0" i="0" sz="1400" u="none" cap="none" strike="noStrike">
+      <a:defRPr sz="1400" b="0" i="0" u="none" strike="noStrike" cap="none">
         <a:solidFill>
           <a:srgbClr val="000000"/>
         </a:solidFill>
@@ -144,7 +145,7 @@
         <a:sym typeface="Arial"/>
       </a:defRPr>
     </a:lvl5pPr>
-    <a:lvl6pPr lvl="5" marR="0" rtl="0" algn="l">
+    <a:lvl6pPr marR="0" lvl="5" algn="l" rtl="0">
       <a:lnSpc>
         <a:spcPct val="100000"/>
       </a:lnSpc>
@@ -158,7 +159,7 @@
         <a:srgbClr val="000000"/>
       </a:buClr>
       <a:buFont typeface="Arial"/>
-      <a:defRPr b="0" i="0" sz="1400" u="none" cap="none" strike="noStrike">
+      <a:defRPr sz="1400" b="0" i="0" u="none" strike="noStrike" cap="none">
         <a:solidFill>
           <a:srgbClr val="000000"/>
         </a:solidFill>
@@ -168,7 +169,7 @@
         <a:sym typeface="Arial"/>
       </a:defRPr>
     </a:lvl6pPr>
-    <a:lvl7pPr lvl="6" marR="0" rtl="0" algn="l">
+    <a:lvl7pPr marR="0" lvl="6" algn="l" rtl="0">
       <a:lnSpc>
         <a:spcPct val="100000"/>
       </a:lnSpc>
@@ -182,7 +183,7 @@
         <a:srgbClr val="000000"/>
       </a:buClr>
       <a:buFont typeface="Arial"/>
-      <a:defRPr b="0" i="0" sz="1400" u="none" cap="none" strike="noStrike">
+      <a:defRPr sz="1400" b="0" i="0" u="none" strike="noStrike" cap="none">
         <a:solidFill>
           <a:srgbClr val="000000"/>
         </a:solidFill>
@@ -192,7 +193,7 @@
         <a:sym typeface="Arial"/>
       </a:defRPr>
     </a:lvl7pPr>
-    <a:lvl8pPr lvl="7" marR="0" rtl="0" algn="l">
+    <a:lvl8pPr marR="0" lvl="7" algn="l" rtl="0">
       <a:lnSpc>
         <a:spcPct val="100000"/>
       </a:lnSpc>
@@ -206,7 +207,7 @@
         <a:srgbClr val="000000"/>
       </a:buClr>
       <a:buFont typeface="Arial"/>
-      <a:defRPr b="0" i="0" sz="1400" u="none" cap="none" strike="noStrike">
+      <a:defRPr sz="1400" b="0" i="0" u="none" strike="noStrike" cap="none">
         <a:solidFill>
           <a:srgbClr val="000000"/>
         </a:solidFill>
@@ -216,7 +217,7 @@
         <a:sym typeface="Arial"/>
       </a:defRPr>
     </a:lvl8pPr>
-    <a:lvl9pPr lvl="8" marR="0" rtl="0" algn="l">
+    <a:lvl9pPr marR="0" lvl="8" algn="l" rtl="0">
       <a:lnSpc>
         <a:spcPct val="100000"/>
       </a:lnSpc>
@@ -230,7 +231,7 @@
         <a:srgbClr val="000000"/>
       </a:buClr>
       <a:buFont typeface="Arial"/>
-      <a:defRPr b="0" i="0" sz="1400" u="none" cap="none" strike="noStrike">
+      <a:defRPr sz="1400" b="0" i="0" u="none" strike="noStrike" cap="none">
         <a:solidFill>
           <a:srgbClr val="000000"/>
         </a:solidFill>
@@ -241,22 +242,28 @@
       </a:defRPr>
     </a:lvl9pPr>
   </p:defaultTextStyle>
+  <p:extLst>
+    <p:ext uri="{EFAFB233-063F-42B5-8137-9DF3F51BA10A}">
+      <p15:sldGuideLst xmlns:p15="http://schemas.microsoft.com/office/powerpoint/2012/main"/>
+    </p:ext>
+  </p:extLst>
 </p:presentation>
 </file>
 
 <file path=ppt/notesMasters/notesMaster1.xml><?xml version="1.0" encoding="utf-8"?>
-<p:notesMaster xmlns:a="http://schemas.openxmlformats.org/drawingml/2006/main" xmlns:r="http://schemas.openxmlformats.org/officeDocument/2006/relationships" xmlns:mc="http://schemas.openxmlformats.org/markup-compatibility/2006" xmlns:mv="urn:schemas-microsoft-com:mac:vml" xmlns:p="http://schemas.openxmlformats.org/presentationml/2006/main" xmlns:c="http://schemas.openxmlformats.org/drawingml/2006/chart" xmlns:dgm="http://schemas.openxmlformats.org/drawingml/2006/diagram" xmlns:o="urn:schemas-microsoft-com:office:office" xmlns:v="urn:schemas-microsoft-com:vml" xmlns:pvml="urn:schemas-microsoft-com:office:powerpoint" xmlns:com="http://schemas.openxmlformats.org/drawingml/2006/compatibility" xmlns:p14="http://schemas.microsoft.com/office/powerpoint/2010/main" xmlns:p15="http://schemas.microsoft.com/office/powerpoint/2012/main" xmlns:ahyp="http://schemas.microsoft.com/office/drawing/2018/hyperlinkcolor">
+<p:notesMaster xmlns:a="http://schemas.openxmlformats.org/drawingml/2006/main" xmlns:r="http://schemas.openxmlformats.org/officeDocument/2006/relationships" xmlns:p="http://schemas.openxmlformats.org/presentationml/2006/main">
   <p:cSld>
     <p:bg>
       <p:bgPr>
         <a:solidFill>
           <a:schemeClr val="lt1"/>
         </a:solidFill>
+        <a:effectLst/>
       </p:bgPr>
     </p:bg>
     <p:spTree>
       <p:nvGrpSpPr>
-        <p:cNvPr id="2" name="Shape 2"/>
+        <p:cNvPr id="1" name="Shape 2"/>
         <p:cNvGrpSpPr/>
         <p:nvPr/>
       </p:nvGrpSpPr>
@@ -271,9 +278,11 @@
       <p:sp>
         <p:nvSpPr>
           <p:cNvPr id="3" name="Google Shape;3;n"/>
-          <p:cNvSpPr/>
+          <p:cNvSpPr>
+            <a:spLocks noGrp="1" noRot="1" noChangeAspect="1"/>
+          </p:cNvSpPr>
           <p:nvPr>
-            <p:ph idx="2" type="sldImg"/>
+            <p:ph type="sldImg" idx="2"/>
           </p:nvPr>
         </p:nvSpPr>
         <p:spPr>
@@ -282,9 +291,13 @@
             <a:ext cx="4572000" cy="3429000"/>
           </a:xfrm>
           <a:custGeom>
-            <a:rect b="b" l="l" r="r" t="t"/>
+            <a:avLst/>
+            <a:gdLst/>
+            <a:ahLst/>
+            <a:cxnLst/>
+            <a:rect l="l" t="t" r="r" b="b"/>
             <a:pathLst>
-              <a:path extrusionOk="0" h="120000" w="120000">
+              <a:path w="120000" h="120000" extrusionOk="0">
                 <a:moveTo>
                   <a:pt x="0" y="0"/>
                 </a:moveTo>
@@ -310,9 +323,11 @@
       <p:sp>
         <p:nvSpPr>
           <p:cNvPr id="4" name="Google Shape;4;n"/>
-          <p:cNvSpPr txBox="1"/>
+          <p:cNvSpPr txBox="1">
+            <a:spLocks noGrp="1"/>
+          </p:cNvSpPr>
           <p:nvPr>
-            <p:ph idx="1" type="body"/>
+            <p:ph type="body" idx="1"/>
           </p:nvPr>
         </p:nvSpPr>
         <p:spPr>
@@ -329,11 +344,11 @@
           </a:ln>
         </p:spPr>
         <p:txBody>
-          <a:bodyPr anchorCtr="0" anchor="t" bIns="45700" lIns="91425" spcFirstLastPara="1" rIns="91425" wrap="square" tIns="45700">
+          <a:bodyPr spcFirstLastPara="1" wrap="square" lIns="91425" tIns="45700" rIns="91425" bIns="45700" anchor="t" anchorCtr="0">
             <a:noAutofit/>
           </a:bodyPr>
           <a:lstStyle>
-            <a:lvl1pPr indent="-228600" lvl="0" marL="457200" marR="0" rtl="0" algn="l">
+            <a:lvl1pPr marL="457200" marR="0" lvl="0" indent="-228600" algn="l" rtl="0">
               <a:lnSpc>
                 <a:spcPct val="100000"/>
               </a:lnSpc>
@@ -349,7 +364,7 @@
               <a:buSzPts val="1400"/>
               <a:buFont typeface="Arial"/>
               <a:buNone/>
-              <a:defRPr b="0" i="0" sz="3600" u="none" cap="none" strike="noStrike">
+              <a:defRPr sz="3600" b="0" i="0" u="none" strike="noStrike" cap="none">
                 <a:solidFill>
                   <a:srgbClr val="000000"/>
                 </a:solidFill>
@@ -359,7 +374,7 @@
                 <a:sym typeface="Arial"/>
               </a:defRPr>
             </a:lvl1pPr>
-            <a:lvl2pPr indent="-228600" lvl="1" marL="914400" marR="0" rtl="0" algn="l">
+            <a:lvl2pPr marL="914400" marR="0" lvl="1" indent="-228600" algn="l" rtl="0">
               <a:lnSpc>
                 <a:spcPct val="100000"/>
               </a:lnSpc>
@@ -375,7 +390,7 @@
               <a:buSzPts val="1400"/>
               <a:buFont typeface="Arial"/>
               <a:buNone/>
-              <a:defRPr b="0" i="0" sz="3600" u="none" cap="none" strike="noStrike">
+              <a:defRPr sz="3600" b="0" i="0" u="none" strike="noStrike" cap="none">
                 <a:solidFill>
                   <a:srgbClr val="000000"/>
                 </a:solidFill>
@@ -385,7 +400,7 @@
                 <a:sym typeface="Arial"/>
               </a:defRPr>
             </a:lvl2pPr>
-            <a:lvl3pPr indent="-228600" lvl="2" marL="1371600" marR="0" rtl="0" algn="l">
+            <a:lvl3pPr marL="1371600" marR="0" lvl="2" indent="-228600" algn="l" rtl="0">
               <a:lnSpc>
                 <a:spcPct val="100000"/>
               </a:lnSpc>
@@ -401,7 +416,7 @@
               <a:buSzPts val="1400"/>
               <a:buFont typeface="Arial"/>
               <a:buNone/>
-              <a:defRPr b="0" i="0" sz="3600" u="none" cap="none" strike="noStrike">
+              <a:defRPr sz="3600" b="0" i="0" u="none" strike="noStrike" cap="none">
                 <a:solidFill>
                   <a:srgbClr val="000000"/>
                 </a:solidFill>
@@ -411,7 +426,7 @@
                 <a:sym typeface="Arial"/>
               </a:defRPr>
             </a:lvl3pPr>
-            <a:lvl4pPr indent="-228600" lvl="3" marL="1828800" marR="0" rtl="0" algn="l">
+            <a:lvl4pPr marL="1828800" marR="0" lvl="3" indent="-228600" algn="l" rtl="0">
               <a:lnSpc>
                 <a:spcPct val="100000"/>
               </a:lnSpc>
@@ -427,7 +442,7 @@
               <a:buSzPts val="1400"/>
               <a:buFont typeface="Arial"/>
               <a:buNone/>
-              <a:defRPr b="0" i="0" sz="3600" u="none" cap="none" strike="noStrike">
+              <a:defRPr sz="3600" b="0" i="0" u="none" strike="noStrike" cap="none">
                 <a:solidFill>
                   <a:srgbClr val="000000"/>
                 </a:solidFill>
@@ -437,7 +452,7 @@
                 <a:sym typeface="Arial"/>
               </a:defRPr>
             </a:lvl4pPr>
-            <a:lvl5pPr indent="-228600" lvl="4" marL="2286000" marR="0" rtl="0" algn="l">
+            <a:lvl5pPr marL="2286000" marR="0" lvl="4" indent="-228600" algn="l" rtl="0">
               <a:lnSpc>
                 <a:spcPct val="100000"/>
               </a:lnSpc>
@@ -453,7 +468,7 @@
               <a:buSzPts val="1400"/>
               <a:buFont typeface="Arial"/>
               <a:buNone/>
-              <a:defRPr b="0" i="0" sz="3600" u="none" cap="none" strike="noStrike">
+              <a:defRPr sz="3600" b="0" i="0" u="none" strike="noStrike" cap="none">
                 <a:solidFill>
                   <a:srgbClr val="000000"/>
                 </a:solidFill>
@@ -463,7 +478,7 @@
                 <a:sym typeface="Arial"/>
               </a:defRPr>
             </a:lvl5pPr>
-            <a:lvl6pPr indent="-228600" lvl="5" marL="2743200" marR="0" rtl="0" algn="l">
+            <a:lvl6pPr marL="2743200" marR="0" lvl="5" indent="-228600" algn="l" rtl="0">
               <a:lnSpc>
                 <a:spcPct val="100000"/>
               </a:lnSpc>
@@ -479,7 +494,7 @@
               <a:buSzPts val="1400"/>
               <a:buFont typeface="Arial"/>
               <a:buNone/>
-              <a:defRPr b="0" i="0" sz="3600" u="none" cap="none" strike="noStrike">
+              <a:defRPr sz="3600" b="0" i="0" u="none" strike="noStrike" cap="none">
                 <a:solidFill>
                   <a:srgbClr val="000000"/>
                 </a:solidFill>
@@ -489,7 +504,7 @@
                 <a:sym typeface="Arial"/>
               </a:defRPr>
             </a:lvl6pPr>
-            <a:lvl7pPr indent="-228600" lvl="6" marL="3200400" marR="0" rtl="0" algn="l">
+            <a:lvl7pPr marL="3200400" marR="0" lvl="6" indent="-228600" algn="l" rtl="0">
               <a:lnSpc>
                 <a:spcPct val="100000"/>
               </a:lnSpc>
@@ -505,7 +520,7 @@
               <a:buSzPts val="1400"/>
               <a:buFont typeface="Arial"/>
               <a:buNone/>
-              <a:defRPr b="0" i="0" sz="3600" u="none" cap="none" strike="noStrike">
+              <a:defRPr sz="3600" b="0" i="0" u="none" strike="noStrike" cap="none">
                 <a:solidFill>
                   <a:srgbClr val="000000"/>
                 </a:solidFill>
@@ -515,7 +530,7 @@
                 <a:sym typeface="Arial"/>
               </a:defRPr>
             </a:lvl7pPr>
-            <a:lvl8pPr indent="-228600" lvl="7" marL="3657600" marR="0" rtl="0" algn="l">
+            <a:lvl8pPr marL="3657600" marR="0" lvl="7" indent="-228600" algn="l" rtl="0">
               <a:lnSpc>
                 <a:spcPct val="100000"/>
               </a:lnSpc>
@@ -531,7 +546,7 @@
               <a:buSzPts val="1400"/>
               <a:buFont typeface="Arial"/>
               <a:buNone/>
-              <a:defRPr b="0" i="0" sz="3600" u="none" cap="none" strike="noStrike">
+              <a:defRPr sz="3600" b="0" i="0" u="none" strike="noStrike" cap="none">
                 <a:solidFill>
                   <a:srgbClr val="000000"/>
                 </a:solidFill>
@@ -541,7 +556,7 @@
                 <a:sym typeface="Arial"/>
               </a:defRPr>
             </a:lvl8pPr>
-            <a:lvl9pPr indent="-228600" lvl="8" marL="4114800" marR="0" rtl="0" algn="l">
+            <a:lvl9pPr marL="4114800" marR="0" lvl="8" indent="-228600" algn="l" rtl="0">
               <a:lnSpc>
                 <a:spcPct val="100000"/>
               </a:lnSpc>
@@ -557,7 +572,7 @@
               <a:buSzPts val="1400"/>
               <a:buFont typeface="Arial"/>
               <a:buNone/>
-              <a:defRPr b="0" i="0" sz="3600" u="none" cap="none" strike="noStrike">
+              <a:defRPr sz="3600" b="0" i="0" u="none" strike="noStrike" cap="none">
                 <a:solidFill>
                   <a:srgbClr val="000000"/>
                 </a:solidFill>
@@ -568,14 +583,16 @@
               </a:defRPr>
             </a:lvl9pPr>
           </a:lstStyle>
-          <a:p/>
+          <a:p>
+            <a:endParaRPr/>
+          </a:p>
         </p:txBody>
       </p:sp>
     </p:spTree>
   </p:cSld>
-  <p:clrMap accent1="accent1" accent2="accent2" accent3="accent3" accent4="accent4" accent5="accent5" accent6="accent6" bg1="lt1" bg2="dk2" tx1="dk1" tx2="lt2" folHlink="folHlink" hlink="hlink"/>
+  <p:clrMap bg1="lt1" tx1="dk1" bg2="dk2" tx2="lt2" accent1="accent1" accent2="accent2" accent3="accent3" accent4="accent4" accent5="accent5" accent6="accent6" hlink="hlink" folHlink="folHlink"/>
   <p:notesStyle>
-    <a:defPPr lvl="0" marR="0" rtl="0" algn="l">
+    <a:defPPr marR="0" lvl="0" algn="l" rtl="0">
       <a:lnSpc>
         <a:spcPct val="100000"/>
       </a:lnSpc>
@@ -586,7 +603,7 @@
         <a:spcPts val="0"/>
       </a:spcAft>
     </a:defPPr>
-    <a:lvl1pPr lvl="0" marR="0" rtl="0" algn="l">
+    <a:lvl1pPr marR="0" lvl="0" algn="l" rtl="0">
       <a:lnSpc>
         <a:spcPct val="100000"/>
       </a:lnSpc>
@@ -600,7 +617,7 @@
         <a:srgbClr val="000000"/>
       </a:buClr>
       <a:buFont typeface="Arial"/>
-      <a:defRPr b="0" i="0" sz="1400" u="none" cap="none" strike="noStrike">
+      <a:defRPr sz="1400" b="0" i="0" u="none" strike="noStrike" cap="none">
         <a:solidFill>
           <a:srgbClr val="000000"/>
         </a:solidFill>
@@ -610,7 +627,7 @@
         <a:sym typeface="Arial"/>
       </a:defRPr>
     </a:lvl1pPr>
-    <a:lvl2pPr lvl="1" marR="0" rtl="0" algn="l">
+    <a:lvl2pPr marR="0" lvl="1" algn="l" rtl="0">
       <a:lnSpc>
         <a:spcPct val="100000"/>
       </a:lnSpc>
@@ -624,7 +641,7 @@
         <a:srgbClr val="000000"/>
       </a:buClr>
       <a:buFont typeface="Arial"/>
-      <a:defRPr b="0" i="0" sz="1400" u="none" cap="none" strike="noStrike">
+      <a:defRPr sz="1400" b="0" i="0" u="none" strike="noStrike" cap="none">
         <a:solidFill>
           <a:srgbClr val="000000"/>
         </a:solidFill>
@@ -634,7 +651,7 @@
         <a:sym typeface="Arial"/>
       </a:defRPr>
     </a:lvl2pPr>
-    <a:lvl3pPr lvl="2" marR="0" rtl="0" algn="l">
+    <a:lvl3pPr marR="0" lvl="2" algn="l" rtl="0">
       <a:lnSpc>
         <a:spcPct val="100000"/>
       </a:lnSpc>
@@ -648,7 +665,7 @@
         <a:srgbClr val="000000"/>
       </a:buClr>
       <a:buFont typeface="Arial"/>
-      <a:defRPr b="0" i="0" sz="1400" u="none" cap="none" strike="noStrike">
+      <a:defRPr sz="1400" b="0" i="0" u="none" strike="noStrike" cap="none">
         <a:solidFill>
           <a:srgbClr val="000000"/>
         </a:solidFill>
@@ -658,7 +675,7 @@
         <a:sym typeface="Arial"/>
       </a:defRPr>
     </a:lvl3pPr>
-    <a:lvl4pPr lvl="3" marR="0" rtl="0" algn="l">
+    <a:lvl4pPr marR="0" lvl="3" algn="l" rtl="0">
       <a:lnSpc>
         <a:spcPct val="100000"/>
       </a:lnSpc>
@@ -672,7 +689,7 @@
         <a:srgbClr val="000000"/>
       </a:buClr>
       <a:buFont typeface="Arial"/>
-      <a:defRPr b="0" i="0" sz="1400" u="none" cap="none" strike="noStrike">
+      <a:defRPr sz="1400" b="0" i="0" u="none" strike="noStrike" cap="none">
         <a:solidFill>
           <a:srgbClr val="000000"/>
         </a:solidFill>
@@ -682,7 +699,7 @@
         <a:sym typeface="Arial"/>
       </a:defRPr>
     </a:lvl4pPr>
-    <a:lvl5pPr lvl="4" marR="0" rtl="0" algn="l">
+    <a:lvl5pPr marR="0" lvl="4" algn="l" rtl="0">
       <a:lnSpc>
         <a:spcPct val="100000"/>
       </a:lnSpc>
@@ -696,7 +713,7 @@
         <a:srgbClr val="000000"/>
       </a:buClr>
       <a:buFont typeface="Arial"/>
-      <a:defRPr b="0" i="0" sz="1400" u="none" cap="none" strike="noStrike">
+      <a:defRPr sz="1400" b="0" i="0" u="none" strike="noStrike" cap="none">
         <a:solidFill>
           <a:srgbClr val="000000"/>
         </a:solidFill>
@@ -706,7 +723,7 @@
         <a:sym typeface="Arial"/>
       </a:defRPr>
     </a:lvl5pPr>
-    <a:lvl6pPr lvl="5" marR="0" rtl="0" algn="l">
+    <a:lvl6pPr marR="0" lvl="5" algn="l" rtl="0">
       <a:lnSpc>
         <a:spcPct val="100000"/>
       </a:lnSpc>
@@ -720,7 +737,7 @@
         <a:srgbClr val="000000"/>
       </a:buClr>
       <a:buFont typeface="Arial"/>
-      <a:defRPr b="0" i="0" sz="1400" u="none" cap="none" strike="noStrike">
+      <a:defRPr sz="1400" b="0" i="0" u="none" strike="noStrike" cap="none">
         <a:solidFill>
           <a:srgbClr val="000000"/>
         </a:solidFill>
@@ -730,7 +747,7 @@
         <a:sym typeface="Arial"/>
       </a:defRPr>
     </a:lvl6pPr>
-    <a:lvl7pPr lvl="6" marR="0" rtl="0" algn="l">
+    <a:lvl7pPr marR="0" lvl="6" algn="l" rtl="0">
       <a:lnSpc>
         <a:spcPct val="100000"/>
       </a:lnSpc>
@@ -744,7 +761,7 @@
         <a:srgbClr val="000000"/>
       </a:buClr>
       <a:buFont typeface="Arial"/>
-      <a:defRPr b="0" i="0" sz="1400" u="none" cap="none" strike="noStrike">
+      <a:defRPr sz="1400" b="0" i="0" u="none" strike="noStrike" cap="none">
         <a:solidFill>
           <a:srgbClr val="000000"/>
         </a:solidFill>
@@ -754,7 +771,7 @@
         <a:sym typeface="Arial"/>
       </a:defRPr>
     </a:lvl7pPr>
-    <a:lvl8pPr lvl="7" marR="0" rtl="0" algn="l">
+    <a:lvl8pPr marR="0" lvl="7" algn="l" rtl="0">
       <a:lnSpc>
         <a:spcPct val="100000"/>
       </a:lnSpc>
@@ -768,7 +785,7 @@
         <a:srgbClr val="000000"/>
       </a:buClr>
       <a:buFont typeface="Arial"/>
-      <a:defRPr b="0" i="0" sz="1400" u="none" cap="none" strike="noStrike">
+      <a:defRPr sz="1400" b="0" i="0" u="none" strike="noStrike" cap="none">
         <a:solidFill>
           <a:srgbClr val="000000"/>
         </a:solidFill>
@@ -778,7 +795,7 @@
         <a:sym typeface="Arial"/>
       </a:defRPr>
     </a:lvl8pPr>
-    <a:lvl9pPr lvl="8" marR="0" rtl="0" algn="l">
+    <a:lvl9pPr marR="0" lvl="8" algn="l" rtl="0">
       <a:lnSpc>
         <a:spcPct val="100000"/>
       </a:lnSpc>
@@ -792,7 +809,7 @@
         <a:srgbClr val="000000"/>
       </a:buClr>
       <a:buFont typeface="Arial"/>
-      <a:defRPr b="0" i="0" sz="1400" u="none" cap="none" strike="noStrike">
+      <a:defRPr sz="1400" b="0" i="0" u="none" strike="noStrike" cap="none">
         <a:solidFill>
           <a:srgbClr val="000000"/>
         </a:solidFill>
@@ -807,11 +824,11 @@
 </file>
 
 <file path=ppt/notesSlides/notesSlide1.xml><?xml version="1.0" encoding="utf-8"?>
-<p:notes xmlns:a="http://schemas.openxmlformats.org/drawingml/2006/main" xmlns:r="http://schemas.openxmlformats.org/officeDocument/2006/relationships" xmlns:mc="http://schemas.openxmlformats.org/markup-compatibility/2006" xmlns:mv="urn:schemas-microsoft-com:mac:vml" xmlns:p="http://schemas.openxmlformats.org/presentationml/2006/main" xmlns:c="http://schemas.openxmlformats.org/drawingml/2006/chart" xmlns:dgm="http://schemas.openxmlformats.org/drawingml/2006/diagram" xmlns:o="urn:schemas-microsoft-com:office:office" xmlns:v="urn:schemas-microsoft-com:vml" xmlns:pvml="urn:schemas-microsoft-com:office:powerpoint" xmlns:com="http://schemas.openxmlformats.org/drawingml/2006/compatibility" xmlns:p14="http://schemas.microsoft.com/office/powerpoint/2010/main" xmlns:p15="http://schemas.microsoft.com/office/powerpoint/2012/main" xmlns:ahyp="http://schemas.microsoft.com/office/drawing/2018/hyperlinkcolor" showMasterPhAnim="0" showMasterSp="0">
+<p:notes xmlns:a="http://schemas.openxmlformats.org/drawingml/2006/main" xmlns:r="http://schemas.openxmlformats.org/officeDocument/2006/relationships" xmlns:p="http://schemas.openxmlformats.org/presentationml/2006/main" showMasterSp="0" showMasterPhAnim="0">
   <p:cSld>
     <p:spTree>
       <p:nvGrpSpPr>
-        <p:cNvPr id="47" name="Shape 47"/>
+        <p:cNvPr id="1" name="Shape 47"/>
         <p:cNvGrpSpPr/>
         <p:nvPr/>
       </p:nvGrpSpPr>
@@ -826,9 +843,11 @@
       <p:sp>
         <p:nvSpPr>
           <p:cNvPr id="48" name="Google Shape;48;p14:notes"/>
-          <p:cNvSpPr/>
+          <p:cNvSpPr>
+            <a:spLocks noGrp="1" noRot="1" noChangeAspect="1"/>
+          </p:cNvSpPr>
           <p:nvPr>
-            <p:ph idx="2" type="sldImg"/>
+            <p:ph type="sldImg" idx="2"/>
           </p:nvPr>
         </p:nvSpPr>
         <p:spPr>
@@ -837,9 +856,13 @@
             <a:ext cx="6096000" cy="3429000"/>
           </a:xfrm>
           <a:custGeom>
-            <a:rect b="b" l="l" r="r" t="t"/>
+            <a:avLst/>
+            <a:gdLst/>
+            <a:ahLst/>
+            <a:cxnLst/>
+            <a:rect l="l" t="t" r="r" b="b"/>
             <a:pathLst>
-              <a:path extrusionOk="0" h="120000" w="120000">
+              <a:path w="120000" h="120000" extrusionOk="0">
                 <a:moveTo>
                   <a:pt x="0" y="0"/>
                 </a:moveTo>
@@ -865,9 +888,11 @@
       <p:sp>
         <p:nvSpPr>
           <p:cNvPr id="49" name="Google Shape;49;p14:notes"/>
-          <p:cNvSpPr txBox="1"/>
+          <p:cNvSpPr txBox="1">
+            <a:spLocks noGrp="1"/>
+          </p:cNvSpPr>
           <p:nvPr>
-            <p:ph idx="1" type="body"/>
+            <p:ph type="body" idx="1"/>
           </p:nvPr>
         </p:nvSpPr>
         <p:spPr>
@@ -884,12 +909,12 @@
           </a:ln>
         </p:spPr>
         <p:txBody>
-          <a:bodyPr anchorCtr="0" anchor="t" bIns="45700" lIns="91425" spcFirstLastPara="1" rIns="91425" wrap="square" tIns="45700">
+          <a:bodyPr spcFirstLastPara="1" wrap="square" lIns="91425" tIns="45700" rIns="91425" bIns="45700" anchor="t" anchorCtr="0">
             <a:noAutofit/>
           </a:bodyPr>
           <a:lstStyle/>
           <a:p>
-            <a:pPr indent="0" lvl="0" marL="0" marR="0" rtl="0" algn="l">
+            <a:pPr marL="0" marR="0" lvl="0" indent="0" algn="l" rtl="0">
               <a:lnSpc>
                 <a:spcPct val="100000"/>
               </a:lnSpc>
@@ -919,11 +944,11 @@
 </file>
 
 <file path=ppt/slideLayouts/slideLayout1.xml><?xml version="1.0" encoding="utf-8"?>
-<p:sldLayout xmlns:a="http://schemas.openxmlformats.org/drawingml/2006/main" xmlns:r="http://schemas.openxmlformats.org/officeDocument/2006/relationships" xmlns:mc="http://schemas.openxmlformats.org/markup-compatibility/2006" xmlns:mv="urn:schemas-microsoft-com:mac:vml" xmlns:p="http://schemas.openxmlformats.org/presentationml/2006/main" xmlns:c="http://schemas.openxmlformats.org/drawingml/2006/chart" xmlns:dgm="http://schemas.openxmlformats.org/drawingml/2006/diagram" xmlns:o="urn:schemas-microsoft-com:office:office" xmlns:v="urn:schemas-microsoft-com:vml" xmlns:pvml="urn:schemas-microsoft-com:office:powerpoint" xmlns:com="http://schemas.openxmlformats.org/drawingml/2006/compatibility" xmlns:p14="http://schemas.microsoft.com/office/powerpoint/2010/main" xmlns:p15="http://schemas.microsoft.com/office/powerpoint/2012/main" xmlns:ahyp="http://schemas.microsoft.com/office/drawing/2018/hyperlinkcolor" matchingName="TITLE" type="title">
+<p:sldLayout xmlns:a="http://schemas.openxmlformats.org/drawingml/2006/main" xmlns:r="http://schemas.openxmlformats.org/officeDocument/2006/relationships" xmlns:p="http://schemas.openxmlformats.org/presentationml/2006/main" matchingName="TITLE" type="title">
   <p:cSld name="TITLE">
     <p:spTree>
       <p:nvGrpSpPr>
-        <p:cNvPr id="9" name="Shape 9"/>
+        <p:cNvPr id="1" name="Shape 9"/>
         <p:cNvGrpSpPr/>
         <p:nvPr/>
       </p:nvGrpSpPr>
@@ -938,7 +963,9 @@
       <p:sp>
         <p:nvSpPr>
           <p:cNvPr id="10" name="Google Shape;10;p2"/>
-          <p:cNvSpPr txBox="1"/>
+          <p:cNvSpPr txBox="1">
+            <a:spLocks noGrp="1"/>
+          </p:cNvSpPr>
           <p:nvPr>
             <p:ph type="title"/>
           </p:nvPr>
@@ -957,7 +984,7 @@
           </a:ln>
         </p:spPr>
         <p:txBody>
-          <a:bodyPr anchorCtr="0" anchor="b" bIns="243775" lIns="243775" spcFirstLastPara="1" rIns="243775" wrap="square" tIns="243775">
+          <a:bodyPr spcFirstLastPara="1" wrap="square" lIns="243775" tIns="243775" rIns="243775" bIns="243775" anchor="b" anchorCtr="0">
             <a:noAutofit/>
           </a:bodyPr>
           <a:lstStyle>
@@ -1116,15 +1143,19 @@
               <a:defRPr/>
             </a:lvl9pPr>
           </a:lstStyle>
-          <a:p/>
+          <a:p>
+            <a:endParaRPr/>
+          </a:p>
         </p:txBody>
       </p:sp>
       <p:sp>
         <p:nvSpPr>
           <p:cNvPr id="11" name="Google Shape;11;p2"/>
-          <p:cNvSpPr txBox="1"/>
+          <p:cNvSpPr txBox="1">
+            <a:spLocks noGrp="1"/>
+          </p:cNvSpPr>
           <p:nvPr>
-            <p:ph idx="1" type="body"/>
+            <p:ph type="body" idx="1"/>
           </p:nvPr>
         </p:nvSpPr>
         <p:spPr>
@@ -1141,11 +1172,11 @@
           </a:ln>
         </p:spPr>
         <p:txBody>
-          <a:bodyPr anchorCtr="0" anchor="t" bIns="243775" lIns="243775" spcFirstLastPara="1" rIns="243775" wrap="square" tIns="243775">
+          <a:bodyPr spcFirstLastPara="1" wrap="square" lIns="243775" tIns="243775" rIns="243775" bIns="243775" anchor="t" anchorCtr="0">
             <a:noAutofit/>
           </a:bodyPr>
           <a:lstStyle>
-            <a:lvl1pPr indent="-228600" lvl="0" marL="457200" algn="ctr">
+            <a:lvl1pPr marL="457200" lvl="0" indent="-228600" algn="ctr">
               <a:lnSpc>
                 <a:spcPct val="100000"/>
               </a:lnSpc>
@@ -1163,7 +1194,7 @@
               <a:buNone/>
               <a:defRPr sz="7400"/>
             </a:lvl1pPr>
-            <a:lvl2pPr indent="-228600" lvl="1" marL="914400" algn="ctr">
+            <a:lvl2pPr marL="914400" lvl="1" indent="-228600" algn="ctr">
               <a:lnSpc>
                 <a:spcPct val="100000"/>
               </a:lnSpc>
@@ -1181,7 +1212,7 @@
               <a:buNone/>
               <a:defRPr sz="7400"/>
             </a:lvl2pPr>
-            <a:lvl3pPr indent="-228600" lvl="2" marL="1371600" algn="ctr">
+            <a:lvl3pPr marL="1371600" lvl="2" indent="-228600" algn="ctr">
               <a:lnSpc>
                 <a:spcPct val="100000"/>
               </a:lnSpc>
@@ -1199,7 +1230,7 @@
               <a:buNone/>
               <a:defRPr sz="7400"/>
             </a:lvl3pPr>
-            <a:lvl4pPr indent="-228600" lvl="3" marL="1828800" algn="ctr">
+            <a:lvl4pPr marL="1828800" lvl="3" indent="-228600" algn="ctr">
               <a:lnSpc>
                 <a:spcPct val="100000"/>
               </a:lnSpc>
@@ -1217,7 +1248,7 @@
               <a:buNone/>
               <a:defRPr sz="7400"/>
             </a:lvl4pPr>
-            <a:lvl5pPr indent="-228600" lvl="4" marL="2286000" algn="ctr">
+            <a:lvl5pPr marL="2286000" lvl="4" indent="-228600" algn="ctr">
               <a:lnSpc>
                 <a:spcPct val="100000"/>
               </a:lnSpc>
@@ -1235,7 +1266,7 @@
               <a:buNone/>
               <a:defRPr sz="7400"/>
             </a:lvl5pPr>
-            <a:lvl6pPr indent="-533400" lvl="5" marL="2743200" algn="l">
+            <a:lvl6pPr marL="2743200" lvl="5" indent="-533400" algn="l">
               <a:lnSpc>
                 <a:spcPct val="115000"/>
               </a:lnSpc>
@@ -1249,7 +1280,7 @@
               <a:buChar char="■"/>
               <a:defRPr/>
             </a:lvl6pPr>
-            <a:lvl7pPr indent="-533400" lvl="6" marL="3200400" algn="l">
+            <a:lvl7pPr marL="3200400" lvl="6" indent="-533400" algn="l">
               <a:lnSpc>
                 <a:spcPct val="115000"/>
               </a:lnSpc>
@@ -1263,7 +1294,7 @@
               <a:buChar char="●"/>
               <a:defRPr/>
             </a:lvl7pPr>
-            <a:lvl8pPr indent="-533400" lvl="7" marL="3657600" algn="l">
+            <a:lvl8pPr marL="3657600" lvl="7" indent="-533400" algn="l">
               <a:lnSpc>
                 <a:spcPct val="115000"/>
               </a:lnSpc>
@@ -1277,7 +1308,7 @@
               <a:buChar char="○"/>
               <a:defRPr/>
             </a:lvl8pPr>
-            <a:lvl9pPr indent="-533400" lvl="8" marL="4114800" algn="l">
+            <a:lvl9pPr marL="4114800" lvl="8" indent="-533400" algn="l">
               <a:lnSpc>
                 <a:spcPct val="115000"/>
               </a:lnSpc>
@@ -1292,15 +1323,19 @@
               <a:defRPr/>
             </a:lvl9pPr>
           </a:lstStyle>
-          <a:p/>
+          <a:p>
+            <a:endParaRPr/>
+          </a:p>
         </p:txBody>
       </p:sp>
       <p:sp>
         <p:nvSpPr>
           <p:cNvPr id="12" name="Google Shape;12;p2"/>
-          <p:cNvSpPr txBox="1"/>
+          <p:cNvSpPr txBox="1">
+            <a:spLocks noGrp="1"/>
+          </p:cNvSpPr>
           <p:nvPr>
-            <p:ph idx="12" type="sldNum"/>
+            <p:ph type="sldNum" idx="12"/>
           </p:nvPr>
         </p:nvSpPr>
         <p:spPr>
@@ -1317,27 +1352,27 @@
           </a:ln>
         </p:spPr>
         <p:txBody>
-          <a:bodyPr anchorCtr="0" anchor="ctr" bIns="243775" lIns="243775" spcFirstLastPara="1" rIns="243775" wrap="square" tIns="243775">
+          <a:bodyPr spcFirstLastPara="1" wrap="square" lIns="243775" tIns="243775" rIns="243775" bIns="243775" anchor="ctr" anchorCtr="0">
             <a:noAutofit/>
           </a:bodyPr>
           <a:lstStyle>
-            <a:lvl1pPr indent="0" lvl="0" marL="0" marR="0" algn="r">
-              <a:lnSpc>
-                <a:spcPct val="100000"/>
-              </a:lnSpc>
-              <a:spcBef>
-                <a:spcPts val="0"/>
-              </a:spcBef>
-              <a:spcAft>
-                <a:spcPts val="0"/>
-              </a:spcAft>
-              <a:buClr>
-                <a:srgbClr val="ADADAD"/>
-              </a:buClr>
-              <a:buSzPts val="2600"/>
-              <a:buFont typeface="Arial"/>
-              <a:buNone/>
-              <a:defRPr b="0" i="0" sz="2600" u="none" cap="none" strike="noStrike">
+            <a:lvl1pPr marL="0" marR="0" lvl="0" indent="0" algn="r">
+              <a:lnSpc>
+                <a:spcPct val="100000"/>
+              </a:lnSpc>
+              <a:spcBef>
+                <a:spcPts val="0"/>
+              </a:spcBef>
+              <a:spcAft>
+                <a:spcPts val="0"/>
+              </a:spcAft>
+              <a:buClr>
+                <a:srgbClr val="ADADAD"/>
+              </a:buClr>
+              <a:buSzPts val="2600"/>
+              <a:buFont typeface="Arial"/>
+              <a:buNone/>
+              <a:defRPr sz="2600" b="0" i="0" u="none" strike="noStrike" cap="none">
                 <a:solidFill>
                   <a:srgbClr val="ADADAD"/>
                 </a:solidFill>
@@ -1347,23 +1382,23 @@
                 <a:sym typeface="Arial"/>
               </a:defRPr>
             </a:lvl1pPr>
-            <a:lvl2pPr indent="0" lvl="1" marL="0" marR="0" algn="r">
-              <a:lnSpc>
-                <a:spcPct val="100000"/>
-              </a:lnSpc>
-              <a:spcBef>
-                <a:spcPts val="0"/>
-              </a:spcBef>
-              <a:spcAft>
-                <a:spcPts val="0"/>
-              </a:spcAft>
-              <a:buClr>
-                <a:srgbClr val="ADADAD"/>
-              </a:buClr>
-              <a:buSzPts val="2600"/>
-              <a:buFont typeface="Arial"/>
-              <a:buNone/>
-              <a:defRPr b="0" i="0" sz="2600" u="none" cap="none" strike="noStrike">
+            <a:lvl2pPr marL="0" marR="0" lvl="1" indent="0" algn="r">
+              <a:lnSpc>
+                <a:spcPct val="100000"/>
+              </a:lnSpc>
+              <a:spcBef>
+                <a:spcPts val="0"/>
+              </a:spcBef>
+              <a:spcAft>
+                <a:spcPts val="0"/>
+              </a:spcAft>
+              <a:buClr>
+                <a:srgbClr val="ADADAD"/>
+              </a:buClr>
+              <a:buSzPts val="2600"/>
+              <a:buFont typeface="Arial"/>
+              <a:buNone/>
+              <a:defRPr sz="2600" b="0" i="0" u="none" strike="noStrike" cap="none">
                 <a:solidFill>
                   <a:srgbClr val="ADADAD"/>
                 </a:solidFill>
@@ -1373,23 +1408,23 @@
                 <a:sym typeface="Arial"/>
               </a:defRPr>
             </a:lvl2pPr>
-            <a:lvl3pPr indent="0" lvl="2" marL="0" marR="0" algn="r">
-              <a:lnSpc>
-                <a:spcPct val="100000"/>
-              </a:lnSpc>
-              <a:spcBef>
-                <a:spcPts val="0"/>
-              </a:spcBef>
-              <a:spcAft>
-                <a:spcPts val="0"/>
-              </a:spcAft>
-              <a:buClr>
-                <a:srgbClr val="ADADAD"/>
-              </a:buClr>
-              <a:buSzPts val="2600"/>
-              <a:buFont typeface="Arial"/>
-              <a:buNone/>
-              <a:defRPr b="0" i="0" sz="2600" u="none" cap="none" strike="noStrike">
+            <a:lvl3pPr marL="0" marR="0" lvl="2" indent="0" algn="r">
+              <a:lnSpc>
+                <a:spcPct val="100000"/>
+              </a:lnSpc>
+              <a:spcBef>
+                <a:spcPts val="0"/>
+              </a:spcBef>
+              <a:spcAft>
+                <a:spcPts val="0"/>
+              </a:spcAft>
+              <a:buClr>
+                <a:srgbClr val="ADADAD"/>
+              </a:buClr>
+              <a:buSzPts val="2600"/>
+              <a:buFont typeface="Arial"/>
+              <a:buNone/>
+              <a:defRPr sz="2600" b="0" i="0" u="none" strike="noStrike" cap="none">
                 <a:solidFill>
                   <a:srgbClr val="ADADAD"/>
                 </a:solidFill>
@@ -1399,23 +1434,23 @@
                 <a:sym typeface="Arial"/>
               </a:defRPr>
             </a:lvl3pPr>
-            <a:lvl4pPr indent="0" lvl="3" marL="0" marR="0" algn="r">
-              <a:lnSpc>
-                <a:spcPct val="100000"/>
-              </a:lnSpc>
-              <a:spcBef>
-                <a:spcPts val="0"/>
-              </a:spcBef>
-              <a:spcAft>
-                <a:spcPts val="0"/>
-              </a:spcAft>
-              <a:buClr>
-                <a:srgbClr val="ADADAD"/>
-              </a:buClr>
-              <a:buSzPts val="2600"/>
-              <a:buFont typeface="Arial"/>
-              <a:buNone/>
-              <a:defRPr b="0" i="0" sz="2600" u="none" cap="none" strike="noStrike">
+            <a:lvl4pPr marL="0" marR="0" lvl="3" indent="0" algn="r">
+              <a:lnSpc>
+                <a:spcPct val="100000"/>
+              </a:lnSpc>
+              <a:spcBef>
+                <a:spcPts val="0"/>
+              </a:spcBef>
+              <a:spcAft>
+                <a:spcPts val="0"/>
+              </a:spcAft>
+              <a:buClr>
+                <a:srgbClr val="ADADAD"/>
+              </a:buClr>
+              <a:buSzPts val="2600"/>
+              <a:buFont typeface="Arial"/>
+              <a:buNone/>
+              <a:defRPr sz="2600" b="0" i="0" u="none" strike="noStrike" cap="none">
                 <a:solidFill>
                   <a:srgbClr val="ADADAD"/>
                 </a:solidFill>
@@ -1425,23 +1460,23 @@
                 <a:sym typeface="Arial"/>
               </a:defRPr>
             </a:lvl4pPr>
-            <a:lvl5pPr indent="0" lvl="4" marL="0" marR="0" algn="r">
-              <a:lnSpc>
-                <a:spcPct val="100000"/>
-              </a:lnSpc>
-              <a:spcBef>
-                <a:spcPts val="0"/>
-              </a:spcBef>
-              <a:spcAft>
-                <a:spcPts val="0"/>
-              </a:spcAft>
-              <a:buClr>
-                <a:srgbClr val="ADADAD"/>
-              </a:buClr>
-              <a:buSzPts val="2600"/>
-              <a:buFont typeface="Arial"/>
-              <a:buNone/>
-              <a:defRPr b="0" i="0" sz="2600" u="none" cap="none" strike="noStrike">
+            <a:lvl5pPr marL="0" marR="0" lvl="4" indent="0" algn="r">
+              <a:lnSpc>
+                <a:spcPct val="100000"/>
+              </a:lnSpc>
+              <a:spcBef>
+                <a:spcPts val="0"/>
+              </a:spcBef>
+              <a:spcAft>
+                <a:spcPts val="0"/>
+              </a:spcAft>
+              <a:buClr>
+                <a:srgbClr val="ADADAD"/>
+              </a:buClr>
+              <a:buSzPts val="2600"/>
+              <a:buFont typeface="Arial"/>
+              <a:buNone/>
+              <a:defRPr sz="2600" b="0" i="0" u="none" strike="noStrike" cap="none">
                 <a:solidFill>
                   <a:srgbClr val="ADADAD"/>
                 </a:solidFill>
@@ -1451,23 +1486,23 @@
                 <a:sym typeface="Arial"/>
               </a:defRPr>
             </a:lvl5pPr>
-            <a:lvl6pPr indent="0" lvl="5" marL="0" marR="0" algn="r">
-              <a:lnSpc>
-                <a:spcPct val="100000"/>
-              </a:lnSpc>
-              <a:spcBef>
-                <a:spcPts val="0"/>
-              </a:spcBef>
-              <a:spcAft>
-                <a:spcPts val="0"/>
-              </a:spcAft>
-              <a:buClr>
-                <a:srgbClr val="ADADAD"/>
-              </a:buClr>
-              <a:buSzPts val="2600"/>
-              <a:buFont typeface="Arial"/>
-              <a:buNone/>
-              <a:defRPr b="0" i="0" sz="2600" u="none" cap="none" strike="noStrike">
+            <a:lvl6pPr marL="0" marR="0" lvl="5" indent="0" algn="r">
+              <a:lnSpc>
+                <a:spcPct val="100000"/>
+              </a:lnSpc>
+              <a:spcBef>
+                <a:spcPts val="0"/>
+              </a:spcBef>
+              <a:spcAft>
+                <a:spcPts val="0"/>
+              </a:spcAft>
+              <a:buClr>
+                <a:srgbClr val="ADADAD"/>
+              </a:buClr>
+              <a:buSzPts val="2600"/>
+              <a:buFont typeface="Arial"/>
+              <a:buNone/>
+              <a:defRPr sz="2600" b="0" i="0" u="none" strike="noStrike" cap="none">
                 <a:solidFill>
                   <a:srgbClr val="ADADAD"/>
                 </a:solidFill>
@@ -1477,23 +1512,23 @@
                 <a:sym typeface="Arial"/>
               </a:defRPr>
             </a:lvl6pPr>
-            <a:lvl7pPr indent="0" lvl="6" marL="0" marR="0" algn="r">
-              <a:lnSpc>
-                <a:spcPct val="100000"/>
-              </a:lnSpc>
-              <a:spcBef>
-                <a:spcPts val="0"/>
-              </a:spcBef>
-              <a:spcAft>
-                <a:spcPts val="0"/>
-              </a:spcAft>
-              <a:buClr>
-                <a:srgbClr val="ADADAD"/>
-              </a:buClr>
-              <a:buSzPts val="2600"/>
-              <a:buFont typeface="Arial"/>
-              <a:buNone/>
-              <a:defRPr b="0" i="0" sz="2600" u="none" cap="none" strike="noStrike">
+            <a:lvl7pPr marL="0" marR="0" lvl="6" indent="0" algn="r">
+              <a:lnSpc>
+                <a:spcPct val="100000"/>
+              </a:lnSpc>
+              <a:spcBef>
+                <a:spcPts val="0"/>
+              </a:spcBef>
+              <a:spcAft>
+                <a:spcPts val="0"/>
+              </a:spcAft>
+              <a:buClr>
+                <a:srgbClr val="ADADAD"/>
+              </a:buClr>
+              <a:buSzPts val="2600"/>
+              <a:buFont typeface="Arial"/>
+              <a:buNone/>
+              <a:defRPr sz="2600" b="0" i="0" u="none" strike="noStrike" cap="none">
                 <a:solidFill>
                   <a:srgbClr val="ADADAD"/>
                 </a:solidFill>
@@ -1503,23 +1538,23 @@
                 <a:sym typeface="Arial"/>
               </a:defRPr>
             </a:lvl7pPr>
-            <a:lvl8pPr indent="0" lvl="7" marL="0" marR="0" algn="r">
-              <a:lnSpc>
-                <a:spcPct val="100000"/>
-              </a:lnSpc>
-              <a:spcBef>
-                <a:spcPts val="0"/>
-              </a:spcBef>
-              <a:spcAft>
-                <a:spcPts val="0"/>
-              </a:spcAft>
-              <a:buClr>
-                <a:srgbClr val="ADADAD"/>
-              </a:buClr>
-              <a:buSzPts val="2600"/>
-              <a:buFont typeface="Arial"/>
-              <a:buNone/>
-              <a:defRPr b="0" i="0" sz="2600" u="none" cap="none" strike="noStrike">
+            <a:lvl8pPr marL="0" marR="0" lvl="7" indent="0" algn="r">
+              <a:lnSpc>
+                <a:spcPct val="100000"/>
+              </a:lnSpc>
+              <a:spcBef>
+                <a:spcPts val="0"/>
+              </a:spcBef>
+              <a:spcAft>
+                <a:spcPts val="0"/>
+              </a:spcAft>
+              <a:buClr>
+                <a:srgbClr val="ADADAD"/>
+              </a:buClr>
+              <a:buSzPts val="2600"/>
+              <a:buFont typeface="Arial"/>
+              <a:buNone/>
+              <a:defRPr sz="2600" b="0" i="0" u="none" strike="noStrike" cap="none">
                 <a:solidFill>
                   <a:srgbClr val="ADADAD"/>
                 </a:solidFill>
@@ -1529,23 +1564,23 @@
                 <a:sym typeface="Arial"/>
               </a:defRPr>
             </a:lvl8pPr>
-            <a:lvl9pPr indent="0" lvl="8" marL="0" marR="0" algn="r">
-              <a:lnSpc>
-                <a:spcPct val="100000"/>
-              </a:lnSpc>
-              <a:spcBef>
-                <a:spcPts val="0"/>
-              </a:spcBef>
-              <a:spcAft>
-                <a:spcPts val="0"/>
-              </a:spcAft>
-              <a:buClr>
-                <a:srgbClr val="ADADAD"/>
-              </a:buClr>
-              <a:buSzPts val="2600"/>
-              <a:buFont typeface="Arial"/>
-              <a:buNone/>
-              <a:defRPr b="0" i="0" sz="2600" u="none" cap="none" strike="noStrike">
+            <a:lvl9pPr marL="0" marR="0" lvl="8" indent="0" algn="r">
+              <a:lnSpc>
+                <a:spcPct val="100000"/>
+              </a:lnSpc>
+              <a:spcBef>
+                <a:spcPts val="0"/>
+              </a:spcBef>
+              <a:spcAft>
+                <a:spcPts val="0"/>
+              </a:spcAft>
+              <a:buClr>
+                <a:srgbClr val="ADADAD"/>
+              </a:buClr>
+              <a:buSzPts val="2600"/>
+              <a:buFont typeface="Arial"/>
+              <a:buNone/>
+              <a:defRPr sz="2600" b="0" i="0" u="none" strike="noStrike" cap="none">
                 <a:solidFill>
                   <a:srgbClr val="ADADAD"/>
                 </a:solidFill>
@@ -1557,7 +1592,7 @@
             </a:lvl9pPr>
           </a:lstStyle>
           <a:p>
-            <a:pPr indent="0" lvl="0" marL="0" rtl="0" algn="r">
+            <a:pPr marL="0" lvl="0" indent="0" algn="r" rtl="0">
               <a:spcBef>
                 <a:spcPts val="0"/>
               </a:spcBef>
@@ -1583,11 +1618,11 @@
 </file>
 
 <file path=ppt/slideLayouts/slideLayout10.xml><?xml version="1.0" encoding="utf-8"?>
-<p:sldLayout xmlns:a="http://schemas.openxmlformats.org/drawingml/2006/main" xmlns:r="http://schemas.openxmlformats.org/officeDocument/2006/relationships" xmlns:mc="http://schemas.openxmlformats.org/markup-compatibility/2006" xmlns:mv="urn:schemas-microsoft-com:mac:vml" xmlns:p="http://schemas.openxmlformats.org/presentationml/2006/main" xmlns:c="http://schemas.openxmlformats.org/drawingml/2006/chart" xmlns:dgm="http://schemas.openxmlformats.org/drawingml/2006/diagram" xmlns:o="urn:schemas-microsoft-com:office:office" xmlns:v="urn:schemas-microsoft-com:vml" xmlns:pvml="urn:schemas-microsoft-com:office:powerpoint" xmlns:com="http://schemas.openxmlformats.org/drawingml/2006/compatibility" xmlns:p14="http://schemas.microsoft.com/office/powerpoint/2010/main" xmlns:p15="http://schemas.microsoft.com/office/powerpoint/2012/main" xmlns:ahyp="http://schemas.microsoft.com/office/drawing/2018/hyperlinkcolor" matchingName="BLANK" type="blank">
+<p:sldLayout xmlns:a="http://schemas.openxmlformats.org/drawingml/2006/main" xmlns:r="http://schemas.openxmlformats.org/officeDocument/2006/relationships" xmlns:p="http://schemas.openxmlformats.org/presentationml/2006/main" matchingName="BLANK" type="blank">
   <p:cSld name="BLANK">
     <p:spTree>
       <p:nvGrpSpPr>
-        <p:cNvPr id="45" name="Shape 45"/>
+        <p:cNvPr id="1" name="Shape 45"/>
         <p:cNvGrpSpPr/>
         <p:nvPr/>
       </p:nvGrpSpPr>
@@ -1602,9 +1637,11 @@
       <p:sp>
         <p:nvSpPr>
           <p:cNvPr id="46" name="Google Shape;46;p11"/>
-          <p:cNvSpPr txBox="1"/>
+          <p:cNvSpPr txBox="1">
+            <a:spLocks noGrp="1"/>
+          </p:cNvSpPr>
           <p:nvPr>
-            <p:ph idx="12" type="sldNum"/>
+            <p:ph type="sldNum" idx="12"/>
           </p:nvPr>
         </p:nvSpPr>
         <p:spPr>
@@ -1621,27 +1658,27 @@
           </a:ln>
         </p:spPr>
         <p:txBody>
-          <a:bodyPr anchorCtr="0" anchor="ctr" bIns="243775" lIns="243775" spcFirstLastPara="1" rIns="243775" wrap="square" tIns="243775">
+          <a:bodyPr spcFirstLastPara="1" wrap="square" lIns="243775" tIns="243775" rIns="243775" bIns="243775" anchor="ctr" anchorCtr="0">
             <a:noAutofit/>
           </a:bodyPr>
           <a:lstStyle>
-            <a:lvl1pPr indent="0" lvl="0" marL="0" marR="0" algn="r">
-              <a:lnSpc>
-                <a:spcPct val="100000"/>
-              </a:lnSpc>
-              <a:spcBef>
-                <a:spcPts val="0"/>
-              </a:spcBef>
-              <a:spcAft>
-                <a:spcPts val="0"/>
-              </a:spcAft>
-              <a:buClr>
-                <a:srgbClr val="ADADAD"/>
-              </a:buClr>
-              <a:buSzPts val="2600"/>
-              <a:buFont typeface="Arial"/>
-              <a:buNone/>
-              <a:defRPr b="0" i="0" sz="2600" u="none" cap="none" strike="noStrike">
+            <a:lvl1pPr marL="0" marR="0" lvl="0" indent="0" algn="r">
+              <a:lnSpc>
+                <a:spcPct val="100000"/>
+              </a:lnSpc>
+              <a:spcBef>
+                <a:spcPts val="0"/>
+              </a:spcBef>
+              <a:spcAft>
+                <a:spcPts val="0"/>
+              </a:spcAft>
+              <a:buClr>
+                <a:srgbClr val="ADADAD"/>
+              </a:buClr>
+              <a:buSzPts val="2600"/>
+              <a:buFont typeface="Arial"/>
+              <a:buNone/>
+              <a:defRPr sz="2600" b="0" i="0" u="none" strike="noStrike" cap="none">
                 <a:solidFill>
                   <a:srgbClr val="ADADAD"/>
                 </a:solidFill>
@@ -1651,23 +1688,23 @@
                 <a:sym typeface="Arial"/>
               </a:defRPr>
             </a:lvl1pPr>
-            <a:lvl2pPr indent="0" lvl="1" marL="0" marR="0" algn="r">
-              <a:lnSpc>
-                <a:spcPct val="100000"/>
-              </a:lnSpc>
-              <a:spcBef>
-                <a:spcPts val="0"/>
-              </a:spcBef>
-              <a:spcAft>
-                <a:spcPts val="0"/>
-              </a:spcAft>
-              <a:buClr>
-                <a:srgbClr val="ADADAD"/>
-              </a:buClr>
-              <a:buSzPts val="2600"/>
-              <a:buFont typeface="Arial"/>
-              <a:buNone/>
-              <a:defRPr b="0" i="0" sz="2600" u="none" cap="none" strike="noStrike">
+            <a:lvl2pPr marL="0" marR="0" lvl="1" indent="0" algn="r">
+              <a:lnSpc>
+                <a:spcPct val="100000"/>
+              </a:lnSpc>
+              <a:spcBef>
+                <a:spcPts val="0"/>
+              </a:spcBef>
+              <a:spcAft>
+                <a:spcPts val="0"/>
+              </a:spcAft>
+              <a:buClr>
+                <a:srgbClr val="ADADAD"/>
+              </a:buClr>
+              <a:buSzPts val="2600"/>
+              <a:buFont typeface="Arial"/>
+              <a:buNone/>
+              <a:defRPr sz="2600" b="0" i="0" u="none" strike="noStrike" cap="none">
                 <a:solidFill>
                   <a:srgbClr val="ADADAD"/>
                 </a:solidFill>
@@ -1677,23 +1714,23 @@
                 <a:sym typeface="Arial"/>
               </a:defRPr>
             </a:lvl2pPr>
-            <a:lvl3pPr indent="0" lvl="2" marL="0" marR="0" algn="r">
-              <a:lnSpc>
-                <a:spcPct val="100000"/>
-              </a:lnSpc>
-              <a:spcBef>
-                <a:spcPts val="0"/>
-              </a:spcBef>
-              <a:spcAft>
-                <a:spcPts val="0"/>
-              </a:spcAft>
-              <a:buClr>
-                <a:srgbClr val="ADADAD"/>
-              </a:buClr>
-              <a:buSzPts val="2600"/>
-              <a:buFont typeface="Arial"/>
-              <a:buNone/>
-              <a:defRPr b="0" i="0" sz="2600" u="none" cap="none" strike="noStrike">
+            <a:lvl3pPr marL="0" marR="0" lvl="2" indent="0" algn="r">
+              <a:lnSpc>
+                <a:spcPct val="100000"/>
+              </a:lnSpc>
+              <a:spcBef>
+                <a:spcPts val="0"/>
+              </a:spcBef>
+              <a:spcAft>
+                <a:spcPts val="0"/>
+              </a:spcAft>
+              <a:buClr>
+                <a:srgbClr val="ADADAD"/>
+              </a:buClr>
+              <a:buSzPts val="2600"/>
+              <a:buFont typeface="Arial"/>
+              <a:buNone/>
+              <a:defRPr sz="2600" b="0" i="0" u="none" strike="noStrike" cap="none">
                 <a:solidFill>
                   <a:srgbClr val="ADADAD"/>
                 </a:solidFill>
@@ -1703,23 +1740,23 @@
                 <a:sym typeface="Arial"/>
               </a:defRPr>
             </a:lvl3pPr>
-            <a:lvl4pPr indent="0" lvl="3" marL="0" marR="0" algn="r">
-              <a:lnSpc>
-                <a:spcPct val="100000"/>
-              </a:lnSpc>
-              <a:spcBef>
-                <a:spcPts val="0"/>
-              </a:spcBef>
-              <a:spcAft>
-                <a:spcPts val="0"/>
-              </a:spcAft>
-              <a:buClr>
-                <a:srgbClr val="ADADAD"/>
-              </a:buClr>
-              <a:buSzPts val="2600"/>
-              <a:buFont typeface="Arial"/>
-              <a:buNone/>
-              <a:defRPr b="0" i="0" sz="2600" u="none" cap="none" strike="noStrike">
+            <a:lvl4pPr marL="0" marR="0" lvl="3" indent="0" algn="r">
+              <a:lnSpc>
+                <a:spcPct val="100000"/>
+              </a:lnSpc>
+              <a:spcBef>
+                <a:spcPts val="0"/>
+              </a:spcBef>
+              <a:spcAft>
+                <a:spcPts val="0"/>
+              </a:spcAft>
+              <a:buClr>
+                <a:srgbClr val="ADADAD"/>
+              </a:buClr>
+              <a:buSzPts val="2600"/>
+              <a:buFont typeface="Arial"/>
+              <a:buNone/>
+              <a:defRPr sz="2600" b="0" i="0" u="none" strike="noStrike" cap="none">
                 <a:solidFill>
                   <a:srgbClr val="ADADAD"/>
                 </a:solidFill>
@@ -1729,23 +1766,23 @@
                 <a:sym typeface="Arial"/>
               </a:defRPr>
             </a:lvl4pPr>
-            <a:lvl5pPr indent="0" lvl="4" marL="0" marR="0" algn="r">
-              <a:lnSpc>
-                <a:spcPct val="100000"/>
-              </a:lnSpc>
-              <a:spcBef>
-                <a:spcPts val="0"/>
-              </a:spcBef>
-              <a:spcAft>
-                <a:spcPts val="0"/>
-              </a:spcAft>
-              <a:buClr>
-                <a:srgbClr val="ADADAD"/>
-              </a:buClr>
-              <a:buSzPts val="2600"/>
-              <a:buFont typeface="Arial"/>
-              <a:buNone/>
-              <a:defRPr b="0" i="0" sz="2600" u="none" cap="none" strike="noStrike">
+            <a:lvl5pPr marL="0" marR="0" lvl="4" indent="0" algn="r">
+              <a:lnSpc>
+                <a:spcPct val="100000"/>
+              </a:lnSpc>
+              <a:spcBef>
+                <a:spcPts val="0"/>
+              </a:spcBef>
+              <a:spcAft>
+                <a:spcPts val="0"/>
+              </a:spcAft>
+              <a:buClr>
+                <a:srgbClr val="ADADAD"/>
+              </a:buClr>
+              <a:buSzPts val="2600"/>
+              <a:buFont typeface="Arial"/>
+              <a:buNone/>
+              <a:defRPr sz="2600" b="0" i="0" u="none" strike="noStrike" cap="none">
                 <a:solidFill>
                   <a:srgbClr val="ADADAD"/>
                 </a:solidFill>
@@ -1755,23 +1792,23 @@
                 <a:sym typeface="Arial"/>
               </a:defRPr>
             </a:lvl5pPr>
-            <a:lvl6pPr indent="0" lvl="5" marL="0" marR="0" algn="r">
-              <a:lnSpc>
-                <a:spcPct val="100000"/>
-              </a:lnSpc>
-              <a:spcBef>
-                <a:spcPts val="0"/>
-              </a:spcBef>
-              <a:spcAft>
-                <a:spcPts val="0"/>
-              </a:spcAft>
-              <a:buClr>
-                <a:srgbClr val="ADADAD"/>
-              </a:buClr>
-              <a:buSzPts val="2600"/>
-              <a:buFont typeface="Arial"/>
-              <a:buNone/>
-              <a:defRPr b="0" i="0" sz="2600" u="none" cap="none" strike="noStrike">
+            <a:lvl6pPr marL="0" marR="0" lvl="5" indent="0" algn="r">
+              <a:lnSpc>
+                <a:spcPct val="100000"/>
+              </a:lnSpc>
+              <a:spcBef>
+                <a:spcPts val="0"/>
+              </a:spcBef>
+              <a:spcAft>
+                <a:spcPts val="0"/>
+              </a:spcAft>
+              <a:buClr>
+                <a:srgbClr val="ADADAD"/>
+              </a:buClr>
+              <a:buSzPts val="2600"/>
+              <a:buFont typeface="Arial"/>
+              <a:buNone/>
+              <a:defRPr sz="2600" b="0" i="0" u="none" strike="noStrike" cap="none">
                 <a:solidFill>
                   <a:srgbClr val="ADADAD"/>
                 </a:solidFill>
@@ -1781,23 +1818,23 @@
                 <a:sym typeface="Arial"/>
               </a:defRPr>
             </a:lvl6pPr>
-            <a:lvl7pPr indent="0" lvl="6" marL="0" marR="0" algn="r">
-              <a:lnSpc>
-                <a:spcPct val="100000"/>
-              </a:lnSpc>
-              <a:spcBef>
-                <a:spcPts val="0"/>
-              </a:spcBef>
-              <a:spcAft>
-                <a:spcPts val="0"/>
-              </a:spcAft>
-              <a:buClr>
-                <a:srgbClr val="ADADAD"/>
-              </a:buClr>
-              <a:buSzPts val="2600"/>
-              <a:buFont typeface="Arial"/>
-              <a:buNone/>
-              <a:defRPr b="0" i="0" sz="2600" u="none" cap="none" strike="noStrike">
+            <a:lvl7pPr marL="0" marR="0" lvl="6" indent="0" algn="r">
+              <a:lnSpc>
+                <a:spcPct val="100000"/>
+              </a:lnSpc>
+              <a:spcBef>
+                <a:spcPts val="0"/>
+              </a:spcBef>
+              <a:spcAft>
+                <a:spcPts val="0"/>
+              </a:spcAft>
+              <a:buClr>
+                <a:srgbClr val="ADADAD"/>
+              </a:buClr>
+              <a:buSzPts val="2600"/>
+              <a:buFont typeface="Arial"/>
+              <a:buNone/>
+              <a:defRPr sz="2600" b="0" i="0" u="none" strike="noStrike" cap="none">
                 <a:solidFill>
                   <a:srgbClr val="ADADAD"/>
                 </a:solidFill>
@@ -1807,23 +1844,23 @@
                 <a:sym typeface="Arial"/>
               </a:defRPr>
             </a:lvl7pPr>
-            <a:lvl8pPr indent="0" lvl="7" marL="0" marR="0" algn="r">
-              <a:lnSpc>
-                <a:spcPct val="100000"/>
-              </a:lnSpc>
-              <a:spcBef>
-                <a:spcPts val="0"/>
-              </a:spcBef>
-              <a:spcAft>
-                <a:spcPts val="0"/>
-              </a:spcAft>
-              <a:buClr>
-                <a:srgbClr val="ADADAD"/>
-              </a:buClr>
-              <a:buSzPts val="2600"/>
-              <a:buFont typeface="Arial"/>
-              <a:buNone/>
-              <a:defRPr b="0" i="0" sz="2600" u="none" cap="none" strike="noStrike">
+            <a:lvl8pPr marL="0" marR="0" lvl="7" indent="0" algn="r">
+              <a:lnSpc>
+                <a:spcPct val="100000"/>
+              </a:lnSpc>
+              <a:spcBef>
+                <a:spcPts val="0"/>
+              </a:spcBef>
+              <a:spcAft>
+                <a:spcPts val="0"/>
+              </a:spcAft>
+              <a:buClr>
+                <a:srgbClr val="ADADAD"/>
+              </a:buClr>
+              <a:buSzPts val="2600"/>
+              <a:buFont typeface="Arial"/>
+              <a:buNone/>
+              <a:defRPr sz="2600" b="0" i="0" u="none" strike="noStrike" cap="none">
                 <a:solidFill>
                   <a:srgbClr val="ADADAD"/>
                 </a:solidFill>
@@ -1833,23 +1870,23 @@
                 <a:sym typeface="Arial"/>
               </a:defRPr>
             </a:lvl8pPr>
-            <a:lvl9pPr indent="0" lvl="8" marL="0" marR="0" algn="r">
-              <a:lnSpc>
-                <a:spcPct val="100000"/>
-              </a:lnSpc>
-              <a:spcBef>
-                <a:spcPts val="0"/>
-              </a:spcBef>
-              <a:spcAft>
-                <a:spcPts val="0"/>
-              </a:spcAft>
-              <a:buClr>
-                <a:srgbClr val="ADADAD"/>
-              </a:buClr>
-              <a:buSzPts val="2600"/>
-              <a:buFont typeface="Arial"/>
-              <a:buNone/>
-              <a:defRPr b="0" i="0" sz="2600" u="none" cap="none" strike="noStrike">
+            <a:lvl9pPr marL="0" marR="0" lvl="8" indent="0" algn="r">
+              <a:lnSpc>
+                <a:spcPct val="100000"/>
+              </a:lnSpc>
+              <a:spcBef>
+                <a:spcPts val="0"/>
+              </a:spcBef>
+              <a:spcAft>
+                <a:spcPts val="0"/>
+              </a:spcAft>
+              <a:buClr>
+                <a:srgbClr val="ADADAD"/>
+              </a:buClr>
+              <a:buSzPts val="2600"/>
+              <a:buFont typeface="Arial"/>
+              <a:buNone/>
+              <a:defRPr sz="2600" b="0" i="0" u="none" strike="noStrike" cap="none">
                 <a:solidFill>
                   <a:srgbClr val="ADADAD"/>
                 </a:solidFill>
@@ -1861,7 +1898,7 @@
             </a:lvl9pPr>
           </a:lstStyle>
           <a:p>
-            <a:pPr indent="0" lvl="0" marL="0" rtl="0" algn="r">
+            <a:pPr marL="0" lvl="0" indent="0" algn="r" rtl="0">
               <a:spcBef>
                 <a:spcPts val="0"/>
               </a:spcBef>
@@ -1887,11 +1924,11 @@
 </file>
 
 <file path=ppt/slideLayouts/slideLayout2.xml><?xml version="1.0" encoding="utf-8"?>
-<p:sldLayout xmlns:a="http://schemas.openxmlformats.org/drawingml/2006/main" xmlns:r="http://schemas.openxmlformats.org/officeDocument/2006/relationships" xmlns:mc="http://schemas.openxmlformats.org/markup-compatibility/2006" xmlns:mv="urn:schemas-microsoft-com:mac:vml" xmlns:p="http://schemas.openxmlformats.org/presentationml/2006/main" xmlns:c="http://schemas.openxmlformats.org/drawingml/2006/chart" xmlns:dgm="http://schemas.openxmlformats.org/drawingml/2006/diagram" xmlns:o="urn:schemas-microsoft-com:office:office" xmlns:v="urn:schemas-microsoft-com:vml" xmlns:pvml="urn:schemas-microsoft-com:office:powerpoint" xmlns:com="http://schemas.openxmlformats.org/drawingml/2006/compatibility" xmlns:p14="http://schemas.microsoft.com/office/powerpoint/2010/main" xmlns:p15="http://schemas.microsoft.com/office/powerpoint/2012/main" xmlns:ahyp="http://schemas.microsoft.com/office/drawing/2018/hyperlinkcolor" matchingName="TITLE_AND_BODY" type="tx">
+<p:sldLayout xmlns:a="http://schemas.openxmlformats.org/drawingml/2006/main" xmlns:r="http://schemas.openxmlformats.org/officeDocument/2006/relationships" xmlns:p="http://schemas.openxmlformats.org/presentationml/2006/main" matchingName="TITLE_AND_BODY" type="tx">
   <p:cSld name="TITLE_AND_BODY">
     <p:spTree>
       <p:nvGrpSpPr>
-        <p:cNvPr id="13" name="Shape 13"/>
+        <p:cNvPr id="1" name="Shape 13"/>
         <p:cNvGrpSpPr/>
         <p:nvPr/>
       </p:nvGrpSpPr>
@@ -1906,7 +1943,9 @@
       <p:sp>
         <p:nvSpPr>
           <p:cNvPr id="14" name="Google Shape;14;p3"/>
-          <p:cNvSpPr txBox="1"/>
+          <p:cNvSpPr txBox="1">
+            <a:spLocks noGrp="1"/>
+          </p:cNvSpPr>
           <p:nvPr>
             <p:ph type="title"/>
           </p:nvPr>
@@ -1925,7 +1964,7 @@
           </a:ln>
         </p:spPr>
         <p:txBody>
-          <a:bodyPr anchorCtr="0" anchor="t" bIns="243775" lIns="243775" spcFirstLastPara="1" rIns="243775" wrap="square" tIns="243775">
+          <a:bodyPr spcFirstLastPara="1" wrap="square" lIns="243775" tIns="243775" rIns="243775" bIns="243775" anchor="t" anchorCtr="0">
             <a:noAutofit/>
           </a:bodyPr>
           <a:lstStyle>
@@ -2083,15 +2122,19 @@
               <a:defRPr/>
             </a:lvl9pPr>
           </a:lstStyle>
-          <a:p/>
+          <a:p>
+            <a:endParaRPr/>
+          </a:p>
         </p:txBody>
       </p:sp>
       <p:sp>
         <p:nvSpPr>
           <p:cNvPr id="15" name="Google Shape;15;p3"/>
-          <p:cNvSpPr txBox="1"/>
+          <p:cNvSpPr txBox="1">
+            <a:spLocks noGrp="1"/>
+          </p:cNvSpPr>
           <p:nvPr>
-            <p:ph idx="1" type="body"/>
+            <p:ph type="body" idx="1"/>
           </p:nvPr>
         </p:nvSpPr>
         <p:spPr>
@@ -2108,11 +2151,11 @@
           </a:ln>
         </p:spPr>
         <p:txBody>
-          <a:bodyPr anchorCtr="0" anchor="t" bIns="243775" lIns="243775" spcFirstLastPara="1" rIns="243775" wrap="square" tIns="243775">
+          <a:bodyPr spcFirstLastPara="1" wrap="square" lIns="243775" tIns="243775" rIns="243775" bIns="243775" anchor="t" anchorCtr="0">
             <a:noAutofit/>
           </a:bodyPr>
           <a:lstStyle>
-            <a:lvl1pPr indent="-533400" lvl="0" marL="457200" algn="l">
+            <a:lvl1pPr marL="457200" lvl="0" indent="-533400" algn="l">
               <a:lnSpc>
                 <a:spcPct val="115000"/>
               </a:lnSpc>
@@ -2126,7 +2169,7 @@
               <a:buChar char="●"/>
               <a:defRPr/>
             </a:lvl1pPr>
-            <a:lvl2pPr indent="-533400" lvl="1" marL="914400" algn="l">
+            <a:lvl2pPr marL="914400" lvl="1" indent="-533400" algn="l">
               <a:lnSpc>
                 <a:spcPct val="115000"/>
               </a:lnSpc>
@@ -2140,7 +2183,7 @@
               <a:buChar char="○"/>
               <a:defRPr/>
             </a:lvl2pPr>
-            <a:lvl3pPr indent="-533400" lvl="2" marL="1371600" algn="l">
+            <a:lvl3pPr marL="1371600" lvl="2" indent="-533400" algn="l">
               <a:lnSpc>
                 <a:spcPct val="115000"/>
               </a:lnSpc>
@@ -2154,7 +2197,7 @@
               <a:buChar char="■"/>
               <a:defRPr/>
             </a:lvl3pPr>
-            <a:lvl4pPr indent="-533400" lvl="3" marL="1828800" algn="l">
+            <a:lvl4pPr marL="1828800" lvl="3" indent="-533400" algn="l">
               <a:lnSpc>
                 <a:spcPct val="115000"/>
               </a:lnSpc>
@@ -2168,7 +2211,7 @@
               <a:buChar char="●"/>
               <a:defRPr/>
             </a:lvl4pPr>
-            <a:lvl5pPr indent="-533400" lvl="4" marL="2286000" algn="l">
+            <a:lvl5pPr marL="2286000" lvl="4" indent="-533400" algn="l">
               <a:lnSpc>
                 <a:spcPct val="115000"/>
               </a:lnSpc>
@@ -2182,7 +2225,7 @@
               <a:buChar char="○"/>
               <a:defRPr/>
             </a:lvl5pPr>
-            <a:lvl6pPr indent="-533400" lvl="5" marL="2743200" algn="l">
+            <a:lvl6pPr marL="2743200" lvl="5" indent="-533400" algn="l">
               <a:lnSpc>
                 <a:spcPct val="115000"/>
               </a:lnSpc>
@@ -2196,7 +2239,7 @@
               <a:buChar char="■"/>
               <a:defRPr/>
             </a:lvl6pPr>
-            <a:lvl7pPr indent="-533400" lvl="6" marL="3200400" algn="l">
+            <a:lvl7pPr marL="3200400" lvl="6" indent="-533400" algn="l">
               <a:lnSpc>
                 <a:spcPct val="115000"/>
               </a:lnSpc>
@@ -2210,7 +2253,7 @@
               <a:buChar char="●"/>
               <a:defRPr/>
             </a:lvl7pPr>
-            <a:lvl8pPr indent="-533400" lvl="7" marL="3657600" algn="l">
+            <a:lvl8pPr marL="3657600" lvl="7" indent="-533400" algn="l">
               <a:lnSpc>
                 <a:spcPct val="115000"/>
               </a:lnSpc>
@@ -2224,7 +2267,7 @@
               <a:buChar char="○"/>
               <a:defRPr/>
             </a:lvl8pPr>
-            <a:lvl9pPr indent="-533400" lvl="8" marL="4114800" algn="l">
+            <a:lvl9pPr marL="4114800" lvl="8" indent="-533400" algn="l">
               <a:lnSpc>
                 <a:spcPct val="115000"/>
               </a:lnSpc>
@@ -2239,15 +2282,19 @@
               <a:defRPr/>
             </a:lvl9pPr>
           </a:lstStyle>
-          <a:p/>
+          <a:p>
+            <a:endParaRPr/>
+          </a:p>
         </p:txBody>
       </p:sp>
       <p:sp>
         <p:nvSpPr>
           <p:cNvPr id="16" name="Google Shape;16;p3"/>
-          <p:cNvSpPr txBox="1"/>
+          <p:cNvSpPr txBox="1">
+            <a:spLocks noGrp="1"/>
+          </p:cNvSpPr>
           <p:nvPr>
-            <p:ph idx="12" type="sldNum"/>
+            <p:ph type="sldNum" idx="12"/>
           </p:nvPr>
         </p:nvSpPr>
         <p:spPr>
@@ -2264,27 +2311,27 @@
           </a:ln>
         </p:spPr>
         <p:txBody>
-          <a:bodyPr anchorCtr="0" anchor="ctr" bIns="243775" lIns="243775" spcFirstLastPara="1" rIns="243775" wrap="square" tIns="243775">
+          <a:bodyPr spcFirstLastPara="1" wrap="square" lIns="243775" tIns="243775" rIns="243775" bIns="243775" anchor="ctr" anchorCtr="0">
             <a:noAutofit/>
           </a:bodyPr>
           <a:lstStyle>
-            <a:lvl1pPr indent="0" lvl="0" marL="0" marR="0" algn="r">
-              <a:lnSpc>
-                <a:spcPct val="100000"/>
-              </a:lnSpc>
-              <a:spcBef>
-                <a:spcPts val="0"/>
-              </a:spcBef>
-              <a:spcAft>
-                <a:spcPts val="0"/>
-              </a:spcAft>
-              <a:buClr>
-                <a:srgbClr val="ADADAD"/>
-              </a:buClr>
-              <a:buSzPts val="2600"/>
-              <a:buFont typeface="Arial"/>
-              <a:buNone/>
-              <a:defRPr b="0" i="0" sz="2600" u="none" cap="none" strike="noStrike">
+            <a:lvl1pPr marL="0" marR="0" lvl="0" indent="0" algn="r">
+              <a:lnSpc>
+                <a:spcPct val="100000"/>
+              </a:lnSpc>
+              <a:spcBef>
+                <a:spcPts val="0"/>
+              </a:spcBef>
+              <a:spcAft>
+                <a:spcPts val="0"/>
+              </a:spcAft>
+              <a:buClr>
+                <a:srgbClr val="ADADAD"/>
+              </a:buClr>
+              <a:buSzPts val="2600"/>
+              <a:buFont typeface="Arial"/>
+              <a:buNone/>
+              <a:defRPr sz="2600" b="0" i="0" u="none" strike="noStrike" cap="none">
                 <a:solidFill>
                   <a:srgbClr val="ADADAD"/>
                 </a:solidFill>
@@ -2294,23 +2341,23 @@
                 <a:sym typeface="Arial"/>
               </a:defRPr>
             </a:lvl1pPr>
-            <a:lvl2pPr indent="0" lvl="1" marL="0" marR="0" algn="r">
-              <a:lnSpc>
-                <a:spcPct val="100000"/>
-              </a:lnSpc>
-              <a:spcBef>
-                <a:spcPts val="0"/>
-              </a:spcBef>
-              <a:spcAft>
-                <a:spcPts val="0"/>
-              </a:spcAft>
-              <a:buClr>
-                <a:srgbClr val="ADADAD"/>
-              </a:buClr>
-              <a:buSzPts val="2600"/>
-              <a:buFont typeface="Arial"/>
-              <a:buNone/>
-              <a:defRPr b="0" i="0" sz="2600" u="none" cap="none" strike="noStrike">
+            <a:lvl2pPr marL="0" marR="0" lvl="1" indent="0" algn="r">
+              <a:lnSpc>
+                <a:spcPct val="100000"/>
+              </a:lnSpc>
+              <a:spcBef>
+                <a:spcPts val="0"/>
+              </a:spcBef>
+              <a:spcAft>
+                <a:spcPts val="0"/>
+              </a:spcAft>
+              <a:buClr>
+                <a:srgbClr val="ADADAD"/>
+              </a:buClr>
+              <a:buSzPts val="2600"/>
+              <a:buFont typeface="Arial"/>
+              <a:buNone/>
+              <a:defRPr sz="2600" b="0" i="0" u="none" strike="noStrike" cap="none">
                 <a:solidFill>
                   <a:srgbClr val="ADADAD"/>
                 </a:solidFill>
@@ -2320,23 +2367,23 @@
                 <a:sym typeface="Arial"/>
               </a:defRPr>
             </a:lvl2pPr>
-            <a:lvl3pPr indent="0" lvl="2" marL="0" marR="0" algn="r">
-              <a:lnSpc>
-                <a:spcPct val="100000"/>
-              </a:lnSpc>
-              <a:spcBef>
-                <a:spcPts val="0"/>
-              </a:spcBef>
-              <a:spcAft>
-                <a:spcPts val="0"/>
-              </a:spcAft>
-              <a:buClr>
-                <a:srgbClr val="ADADAD"/>
-              </a:buClr>
-              <a:buSzPts val="2600"/>
-              <a:buFont typeface="Arial"/>
-              <a:buNone/>
-              <a:defRPr b="0" i="0" sz="2600" u="none" cap="none" strike="noStrike">
+            <a:lvl3pPr marL="0" marR="0" lvl="2" indent="0" algn="r">
+              <a:lnSpc>
+                <a:spcPct val="100000"/>
+              </a:lnSpc>
+              <a:spcBef>
+                <a:spcPts val="0"/>
+              </a:spcBef>
+              <a:spcAft>
+                <a:spcPts val="0"/>
+              </a:spcAft>
+              <a:buClr>
+                <a:srgbClr val="ADADAD"/>
+              </a:buClr>
+              <a:buSzPts val="2600"/>
+              <a:buFont typeface="Arial"/>
+              <a:buNone/>
+              <a:defRPr sz="2600" b="0" i="0" u="none" strike="noStrike" cap="none">
                 <a:solidFill>
                   <a:srgbClr val="ADADAD"/>
                 </a:solidFill>
@@ -2346,23 +2393,23 @@
                 <a:sym typeface="Arial"/>
               </a:defRPr>
             </a:lvl3pPr>
-            <a:lvl4pPr indent="0" lvl="3" marL="0" marR="0" algn="r">
-              <a:lnSpc>
-                <a:spcPct val="100000"/>
-              </a:lnSpc>
-              <a:spcBef>
-                <a:spcPts val="0"/>
-              </a:spcBef>
-              <a:spcAft>
-                <a:spcPts val="0"/>
-              </a:spcAft>
-              <a:buClr>
-                <a:srgbClr val="ADADAD"/>
-              </a:buClr>
-              <a:buSzPts val="2600"/>
-              <a:buFont typeface="Arial"/>
-              <a:buNone/>
-              <a:defRPr b="0" i="0" sz="2600" u="none" cap="none" strike="noStrike">
+            <a:lvl4pPr marL="0" marR="0" lvl="3" indent="0" algn="r">
+              <a:lnSpc>
+                <a:spcPct val="100000"/>
+              </a:lnSpc>
+              <a:spcBef>
+                <a:spcPts val="0"/>
+              </a:spcBef>
+              <a:spcAft>
+                <a:spcPts val="0"/>
+              </a:spcAft>
+              <a:buClr>
+                <a:srgbClr val="ADADAD"/>
+              </a:buClr>
+              <a:buSzPts val="2600"/>
+              <a:buFont typeface="Arial"/>
+              <a:buNone/>
+              <a:defRPr sz="2600" b="0" i="0" u="none" strike="noStrike" cap="none">
                 <a:solidFill>
                   <a:srgbClr val="ADADAD"/>
                 </a:solidFill>
@@ -2372,23 +2419,23 @@
                 <a:sym typeface="Arial"/>
               </a:defRPr>
             </a:lvl4pPr>
-            <a:lvl5pPr indent="0" lvl="4" marL="0" marR="0" algn="r">
-              <a:lnSpc>
-                <a:spcPct val="100000"/>
-              </a:lnSpc>
-              <a:spcBef>
-                <a:spcPts val="0"/>
-              </a:spcBef>
-              <a:spcAft>
-                <a:spcPts val="0"/>
-              </a:spcAft>
-              <a:buClr>
-                <a:srgbClr val="ADADAD"/>
-              </a:buClr>
-              <a:buSzPts val="2600"/>
-              <a:buFont typeface="Arial"/>
-              <a:buNone/>
-              <a:defRPr b="0" i="0" sz="2600" u="none" cap="none" strike="noStrike">
+            <a:lvl5pPr marL="0" marR="0" lvl="4" indent="0" algn="r">
+              <a:lnSpc>
+                <a:spcPct val="100000"/>
+              </a:lnSpc>
+              <a:spcBef>
+                <a:spcPts val="0"/>
+              </a:spcBef>
+              <a:spcAft>
+                <a:spcPts val="0"/>
+              </a:spcAft>
+              <a:buClr>
+                <a:srgbClr val="ADADAD"/>
+              </a:buClr>
+              <a:buSzPts val="2600"/>
+              <a:buFont typeface="Arial"/>
+              <a:buNone/>
+              <a:defRPr sz="2600" b="0" i="0" u="none" strike="noStrike" cap="none">
                 <a:solidFill>
                   <a:srgbClr val="ADADAD"/>
                 </a:solidFill>
@@ -2398,23 +2445,23 @@
                 <a:sym typeface="Arial"/>
               </a:defRPr>
             </a:lvl5pPr>
-            <a:lvl6pPr indent="0" lvl="5" marL="0" marR="0" algn="r">
-              <a:lnSpc>
-                <a:spcPct val="100000"/>
-              </a:lnSpc>
-              <a:spcBef>
-                <a:spcPts val="0"/>
-              </a:spcBef>
-              <a:spcAft>
-                <a:spcPts val="0"/>
-              </a:spcAft>
-              <a:buClr>
-                <a:srgbClr val="ADADAD"/>
-              </a:buClr>
-              <a:buSzPts val="2600"/>
-              <a:buFont typeface="Arial"/>
-              <a:buNone/>
-              <a:defRPr b="0" i="0" sz="2600" u="none" cap="none" strike="noStrike">
+            <a:lvl6pPr marL="0" marR="0" lvl="5" indent="0" algn="r">
+              <a:lnSpc>
+                <a:spcPct val="100000"/>
+              </a:lnSpc>
+              <a:spcBef>
+                <a:spcPts val="0"/>
+              </a:spcBef>
+              <a:spcAft>
+                <a:spcPts val="0"/>
+              </a:spcAft>
+              <a:buClr>
+                <a:srgbClr val="ADADAD"/>
+              </a:buClr>
+              <a:buSzPts val="2600"/>
+              <a:buFont typeface="Arial"/>
+              <a:buNone/>
+              <a:defRPr sz="2600" b="0" i="0" u="none" strike="noStrike" cap="none">
                 <a:solidFill>
                   <a:srgbClr val="ADADAD"/>
                 </a:solidFill>
@@ -2424,23 +2471,23 @@
                 <a:sym typeface="Arial"/>
               </a:defRPr>
             </a:lvl6pPr>
-            <a:lvl7pPr indent="0" lvl="6" marL="0" marR="0" algn="r">
-              <a:lnSpc>
-                <a:spcPct val="100000"/>
-              </a:lnSpc>
-              <a:spcBef>
-                <a:spcPts val="0"/>
-              </a:spcBef>
-              <a:spcAft>
-                <a:spcPts val="0"/>
-              </a:spcAft>
-              <a:buClr>
-                <a:srgbClr val="ADADAD"/>
-              </a:buClr>
-              <a:buSzPts val="2600"/>
-              <a:buFont typeface="Arial"/>
-              <a:buNone/>
-              <a:defRPr b="0" i="0" sz="2600" u="none" cap="none" strike="noStrike">
+            <a:lvl7pPr marL="0" marR="0" lvl="6" indent="0" algn="r">
+              <a:lnSpc>
+                <a:spcPct val="100000"/>
+              </a:lnSpc>
+              <a:spcBef>
+                <a:spcPts val="0"/>
+              </a:spcBef>
+              <a:spcAft>
+                <a:spcPts val="0"/>
+              </a:spcAft>
+              <a:buClr>
+                <a:srgbClr val="ADADAD"/>
+              </a:buClr>
+              <a:buSzPts val="2600"/>
+              <a:buFont typeface="Arial"/>
+              <a:buNone/>
+              <a:defRPr sz="2600" b="0" i="0" u="none" strike="noStrike" cap="none">
                 <a:solidFill>
                   <a:srgbClr val="ADADAD"/>
                 </a:solidFill>
@@ -2450,23 +2497,23 @@
                 <a:sym typeface="Arial"/>
               </a:defRPr>
             </a:lvl7pPr>
-            <a:lvl8pPr indent="0" lvl="7" marL="0" marR="0" algn="r">
-              <a:lnSpc>
-                <a:spcPct val="100000"/>
-              </a:lnSpc>
-              <a:spcBef>
-                <a:spcPts val="0"/>
-              </a:spcBef>
-              <a:spcAft>
-                <a:spcPts val="0"/>
-              </a:spcAft>
-              <a:buClr>
-                <a:srgbClr val="ADADAD"/>
-              </a:buClr>
-              <a:buSzPts val="2600"/>
-              <a:buFont typeface="Arial"/>
-              <a:buNone/>
-              <a:defRPr b="0" i="0" sz="2600" u="none" cap="none" strike="noStrike">
+            <a:lvl8pPr marL="0" marR="0" lvl="7" indent="0" algn="r">
+              <a:lnSpc>
+                <a:spcPct val="100000"/>
+              </a:lnSpc>
+              <a:spcBef>
+                <a:spcPts val="0"/>
+              </a:spcBef>
+              <a:spcAft>
+                <a:spcPts val="0"/>
+              </a:spcAft>
+              <a:buClr>
+                <a:srgbClr val="ADADAD"/>
+              </a:buClr>
+              <a:buSzPts val="2600"/>
+              <a:buFont typeface="Arial"/>
+              <a:buNone/>
+              <a:defRPr sz="2600" b="0" i="0" u="none" strike="noStrike" cap="none">
                 <a:solidFill>
                   <a:srgbClr val="ADADAD"/>
                 </a:solidFill>
@@ -2476,23 +2523,23 @@
                 <a:sym typeface="Arial"/>
               </a:defRPr>
             </a:lvl8pPr>
-            <a:lvl9pPr indent="0" lvl="8" marL="0" marR="0" algn="r">
-              <a:lnSpc>
-                <a:spcPct val="100000"/>
-              </a:lnSpc>
-              <a:spcBef>
-                <a:spcPts val="0"/>
-              </a:spcBef>
-              <a:spcAft>
-                <a:spcPts val="0"/>
-              </a:spcAft>
-              <a:buClr>
-                <a:srgbClr val="ADADAD"/>
-              </a:buClr>
-              <a:buSzPts val="2600"/>
-              <a:buFont typeface="Arial"/>
-              <a:buNone/>
-              <a:defRPr b="0" i="0" sz="2600" u="none" cap="none" strike="noStrike">
+            <a:lvl9pPr marL="0" marR="0" lvl="8" indent="0" algn="r">
+              <a:lnSpc>
+                <a:spcPct val="100000"/>
+              </a:lnSpc>
+              <a:spcBef>
+                <a:spcPts val="0"/>
+              </a:spcBef>
+              <a:spcAft>
+                <a:spcPts val="0"/>
+              </a:spcAft>
+              <a:buClr>
+                <a:srgbClr val="ADADAD"/>
+              </a:buClr>
+              <a:buSzPts val="2600"/>
+              <a:buFont typeface="Arial"/>
+              <a:buNone/>
+              <a:defRPr sz="2600" b="0" i="0" u="none" strike="noStrike" cap="none">
                 <a:solidFill>
                   <a:srgbClr val="ADADAD"/>
                 </a:solidFill>
@@ -2504,7 +2551,7 @@
             </a:lvl9pPr>
           </a:lstStyle>
           <a:p>
-            <a:pPr indent="0" lvl="0" marL="0" rtl="0" algn="r">
+            <a:pPr marL="0" lvl="0" indent="0" algn="r" rtl="0">
               <a:spcBef>
                 <a:spcPts val="0"/>
               </a:spcBef>
@@ -2530,11 +2577,11 @@
 </file>
 
 <file path=ppt/slideLayouts/slideLayout3.xml><?xml version="1.0" encoding="utf-8"?>
-<p:sldLayout xmlns:a="http://schemas.openxmlformats.org/drawingml/2006/main" xmlns:r="http://schemas.openxmlformats.org/officeDocument/2006/relationships" xmlns:mc="http://schemas.openxmlformats.org/markup-compatibility/2006" xmlns:mv="urn:schemas-microsoft-com:mac:vml" xmlns:p="http://schemas.openxmlformats.org/presentationml/2006/main" xmlns:c="http://schemas.openxmlformats.org/drawingml/2006/chart" xmlns:dgm="http://schemas.openxmlformats.org/drawingml/2006/diagram" xmlns:o="urn:schemas-microsoft-com:office:office" xmlns:v="urn:schemas-microsoft-com:vml" xmlns:pvml="urn:schemas-microsoft-com:office:powerpoint" xmlns:com="http://schemas.openxmlformats.org/drawingml/2006/compatibility" xmlns:p14="http://schemas.microsoft.com/office/powerpoint/2010/main" xmlns:p15="http://schemas.microsoft.com/office/powerpoint/2012/main" xmlns:ahyp="http://schemas.microsoft.com/office/drawing/2018/hyperlinkcolor" matchingName="TITLE_AND_TWO_COLUMNS" type="twoColTx">
+<p:sldLayout xmlns:a="http://schemas.openxmlformats.org/drawingml/2006/main" xmlns:r="http://schemas.openxmlformats.org/officeDocument/2006/relationships" xmlns:p="http://schemas.openxmlformats.org/presentationml/2006/main" matchingName="TITLE_AND_TWO_COLUMNS" type="twoColTx">
   <p:cSld name="TITLE_AND_TWO_COLUMNS">
     <p:spTree>
       <p:nvGrpSpPr>
-        <p:cNvPr id="17" name="Shape 17"/>
+        <p:cNvPr id="1" name="Shape 17"/>
         <p:cNvGrpSpPr/>
         <p:nvPr/>
       </p:nvGrpSpPr>
@@ -2549,7 +2596,9 @@
       <p:sp>
         <p:nvSpPr>
           <p:cNvPr id="18" name="Google Shape;18;p4"/>
-          <p:cNvSpPr txBox="1"/>
+          <p:cNvSpPr txBox="1">
+            <a:spLocks noGrp="1"/>
+          </p:cNvSpPr>
           <p:nvPr>
             <p:ph type="title"/>
           </p:nvPr>
@@ -2568,7 +2617,7 @@
           </a:ln>
         </p:spPr>
         <p:txBody>
-          <a:bodyPr anchorCtr="0" anchor="t" bIns="243775" lIns="243775" spcFirstLastPara="1" rIns="243775" wrap="square" tIns="243775">
+          <a:bodyPr spcFirstLastPara="1" wrap="square" lIns="243775" tIns="243775" rIns="243775" bIns="243775" anchor="t" anchorCtr="0">
             <a:noAutofit/>
           </a:bodyPr>
           <a:lstStyle>
@@ -2726,15 +2775,19 @@
               <a:defRPr/>
             </a:lvl9pPr>
           </a:lstStyle>
-          <a:p/>
+          <a:p>
+            <a:endParaRPr/>
+          </a:p>
         </p:txBody>
       </p:sp>
       <p:sp>
         <p:nvSpPr>
           <p:cNvPr id="19" name="Google Shape;19;p4"/>
-          <p:cNvSpPr txBox="1"/>
+          <p:cNvSpPr txBox="1">
+            <a:spLocks noGrp="1"/>
+          </p:cNvSpPr>
           <p:nvPr>
-            <p:ph idx="1" type="body"/>
+            <p:ph type="body" idx="1"/>
           </p:nvPr>
         </p:nvSpPr>
         <p:spPr>
@@ -2751,11 +2804,11 @@
           </a:ln>
         </p:spPr>
         <p:txBody>
-          <a:bodyPr anchorCtr="0" anchor="t" bIns="243775" lIns="243775" spcFirstLastPara="1" rIns="243775" wrap="square" tIns="243775">
+          <a:bodyPr spcFirstLastPara="1" wrap="square" lIns="243775" tIns="243775" rIns="243775" bIns="243775" anchor="t" anchorCtr="0">
             <a:noAutofit/>
           </a:bodyPr>
           <a:lstStyle>
-            <a:lvl1pPr indent="-457200" lvl="0" marL="457200" algn="l">
+            <a:lvl1pPr marL="457200" lvl="0" indent="-457200" algn="l">
               <a:lnSpc>
                 <a:spcPct val="115000"/>
               </a:lnSpc>
@@ -2769,7 +2822,7 @@
               <a:buChar char="●"/>
               <a:defRPr sz="3600"/>
             </a:lvl1pPr>
-            <a:lvl2pPr indent="-457200" lvl="1" marL="914400" algn="l">
+            <a:lvl2pPr marL="914400" lvl="1" indent="-457200" algn="l">
               <a:lnSpc>
                 <a:spcPct val="115000"/>
               </a:lnSpc>
@@ -2783,7 +2836,7 @@
               <a:buChar char="○"/>
               <a:defRPr sz="3600"/>
             </a:lvl2pPr>
-            <a:lvl3pPr indent="-457200" lvl="2" marL="1371600" algn="l">
+            <a:lvl3pPr marL="1371600" lvl="2" indent="-457200" algn="l">
               <a:lnSpc>
                 <a:spcPct val="115000"/>
               </a:lnSpc>
@@ -2797,7 +2850,7 @@
               <a:buChar char="■"/>
               <a:defRPr sz="3600"/>
             </a:lvl3pPr>
-            <a:lvl4pPr indent="-457200" lvl="3" marL="1828800" algn="l">
+            <a:lvl4pPr marL="1828800" lvl="3" indent="-457200" algn="l">
               <a:lnSpc>
                 <a:spcPct val="115000"/>
               </a:lnSpc>
@@ -2811,7 +2864,7 @@
               <a:buChar char="●"/>
               <a:defRPr sz="3600"/>
             </a:lvl4pPr>
-            <a:lvl5pPr indent="-457200" lvl="4" marL="2286000" algn="l">
+            <a:lvl5pPr marL="2286000" lvl="4" indent="-457200" algn="l">
               <a:lnSpc>
                 <a:spcPct val="115000"/>
               </a:lnSpc>
@@ -2825,7 +2878,7 @@
               <a:buChar char="○"/>
               <a:defRPr sz="3600"/>
             </a:lvl5pPr>
-            <a:lvl6pPr indent="-533400" lvl="5" marL="2743200" algn="l">
+            <a:lvl6pPr marL="2743200" lvl="5" indent="-533400" algn="l">
               <a:lnSpc>
                 <a:spcPct val="115000"/>
               </a:lnSpc>
@@ -2839,7 +2892,7 @@
               <a:buChar char="■"/>
               <a:defRPr/>
             </a:lvl6pPr>
-            <a:lvl7pPr indent="-533400" lvl="6" marL="3200400" algn="l">
+            <a:lvl7pPr marL="3200400" lvl="6" indent="-533400" algn="l">
               <a:lnSpc>
                 <a:spcPct val="115000"/>
               </a:lnSpc>
@@ -2853,7 +2906,7 @@
               <a:buChar char="●"/>
               <a:defRPr/>
             </a:lvl7pPr>
-            <a:lvl8pPr indent="-533400" lvl="7" marL="3657600" algn="l">
+            <a:lvl8pPr marL="3657600" lvl="7" indent="-533400" algn="l">
               <a:lnSpc>
                 <a:spcPct val="115000"/>
               </a:lnSpc>
@@ -2867,7 +2920,7 @@
               <a:buChar char="○"/>
               <a:defRPr/>
             </a:lvl8pPr>
-            <a:lvl9pPr indent="-533400" lvl="8" marL="4114800" algn="l">
+            <a:lvl9pPr marL="4114800" lvl="8" indent="-533400" algn="l">
               <a:lnSpc>
                 <a:spcPct val="115000"/>
               </a:lnSpc>
@@ -2882,15 +2935,19 @@
               <a:defRPr/>
             </a:lvl9pPr>
           </a:lstStyle>
-          <a:p/>
+          <a:p>
+            <a:endParaRPr/>
+          </a:p>
         </p:txBody>
       </p:sp>
       <p:sp>
         <p:nvSpPr>
           <p:cNvPr id="20" name="Google Shape;20;p4"/>
-          <p:cNvSpPr txBox="1"/>
+          <p:cNvSpPr txBox="1">
+            <a:spLocks noGrp="1"/>
+          </p:cNvSpPr>
           <p:nvPr>
-            <p:ph idx="2" type="body"/>
+            <p:ph type="body" idx="2"/>
           </p:nvPr>
         </p:nvSpPr>
         <p:spPr>
@@ -2907,11 +2964,11 @@
           </a:ln>
         </p:spPr>
         <p:txBody>
-          <a:bodyPr anchorCtr="0" anchor="t" bIns="243775" lIns="243775" spcFirstLastPara="1" rIns="243775" wrap="square" tIns="243775">
+          <a:bodyPr spcFirstLastPara="1" wrap="square" lIns="243775" tIns="243775" rIns="243775" bIns="243775" anchor="t" anchorCtr="0">
             <a:noAutofit/>
           </a:bodyPr>
           <a:lstStyle>
-            <a:lvl1pPr indent="-533400" lvl="0" marL="457200" algn="l">
+            <a:lvl1pPr marL="457200" lvl="0" indent="-533400" algn="l">
               <a:lnSpc>
                 <a:spcPct val="115000"/>
               </a:lnSpc>
@@ -2925,7 +2982,7 @@
               <a:buChar char="●"/>
               <a:defRPr/>
             </a:lvl1pPr>
-            <a:lvl2pPr indent="-533400" lvl="1" marL="914400" algn="l">
+            <a:lvl2pPr marL="914400" lvl="1" indent="-533400" algn="l">
               <a:lnSpc>
                 <a:spcPct val="115000"/>
               </a:lnSpc>
@@ -2939,7 +2996,7 @@
               <a:buChar char="○"/>
               <a:defRPr/>
             </a:lvl2pPr>
-            <a:lvl3pPr indent="-533400" lvl="2" marL="1371600" algn="l">
+            <a:lvl3pPr marL="1371600" lvl="2" indent="-533400" algn="l">
               <a:lnSpc>
                 <a:spcPct val="115000"/>
               </a:lnSpc>
@@ -2953,7 +3010,7 @@
               <a:buChar char="■"/>
               <a:defRPr/>
             </a:lvl3pPr>
-            <a:lvl4pPr indent="-533400" lvl="3" marL="1828800" algn="l">
+            <a:lvl4pPr marL="1828800" lvl="3" indent="-533400" algn="l">
               <a:lnSpc>
                 <a:spcPct val="115000"/>
               </a:lnSpc>
@@ -2967,7 +3024,7 @@
               <a:buChar char="●"/>
               <a:defRPr/>
             </a:lvl4pPr>
-            <a:lvl5pPr indent="-533400" lvl="4" marL="2286000" algn="l">
+            <a:lvl5pPr marL="2286000" lvl="4" indent="-533400" algn="l">
               <a:lnSpc>
                 <a:spcPct val="115000"/>
               </a:lnSpc>
@@ -2981,7 +3038,7 @@
               <a:buChar char="○"/>
               <a:defRPr/>
             </a:lvl5pPr>
-            <a:lvl6pPr indent="-533400" lvl="5" marL="2743200" algn="l">
+            <a:lvl6pPr marL="2743200" lvl="5" indent="-533400" algn="l">
               <a:lnSpc>
                 <a:spcPct val="115000"/>
               </a:lnSpc>
@@ -2995,7 +3052,7 @@
               <a:buChar char="■"/>
               <a:defRPr/>
             </a:lvl6pPr>
-            <a:lvl7pPr indent="-533400" lvl="6" marL="3200400" algn="l">
+            <a:lvl7pPr marL="3200400" lvl="6" indent="-533400" algn="l">
               <a:lnSpc>
                 <a:spcPct val="115000"/>
               </a:lnSpc>
@@ -3009,7 +3066,7 @@
               <a:buChar char="●"/>
               <a:defRPr/>
             </a:lvl7pPr>
-            <a:lvl8pPr indent="-533400" lvl="7" marL="3657600" algn="l">
+            <a:lvl8pPr marL="3657600" lvl="7" indent="-533400" algn="l">
               <a:lnSpc>
                 <a:spcPct val="115000"/>
               </a:lnSpc>
@@ -3023,7 +3080,7 @@
               <a:buChar char="○"/>
               <a:defRPr/>
             </a:lvl8pPr>
-            <a:lvl9pPr indent="-533400" lvl="8" marL="4114800" algn="l">
+            <a:lvl9pPr marL="4114800" lvl="8" indent="-533400" algn="l">
               <a:lnSpc>
                 <a:spcPct val="115000"/>
               </a:lnSpc>
@@ -3038,15 +3095,19 @@
               <a:defRPr/>
             </a:lvl9pPr>
           </a:lstStyle>
-          <a:p/>
+          <a:p>
+            <a:endParaRPr/>
+          </a:p>
         </p:txBody>
       </p:sp>
       <p:sp>
         <p:nvSpPr>
           <p:cNvPr id="21" name="Google Shape;21;p4"/>
-          <p:cNvSpPr txBox="1"/>
+          <p:cNvSpPr txBox="1">
+            <a:spLocks noGrp="1"/>
+          </p:cNvSpPr>
           <p:nvPr>
-            <p:ph idx="12" type="sldNum"/>
+            <p:ph type="sldNum" idx="12"/>
           </p:nvPr>
         </p:nvSpPr>
         <p:spPr>
@@ -3063,27 +3124,27 @@
           </a:ln>
         </p:spPr>
         <p:txBody>
-          <a:bodyPr anchorCtr="0" anchor="ctr" bIns="243775" lIns="243775" spcFirstLastPara="1" rIns="243775" wrap="square" tIns="243775">
+          <a:bodyPr spcFirstLastPara="1" wrap="square" lIns="243775" tIns="243775" rIns="243775" bIns="243775" anchor="ctr" anchorCtr="0">
             <a:noAutofit/>
           </a:bodyPr>
           <a:lstStyle>
-            <a:lvl1pPr indent="0" lvl="0" marL="0" marR="0" algn="r">
-              <a:lnSpc>
-                <a:spcPct val="100000"/>
-              </a:lnSpc>
-              <a:spcBef>
-                <a:spcPts val="0"/>
-              </a:spcBef>
-              <a:spcAft>
-                <a:spcPts val="0"/>
-              </a:spcAft>
-              <a:buClr>
-                <a:srgbClr val="ADADAD"/>
-              </a:buClr>
-              <a:buSzPts val="2600"/>
-              <a:buFont typeface="Arial"/>
-              <a:buNone/>
-              <a:defRPr b="0" i="0" sz="2600" u="none" cap="none" strike="noStrike">
+            <a:lvl1pPr marL="0" marR="0" lvl="0" indent="0" algn="r">
+              <a:lnSpc>
+                <a:spcPct val="100000"/>
+              </a:lnSpc>
+              <a:spcBef>
+                <a:spcPts val="0"/>
+              </a:spcBef>
+              <a:spcAft>
+                <a:spcPts val="0"/>
+              </a:spcAft>
+              <a:buClr>
+                <a:srgbClr val="ADADAD"/>
+              </a:buClr>
+              <a:buSzPts val="2600"/>
+              <a:buFont typeface="Arial"/>
+              <a:buNone/>
+              <a:defRPr sz="2600" b="0" i="0" u="none" strike="noStrike" cap="none">
                 <a:solidFill>
                   <a:srgbClr val="ADADAD"/>
                 </a:solidFill>
@@ -3093,23 +3154,23 @@
                 <a:sym typeface="Arial"/>
               </a:defRPr>
             </a:lvl1pPr>
-            <a:lvl2pPr indent="0" lvl="1" marL="0" marR="0" algn="r">
-              <a:lnSpc>
-                <a:spcPct val="100000"/>
-              </a:lnSpc>
-              <a:spcBef>
-                <a:spcPts val="0"/>
-              </a:spcBef>
-              <a:spcAft>
-                <a:spcPts val="0"/>
-              </a:spcAft>
-              <a:buClr>
-                <a:srgbClr val="ADADAD"/>
-              </a:buClr>
-              <a:buSzPts val="2600"/>
-              <a:buFont typeface="Arial"/>
-              <a:buNone/>
-              <a:defRPr b="0" i="0" sz="2600" u="none" cap="none" strike="noStrike">
+            <a:lvl2pPr marL="0" marR="0" lvl="1" indent="0" algn="r">
+              <a:lnSpc>
+                <a:spcPct val="100000"/>
+              </a:lnSpc>
+              <a:spcBef>
+                <a:spcPts val="0"/>
+              </a:spcBef>
+              <a:spcAft>
+                <a:spcPts val="0"/>
+              </a:spcAft>
+              <a:buClr>
+                <a:srgbClr val="ADADAD"/>
+              </a:buClr>
+              <a:buSzPts val="2600"/>
+              <a:buFont typeface="Arial"/>
+              <a:buNone/>
+              <a:defRPr sz="2600" b="0" i="0" u="none" strike="noStrike" cap="none">
                 <a:solidFill>
                   <a:srgbClr val="ADADAD"/>
                 </a:solidFill>
@@ -3119,23 +3180,23 @@
                 <a:sym typeface="Arial"/>
               </a:defRPr>
             </a:lvl2pPr>
-            <a:lvl3pPr indent="0" lvl="2" marL="0" marR="0" algn="r">
-              <a:lnSpc>
-                <a:spcPct val="100000"/>
-              </a:lnSpc>
-              <a:spcBef>
-                <a:spcPts val="0"/>
-              </a:spcBef>
-              <a:spcAft>
-                <a:spcPts val="0"/>
-              </a:spcAft>
-              <a:buClr>
-                <a:srgbClr val="ADADAD"/>
-              </a:buClr>
-              <a:buSzPts val="2600"/>
-              <a:buFont typeface="Arial"/>
-              <a:buNone/>
-              <a:defRPr b="0" i="0" sz="2600" u="none" cap="none" strike="noStrike">
+            <a:lvl3pPr marL="0" marR="0" lvl="2" indent="0" algn="r">
+              <a:lnSpc>
+                <a:spcPct val="100000"/>
+              </a:lnSpc>
+              <a:spcBef>
+                <a:spcPts val="0"/>
+              </a:spcBef>
+              <a:spcAft>
+                <a:spcPts val="0"/>
+              </a:spcAft>
+              <a:buClr>
+                <a:srgbClr val="ADADAD"/>
+              </a:buClr>
+              <a:buSzPts val="2600"/>
+              <a:buFont typeface="Arial"/>
+              <a:buNone/>
+              <a:defRPr sz="2600" b="0" i="0" u="none" strike="noStrike" cap="none">
                 <a:solidFill>
                   <a:srgbClr val="ADADAD"/>
                 </a:solidFill>
@@ -3145,23 +3206,23 @@
                 <a:sym typeface="Arial"/>
               </a:defRPr>
             </a:lvl3pPr>
-            <a:lvl4pPr indent="0" lvl="3" marL="0" marR="0" algn="r">
-              <a:lnSpc>
-                <a:spcPct val="100000"/>
-              </a:lnSpc>
-              <a:spcBef>
-                <a:spcPts val="0"/>
-              </a:spcBef>
-              <a:spcAft>
-                <a:spcPts val="0"/>
-              </a:spcAft>
-              <a:buClr>
-                <a:srgbClr val="ADADAD"/>
-              </a:buClr>
-              <a:buSzPts val="2600"/>
-              <a:buFont typeface="Arial"/>
-              <a:buNone/>
-              <a:defRPr b="0" i="0" sz="2600" u="none" cap="none" strike="noStrike">
+            <a:lvl4pPr marL="0" marR="0" lvl="3" indent="0" algn="r">
+              <a:lnSpc>
+                <a:spcPct val="100000"/>
+              </a:lnSpc>
+              <a:spcBef>
+                <a:spcPts val="0"/>
+              </a:spcBef>
+              <a:spcAft>
+                <a:spcPts val="0"/>
+              </a:spcAft>
+              <a:buClr>
+                <a:srgbClr val="ADADAD"/>
+              </a:buClr>
+              <a:buSzPts val="2600"/>
+              <a:buFont typeface="Arial"/>
+              <a:buNone/>
+              <a:defRPr sz="2600" b="0" i="0" u="none" strike="noStrike" cap="none">
                 <a:solidFill>
                   <a:srgbClr val="ADADAD"/>
                 </a:solidFill>
@@ -3171,23 +3232,23 @@
                 <a:sym typeface="Arial"/>
               </a:defRPr>
             </a:lvl4pPr>
-            <a:lvl5pPr indent="0" lvl="4" marL="0" marR="0" algn="r">
-              <a:lnSpc>
-                <a:spcPct val="100000"/>
-              </a:lnSpc>
-              <a:spcBef>
-                <a:spcPts val="0"/>
-              </a:spcBef>
-              <a:spcAft>
-                <a:spcPts val="0"/>
-              </a:spcAft>
-              <a:buClr>
-                <a:srgbClr val="ADADAD"/>
-              </a:buClr>
-              <a:buSzPts val="2600"/>
-              <a:buFont typeface="Arial"/>
-              <a:buNone/>
-              <a:defRPr b="0" i="0" sz="2600" u="none" cap="none" strike="noStrike">
+            <a:lvl5pPr marL="0" marR="0" lvl="4" indent="0" algn="r">
+              <a:lnSpc>
+                <a:spcPct val="100000"/>
+              </a:lnSpc>
+              <a:spcBef>
+                <a:spcPts val="0"/>
+              </a:spcBef>
+              <a:spcAft>
+                <a:spcPts val="0"/>
+              </a:spcAft>
+              <a:buClr>
+                <a:srgbClr val="ADADAD"/>
+              </a:buClr>
+              <a:buSzPts val="2600"/>
+              <a:buFont typeface="Arial"/>
+              <a:buNone/>
+              <a:defRPr sz="2600" b="0" i="0" u="none" strike="noStrike" cap="none">
                 <a:solidFill>
                   <a:srgbClr val="ADADAD"/>
                 </a:solidFill>
@@ -3197,23 +3258,23 @@
                 <a:sym typeface="Arial"/>
               </a:defRPr>
             </a:lvl5pPr>
-            <a:lvl6pPr indent="0" lvl="5" marL="0" marR="0" algn="r">
-              <a:lnSpc>
-                <a:spcPct val="100000"/>
-              </a:lnSpc>
-              <a:spcBef>
-                <a:spcPts val="0"/>
-              </a:spcBef>
-              <a:spcAft>
-                <a:spcPts val="0"/>
-              </a:spcAft>
-              <a:buClr>
-                <a:srgbClr val="ADADAD"/>
-              </a:buClr>
-              <a:buSzPts val="2600"/>
-              <a:buFont typeface="Arial"/>
-              <a:buNone/>
-              <a:defRPr b="0" i="0" sz="2600" u="none" cap="none" strike="noStrike">
+            <a:lvl6pPr marL="0" marR="0" lvl="5" indent="0" algn="r">
+              <a:lnSpc>
+                <a:spcPct val="100000"/>
+              </a:lnSpc>
+              <a:spcBef>
+                <a:spcPts val="0"/>
+              </a:spcBef>
+              <a:spcAft>
+                <a:spcPts val="0"/>
+              </a:spcAft>
+              <a:buClr>
+                <a:srgbClr val="ADADAD"/>
+              </a:buClr>
+              <a:buSzPts val="2600"/>
+              <a:buFont typeface="Arial"/>
+              <a:buNone/>
+              <a:defRPr sz="2600" b="0" i="0" u="none" strike="noStrike" cap="none">
                 <a:solidFill>
                   <a:srgbClr val="ADADAD"/>
                 </a:solidFill>
@@ -3223,23 +3284,23 @@
                 <a:sym typeface="Arial"/>
               </a:defRPr>
             </a:lvl6pPr>
-            <a:lvl7pPr indent="0" lvl="6" marL="0" marR="0" algn="r">
-              <a:lnSpc>
-                <a:spcPct val="100000"/>
-              </a:lnSpc>
-              <a:spcBef>
-                <a:spcPts val="0"/>
-              </a:spcBef>
-              <a:spcAft>
-                <a:spcPts val="0"/>
-              </a:spcAft>
-              <a:buClr>
-                <a:srgbClr val="ADADAD"/>
-              </a:buClr>
-              <a:buSzPts val="2600"/>
-              <a:buFont typeface="Arial"/>
-              <a:buNone/>
-              <a:defRPr b="0" i="0" sz="2600" u="none" cap="none" strike="noStrike">
+            <a:lvl7pPr marL="0" marR="0" lvl="6" indent="0" algn="r">
+              <a:lnSpc>
+                <a:spcPct val="100000"/>
+              </a:lnSpc>
+              <a:spcBef>
+                <a:spcPts val="0"/>
+              </a:spcBef>
+              <a:spcAft>
+                <a:spcPts val="0"/>
+              </a:spcAft>
+              <a:buClr>
+                <a:srgbClr val="ADADAD"/>
+              </a:buClr>
+              <a:buSzPts val="2600"/>
+              <a:buFont typeface="Arial"/>
+              <a:buNone/>
+              <a:defRPr sz="2600" b="0" i="0" u="none" strike="noStrike" cap="none">
                 <a:solidFill>
                   <a:srgbClr val="ADADAD"/>
                 </a:solidFill>
@@ -3249,23 +3310,23 @@
                 <a:sym typeface="Arial"/>
               </a:defRPr>
             </a:lvl7pPr>
-            <a:lvl8pPr indent="0" lvl="7" marL="0" marR="0" algn="r">
-              <a:lnSpc>
-                <a:spcPct val="100000"/>
-              </a:lnSpc>
-              <a:spcBef>
-                <a:spcPts val="0"/>
-              </a:spcBef>
-              <a:spcAft>
-                <a:spcPts val="0"/>
-              </a:spcAft>
-              <a:buClr>
-                <a:srgbClr val="ADADAD"/>
-              </a:buClr>
-              <a:buSzPts val="2600"/>
-              <a:buFont typeface="Arial"/>
-              <a:buNone/>
-              <a:defRPr b="0" i="0" sz="2600" u="none" cap="none" strike="noStrike">
+            <a:lvl8pPr marL="0" marR="0" lvl="7" indent="0" algn="r">
+              <a:lnSpc>
+                <a:spcPct val="100000"/>
+              </a:lnSpc>
+              <a:spcBef>
+                <a:spcPts val="0"/>
+              </a:spcBef>
+              <a:spcAft>
+                <a:spcPts val="0"/>
+              </a:spcAft>
+              <a:buClr>
+                <a:srgbClr val="ADADAD"/>
+              </a:buClr>
+              <a:buSzPts val="2600"/>
+              <a:buFont typeface="Arial"/>
+              <a:buNone/>
+              <a:defRPr sz="2600" b="0" i="0" u="none" strike="noStrike" cap="none">
                 <a:solidFill>
                   <a:srgbClr val="ADADAD"/>
                 </a:solidFill>
@@ -3275,23 +3336,23 @@
                 <a:sym typeface="Arial"/>
               </a:defRPr>
             </a:lvl8pPr>
-            <a:lvl9pPr indent="0" lvl="8" marL="0" marR="0" algn="r">
-              <a:lnSpc>
-                <a:spcPct val="100000"/>
-              </a:lnSpc>
-              <a:spcBef>
-                <a:spcPts val="0"/>
-              </a:spcBef>
-              <a:spcAft>
-                <a:spcPts val="0"/>
-              </a:spcAft>
-              <a:buClr>
-                <a:srgbClr val="ADADAD"/>
-              </a:buClr>
-              <a:buSzPts val="2600"/>
-              <a:buFont typeface="Arial"/>
-              <a:buNone/>
-              <a:defRPr b="0" i="0" sz="2600" u="none" cap="none" strike="noStrike">
+            <a:lvl9pPr marL="0" marR="0" lvl="8" indent="0" algn="r">
+              <a:lnSpc>
+                <a:spcPct val="100000"/>
+              </a:lnSpc>
+              <a:spcBef>
+                <a:spcPts val="0"/>
+              </a:spcBef>
+              <a:spcAft>
+                <a:spcPts val="0"/>
+              </a:spcAft>
+              <a:buClr>
+                <a:srgbClr val="ADADAD"/>
+              </a:buClr>
+              <a:buSzPts val="2600"/>
+              <a:buFont typeface="Arial"/>
+              <a:buNone/>
+              <a:defRPr sz="2600" b="0" i="0" u="none" strike="noStrike" cap="none">
                 <a:solidFill>
                   <a:srgbClr val="ADADAD"/>
                 </a:solidFill>
@@ -3303,7 +3364,7 @@
             </a:lvl9pPr>
           </a:lstStyle>
           <a:p>
-            <a:pPr indent="0" lvl="0" marL="0" rtl="0" algn="r">
+            <a:pPr marL="0" lvl="0" indent="0" algn="r" rtl="0">
               <a:spcBef>
                 <a:spcPts val="0"/>
               </a:spcBef>
@@ -3329,11 +3390,11 @@
 </file>
 
 <file path=ppt/slideLayouts/slideLayout4.xml><?xml version="1.0" encoding="utf-8"?>
-<p:sldLayout xmlns:a="http://schemas.openxmlformats.org/drawingml/2006/main" xmlns:r="http://schemas.openxmlformats.org/officeDocument/2006/relationships" xmlns:mc="http://schemas.openxmlformats.org/markup-compatibility/2006" xmlns:mv="urn:schemas-microsoft-com:mac:vml" xmlns:p="http://schemas.openxmlformats.org/presentationml/2006/main" xmlns:c="http://schemas.openxmlformats.org/drawingml/2006/chart" xmlns:dgm="http://schemas.openxmlformats.org/drawingml/2006/diagram" xmlns:o="urn:schemas-microsoft-com:office:office" xmlns:v="urn:schemas-microsoft-com:vml" xmlns:pvml="urn:schemas-microsoft-com:office:powerpoint" xmlns:com="http://schemas.openxmlformats.org/drawingml/2006/compatibility" xmlns:p14="http://schemas.microsoft.com/office/powerpoint/2010/main" xmlns:p15="http://schemas.microsoft.com/office/powerpoint/2012/main" xmlns:ahyp="http://schemas.microsoft.com/office/drawing/2018/hyperlinkcolor" matchingName="TITLE_ONLY" type="titleOnly">
+<p:sldLayout xmlns:a="http://schemas.openxmlformats.org/drawingml/2006/main" xmlns:r="http://schemas.openxmlformats.org/officeDocument/2006/relationships" xmlns:p="http://schemas.openxmlformats.org/presentationml/2006/main" matchingName="TITLE_ONLY" type="titleOnly">
   <p:cSld name="TITLE_ONLY">
     <p:spTree>
       <p:nvGrpSpPr>
-        <p:cNvPr id="22" name="Shape 22"/>
+        <p:cNvPr id="1" name="Shape 22"/>
         <p:cNvGrpSpPr/>
         <p:nvPr/>
       </p:nvGrpSpPr>
@@ -3348,7 +3409,9 @@
       <p:sp>
         <p:nvSpPr>
           <p:cNvPr id="23" name="Google Shape;23;p5"/>
-          <p:cNvSpPr txBox="1"/>
+          <p:cNvSpPr txBox="1">
+            <a:spLocks noGrp="1"/>
+          </p:cNvSpPr>
           <p:nvPr>
             <p:ph type="title"/>
           </p:nvPr>
@@ -3367,7 +3430,7 @@
           </a:ln>
         </p:spPr>
         <p:txBody>
-          <a:bodyPr anchorCtr="0" anchor="t" bIns="243775" lIns="243775" spcFirstLastPara="1" rIns="243775" wrap="square" tIns="243775">
+          <a:bodyPr spcFirstLastPara="1" wrap="square" lIns="243775" tIns="243775" rIns="243775" bIns="243775" anchor="t" anchorCtr="0">
             <a:noAutofit/>
           </a:bodyPr>
           <a:lstStyle>
@@ -3525,15 +3588,19 @@
               <a:defRPr/>
             </a:lvl9pPr>
           </a:lstStyle>
-          <a:p/>
+          <a:p>
+            <a:endParaRPr/>
+          </a:p>
         </p:txBody>
       </p:sp>
       <p:sp>
         <p:nvSpPr>
           <p:cNvPr id="24" name="Google Shape;24;p5"/>
-          <p:cNvSpPr txBox="1"/>
+          <p:cNvSpPr txBox="1">
+            <a:spLocks noGrp="1"/>
+          </p:cNvSpPr>
           <p:nvPr>
-            <p:ph idx="12" type="sldNum"/>
+            <p:ph type="sldNum" idx="12"/>
           </p:nvPr>
         </p:nvSpPr>
         <p:spPr>
@@ -3550,27 +3617,27 @@
           </a:ln>
         </p:spPr>
         <p:txBody>
-          <a:bodyPr anchorCtr="0" anchor="ctr" bIns="243775" lIns="243775" spcFirstLastPara="1" rIns="243775" wrap="square" tIns="243775">
+          <a:bodyPr spcFirstLastPara="1" wrap="square" lIns="243775" tIns="243775" rIns="243775" bIns="243775" anchor="ctr" anchorCtr="0">
             <a:noAutofit/>
           </a:bodyPr>
           <a:lstStyle>
-            <a:lvl1pPr indent="0" lvl="0" marL="0" marR="0" algn="r">
-              <a:lnSpc>
-                <a:spcPct val="100000"/>
-              </a:lnSpc>
-              <a:spcBef>
-                <a:spcPts val="0"/>
-              </a:spcBef>
-              <a:spcAft>
-                <a:spcPts val="0"/>
-              </a:spcAft>
-              <a:buClr>
-                <a:srgbClr val="ADADAD"/>
-              </a:buClr>
-              <a:buSzPts val="2600"/>
-              <a:buFont typeface="Arial"/>
-              <a:buNone/>
-              <a:defRPr b="0" i="0" sz="2600" u="none" cap="none" strike="noStrike">
+            <a:lvl1pPr marL="0" marR="0" lvl="0" indent="0" algn="r">
+              <a:lnSpc>
+                <a:spcPct val="100000"/>
+              </a:lnSpc>
+              <a:spcBef>
+                <a:spcPts val="0"/>
+              </a:spcBef>
+              <a:spcAft>
+                <a:spcPts val="0"/>
+              </a:spcAft>
+              <a:buClr>
+                <a:srgbClr val="ADADAD"/>
+              </a:buClr>
+              <a:buSzPts val="2600"/>
+              <a:buFont typeface="Arial"/>
+              <a:buNone/>
+              <a:defRPr sz="2600" b="0" i="0" u="none" strike="noStrike" cap="none">
                 <a:solidFill>
                   <a:srgbClr val="ADADAD"/>
                 </a:solidFill>
@@ -3580,23 +3647,23 @@
                 <a:sym typeface="Arial"/>
               </a:defRPr>
             </a:lvl1pPr>
-            <a:lvl2pPr indent="0" lvl="1" marL="0" marR="0" algn="r">
-              <a:lnSpc>
-                <a:spcPct val="100000"/>
-              </a:lnSpc>
-              <a:spcBef>
-                <a:spcPts val="0"/>
-              </a:spcBef>
-              <a:spcAft>
-                <a:spcPts val="0"/>
-              </a:spcAft>
-              <a:buClr>
-                <a:srgbClr val="ADADAD"/>
-              </a:buClr>
-              <a:buSzPts val="2600"/>
-              <a:buFont typeface="Arial"/>
-              <a:buNone/>
-              <a:defRPr b="0" i="0" sz="2600" u="none" cap="none" strike="noStrike">
+            <a:lvl2pPr marL="0" marR="0" lvl="1" indent="0" algn="r">
+              <a:lnSpc>
+                <a:spcPct val="100000"/>
+              </a:lnSpc>
+              <a:spcBef>
+                <a:spcPts val="0"/>
+              </a:spcBef>
+              <a:spcAft>
+                <a:spcPts val="0"/>
+              </a:spcAft>
+              <a:buClr>
+                <a:srgbClr val="ADADAD"/>
+              </a:buClr>
+              <a:buSzPts val="2600"/>
+              <a:buFont typeface="Arial"/>
+              <a:buNone/>
+              <a:defRPr sz="2600" b="0" i="0" u="none" strike="noStrike" cap="none">
                 <a:solidFill>
                   <a:srgbClr val="ADADAD"/>
                 </a:solidFill>
@@ -3606,23 +3673,23 @@
                 <a:sym typeface="Arial"/>
               </a:defRPr>
             </a:lvl2pPr>
-            <a:lvl3pPr indent="0" lvl="2" marL="0" marR="0" algn="r">
-              <a:lnSpc>
-                <a:spcPct val="100000"/>
-              </a:lnSpc>
-              <a:spcBef>
-                <a:spcPts val="0"/>
-              </a:spcBef>
-              <a:spcAft>
-                <a:spcPts val="0"/>
-              </a:spcAft>
-              <a:buClr>
-                <a:srgbClr val="ADADAD"/>
-              </a:buClr>
-              <a:buSzPts val="2600"/>
-              <a:buFont typeface="Arial"/>
-              <a:buNone/>
-              <a:defRPr b="0" i="0" sz="2600" u="none" cap="none" strike="noStrike">
+            <a:lvl3pPr marL="0" marR="0" lvl="2" indent="0" algn="r">
+              <a:lnSpc>
+                <a:spcPct val="100000"/>
+              </a:lnSpc>
+              <a:spcBef>
+                <a:spcPts val="0"/>
+              </a:spcBef>
+              <a:spcAft>
+                <a:spcPts val="0"/>
+              </a:spcAft>
+              <a:buClr>
+                <a:srgbClr val="ADADAD"/>
+              </a:buClr>
+              <a:buSzPts val="2600"/>
+              <a:buFont typeface="Arial"/>
+              <a:buNone/>
+              <a:defRPr sz="2600" b="0" i="0" u="none" strike="noStrike" cap="none">
                 <a:solidFill>
                   <a:srgbClr val="ADADAD"/>
                 </a:solidFill>
@@ -3632,23 +3699,23 @@
                 <a:sym typeface="Arial"/>
               </a:defRPr>
             </a:lvl3pPr>
-            <a:lvl4pPr indent="0" lvl="3" marL="0" marR="0" algn="r">
-              <a:lnSpc>
-                <a:spcPct val="100000"/>
-              </a:lnSpc>
-              <a:spcBef>
-                <a:spcPts val="0"/>
-              </a:spcBef>
-              <a:spcAft>
-                <a:spcPts val="0"/>
-              </a:spcAft>
-              <a:buClr>
-                <a:srgbClr val="ADADAD"/>
-              </a:buClr>
-              <a:buSzPts val="2600"/>
-              <a:buFont typeface="Arial"/>
-              <a:buNone/>
-              <a:defRPr b="0" i="0" sz="2600" u="none" cap="none" strike="noStrike">
+            <a:lvl4pPr marL="0" marR="0" lvl="3" indent="0" algn="r">
+              <a:lnSpc>
+                <a:spcPct val="100000"/>
+              </a:lnSpc>
+              <a:spcBef>
+                <a:spcPts val="0"/>
+              </a:spcBef>
+              <a:spcAft>
+                <a:spcPts val="0"/>
+              </a:spcAft>
+              <a:buClr>
+                <a:srgbClr val="ADADAD"/>
+              </a:buClr>
+              <a:buSzPts val="2600"/>
+              <a:buFont typeface="Arial"/>
+              <a:buNone/>
+              <a:defRPr sz="2600" b="0" i="0" u="none" strike="noStrike" cap="none">
                 <a:solidFill>
                   <a:srgbClr val="ADADAD"/>
                 </a:solidFill>
@@ -3658,23 +3725,23 @@
                 <a:sym typeface="Arial"/>
               </a:defRPr>
             </a:lvl4pPr>
-            <a:lvl5pPr indent="0" lvl="4" marL="0" marR="0" algn="r">
-              <a:lnSpc>
-                <a:spcPct val="100000"/>
-              </a:lnSpc>
-              <a:spcBef>
-                <a:spcPts val="0"/>
-              </a:spcBef>
-              <a:spcAft>
-                <a:spcPts val="0"/>
-              </a:spcAft>
-              <a:buClr>
-                <a:srgbClr val="ADADAD"/>
-              </a:buClr>
-              <a:buSzPts val="2600"/>
-              <a:buFont typeface="Arial"/>
-              <a:buNone/>
-              <a:defRPr b="0" i="0" sz="2600" u="none" cap="none" strike="noStrike">
+            <a:lvl5pPr marL="0" marR="0" lvl="4" indent="0" algn="r">
+              <a:lnSpc>
+                <a:spcPct val="100000"/>
+              </a:lnSpc>
+              <a:spcBef>
+                <a:spcPts val="0"/>
+              </a:spcBef>
+              <a:spcAft>
+                <a:spcPts val="0"/>
+              </a:spcAft>
+              <a:buClr>
+                <a:srgbClr val="ADADAD"/>
+              </a:buClr>
+              <a:buSzPts val="2600"/>
+              <a:buFont typeface="Arial"/>
+              <a:buNone/>
+              <a:defRPr sz="2600" b="0" i="0" u="none" strike="noStrike" cap="none">
                 <a:solidFill>
                   <a:srgbClr val="ADADAD"/>
                 </a:solidFill>
@@ -3684,23 +3751,23 @@
                 <a:sym typeface="Arial"/>
               </a:defRPr>
             </a:lvl5pPr>
-            <a:lvl6pPr indent="0" lvl="5" marL="0" marR="0" algn="r">
-              <a:lnSpc>
-                <a:spcPct val="100000"/>
-              </a:lnSpc>
-              <a:spcBef>
-                <a:spcPts val="0"/>
-              </a:spcBef>
-              <a:spcAft>
-                <a:spcPts val="0"/>
-              </a:spcAft>
-              <a:buClr>
-                <a:srgbClr val="ADADAD"/>
-              </a:buClr>
-              <a:buSzPts val="2600"/>
-              <a:buFont typeface="Arial"/>
-              <a:buNone/>
-              <a:defRPr b="0" i="0" sz="2600" u="none" cap="none" strike="noStrike">
+            <a:lvl6pPr marL="0" marR="0" lvl="5" indent="0" algn="r">
+              <a:lnSpc>
+                <a:spcPct val="100000"/>
+              </a:lnSpc>
+              <a:spcBef>
+                <a:spcPts val="0"/>
+              </a:spcBef>
+              <a:spcAft>
+                <a:spcPts val="0"/>
+              </a:spcAft>
+              <a:buClr>
+                <a:srgbClr val="ADADAD"/>
+              </a:buClr>
+              <a:buSzPts val="2600"/>
+              <a:buFont typeface="Arial"/>
+              <a:buNone/>
+              <a:defRPr sz="2600" b="0" i="0" u="none" strike="noStrike" cap="none">
                 <a:solidFill>
                   <a:srgbClr val="ADADAD"/>
                 </a:solidFill>
@@ -3710,23 +3777,23 @@
                 <a:sym typeface="Arial"/>
               </a:defRPr>
             </a:lvl6pPr>
-            <a:lvl7pPr indent="0" lvl="6" marL="0" marR="0" algn="r">
-              <a:lnSpc>
-                <a:spcPct val="100000"/>
-              </a:lnSpc>
-              <a:spcBef>
-                <a:spcPts val="0"/>
-              </a:spcBef>
-              <a:spcAft>
-                <a:spcPts val="0"/>
-              </a:spcAft>
-              <a:buClr>
-                <a:srgbClr val="ADADAD"/>
-              </a:buClr>
-              <a:buSzPts val="2600"/>
-              <a:buFont typeface="Arial"/>
-              <a:buNone/>
-              <a:defRPr b="0" i="0" sz="2600" u="none" cap="none" strike="noStrike">
+            <a:lvl7pPr marL="0" marR="0" lvl="6" indent="0" algn="r">
+              <a:lnSpc>
+                <a:spcPct val="100000"/>
+              </a:lnSpc>
+              <a:spcBef>
+                <a:spcPts val="0"/>
+              </a:spcBef>
+              <a:spcAft>
+                <a:spcPts val="0"/>
+              </a:spcAft>
+              <a:buClr>
+                <a:srgbClr val="ADADAD"/>
+              </a:buClr>
+              <a:buSzPts val="2600"/>
+              <a:buFont typeface="Arial"/>
+              <a:buNone/>
+              <a:defRPr sz="2600" b="0" i="0" u="none" strike="noStrike" cap="none">
                 <a:solidFill>
                   <a:srgbClr val="ADADAD"/>
                 </a:solidFill>
@@ -3736,23 +3803,23 @@
                 <a:sym typeface="Arial"/>
               </a:defRPr>
             </a:lvl7pPr>
-            <a:lvl8pPr indent="0" lvl="7" marL="0" marR="0" algn="r">
-              <a:lnSpc>
-                <a:spcPct val="100000"/>
-              </a:lnSpc>
-              <a:spcBef>
-                <a:spcPts val="0"/>
-              </a:spcBef>
-              <a:spcAft>
-                <a:spcPts val="0"/>
-              </a:spcAft>
-              <a:buClr>
-                <a:srgbClr val="ADADAD"/>
-              </a:buClr>
-              <a:buSzPts val="2600"/>
-              <a:buFont typeface="Arial"/>
-              <a:buNone/>
-              <a:defRPr b="0" i="0" sz="2600" u="none" cap="none" strike="noStrike">
+            <a:lvl8pPr marL="0" marR="0" lvl="7" indent="0" algn="r">
+              <a:lnSpc>
+                <a:spcPct val="100000"/>
+              </a:lnSpc>
+              <a:spcBef>
+                <a:spcPts val="0"/>
+              </a:spcBef>
+              <a:spcAft>
+                <a:spcPts val="0"/>
+              </a:spcAft>
+              <a:buClr>
+                <a:srgbClr val="ADADAD"/>
+              </a:buClr>
+              <a:buSzPts val="2600"/>
+              <a:buFont typeface="Arial"/>
+              <a:buNone/>
+              <a:defRPr sz="2600" b="0" i="0" u="none" strike="noStrike" cap="none">
                 <a:solidFill>
                   <a:srgbClr val="ADADAD"/>
                 </a:solidFill>
@@ -3762,23 +3829,23 @@
                 <a:sym typeface="Arial"/>
               </a:defRPr>
             </a:lvl8pPr>
-            <a:lvl9pPr indent="0" lvl="8" marL="0" marR="0" algn="r">
-              <a:lnSpc>
-                <a:spcPct val="100000"/>
-              </a:lnSpc>
-              <a:spcBef>
-                <a:spcPts val="0"/>
-              </a:spcBef>
-              <a:spcAft>
-                <a:spcPts val="0"/>
-              </a:spcAft>
-              <a:buClr>
-                <a:srgbClr val="ADADAD"/>
-              </a:buClr>
-              <a:buSzPts val="2600"/>
-              <a:buFont typeface="Arial"/>
-              <a:buNone/>
-              <a:defRPr b="0" i="0" sz="2600" u="none" cap="none" strike="noStrike">
+            <a:lvl9pPr marL="0" marR="0" lvl="8" indent="0" algn="r">
+              <a:lnSpc>
+                <a:spcPct val="100000"/>
+              </a:lnSpc>
+              <a:spcBef>
+                <a:spcPts val="0"/>
+              </a:spcBef>
+              <a:spcAft>
+                <a:spcPts val="0"/>
+              </a:spcAft>
+              <a:buClr>
+                <a:srgbClr val="ADADAD"/>
+              </a:buClr>
+              <a:buSzPts val="2600"/>
+              <a:buFont typeface="Arial"/>
+              <a:buNone/>
+              <a:defRPr sz="2600" b="0" i="0" u="none" strike="noStrike" cap="none">
                 <a:solidFill>
                   <a:srgbClr val="ADADAD"/>
                 </a:solidFill>
@@ -3790,7 +3857,7 @@
             </a:lvl9pPr>
           </a:lstStyle>
           <a:p>
-            <a:pPr indent="0" lvl="0" marL="0" rtl="0" algn="r">
+            <a:pPr marL="0" lvl="0" indent="0" algn="r" rtl="0">
               <a:spcBef>
                 <a:spcPts val="0"/>
               </a:spcBef>
@@ -3816,11 +3883,11 @@
 </file>
 
 <file path=ppt/slideLayouts/slideLayout5.xml><?xml version="1.0" encoding="utf-8"?>
-<p:sldLayout xmlns:a="http://schemas.openxmlformats.org/drawingml/2006/main" xmlns:r="http://schemas.openxmlformats.org/officeDocument/2006/relationships" xmlns:mc="http://schemas.openxmlformats.org/markup-compatibility/2006" xmlns:mv="urn:schemas-microsoft-com:mac:vml" xmlns:p="http://schemas.openxmlformats.org/presentationml/2006/main" xmlns:c="http://schemas.openxmlformats.org/drawingml/2006/chart" xmlns:dgm="http://schemas.openxmlformats.org/drawingml/2006/diagram" xmlns:o="urn:schemas-microsoft-com:office:office" xmlns:v="urn:schemas-microsoft-com:vml" xmlns:pvml="urn:schemas-microsoft-com:office:powerpoint" xmlns:com="http://schemas.openxmlformats.org/drawingml/2006/compatibility" xmlns:p14="http://schemas.microsoft.com/office/powerpoint/2010/main" xmlns:p15="http://schemas.microsoft.com/office/powerpoint/2012/main" xmlns:ahyp="http://schemas.microsoft.com/office/drawing/2018/hyperlinkcolor" matchingName="ONE_COLUMN_TEXT">
+<p:sldLayout xmlns:a="http://schemas.openxmlformats.org/drawingml/2006/main" xmlns:r="http://schemas.openxmlformats.org/officeDocument/2006/relationships" xmlns:p="http://schemas.openxmlformats.org/presentationml/2006/main" matchingName="ONE_COLUMN_TEXT">
   <p:cSld name="ONE_COLUMN_TEXT">
     <p:spTree>
       <p:nvGrpSpPr>
-        <p:cNvPr id="25" name="Shape 25"/>
+        <p:cNvPr id="1" name="Shape 25"/>
         <p:cNvGrpSpPr/>
         <p:nvPr/>
       </p:nvGrpSpPr>
@@ -3835,7 +3902,9 @@
       <p:sp>
         <p:nvSpPr>
           <p:cNvPr id="26" name="Google Shape;26;p6"/>
-          <p:cNvSpPr txBox="1"/>
+          <p:cNvSpPr txBox="1">
+            <a:spLocks noGrp="1"/>
+          </p:cNvSpPr>
           <p:nvPr>
             <p:ph type="title"/>
           </p:nvPr>
@@ -3854,7 +3923,7 @@
           </a:ln>
         </p:spPr>
         <p:txBody>
-          <a:bodyPr anchorCtr="0" anchor="b" bIns="243775" lIns="243775" spcFirstLastPara="1" rIns="243775" wrap="square" tIns="243775">
+          <a:bodyPr spcFirstLastPara="1" wrap="square" lIns="243775" tIns="243775" rIns="243775" bIns="243775" anchor="b" anchorCtr="0">
             <a:noAutofit/>
           </a:bodyPr>
           <a:lstStyle>
@@ -4013,15 +4082,19 @@
               <a:defRPr/>
             </a:lvl9pPr>
           </a:lstStyle>
-          <a:p/>
+          <a:p>
+            <a:endParaRPr/>
+          </a:p>
         </p:txBody>
       </p:sp>
       <p:sp>
         <p:nvSpPr>
           <p:cNvPr id="27" name="Google Shape;27;p6"/>
-          <p:cNvSpPr txBox="1"/>
+          <p:cNvSpPr txBox="1">
+            <a:spLocks noGrp="1"/>
+          </p:cNvSpPr>
           <p:nvPr>
-            <p:ph idx="1" type="body"/>
+            <p:ph type="body" idx="1"/>
           </p:nvPr>
         </p:nvSpPr>
         <p:spPr>
@@ -4038,11 +4111,11 @@
           </a:ln>
         </p:spPr>
         <p:txBody>
-          <a:bodyPr anchorCtr="0" anchor="t" bIns="243775" lIns="243775" spcFirstLastPara="1" rIns="243775" wrap="square" tIns="243775">
+          <a:bodyPr spcFirstLastPara="1" wrap="square" lIns="243775" tIns="243775" rIns="243775" bIns="243775" anchor="t" anchorCtr="0">
             <a:noAutofit/>
           </a:bodyPr>
           <a:lstStyle>
-            <a:lvl1pPr indent="-431800" lvl="0" marL="457200" algn="l">
+            <a:lvl1pPr marL="457200" lvl="0" indent="-431800" algn="l">
               <a:lnSpc>
                 <a:spcPct val="115000"/>
               </a:lnSpc>
@@ -4056,7 +4129,7 @@
               <a:buChar char="●"/>
               <a:defRPr sz="3200"/>
             </a:lvl1pPr>
-            <a:lvl2pPr indent="-431800" lvl="1" marL="914400" algn="l">
+            <a:lvl2pPr marL="914400" lvl="1" indent="-431800" algn="l">
               <a:lnSpc>
                 <a:spcPct val="115000"/>
               </a:lnSpc>
@@ -4070,7 +4143,7 @@
               <a:buChar char="○"/>
               <a:defRPr sz="3200"/>
             </a:lvl2pPr>
-            <a:lvl3pPr indent="-431800" lvl="2" marL="1371600" algn="l">
+            <a:lvl3pPr marL="1371600" lvl="2" indent="-431800" algn="l">
               <a:lnSpc>
                 <a:spcPct val="115000"/>
               </a:lnSpc>
@@ -4084,7 +4157,7 @@
               <a:buChar char="■"/>
               <a:defRPr sz="3200"/>
             </a:lvl3pPr>
-            <a:lvl4pPr indent="-431800" lvl="3" marL="1828800" algn="l">
+            <a:lvl4pPr marL="1828800" lvl="3" indent="-431800" algn="l">
               <a:lnSpc>
                 <a:spcPct val="115000"/>
               </a:lnSpc>
@@ -4098,7 +4171,7 @@
               <a:buChar char="●"/>
               <a:defRPr sz="3200"/>
             </a:lvl4pPr>
-            <a:lvl5pPr indent="-431800" lvl="4" marL="2286000" algn="l">
+            <a:lvl5pPr marL="2286000" lvl="4" indent="-431800" algn="l">
               <a:lnSpc>
                 <a:spcPct val="115000"/>
               </a:lnSpc>
@@ -4112,7 +4185,7 @@
               <a:buChar char="○"/>
               <a:defRPr sz="3200"/>
             </a:lvl5pPr>
-            <a:lvl6pPr indent="-533400" lvl="5" marL="2743200" algn="l">
+            <a:lvl6pPr marL="2743200" lvl="5" indent="-533400" algn="l">
               <a:lnSpc>
                 <a:spcPct val="115000"/>
               </a:lnSpc>
@@ -4126,7 +4199,7 @@
               <a:buChar char="■"/>
               <a:defRPr/>
             </a:lvl6pPr>
-            <a:lvl7pPr indent="-533400" lvl="6" marL="3200400" algn="l">
+            <a:lvl7pPr marL="3200400" lvl="6" indent="-533400" algn="l">
               <a:lnSpc>
                 <a:spcPct val="115000"/>
               </a:lnSpc>
@@ -4140,7 +4213,7 @@
               <a:buChar char="●"/>
               <a:defRPr/>
             </a:lvl7pPr>
-            <a:lvl8pPr indent="-533400" lvl="7" marL="3657600" algn="l">
+            <a:lvl8pPr marL="3657600" lvl="7" indent="-533400" algn="l">
               <a:lnSpc>
                 <a:spcPct val="115000"/>
               </a:lnSpc>
@@ -4154,7 +4227,7 @@
               <a:buChar char="○"/>
               <a:defRPr/>
             </a:lvl8pPr>
-            <a:lvl9pPr indent="-533400" lvl="8" marL="4114800" algn="l">
+            <a:lvl9pPr marL="4114800" lvl="8" indent="-533400" algn="l">
               <a:lnSpc>
                 <a:spcPct val="115000"/>
               </a:lnSpc>
@@ -4169,15 +4242,19 @@
               <a:defRPr/>
             </a:lvl9pPr>
           </a:lstStyle>
-          <a:p/>
+          <a:p>
+            <a:endParaRPr/>
+          </a:p>
         </p:txBody>
       </p:sp>
       <p:sp>
         <p:nvSpPr>
           <p:cNvPr id="28" name="Google Shape;28;p6"/>
-          <p:cNvSpPr txBox="1"/>
+          <p:cNvSpPr txBox="1">
+            <a:spLocks noGrp="1"/>
+          </p:cNvSpPr>
           <p:nvPr>
-            <p:ph idx="12" type="sldNum"/>
+            <p:ph type="sldNum" idx="12"/>
           </p:nvPr>
         </p:nvSpPr>
         <p:spPr>
@@ -4194,27 +4271,27 @@
           </a:ln>
         </p:spPr>
         <p:txBody>
-          <a:bodyPr anchorCtr="0" anchor="ctr" bIns="243775" lIns="243775" spcFirstLastPara="1" rIns="243775" wrap="square" tIns="243775">
+          <a:bodyPr spcFirstLastPara="1" wrap="square" lIns="243775" tIns="243775" rIns="243775" bIns="243775" anchor="ctr" anchorCtr="0">
             <a:noAutofit/>
           </a:bodyPr>
           <a:lstStyle>
-            <a:lvl1pPr indent="0" lvl="0" marL="0" marR="0" algn="r">
-              <a:lnSpc>
-                <a:spcPct val="100000"/>
-              </a:lnSpc>
-              <a:spcBef>
-                <a:spcPts val="0"/>
-              </a:spcBef>
-              <a:spcAft>
-                <a:spcPts val="0"/>
-              </a:spcAft>
-              <a:buClr>
-                <a:srgbClr val="ADADAD"/>
-              </a:buClr>
-              <a:buSzPts val="2600"/>
-              <a:buFont typeface="Arial"/>
-              <a:buNone/>
-              <a:defRPr b="0" i="0" sz="2600" u="none" cap="none" strike="noStrike">
+            <a:lvl1pPr marL="0" marR="0" lvl="0" indent="0" algn="r">
+              <a:lnSpc>
+                <a:spcPct val="100000"/>
+              </a:lnSpc>
+              <a:spcBef>
+                <a:spcPts val="0"/>
+              </a:spcBef>
+              <a:spcAft>
+                <a:spcPts val="0"/>
+              </a:spcAft>
+              <a:buClr>
+                <a:srgbClr val="ADADAD"/>
+              </a:buClr>
+              <a:buSzPts val="2600"/>
+              <a:buFont typeface="Arial"/>
+              <a:buNone/>
+              <a:defRPr sz="2600" b="0" i="0" u="none" strike="noStrike" cap="none">
                 <a:solidFill>
                   <a:srgbClr val="ADADAD"/>
                 </a:solidFill>
@@ -4224,23 +4301,23 @@
                 <a:sym typeface="Arial"/>
               </a:defRPr>
             </a:lvl1pPr>
-            <a:lvl2pPr indent="0" lvl="1" marL="0" marR="0" algn="r">
-              <a:lnSpc>
-                <a:spcPct val="100000"/>
-              </a:lnSpc>
-              <a:spcBef>
-                <a:spcPts val="0"/>
-              </a:spcBef>
-              <a:spcAft>
-                <a:spcPts val="0"/>
-              </a:spcAft>
-              <a:buClr>
-                <a:srgbClr val="ADADAD"/>
-              </a:buClr>
-              <a:buSzPts val="2600"/>
-              <a:buFont typeface="Arial"/>
-              <a:buNone/>
-              <a:defRPr b="0" i="0" sz="2600" u="none" cap="none" strike="noStrike">
+            <a:lvl2pPr marL="0" marR="0" lvl="1" indent="0" algn="r">
+              <a:lnSpc>
+                <a:spcPct val="100000"/>
+              </a:lnSpc>
+              <a:spcBef>
+                <a:spcPts val="0"/>
+              </a:spcBef>
+              <a:spcAft>
+                <a:spcPts val="0"/>
+              </a:spcAft>
+              <a:buClr>
+                <a:srgbClr val="ADADAD"/>
+              </a:buClr>
+              <a:buSzPts val="2600"/>
+              <a:buFont typeface="Arial"/>
+              <a:buNone/>
+              <a:defRPr sz="2600" b="0" i="0" u="none" strike="noStrike" cap="none">
                 <a:solidFill>
                   <a:srgbClr val="ADADAD"/>
                 </a:solidFill>
@@ -4250,23 +4327,23 @@
                 <a:sym typeface="Arial"/>
               </a:defRPr>
             </a:lvl2pPr>
-            <a:lvl3pPr indent="0" lvl="2" marL="0" marR="0" algn="r">
-              <a:lnSpc>
-                <a:spcPct val="100000"/>
-              </a:lnSpc>
-              <a:spcBef>
-                <a:spcPts val="0"/>
-              </a:spcBef>
-              <a:spcAft>
-                <a:spcPts val="0"/>
-              </a:spcAft>
-              <a:buClr>
-                <a:srgbClr val="ADADAD"/>
-              </a:buClr>
-              <a:buSzPts val="2600"/>
-              <a:buFont typeface="Arial"/>
-              <a:buNone/>
-              <a:defRPr b="0" i="0" sz="2600" u="none" cap="none" strike="noStrike">
+            <a:lvl3pPr marL="0" marR="0" lvl="2" indent="0" algn="r">
+              <a:lnSpc>
+                <a:spcPct val="100000"/>
+              </a:lnSpc>
+              <a:spcBef>
+                <a:spcPts val="0"/>
+              </a:spcBef>
+              <a:spcAft>
+                <a:spcPts val="0"/>
+              </a:spcAft>
+              <a:buClr>
+                <a:srgbClr val="ADADAD"/>
+              </a:buClr>
+              <a:buSzPts val="2600"/>
+              <a:buFont typeface="Arial"/>
+              <a:buNone/>
+              <a:defRPr sz="2600" b="0" i="0" u="none" strike="noStrike" cap="none">
                 <a:solidFill>
                   <a:srgbClr val="ADADAD"/>
                 </a:solidFill>
@@ -4276,23 +4353,23 @@
                 <a:sym typeface="Arial"/>
               </a:defRPr>
             </a:lvl3pPr>
-            <a:lvl4pPr indent="0" lvl="3" marL="0" marR="0" algn="r">
-              <a:lnSpc>
-                <a:spcPct val="100000"/>
-              </a:lnSpc>
-              <a:spcBef>
-                <a:spcPts val="0"/>
-              </a:spcBef>
-              <a:spcAft>
-                <a:spcPts val="0"/>
-              </a:spcAft>
-              <a:buClr>
-                <a:srgbClr val="ADADAD"/>
-              </a:buClr>
-              <a:buSzPts val="2600"/>
-              <a:buFont typeface="Arial"/>
-              <a:buNone/>
-              <a:defRPr b="0" i="0" sz="2600" u="none" cap="none" strike="noStrike">
+            <a:lvl4pPr marL="0" marR="0" lvl="3" indent="0" algn="r">
+              <a:lnSpc>
+                <a:spcPct val="100000"/>
+              </a:lnSpc>
+              <a:spcBef>
+                <a:spcPts val="0"/>
+              </a:spcBef>
+              <a:spcAft>
+                <a:spcPts val="0"/>
+              </a:spcAft>
+              <a:buClr>
+                <a:srgbClr val="ADADAD"/>
+              </a:buClr>
+              <a:buSzPts val="2600"/>
+              <a:buFont typeface="Arial"/>
+              <a:buNone/>
+              <a:defRPr sz="2600" b="0" i="0" u="none" strike="noStrike" cap="none">
                 <a:solidFill>
                   <a:srgbClr val="ADADAD"/>
                 </a:solidFill>
@@ -4302,23 +4379,23 @@
                 <a:sym typeface="Arial"/>
               </a:defRPr>
             </a:lvl4pPr>
-            <a:lvl5pPr indent="0" lvl="4" marL="0" marR="0" algn="r">
-              <a:lnSpc>
-                <a:spcPct val="100000"/>
-              </a:lnSpc>
-              <a:spcBef>
-                <a:spcPts val="0"/>
-              </a:spcBef>
-              <a:spcAft>
-                <a:spcPts val="0"/>
-              </a:spcAft>
-              <a:buClr>
-                <a:srgbClr val="ADADAD"/>
-              </a:buClr>
-              <a:buSzPts val="2600"/>
-              <a:buFont typeface="Arial"/>
-              <a:buNone/>
-              <a:defRPr b="0" i="0" sz="2600" u="none" cap="none" strike="noStrike">
+            <a:lvl5pPr marL="0" marR="0" lvl="4" indent="0" algn="r">
+              <a:lnSpc>
+                <a:spcPct val="100000"/>
+              </a:lnSpc>
+              <a:spcBef>
+                <a:spcPts val="0"/>
+              </a:spcBef>
+              <a:spcAft>
+                <a:spcPts val="0"/>
+              </a:spcAft>
+              <a:buClr>
+                <a:srgbClr val="ADADAD"/>
+              </a:buClr>
+              <a:buSzPts val="2600"/>
+              <a:buFont typeface="Arial"/>
+              <a:buNone/>
+              <a:defRPr sz="2600" b="0" i="0" u="none" strike="noStrike" cap="none">
                 <a:solidFill>
                   <a:srgbClr val="ADADAD"/>
                 </a:solidFill>
@@ -4328,23 +4405,23 @@
                 <a:sym typeface="Arial"/>
               </a:defRPr>
             </a:lvl5pPr>
-            <a:lvl6pPr indent="0" lvl="5" marL="0" marR="0" algn="r">
-              <a:lnSpc>
-                <a:spcPct val="100000"/>
-              </a:lnSpc>
-              <a:spcBef>
-                <a:spcPts val="0"/>
-              </a:spcBef>
-              <a:spcAft>
-                <a:spcPts val="0"/>
-              </a:spcAft>
-              <a:buClr>
-                <a:srgbClr val="ADADAD"/>
-              </a:buClr>
-              <a:buSzPts val="2600"/>
-              <a:buFont typeface="Arial"/>
-              <a:buNone/>
-              <a:defRPr b="0" i="0" sz="2600" u="none" cap="none" strike="noStrike">
+            <a:lvl6pPr marL="0" marR="0" lvl="5" indent="0" algn="r">
+              <a:lnSpc>
+                <a:spcPct val="100000"/>
+              </a:lnSpc>
+              <a:spcBef>
+                <a:spcPts val="0"/>
+              </a:spcBef>
+              <a:spcAft>
+                <a:spcPts val="0"/>
+              </a:spcAft>
+              <a:buClr>
+                <a:srgbClr val="ADADAD"/>
+              </a:buClr>
+              <a:buSzPts val="2600"/>
+              <a:buFont typeface="Arial"/>
+              <a:buNone/>
+              <a:defRPr sz="2600" b="0" i="0" u="none" strike="noStrike" cap="none">
                 <a:solidFill>
                   <a:srgbClr val="ADADAD"/>
                 </a:solidFill>
@@ -4354,23 +4431,23 @@
                 <a:sym typeface="Arial"/>
               </a:defRPr>
             </a:lvl6pPr>
-            <a:lvl7pPr indent="0" lvl="6" marL="0" marR="0" algn="r">
-              <a:lnSpc>
-                <a:spcPct val="100000"/>
-              </a:lnSpc>
-              <a:spcBef>
-                <a:spcPts val="0"/>
-              </a:spcBef>
-              <a:spcAft>
-                <a:spcPts val="0"/>
-              </a:spcAft>
-              <a:buClr>
-                <a:srgbClr val="ADADAD"/>
-              </a:buClr>
-              <a:buSzPts val="2600"/>
-              <a:buFont typeface="Arial"/>
-              <a:buNone/>
-              <a:defRPr b="0" i="0" sz="2600" u="none" cap="none" strike="noStrike">
+            <a:lvl7pPr marL="0" marR="0" lvl="6" indent="0" algn="r">
+              <a:lnSpc>
+                <a:spcPct val="100000"/>
+              </a:lnSpc>
+              <a:spcBef>
+                <a:spcPts val="0"/>
+              </a:spcBef>
+              <a:spcAft>
+                <a:spcPts val="0"/>
+              </a:spcAft>
+              <a:buClr>
+                <a:srgbClr val="ADADAD"/>
+              </a:buClr>
+              <a:buSzPts val="2600"/>
+              <a:buFont typeface="Arial"/>
+              <a:buNone/>
+              <a:defRPr sz="2600" b="0" i="0" u="none" strike="noStrike" cap="none">
                 <a:solidFill>
                   <a:srgbClr val="ADADAD"/>
                 </a:solidFill>
@@ -4380,23 +4457,23 @@
                 <a:sym typeface="Arial"/>
               </a:defRPr>
             </a:lvl7pPr>
-            <a:lvl8pPr indent="0" lvl="7" marL="0" marR="0" algn="r">
-              <a:lnSpc>
-                <a:spcPct val="100000"/>
-              </a:lnSpc>
-              <a:spcBef>
-                <a:spcPts val="0"/>
-              </a:spcBef>
-              <a:spcAft>
-                <a:spcPts val="0"/>
-              </a:spcAft>
-              <a:buClr>
-                <a:srgbClr val="ADADAD"/>
-              </a:buClr>
-              <a:buSzPts val="2600"/>
-              <a:buFont typeface="Arial"/>
-              <a:buNone/>
-              <a:defRPr b="0" i="0" sz="2600" u="none" cap="none" strike="noStrike">
+            <a:lvl8pPr marL="0" marR="0" lvl="7" indent="0" algn="r">
+              <a:lnSpc>
+                <a:spcPct val="100000"/>
+              </a:lnSpc>
+              <a:spcBef>
+                <a:spcPts val="0"/>
+              </a:spcBef>
+              <a:spcAft>
+                <a:spcPts val="0"/>
+              </a:spcAft>
+              <a:buClr>
+                <a:srgbClr val="ADADAD"/>
+              </a:buClr>
+              <a:buSzPts val="2600"/>
+              <a:buFont typeface="Arial"/>
+              <a:buNone/>
+              <a:defRPr sz="2600" b="0" i="0" u="none" strike="noStrike" cap="none">
                 <a:solidFill>
                   <a:srgbClr val="ADADAD"/>
                 </a:solidFill>
@@ -4406,23 +4483,23 @@
                 <a:sym typeface="Arial"/>
               </a:defRPr>
             </a:lvl8pPr>
-            <a:lvl9pPr indent="0" lvl="8" marL="0" marR="0" algn="r">
-              <a:lnSpc>
-                <a:spcPct val="100000"/>
-              </a:lnSpc>
-              <a:spcBef>
-                <a:spcPts val="0"/>
-              </a:spcBef>
-              <a:spcAft>
-                <a:spcPts val="0"/>
-              </a:spcAft>
-              <a:buClr>
-                <a:srgbClr val="ADADAD"/>
-              </a:buClr>
-              <a:buSzPts val="2600"/>
-              <a:buFont typeface="Arial"/>
-              <a:buNone/>
-              <a:defRPr b="0" i="0" sz="2600" u="none" cap="none" strike="noStrike">
+            <a:lvl9pPr marL="0" marR="0" lvl="8" indent="0" algn="r">
+              <a:lnSpc>
+                <a:spcPct val="100000"/>
+              </a:lnSpc>
+              <a:spcBef>
+                <a:spcPts val="0"/>
+              </a:spcBef>
+              <a:spcAft>
+                <a:spcPts val="0"/>
+              </a:spcAft>
+              <a:buClr>
+                <a:srgbClr val="ADADAD"/>
+              </a:buClr>
+              <a:buSzPts val="2600"/>
+              <a:buFont typeface="Arial"/>
+              <a:buNone/>
+              <a:defRPr sz="2600" b="0" i="0" u="none" strike="noStrike" cap="none">
                 <a:solidFill>
                   <a:srgbClr val="ADADAD"/>
                 </a:solidFill>
@@ -4434,7 +4511,7 @@
             </a:lvl9pPr>
           </a:lstStyle>
           <a:p>
-            <a:pPr indent="0" lvl="0" marL="0" rtl="0" algn="r">
+            <a:pPr marL="0" lvl="0" indent="0" algn="r" rtl="0">
               <a:spcBef>
                 <a:spcPts val="0"/>
               </a:spcBef>
@@ -4460,11 +4537,11 @@
 </file>
 
 <file path=ppt/slideLayouts/slideLayout6.xml><?xml version="1.0" encoding="utf-8"?>
-<p:sldLayout xmlns:a="http://schemas.openxmlformats.org/drawingml/2006/main" xmlns:r="http://schemas.openxmlformats.org/officeDocument/2006/relationships" xmlns:mc="http://schemas.openxmlformats.org/markup-compatibility/2006" xmlns:mv="urn:schemas-microsoft-com:mac:vml" xmlns:p="http://schemas.openxmlformats.org/presentationml/2006/main" xmlns:c="http://schemas.openxmlformats.org/drawingml/2006/chart" xmlns:dgm="http://schemas.openxmlformats.org/drawingml/2006/diagram" xmlns:o="urn:schemas-microsoft-com:office:office" xmlns:v="urn:schemas-microsoft-com:vml" xmlns:pvml="urn:schemas-microsoft-com:office:powerpoint" xmlns:com="http://schemas.openxmlformats.org/drawingml/2006/compatibility" xmlns:p14="http://schemas.microsoft.com/office/powerpoint/2010/main" xmlns:p15="http://schemas.microsoft.com/office/powerpoint/2012/main" xmlns:ahyp="http://schemas.microsoft.com/office/drawing/2018/hyperlinkcolor" matchingName="MAIN_POINT">
+<p:sldLayout xmlns:a="http://schemas.openxmlformats.org/drawingml/2006/main" xmlns:r="http://schemas.openxmlformats.org/officeDocument/2006/relationships" xmlns:p="http://schemas.openxmlformats.org/presentationml/2006/main" matchingName="MAIN_POINT">
   <p:cSld name="MAIN_POINT">
     <p:spTree>
       <p:nvGrpSpPr>
-        <p:cNvPr id="29" name="Shape 29"/>
+        <p:cNvPr id="1" name="Shape 29"/>
         <p:cNvGrpSpPr/>
         <p:nvPr/>
       </p:nvGrpSpPr>
@@ -4479,7 +4556,9 @@
       <p:sp>
         <p:nvSpPr>
           <p:cNvPr id="30" name="Google Shape;30;p7"/>
-          <p:cNvSpPr txBox="1"/>
+          <p:cNvSpPr txBox="1">
+            <a:spLocks noGrp="1"/>
+          </p:cNvSpPr>
           <p:nvPr>
             <p:ph type="title"/>
           </p:nvPr>
@@ -4498,7 +4577,7 @@
           </a:ln>
         </p:spPr>
         <p:txBody>
-          <a:bodyPr anchorCtr="0" anchor="ctr" bIns="243775" lIns="243775" spcFirstLastPara="1" rIns="243775" wrap="square" tIns="243775">
+          <a:bodyPr spcFirstLastPara="1" wrap="square" lIns="243775" tIns="243775" rIns="243775" bIns="243775" anchor="ctr" anchorCtr="0">
             <a:noAutofit/>
           </a:bodyPr>
           <a:lstStyle>
@@ -4657,15 +4736,19 @@
               <a:defRPr/>
             </a:lvl9pPr>
           </a:lstStyle>
-          <a:p/>
+          <a:p>
+            <a:endParaRPr/>
+          </a:p>
         </p:txBody>
       </p:sp>
       <p:sp>
         <p:nvSpPr>
           <p:cNvPr id="31" name="Google Shape;31;p7"/>
-          <p:cNvSpPr txBox="1"/>
+          <p:cNvSpPr txBox="1">
+            <a:spLocks noGrp="1"/>
+          </p:cNvSpPr>
           <p:nvPr>
-            <p:ph idx="12" type="sldNum"/>
+            <p:ph type="sldNum" idx="12"/>
           </p:nvPr>
         </p:nvSpPr>
         <p:spPr>
@@ -4682,27 +4765,27 @@
           </a:ln>
         </p:spPr>
         <p:txBody>
-          <a:bodyPr anchorCtr="0" anchor="ctr" bIns="243775" lIns="243775" spcFirstLastPara="1" rIns="243775" wrap="square" tIns="243775">
+          <a:bodyPr spcFirstLastPara="1" wrap="square" lIns="243775" tIns="243775" rIns="243775" bIns="243775" anchor="ctr" anchorCtr="0">
             <a:noAutofit/>
           </a:bodyPr>
           <a:lstStyle>
-            <a:lvl1pPr indent="0" lvl="0" marL="0" marR="0" algn="r">
-              <a:lnSpc>
-                <a:spcPct val="100000"/>
-              </a:lnSpc>
-              <a:spcBef>
-                <a:spcPts val="0"/>
-              </a:spcBef>
-              <a:spcAft>
-                <a:spcPts val="0"/>
-              </a:spcAft>
-              <a:buClr>
-                <a:srgbClr val="ADADAD"/>
-              </a:buClr>
-              <a:buSzPts val="2600"/>
-              <a:buFont typeface="Arial"/>
-              <a:buNone/>
-              <a:defRPr b="0" i="0" sz="2600" u="none" cap="none" strike="noStrike">
+            <a:lvl1pPr marL="0" marR="0" lvl="0" indent="0" algn="r">
+              <a:lnSpc>
+                <a:spcPct val="100000"/>
+              </a:lnSpc>
+              <a:spcBef>
+                <a:spcPts val="0"/>
+              </a:spcBef>
+              <a:spcAft>
+                <a:spcPts val="0"/>
+              </a:spcAft>
+              <a:buClr>
+                <a:srgbClr val="ADADAD"/>
+              </a:buClr>
+              <a:buSzPts val="2600"/>
+              <a:buFont typeface="Arial"/>
+              <a:buNone/>
+              <a:defRPr sz="2600" b="0" i="0" u="none" strike="noStrike" cap="none">
                 <a:solidFill>
                   <a:srgbClr val="ADADAD"/>
                 </a:solidFill>
@@ -4712,23 +4795,23 @@
                 <a:sym typeface="Arial"/>
               </a:defRPr>
             </a:lvl1pPr>
-            <a:lvl2pPr indent="0" lvl="1" marL="0" marR="0" algn="r">
-              <a:lnSpc>
-                <a:spcPct val="100000"/>
-              </a:lnSpc>
-              <a:spcBef>
-                <a:spcPts val="0"/>
-              </a:spcBef>
-              <a:spcAft>
-                <a:spcPts val="0"/>
-              </a:spcAft>
-              <a:buClr>
-                <a:srgbClr val="ADADAD"/>
-              </a:buClr>
-              <a:buSzPts val="2600"/>
-              <a:buFont typeface="Arial"/>
-              <a:buNone/>
-              <a:defRPr b="0" i="0" sz="2600" u="none" cap="none" strike="noStrike">
+            <a:lvl2pPr marL="0" marR="0" lvl="1" indent="0" algn="r">
+              <a:lnSpc>
+                <a:spcPct val="100000"/>
+              </a:lnSpc>
+              <a:spcBef>
+                <a:spcPts val="0"/>
+              </a:spcBef>
+              <a:spcAft>
+                <a:spcPts val="0"/>
+              </a:spcAft>
+              <a:buClr>
+                <a:srgbClr val="ADADAD"/>
+              </a:buClr>
+              <a:buSzPts val="2600"/>
+              <a:buFont typeface="Arial"/>
+              <a:buNone/>
+              <a:defRPr sz="2600" b="0" i="0" u="none" strike="noStrike" cap="none">
                 <a:solidFill>
                   <a:srgbClr val="ADADAD"/>
                 </a:solidFill>
@@ -4738,23 +4821,23 @@
                 <a:sym typeface="Arial"/>
               </a:defRPr>
             </a:lvl2pPr>
-            <a:lvl3pPr indent="0" lvl="2" marL="0" marR="0" algn="r">
-              <a:lnSpc>
-                <a:spcPct val="100000"/>
-              </a:lnSpc>
-              <a:spcBef>
-                <a:spcPts val="0"/>
-              </a:spcBef>
-              <a:spcAft>
-                <a:spcPts val="0"/>
-              </a:spcAft>
-              <a:buClr>
-                <a:srgbClr val="ADADAD"/>
-              </a:buClr>
-              <a:buSzPts val="2600"/>
-              <a:buFont typeface="Arial"/>
-              <a:buNone/>
-              <a:defRPr b="0" i="0" sz="2600" u="none" cap="none" strike="noStrike">
+            <a:lvl3pPr marL="0" marR="0" lvl="2" indent="0" algn="r">
+              <a:lnSpc>
+                <a:spcPct val="100000"/>
+              </a:lnSpc>
+              <a:spcBef>
+                <a:spcPts val="0"/>
+              </a:spcBef>
+              <a:spcAft>
+                <a:spcPts val="0"/>
+              </a:spcAft>
+              <a:buClr>
+                <a:srgbClr val="ADADAD"/>
+              </a:buClr>
+              <a:buSzPts val="2600"/>
+              <a:buFont typeface="Arial"/>
+              <a:buNone/>
+              <a:defRPr sz="2600" b="0" i="0" u="none" strike="noStrike" cap="none">
                 <a:solidFill>
                   <a:srgbClr val="ADADAD"/>
                 </a:solidFill>
@@ -4764,23 +4847,23 @@
                 <a:sym typeface="Arial"/>
               </a:defRPr>
             </a:lvl3pPr>
-            <a:lvl4pPr indent="0" lvl="3" marL="0" marR="0" algn="r">
-              <a:lnSpc>
-                <a:spcPct val="100000"/>
-              </a:lnSpc>
-              <a:spcBef>
-                <a:spcPts val="0"/>
-              </a:spcBef>
-              <a:spcAft>
-                <a:spcPts val="0"/>
-              </a:spcAft>
-              <a:buClr>
-                <a:srgbClr val="ADADAD"/>
-              </a:buClr>
-              <a:buSzPts val="2600"/>
-              <a:buFont typeface="Arial"/>
-              <a:buNone/>
-              <a:defRPr b="0" i="0" sz="2600" u="none" cap="none" strike="noStrike">
+            <a:lvl4pPr marL="0" marR="0" lvl="3" indent="0" algn="r">
+              <a:lnSpc>
+                <a:spcPct val="100000"/>
+              </a:lnSpc>
+              <a:spcBef>
+                <a:spcPts val="0"/>
+              </a:spcBef>
+              <a:spcAft>
+                <a:spcPts val="0"/>
+              </a:spcAft>
+              <a:buClr>
+                <a:srgbClr val="ADADAD"/>
+              </a:buClr>
+              <a:buSzPts val="2600"/>
+              <a:buFont typeface="Arial"/>
+              <a:buNone/>
+              <a:defRPr sz="2600" b="0" i="0" u="none" strike="noStrike" cap="none">
                 <a:solidFill>
                   <a:srgbClr val="ADADAD"/>
                 </a:solidFill>
@@ -4790,23 +4873,23 @@
                 <a:sym typeface="Arial"/>
               </a:defRPr>
             </a:lvl4pPr>
-            <a:lvl5pPr indent="0" lvl="4" marL="0" marR="0" algn="r">
-              <a:lnSpc>
-                <a:spcPct val="100000"/>
-              </a:lnSpc>
-              <a:spcBef>
-                <a:spcPts val="0"/>
-              </a:spcBef>
-              <a:spcAft>
-                <a:spcPts val="0"/>
-              </a:spcAft>
-              <a:buClr>
-                <a:srgbClr val="ADADAD"/>
-              </a:buClr>
-              <a:buSzPts val="2600"/>
-              <a:buFont typeface="Arial"/>
-              <a:buNone/>
-              <a:defRPr b="0" i="0" sz="2600" u="none" cap="none" strike="noStrike">
+            <a:lvl5pPr marL="0" marR="0" lvl="4" indent="0" algn="r">
+              <a:lnSpc>
+                <a:spcPct val="100000"/>
+              </a:lnSpc>
+              <a:spcBef>
+                <a:spcPts val="0"/>
+              </a:spcBef>
+              <a:spcAft>
+                <a:spcPts val="0"/>
+              </a:spcAft>
+              <a:buClr>
+                <a:srgbClr val="ADADAD"/>
+              </a:buClr>
+              <a:buSzPts val="2600"/>
+              <a:buFont typeface="Arial"/>
+              <a:buNone/>
+              <a:defRPr sz="2600" b="0" i="0" u="none" strike="noStrike" cap="none">
                 <a:solidFill>
                   <a:srgbClr val="ADADAD"/>
                 </a:solidFill>
@@ -4816,23 +4899,23 @@
                 <a:sym typeface="Arial"/>
               </a:defRPr>
             </a:lvl5pPr>
-            <a:lvl6pPr indent="0" lvl="5" marL="0" marR="0" algn="r">
-              <a:lnSpc>
-                <a:spcPct val="100000"/>
-              </a:lnSpc>
-              <a:spcBef>
-                <a:spcPts val="0"/>
-              </a:spcBef>
-              <a:spcAft>
-                <a:spcPts val="0"/>
-              </a:spcAft>
-              <a:buClr>
-                <a:srgbClr val="ADADAD"/>
-              </a:buClr>
-              <a:buSzPts val="2600"/>
-              <a:buFont typeface="Arial"/>
-              <a:buNone/>
-              <a:defRPr b="0" i="0" sz="2600" u="none" cap="none" strike="noStrike">
+            <a:lvl6pPr marL="0" marR="0" lvl="5" indent="0" algn="r">
+              <a:lnSpc>
+                <a:spcPct val="100000"/>
+              </a:lnSpc>
+              <a:spcBef>
+                <a:spcPts val="0"/>
+              </a:spcBef>
+              <a:spcAft>
+                <a:spcPts val="0"/>
+              </a:spcAft>
+              <a:buClr>
+                <a:srgbClr val="ADADAD"/>
+              </a:buClr>
+              <a:buSzPts val="2600"/>
+              <a:buFont typeface="Arial"/>
+              <a:buNone/>
+              <a:defRPr sz="2600" b="0" i="0" u="none" strike="noStrike" cap="none">
                 <a:solidFill>
                   <a:srgbClr val="ADADAD"/>
                 </a:solidFill>
@@ -4842,23 +4925,23 @@
                 <a:sym typeface="Arial"/>
               </a:defRPr>
             </a:lvl6pPr>
-            <a:lvl7pPr indent="0" lvl="6" marL="0" marR="0" algn="r">
-              <a:lnSpc>
-                <a:spcPct val="100000"/>
-              </a:lnSpc>
-              <a:spcBef>
-                <a:spcPts val="0"/>
-              </a:spcBef>
-              <a:spcAft>
-                <a:spcPts val="0"/>
-              </a:spcAft>
-              <a:buClr>
-                <a:srgbClr val="ADADAD"/>
-              </a:buClr>
-              <a:buSzPts val="2600"/>
-              <a:buFont typeface="Arial"/>
-              <a:buNone/>
-              <a:defRPr b="0" i="0" sz="2600" u="none" cap="none" strike="noStrike">
+            <a:lvl7pPr marL="0" marR="0" lvl="6" indent="0" algn="r">
+              <a:lnSpc>
+                <a:spcPct val="100000"/>
+              </a:lnSpc>
+              <a:spcBef>
+                <a:spcPts val="0"/>
+              </a:spcBef>
+              <a:spcAft>
+                <a:spcPts val="0"/>
+              </a:spcAft>
+              <a:buClr>
+                <a:srgbClr val="ADADAD"/>
+              </a:buClr>
+              <a:buSzPts val="2600"/>
+              <a:buFont typeface="Arial"/>
+              <a:buNone/>
+              <a:defRPr sz="2600" b="0" i="0" u="none" strike="noStrike" cap="none">
                 <a:solidFill>
                   <a:srgbClr val="ADADAD"/>
                 </a:solidFill>
@@ -4868,23 +4951,23 @@
                 <a:sym typeface="Arial"/>
               </a:defRPr>
             </a:lvl7pPr>
-            <a:lvl8pPr indent="0" lvl="7" marL="0" marR="0" algn="r">
-              <a:lnSpc>
-                <a:spcPct val="100000"/>
-              </a:lnSpc>
-              <a:spcBef>
-                <a:spcPts val="0"/>
-              </a:spcBef>
-              <a:spcAft>
-                <a:spcPts val="0"/>
-              </a:spcAft>
-              <a:buClr>
-                <a:srgbClr val="ADADAD"/>
-              </a:buClr>
-              <a:buSzPts val="2600"/>
-              <a:buFont typeface="Arial"/>
-              <a:buNone/>
-              <a:defRPr b="0" i="0" sz="2600" u="none" cap="none" strike="noStrike">
+            <a:lvl8pPr marL="0" marR="0" lvl="7" indent="0" algn="r">
+              <a:lnSpc>
+                <a:spcPct val="100000"/>
+              </a:lnSpc>
+              <a:spcBef>
+                <a:spcPts val="0"/>
+              </a:spcBef>
+              <a:spcAft>
+                <a:spcPts val="0"/>
+              </a:spcAft>
+              <a:buClr>
+                <a:srgbClr val="ADADAD"/>
+              </a:buClr>
+              <a:buSzPts val="2600"/>
+              <a:buFont typeface="Arial"/>
+              <a:buNone/>
+              <a:defRPr sz="2600" b="0" i="0" u="none" strike="noStrike" cap="none">
                 <a:solidFill>
                   <a:srgbClr val="ADADAD"/>
                 </a:solidFill>
@@ -4894,23 +4977,23 @@
                 <a:sym typeface="Arial"/>
               </a:defRPr>
             </a:lvl8pPr>
-            <a:lvl9pPr indent="0" lvl="8" marL="0" marR="0" algn="r">
-              <a:lnSpc>
-                <a:spcPct val="100000"/>
-              </a:lnSpc>
-              <a:spcBef>
-                <a:spcPts val="0"/>
-              </a:spcBef>
-              <a:spcAft>
-                <a:spcPts val="0"/>
-              </a:spcAft>
-              <a:buClr>
-                <a:srgbClr val="ADADAD"/>
-              </a:buClr>
-              <a:buSzPts val="2600"/>
-              <a:buFont typeface="Arial"/>
-              <a:buNone/>
-              <a:defRPr b="0" i="0" sz="2600" u="none" cap="none" strike="noStrike">
+            <a:lvl9pPr marL="0" marR="0" lvl="8" indent="0" algn="r">
+              <a:lnSpc>
+                <a:spcPct val="100000"/>
+              </a:lnSpc>
+              <a:spcBef>
+                <a:spcPts val="0"/>
+              </a:spcBef>
+              <a:spcAft>
+                <a:spcPts val="0"/>
+              </a:spcAft>
+              <a:buClr>
+                <a:srgbClr val="ADADAD"/>
+              </a:buClr>
+              <a:buSzPts val="2600"/>
+              <a:buFont typeface="Arial"/>
+              <a:buNone/>
+              <a:defRPr sz="2600" b="0" i="0" u="none" strike="noStrike" cap="none">
                 <a:solidFill>
                   <a:srgbClr val="ADADAD"/>
                 </a:solidFill>
@@ -4922,7 +5005,7 @@
             </a:lvl9pPr>
           </a:lstStyle>
           <a:p>
-            <a:pPr indent="0" lvl="0" marL="0" rtl="0" algn="r">
+            <a:pPr marL="0" lvl="0" indent="0" algn="r" rtl="0">
               <a:spcBef>
                 <a:spcPts val="0"/>
               </a:spcBef>
@@ -4948,11 +5031,11 @@
 </file>
 
 <file path=ppt/slideLayouts/slideLayout7.xml><?xml version="1.0" encoding="utf-8"?>
-<p:sldLayout xmlns:a="http://schemas.openxmlformats.org/drawingml/2006/main" xmlns:r="http://schemas.openxmlformats.org/officeDocument/2006/relationships" xmlns:mc="http://schemas.openxmlformats.org/markup-compatibility/2006" xmlns:mv="urn:schemas-microsoft-com:mac:vml" xmlns:p="http://schemas.openxmlformats.org/presentationml/2006/main" xmlns:c="http://schemas.openxmlformats.org/drawingml/2006/chart" xmlns:dgm="http://schemas.openxmlformats.org/drawingml/2006/diagram" xmlns:o="urn:schemas-microsoft-com:office:office" xmlns:v="urn:schemas-microsoft-com:vml" xmlns:pvml="urn:schemas-microsoft-com:office:powerpoint" xmlns:com="http://schemas.openxmlformats.org/drawingml/2006/compatibility" xmlns:p14="http://schemas.microsoft.com/office/powerpoint/2010/main" xmlns:p15="http://schemas.microsoft.com/office/powerpoint/2012/main" xmlns:ahyp="http://schemas.microsoft.com/office/drawing/2018/hyperlinkcolor" matchingName="SECTION_TITLE_AND_DESCRIPTION">
+<p:sldLayout xmlns:a="http://schemas.openxmlformats.org/drawingml/2006/main" xmlns:r="http://schemas.openxmlformats.org/officeDocument/2006/relationships" xmlns:p="http://schemas.openxmlformats.org/presentationml/2006/main" matchingName="SECTION_TITLE_AND_DESCRIPTION">
   <p:cSld name="SECTION_TITLE_AND_DESCRIPTION">
     <p:spTree>
       <p:nvGrpSpPr>
-        <p:cNvPr id="32" name="Shape 32"/>
+        <p:cNvPr id="1" name="Shape 32"/>
         <p:cNvGrpSpPr/>
         <p:nvPr/>
       </p:nvGrpSpPr>
@@ -4986,12 +5069,12 @@
           </a:ln>
         </p:spPr>
         <p:txBody>
-          <a:bodyPr anchorCtr="0" anchor="ctr" bIns="0" lIns="0" spcFirstLastPara="1" rIns="0" wrap="square" tIns="0">
+          <a:bodyPr spcFirstLastPara="1" wrap="square" lIns="0" tIns="0" rIns="0" bIns="0" anchor="ctr" anchorCtr="0">
             <a:noAutofit/>
           </a:bodyPr>
           <a:lstStyle/>
           <a:p>
-            <a:pPr indent="0" lvl="0" marL="0" marR="0" rtl="0" algn="l">
+            <a:pPr marL="0" marR="0" lvl="0" indent="0" algn="l" rtl="0">
               <a:lnSpc>
                 <a:spcPct val="100000"/>
               </a:lnSpc>
@@ -5008,10 +5091,7 @@
               <a:buFont typeface="Arial"/>
               <a:buNone/>
             </a:pPr>
-            <a:r>
-              <a:t/>
-            </a:r>
-            <a:endParaRPr b="0" i="0" sz="3600" u="none" cap="none" strike="noStrike">
+            <a:endParaRPr sz="3600" b="0" i="0" u="none" strike="noStrike" cap="none">
               <a:solidFill>
                 <a:srgbClr val="000000"/>
               </a:solidFill>
@@ -5026,7 +5106,9 @@
       <p:sp>
         <p:nvSpPr>
           <p:cNvPr id="34" name="Google Shape;34;p8"/>
-          <p:cNvSpPr txBox="1"/>
+          <p:cNvSpPr txBox="1">
+            <a:spLocks noGrp="1"/>
+          </p:cNvSpPr>
           <p:nvPr>
             <p:ph type="title"/>
           </p:nvPr>
@@ -5045,7 +5127,7 @@
           </a:ln>
         </p:spPr>
         <p:txBody>
-          <a:bodyPr anchorCtr="0" anchor="b" bIns="243775" lIns="243775" spcFirstLastPara="1" rIns="243775" wrap="square" tIns="243775">
+          <a:bodyPr spcFirstLastPara="1" wrap="square" lIns="243775" tIns="243775" rIns="243775" bIns="243775" anchor="b" anchorCtr="0">
             <a:noAutofit/>
           </a:bodyPr>
           <a:lstStyle>
@@ -5204,15 +5286,19 @@
               <a:defRPr/>
             </a:lvl9pPr>
           </a:lstStyle>
-          <a:p/>
+          <a:p>
+            <a:endParaRPr/>
+          </a:p>
         </p:txBody>
       </p:sp>
       <p:sp>
         <p:nvSpPr>
           <p:cNvPr id="35" name="Google Shape;35;p8"/>
-          <p:cNvSpPr txBox="1"/>
+          <p:cNvSpPr txBox="1">
+            <a:spLocks noGrp="1"/>
+          </p:cNvSpPr>
           <p:nvPr>
-            <p:ph idx="1" type="body"/>
+            <p:ph type="body" idx="1"/>
           </p:nvPr>
         </p:nvSpPr>
         <p:spPr>
@@ -5229,11 +5315,11 @@
           </a:ln>
         </p:spPr>
         <p:txBody>
-          <a:bodyPr anchorCtr="0" anchor="t" bIns="243775" lIns="243775" spcFirstLastPara="1" rIns="243775" wrap="square" tIns="243775">
+          <a:bodyPr spcFirstLastPara="1" wrap="square" lIns="243775" tIns="243775" rIns="243775" bIns="243775" anchor="t" anchorCtr="0">
             <a:noAutofit/>
           </a:bodyPr>
           <a:lstStyle>
-            <a:lvl1pPr indent="-228600" lvl="0" marL="457200" algn="ctr">
+            <a:lvl1pPr marL="457200" lvl="0" indent="-228600" algn="ctr">
               <a:lnSpc>
                 <a:spcPct val="100000"/>
               </a:lnSpc>
@@ -5251,7 +5337,7 @@
               <a:buNone/>
               <a:defRPr sz="5600"/>
             </a:lvl1pPr>
-            <a:lvl2pPr indent="-228600" lvl="1" marL="914400" algn="ctr">
+            <a:lvl2pPr marL="914400" lvl="1" indent="-228600" algn="ctr">
               <a:lnSpc>
                 <a:spcPct val="100000"/>
               </a:lnSpc>
@@ -5269,7 +5355,7 @@
               <a:buNone/>
               <a:defRPr sz="5600"/>
             </a:lvl2pPr>
-            <a:lvl3pPr indent="-228600" lvl="2" marL="1371600" algn="ctr">
+            <a:lvl3pPr marL="1371600" lvl="2" indent="-228600" algn="ctr">
               <a:lnSpc>
                 <a:spcPct val="100000"/>
               </a:lnSpc>
@@ -5287,7 +5373,7 @@
               <a:buNone/>
               <a:defRPr sz="5600"/>
             </a:lvl3pPr>
-            <a:lvl4pPr indent="-228600" lvl="3" marL="1828800" algn="ctr">
+            <a:lvl4pPr marL="1828800" lvl="3" indent="-228600" algn="ctr">
               <a:lnSpc>
                 <a:spcPct val="100000"/>
               </a:lnSpc>
@@ -5305,7 +5391,7 @@
               <a:buNone/>
               <a:defRPr sz="5600"/>
             </a:lvl4pPr>
-            <a:lvl5pPr indent="-228600" lvl="4" marL="2286000" algn="ctr">
+            <a:lvl5pPr marL="2286000" lvl="4" indent="-228600" algn="ctr">
               <a:lnSpc>
                 <a:spcPct val="100000"/>
               </a:lnSpc>
@@ -5323,7 +5409,7 @@
               <a:buNone/>
               <a:defRPr sz="5600"/>
             </a:lvl5pPr>
-            <a:lvl6pPr indent="-533400" lvl="5" marL="2743200" algn="l">
+            <a:lvl6pPr marL="2743200" lvl="5" indent="-533400" algn="l">
               <a:lnSpc>
                 <a:spcPct val="115000"/>
               </a:lnSpc>
@@ -5337,7 +5423,7 @@
               <a:buChar char="■"/>
               <a:defRPr/>
             </a:lvl6pPr>
-            <a:lvl7pPr indent="-533400" lvl="6" marL="3200400" algn="l">
+            <a:lvl7pPr marL="3200400" lvl="6" indent="-533400" algn="l">
               <a:lnSpc>
                 <a:spcPct val="115000"/>
               </a:lnSpc>
@@ -5351,7 +5437,7 @@
               <a:buChar char="●"/>
               <a:defRPr/>
             </a:lvl7pPr>
-            <a:lvl8pPr indent="-533400" lvl="7" marL="3657600" algn="l">
+            <a:lvl8pPr marL="3657600" lvl="7" indent="-533400" algn="l">
               <a:lnSpc>
                 <a:spcPct val="115000"/>
               </a:lnSpc>
@@ -5365,7 +5451,7 @@
               <a:buChar char="○"/>
               <a:defRPr/>
             </a:lvl8pPr>
-            <a:lvl9pPr indent="-533400" lvl="8" marL="4114800" algn="l">
+            <a:lvl9pPr marL="4114800" lvl="8" indent="-533400" algn="l">
               <a:lnSpc>
                 <a:spcPct val="115000"/>
               </a:lnSpc>
@@ -5380,15 +5466,19 @@
               <a:defRPr/>
             </a:lvl9pPr>
           </a:lstStyle>
-          <a:p/>
+          <a:p>
+            <a:endParaRPr/>
+          </a:p>
         </p:txBody>
       </p:sp>
       <p:sp>
         <p:nvSpPr>
           <p:cNvPr id="36" name="Google Shape;36;p8"/>
-          <p:cNvSpPr txBox="1"/>
+          <p:cNvSpPr txBox="1">
+            <a:spLocks noGrp="1"/>
+          </p:cNvSpPr>
           <p:nvPr>
-            <p:ph idx="2" type="body"/>
+            <p:ph type="body" idx="2"/>
           </p:nvPr>
         </p:nvSpPr>
         <p:spPr>
@@ -5405,11 +5495,11 @@
           </a:ln>
         </p:spPr>
         <p:txBody>
-          <a:bodyPr anchorCtr="0" anchor="ctr" bIns="243775" lIns="243775" spcFirstLastPara="1" rIns="243775" wrap="square" tIns="243775">
+          <a:bodyPr spcFirstLastPara="1" wrap="square" lIns="243775" tIns="243775" rIns="243775" bIns="243775" anchor="ctr" anchorCtr="0">
             <a:noAutofit/>
           </a:bodyPr>
           <a:lstStyle>
-            <a:lvl1pPr indent="-533400" lvl="0" marL="457200" algn="l">
+            <a:lvl1pPr marL="457200" lvl="0" indent="-533400" algn="l">
               <a:lnSpc>
                 <a:spcPct val="115000"/>
               </a:lnSpc>
@@ -5423,7 +5513,7 @@
               <a:buChar char="●"/>
               <a:defRPr/>
             </a:lvl1pPr>
-            <a:lvl2pPr indent="-533400" lvl="1" marL="914400" algn="l">
+            <a:lvl2pPr marL="914400" lvl="1" indent="-533400" algn="l">
               <a:lnSpc>
                 <a:spcPct val="115000"/>
               </a:lnSpc>
@@ -5437,7 +5527,7 @@
               <a:buChar char="○"/>
               <a:defRPr/>
             </a:lvl2pPr>
-            <a:lvl3pPr indent="-533400" lvl="2" marL="1371600" algn="l">
+            <a:lvl3pPr marL="1371600" lvl="2" indent="-533400" algn="l">
               <a:lnSpc>
                 <a:spcPct val="115000"/>
               </a:lnSpc>
@@ -5451,7 +5541,7 @@
               <a:buChar char="■"/>
               <a:defRPr/>
             </a:lvl3pPr>
-            <a:lvl4pPr indent="-533400" lvl="3" marL="1828800" algn="l">
+            <a:lvl4pPr marL="1828800" lvl="3" indent="-533400" algn="l">
               <a:lnSpc>
                 <a:spcPct val="115000"/>
               </a:lnSpc>
@@ -5465,7 +5555,7 @@
               <a:buChar char="●"/>
               <a:defRPr/>
             </a:lvl4pPr>
-            <a:lvl5pPr indent="-533400" lvl="4" marL="2286000" algn="l">
+            <a:lvl5pPr marL="2286000" lvl="4" indent="-533400" algn="l">
               <a:lnSpc>
                 <a:spcPct val="115000"/>
               </a:lnSpc>
@@ -5479,7 +5569,7 @@
               <a:buChar char="○"/>
               <a:defRPr/>
             </a:lvl5pPr>
-            <a:lvl6pPr indent="-533400" lvl="5" marL="2743200" algn="l">
+            <a:lvl6pPr marL="2743200" lvl="5" indent="-533400" algn="l">
               <a:lnSpc>
                 <a:spcPct val="115000"/>
               </a:lnSpc>
@@ -5493,7 +5583,7 @@
               <a:buChar char="■"/>
               <a:defRPr/>
             </a:lvl6pPr>
-            <a:lvl7pPr indent="-533400" lvl="6" marL="3200400" algn="l">
+            <a:lvl7pPr marL="3200400" lvl="6" indent="-533400" algn="l">
               <a:lnSpc>
                 <a:spcPct val="115000"/>
               </a:lnSpc>
@@ -5507,7 +5597,7 @@
               <a:buChar char="●"/>
               <a:defRPr/>
             </a:lvl7pPr>
-            <a:lvl8pPr indent="-533400" lvl="7" marL="3657600" algn="l">
+            <a:lvl8pPr marL="3657600" lvl="7" indent="-533400" algn="l">
               <a:lnSpc>
                 <a:spcPct val="115000"/>
               </a:lnSpc>
@@ -5521,7 +5611,7 @@
               <a:buChar char="○"/>
               <a:defRPr/>
             </a:lvl8pPr>
-            <a:lvl9pPr indent="-533400" lvl="8" marL="4114800" algn="l">
+            <a:lvl9pPr marL="4114800" lvl="8" indent="-533400" algn="l">
               <a:lnSpc>
                 <a:spcPct val="115000"/>
               </a:lnSpc>
@@ -5536,15 +5626,19 @@
               <a:defRPr/>
             </a:lvl9pPr>
           </a:lstStyle>
-          <a:p/>
+          <a:p>
+            <a:endParaRPr/>
+          </a:p>
         </p:txBody>
       </p:sp>
       <p:sp>
         <p:nvSpPr>
           <p:cNvPr id="37" name="Google Shape;37;p8"/>
-          <p:cNvSpPr txBox="1"/>
+          <p:cNvSpPr txBox="1">
+            <a:spLocks noGrp="1"/>
+          </p:cNvSpPr>
           <p:nvPr>
-            <p:ph idx="12" type="sldNum"/>
+            <p:ph type="sldNum" idx="12"/>
           </p:nvPr>
         </p:nvSpPr>
         <p:spPr>
@@ -5561,27 +5655,27 @@
           </a:ln>
         </p:spPr>
         <p:txBody>
-          <a:bodyPr anchorCtr="0" anchor="ctr" bIns="243775" lIns="243775" spcFirstLastPara="1" rIns="243775" wrap="square" tIns="243775">
+          <a:bodyPr spcFirstLastPara="1" wrap="square" lIns="243775" tIns="243775" rIns="243775" bIns="243775" anchor="ctr" anchorCtr="0">
             <a:noAutofit/>
           </a:bodyPr>
           <a:lstStyle>
-            <a:lvl1pPr indent="0" lvl="0" marL="0" marR="0" algn="r">
-              <a:lnSpc>
-                <a:spcPct val="100000"/>
-              </a:lnSpc>
-              <a:spcBef>
-                <a:spcPts val="0"/>
-              </a:spcBef>
-              <a:spcAft>
-                <a:spcPts val="0"/>
-              </a:spcAft>
-              <a:buClr>
-                <a:srgbClr val="ADADAD"/>
-              </a:buClr>
-              <a:buSzPts val="2600"/>
-              <a:buFont typeface="Arial"/>
-              <a:buNone/>
-              <a:defRPr b="0" i="0" sz="2600" u="none" cap="none" strike="noStrike">
+            <a:lvl1pPr marL="0" marR="0" lvl="0" indent="0" algn="r">
+              <a:lnSpc>
+                <a:spcPct val="100000"/>
+              </a:lnSpc>
+              <a:spcBef>
+                <a:spcPts val="0"/>
+              </a:spcBef>
+              <a:spcAft>
+                <a:spcPts val="0"/>
+              </a:spcAft>
+              <a:buClr>
+                <a:srgbClr val="ADADAD"/>
+              </a:buClr>
+              <a:buSzPts val="2600"/>
+              <a:buFont typeface="Arial"/>
+              <a:buNone/>
+              <a:defRPr sz="2600" b="0" i="0" u="none" strike="noStrike" cap="none">
                 <a:solidFill>
                   <a:srgbClr val="ADADAD"/>
                 </a:solidFill>
@@ -5591,23 +5685,23 @@
                 <a:sym typeface="Arial"/>
               </a:defRPr>
             </a:lvl1pPr>
-            <a:lvl2pPr indent="0" lvl="1" marL="0" marR="0" algn="r">
-              <a:lnSpc>
-                <a:spcPct val="100000"/>
-              </a:lnSpc>
-              <a:spcBef>
-                <a:spcPts val="0"/>
-              </a:spcBef>
-              <a:spcAft>
-                <a:spcPts val="0"/>
-              </a:spcAft>
-              <a:buClr>
-                <a:srgbClr val="ADADAD"/>
-              </a:buClr>
-              <a:buSzPts val="2600"/>
-              <a:buFont typeface="Arial"/>
-              <a:buNone/>
-              <a:defRPr b="0" i="0" sz="2600" u="none" cap="none" strike="noStrike">
+            <a:lvl2pPr marL="0" marR="0" lvl="1" indent="0" algn="r">
+              <a:lnSpc>
+                <a:spcPct val="100000"/>
+              </a:lnSpc>
+              <a:spcBef>
+                <a:spcPts val="0"/>
+              </a:spcBef>
+              <a:spcAft>
+                <a:spcPts val="0"/>
+              </a:spcAft>
+              <a:buClr>
+                <a:srgbClr val="ADADAD"/>
+              </a:buClr>
+              <a:buSzPts val="2600"/>
+              <a:buFont typeface="Arial"/>
+              <a:buNone/>
+              <a:defRPr sz="2600" b="0" i="0" u="none" strike="noStrike" cap="none">
                 <a:solidFill>
                   <a:srgbClr val="ADADAD"/>
                 </a:solidFill>
@@ -5617,23 +5711,23 @@
                 <a:sym typeface="Arial"/>
               </a:defRPr>
             </a:lvl2pPr>
-            <a:lvl3pPr indent="0" lvl="2" marL="0" marR="0" algn="r">
-              <a:lnSpc>
-                <a:spcPct val="100000"/>
-              </a:lnSpc>
-              <a:spcBef>
-                <a:spcPts val="0"/>
-              </a:spcBef>
-              <a:spcAft>
-                <a:spcPts val="0"/>
-              </a:spcAft>
-              <a:buClr>
-                <a:srgbClr val="ADADAD"/>
-              </a:buClr>
-              <a:buSzPts val="2600"/>
-              <a:buFont typeface="Arial"/>
-              <a:buNone/>
-              <a:defRPr b="0" i="0" sz="2600" u="none" cap="none" strike="noStrike">
+            <a:lvl3pPr marL="0" marR="0" lvl="2" indent="0" algn="r">
+              <a:lnSpc>
+                <a:spcPct val="100000"/>
+              </a:lnSpc>
+              <a:spcBef>
+                <a:spcPts val="0"/>
+              </a:spcBef>
+              <a:spcAft>
+                <a:spcPts val="0"/>
+              </a:spcAft>
+              <a:buClr>
+                <a:srgbClr val="ADADAD"/>
+              </a:buClr>
+              <a:buSzPts val="2600"/>
+              <a:buFont typeface="Arial"/>
+              <a:buNone/>
+              <a:defRPr sz="2600" b="0" i="0" u="none" strike="noStrike" cap="none">
                 <a:solidFill>
                   <a:srgbClr val="ADADAD"/>
                 </a:solidFill>
@@ -5643,23 +5737,23 @@
                 <a:sym typeface="Arial"/>
               </a:defRPr>
             </a:lvl3pPr>
-            <a:lvl4pPr indent="0" lvl="3" marL="0" marR="0" algn="r">
-              <a:lnSpc>
-                <a:spcPct val="100000"/>
-              </a:lnSpc>
-              <a:spcBef>
-                <a:spcPts val="0"/>
-              </a:spcBef>
-              <a:spcAft>
-                <a:spcPts val="0"/>
-              </a:spcAft>
-              <a:buClr>
-                <a:srgbClr val="ADADAD"/>
-              </a:buClr>
-              <a:buSzPts val="2600"/>
-              <a:buFont typeface="Arial"/>
-              <a:buNone/>
-              <a:defRPr b="0" i="0" sz="2600" u="none" cap="none" strike="noStrike">
+            <a:lvl4pPr marL="0" marR="0" lvl="3" indent="0" algn="r">
+              <a:lnSpc>
+                <a:spcPct val="100000"/>
+              </a:lnSpc>
+              <a:spcBef>
+                <a:spcPts val="0"/>
+              </a:spcBef>
+              <a:spcAft>
+                <a:spcPts val="0"/>
+              </a:spcAft>
+              <a:buClr>
+                <a:srgbClr val="ADADAD"/>
+              </a:buClr>
+              <a:buSzPts val="2600"/>
+              <a:buFont typeface="Arial"/>
+              <a:buNone/>
+              <a:defRPr sz="2600" b="0" i="0" u="none" strike="noStrike" cap="none">
                 <a:solidFill>
                   <a:srgbClr val="ADADAD"/>
                 </a:solidFill>
@@ -5669,23 +5763,23 @@
                 <a:sym typeface="Arial"/>
               </a:defRPr>
             </a:lvl4pPr>
-            <a:lvl5pPr indent="0" lvl="4" marL="0" marR="0" algn="r">
-              <a:lnSpc>
-                <a:spcPct val="100000"/>
-              </a:lnSpc>
-              <a:spcBef>
-                <a:spcPts val="0"/>
-              </a:spcBef>
-              <a:spcAft>
-                <a:spcPts val="0"/>
-              </a:spcAft>
-              <a:buClr>
-                <a:srgbClr val="ADADAD"/>
-              </a:buClr>
-              <a:buSzPts val="2600"/>
-              <a:buFont typeface="Arial"/>
-              <a:buNone/>
-              <a:defRPr b="0" i="0" sz="2600" u="none" cap="none" strike="noStrike">
+            <a:lvl5pPr marL="0" marR="0" lvl="4" indent="0" algn="r">
+              <a:lnSpc>
+                <a:spcPct val="100000"/>
+              </a:lnSpc>
+              <a:spcBef>
+                <a:spcPts val="0"/>
+              </a:spcBef>
+              <a:spcAft>
+                <a:spcPts val="0"/>
+              </a:spcAft>
+              <a:buClr>
+                <a:srgbClr val="ADADAD"/>
+              </a:buClr>
+              <a:buSzPts val="2600"/>
+              <a:buFont typeface="Arial"/>
+              <a:buNone/>
+              <a:defRPr sz="2600" b="0" i="0" u="none" strike="noStrike" cap="none">
                 <a:solidFill>
                   <a:srgbClr val="ADADAD"/>
                 </a:solidFill>
@@ -5695,23 +5789,23 @@
                 <a:sym typeface="Arial"/>
               </a:defRPr>
             </a:lvl5pPr>
-            <a:lvl6pPr indent="0" lvl="5" marL="0" marR="0" algn="r">
-              <a:lnSpc>
-                <a:spcPct val="100000"/>
-              </a:lnSpc>
-              <a:spcBef>
-                <a:spcPts val="0"/>
-              </a:spcBef>
-              <a:spcAft>
-                <a:spcPts val="0"/>
-              </a:spcAft>
-              <a:buClr>
-                <a:srgbClr val="ADADAD"/>
-              </a:buClr>
-              <a:buSzPts val="2600"/>
-              <a:buFont typeface="Arial"/>
-              <a:buNone/>
-              <a:defRPr b="0" i="0" sz="2600" u="none" cap="none" strike="noStrike">
+            <a:lvl6pPr marL="0" marR="0" lvl="5" indent="0" algn="r">
+              <a:lnSpc>
+                <a:spcPct val="100000"/>
+              </a:lnSpc>
+              <a:spcBef>
+                <a:spcPts val="0"/>
+              </a:spcBef>
+              <a:spcAft>
+                <a:spcPts val="0"/>
+              </a:spcAft>
+              <a:buClr>
+                <a:srgbClr val="ADADAD"/>
+              </a:buClr>
+              <a:buSzPts val="2600"/>
+              <a:buFont typeface="Arial"/>
+              <a:buNone/>
+              <a:defRPr sz="2600" b="0" i="0" u="none" strike="noStrike" cap="none">
                 <a:solidFill>
                   <a:srgbClr val="ADADAD"/>
                 </a:solidFill>
@@ -5721,23 +5815,23 @@
                 <a:sym typeface="Arial"/>
               </a:defRPr>
             </a:lvl6pPr>
-            <a:lvl7pPr indent="0" lvl="6" marL="0" marR="0" algn="r">
-              <a:lnSpc>
-                <a:spcPct val="100000"/>
-              </a:lnSpc>
-              <a:spcBef>
-                <a:spcPts val="0"/>
-              </a:spcBef>
-              <a:spcAft>
-                <a:spcPts val="0"/>
-              </a:spcAft>
-              <a:buClr>
-                <a:srgbClr val="ADADAD"/>
-              </a:buClr>
-              <a:buSzPts val="2600"/>
-              <a:buFont typeface="Arial"/>
-              <a:buNone/>
-              <a:defRPr b="0" i="0" sz="2600" u="none" cap="none" strike="noStrike">
+            <a:lvl7pPr marL="0" marR="0" lvl="6" indent="0" algn="r">
+              <a:lnSpc>
+                <a:spcPct val="100000"/>
+              </a:lnSpc>
+              <a:spcBef>
+                <a:spcPts val="0"/>
+              </a:spcBef>
+              <a:spcAft>
+                <a:spcPts val="0"/>
+              </a:spcAft>
+              <a:buClr>
+                <a:srgbClr val="ADADAD"/>
+              </a:buClr>
+              <a:buSzPts val="2600"/>
+              <a:buFont typeface="Arial"/>
+              <a:buNone/>
+              <a:defRPr sz="2600" b="0" i="0" u="none" strike="noStrike" cap="none">
                 <a:solidFill>
                   <a:srgbClr val="ADADAD"/>
                 </a:solidFill>
@@ -5747,23 +5841,23 @@
                 <a:sym typeface="Arial"/>
               </a:defRPr>
             </a:lvl7pPr>
-            <a:lvl8pPr indent="0" lvl="7" marL="0" marR="0" algn="r">
-              <a:lnSpc>
-                <a:spcPct val="100000"/>
-              </a:lnSpc>
-              <a:spcBef>
-                <a:spcPts val="0"/>
-              </a:spcBef>
-              <a:spcAft>
-                <a:spcPts val="0"/>
-              </a:spcAft>
-              <a:buClr>
-                <a:srgbClr val="ADADAD"/>
-              </a:buClr>
-              <a:buSzPts val="2600"/>
-              <a:buFont typeface="Arial"/>
-              <a:buNone/>
-              <a:defRPr b="0" i="0" sz="2600" u="none" cap="none" strike="noStrike">
+            <a:lvl8pPr marL="0" marR="0" lvl="7" indent="0" algn="r">
+              <a:lnSpc>
+                <a:spcPct val="100000"/>
+              </a:lnSpc>
+              <a:spcBef>
+                <a:spcPts val="0"/>
+              </a:spcBef>
+              <a:spcAft>
+                <a:spcPts val="0"/>
+              </a:spcAft>
+              <a:buClr>
+                <a:srgbClr val="ADADAD"/>
+              </a:buClr>
+              <a:buSzPts val="2600"/>
+              <a:buFont typeface="Arial"/>
+              <a:buNone/>
+              <a:defRPr sz="2600" b="0" i="0" u="none" strike="noStrike" cap="none">
                 <a:solidFill>
                   <a:srgbClr val="ADADAD"/>
                 </a:solidFill>
@@ -5773,23 +5867,23 @@
                 <a:sym typeface="Arial"/>
               </a:defRPr>
             </a:lvl8pPr>
-            <a:lvl9pPr indent="0" lvl="8" marL="0" marR="0" algn="r">
-              <a:lnSpc>
-                <a:spcPct val="100000"/>
-              </a:lnSpc>
-              <a:spcBef>
-                <a:spcPts val="0"/>
-              </a:spcBef>
-              <a:spcAft>
-                <a:spcPts val="0"/>
-              </a:spcAft>
-              <a:buClr>
-                <a:srgbClr val="ADADAD"/>
-              </a:buClr>
-              <a:buSzPts val="2600"/>
-              <a:buFont typeface="Arial"/>
-              <a:buNone/>
-              <a:defRPr b="0" i="0" sz="2600" u="none" cap="none" strike="noStrike">
+            <a:lvl9pPr marL="0" marR="0" lvl="8" indent="0" algn="r">
+              <a:lnSpc>
+                <a:spcPct val="100000"/>
+              </a:lnSpc>
+              <a:spcBef>
+                <a:spcPts val="0"/>
+              </a:spcBef>
+              <a:spcAft>
+                <a:spcPts val="0"/>
+              </a:spcAft>
+              <a:buClr>
+                <a:srgbClr val="ADADAD"/>
+              </a:buClr>
+              <a:buSzPts val="2600"/>
+              <a:buFont typeface="Arial"/>
+              <a:buNone/>
+              <a:defRPr sz="2600" b="0" i="0" u="none" strike="noStrike" cap="none">
                 <a:solidFill>
                   <a:srgbClr val="ADADAD"/>
                 </a:solidFill>
@@ -5801,7 +5895,7 @@
             </a:lvl9pPr>
           </a:lstStyle>
           <a:p>
-            <a:pPr indent="0" lvl="0" marL="0" rtl="0" algn="r">
+            <a:pPr marL="0" lvl="0" indent="0" algn="r" rtl="0">
               <a:spcBef>
                 <a:spcPts val="0"/>
               </a:spcBef>
@@ -5827,11 +5921,11 @@
 </file>
 
 <file path=ppt/slideLayouts/slideLayout8.xml><?xml version="1.0" encoding="utf-8"?>
-<p:sldLayout xmlns:a="http://schemas.openxmlformats.org/drawingml/2006/main" xmlns:r="http://schemas.openxmlformats.org/officeDocument/2006/relationships" xmlns:mc="http://schemas.openxmlformats.org/markup-compatibility/2006" xmlns:mv="urn:schemas-microsoft-com:mac:vml" xmlns:p="http://schemas.openxmlformats.org/presentationml/2006/main" xmlns:c="http://schemas.openxmlformats.org/drawingml/2006/chart" xmlns:dgm="http://schemas.openxmlformats.org/drawingml/2006/diagram" xmlns:o="urn:schemas-microsoft-com:office:office" xmlns:v="urn:schemas-microsoft-com:vml" xmlns:pvml="urn:schemas-microsoft-com:office:powerpoint" xmlns:com="http://schemas.openxmlformats.org/drawingml/2006/compatibility" xmlns:p14="http://schemas.microsoft.com/office/powerpoint/2010/main" xmlns:p15="http://schemas.microsoft.com/office/powerpoint/2012/main" xmlns:ahyp="http://schemas.microsoft.com/office/drawing/2018/hyperlinkcolor" matchingName="CAPTION_ONLY">
+<p:sldLayout xmlns:a="http://schemas.openxmlformats.org/drawingml/2006/main" xmlns:r="http://schemas.openxmlformats.org/officeDocument/2006/relationships" xmlns:p="http://schemas.openxmlformats.org/presentationml/2006/main" matchingName="CAPTION_ONLY">
   <p:cSld name="CAPTION_ONLY">
     <p:spTree>
       <p:nvGrpSpPr>
-        <p:cNvPr id="38" name="Shape 38"/>
+        <p:cNvPr id="1" name="Shape 38"/>
         <p:cNvGrpSpPr/>
         <p:nvPr/>
       </p:nvGrpSpPr>
@@ -5846,9 +5940,11 @@
       <p:sp>
         <p:nvSpPr>
           <p:cNvPr id="39" name="Google Shape;39;p9"/>
-          <p:cNvSpPr txBox="1"/>
+          <p:cNvSpPr txBox="1">
+            <a:spLocks noGrp="1"/>
+          </p:cNvSpPr>
           <p:nvPr>
-            <p:ph idx="1" type="body"/>
+            <p:ph type="body" idx="1"/>
           </p:nvPr>
         </p:nvSpPr>
         <p:spPr>
@@ -5865,11 +5961,11 @@
           </a:ln>
         </p:spPr>
         <p:txBody>
-          <a:bodyPr anchorCtr="0" anchor="ctr" bIns="243775" lIns="243775" spcFirstLastPara="1" rIns="243775" wrap="square" tIns="243775">
+          <a:bodyPr spcFirstLastPara="1" wrap="square" lIns="243775" tIns="243775" rIns="243775" bIns="243775" anchor="ctr" anchorCtr="0">
             <a:noAutofit/>
           </a:bodyPr>
           <a:lstStyle>
-            <a:lvl1pPr indent="-228600" lvl="0" marL="457200" algn="l">
+            <a:lvl1pPr marL="457200" lvl="0" indent="-228600" algn="l">
               <a:lnSpc>
                 <a:spcPct val="100000"/>
               </a:lnSpc>
@@ -5887,15 +5983,19 @@
               <a:defRPr/>
             </a:lvl1pPr>
           </a:lstStyle>
-          <a:p/>
+          <a:p>
+            <a:endParaRPr/>
+          </a:p>
         </p:txBody>
       </p:sp>
       <p:sp>
         <p:nvSpPr>
           <p:cNvPr id="40" name="Google Shape;40;p9"/>
-          <p:cNvSpPr txBox="1"/>
+          <p:cNvSpPr txBox="1">
+            <a:spLocks noGrp="1"/>
+          </p:cNvSpPr>
           <p:nvPr>
-            <p:ph idx="12" type="sldNum"/>
+            <p:ph type="sldNum" idx="12"/>
           </p:nvPr>
         </p:nvSpPr>
         <p:spPr>
@@ -5912,27 +6012,27 @@
           </a:ln>
         </p:spPr>
         <p:txBody>
-          <a:bodyPr anchorCtr="0" anchor="ctr" bIns="243775" lIns="243775" spcFirstLastPara="1" rIns="243775" wrap="square" tIns="243775">
+          <a:bodyPr spcFirstLastPara="1" wrap="square" lIns="243775" tIns="243775" rIns="243775" bIns="243775" anchor="ctr" anchorCtr="0">
             <a:noAutofit/>
           </a:bodyPr>
           <a:lstStyle>
-            <a:lvl1pPr indent="0" lvl="0" marL="0" marR="0" algn="r">
-              <a:lnSpc>
-                <a:spcPct val="100000"/>
-              </a:lnSpc>
-              <a:spcBef>
-                <a:spcPts val="0"/>
-              </a:spcBef>
-              <a:spcAft>
-                <a:spcPts val="0"/>
-              </a:spcAft>
-              <a:buClr>
-                <a:srgbClr val="ADADAD"/>
-              </a:buClr>
-              <a:buSzPts val="2600"/>
-              <a:buFont typeface="Arial"/>
-              <a:buNone/>
-              <a:defRPr b="0" i="0" sz="2600" u="none" cap="none" strike="noStrike">
+            <a:lvl1pPr marL="0" marR="0" lvl="0" indent="0" algn="r">
+              <a:lnSpc>
+                <a:spcPct val="100000"/>
+              </a:lnSpc>
+              <a:spcBef>
+                <a:spcPts val="0"/>
+              </a:spcBef>
+              <a:spcAft>
+                <a:spcPts val="0"/>
+              </a:spcAft>
+              <a:buClr>
+                <a:srgbClr val="ADADAD"/>
+              </a:buClr>
+              <a:buSzPts val="2600"/>
+              <a:buFont typeface="Arial"/>
+              <a:buNone/>
+              <a:defRPr sz="2600" b="0" i="0" u="none" strike="noStrike" cap="none">
                 <a:solidFill>
                   <a:srgbClr val="ADADAD"/>
                 </a:solidFill>
@@ -5942,23 +6042,23 @@
                 <a:sym typeface="Arial"/>
               </a:defRPr>
             </a:lvl1pPr>
-            <a:lvl2pPr indent="0" lvl="1" marL="0" marR="0" algn="r">
-              <a:lnSpc>
-                <a:spcPct val="100000"/>
-              </a:lnSpc>
-              <a:spcBef>
-                <a:spcPts val="0"/>
-              </a:spcBef>
-              <a:spcAft>
-                <a:spcPts val="0"/>
-              </a:spcAft>
-              <a:buClr>
-                <a:srgbClr val="ADADAD"/>
-              </a:buClr>
-              <a:buSzPts val="2600"/>
-              <a:buFont typeface="Arial"/>
-              <a:buNone/>
-              <a:defRPr b="0" i="0" sz="2600" u="none" cap="none" strike="noStrike">
+            <a:lvl2pPr marL="0" marR="0" lvl="1" indent="0" algn="r">
+              <a:lnSpc>
+                <a:spcPct val="100000"/>
+              </a:lnSpc>
+              <a:spcBef>
+                <a:spcPts val="0"/>
+              </a:spcBef>
+              <a:spcAft>
+                <a:spcPts val="0"/>
+              </a:spcAft>
+              <a:buClr>
+                <a:srgbClr val="ADADAD"/>
+              </a:buClr>
+              <a:buSzPts val="2600"/>
+              <a:buFont typeface="Arial"/>
+              <a:buNone/>
+              <a:defRPr sz="2600" b="0" i="0" u="none" strike="noStrike" cap="none">
                 <a:solidFill>
                   <a:srgbClr val="ADADAD"/>
                 </a:solidFill>
@@ -5968,23 +6068,23 @@
                 <a:sym typeface="Arial"/>
               </a:defRPr>
             </a:lvl2pPr>
-            <a:lvl3pPr indent="0" lvl="2" marL="0" marR="0" algn="r">
-              <a:lnSpc>
-                <a:spcPct val="100000"/>
-              </a:lnSpc>
-              <a:spcBef>
-                <a:spcPts val="0"/>
-              </a:spcBef>
-              <a:spcAft>
-                <a:spcPts val="0"/>
-              </a:spcAft>
-              <a:buClr>
-                <a:srgbClr val="ADADAD"/>
-              </a:buClr>
-              <a:buSzPts val="2600"/>
-              <a:buFont typeface="Arial"/>
-              <a:buNone/>
-              <a:defRPr b="0" i="0" sz="2600" u="none" cap="none" strike="noStrike">
+            <a:lvl3pPr marL="0" marR="0" lvl="2" indent="0" algn="r">
+              <a:lnSpc>
+                <a:spcPct val="100000"/>
+              </a:lnSpc>
+              <a:spcBef>
+                <a:spcPts val="0"/>
+              </a:spcBef>
+              <a:spcAft>
+                <a:spcPts val="0"/>
+              </a:spcAft>
+              <a:buClr>
+                <a:srgbClr val="ADADAD"/>
+              </a:buClr>
+              <a:buSzPts val="2600"/>
+              <a:buFont typeface="Arial"/>
+              <a:buNone/>
+              <a:defRPr sz="2600" b="0" i="0" u="none" strike="noStrike" cap="none">
                 <a:solidFill>
                   <a:srgbClr val="ADADAD"/>
                 </a:solidFill>
@@ -5994,23 +6094,23 @@
                 <a:sym typeface="Arial"/>
               </a:defRPr>
             </a:lvl3pPr>
-            <a:lvl4pPr indent="0" lvl="3" marL="0" marR="0" algn="r">
-              <a:lnSpc>
-                <a:spcPct val="100000"/>
-              </a:lnSpc>
-              <a:spcBef>
-                <a:spcPts val="0"/>
-              </a:spcBef>
-              <a:spcAft>
-                <a:spcPts val="0"/>
-              </a:spcAft>
-              <a:buClr>
-                <a:srgbClr val="ADADAD"/>
-              </a:buClr>
-              <a:buSzPts val="2600"/>
-              <a:buFont typeface="Arial"/>
-              <a:buNone/>
-              <a:defRPr b="0" i="0" sz="2600" u="none" cap="none" strike="noStrike">
+            <a:lvl4pPr marL="0" marR="0" lvl="3" indent="0" algn="r">
+              <a:lnSpc>
+                <a:spcPct val="100000"/>
+              </a:lnSpc>
+              <a:spcBef>
+                <a:spcPts val="0"/>
+              </a:spcBef>
+              <a:spcAft>
+                <a:spcPts val="0"/>
+              </a:spcAft>
+              <a:buClr>
+                <a:srgbClr val="ADADAD"/>
+              </a:buClr>
+              <a:buSzPts val="2600"/>
+              <a:buFont typeface="Arial"/>
+              <a:buNone/>
+              <a:defRPr sz="2600" b="0" i="0" u="none" strike="noStrike" cap="none">
                 <a:solidFill>
                   <a:srgbClr val="ADADAD"/>
                 </a:solidFill>
@@ -6020,23 +6120,23 @@
                 <a:sym typeface="Arial"/>
               </a:defRPr>
             </a:lvl4pPr>
-            <a:lvl5pPr indent="0" lvl="4" marL="0" marR="0" algn="r">
-              <a:lnSpc>
-                <a:spcPct val="100000"/>
-              </a:lnSpc>
-              <a:spcBef>
-                <a:spcPts val="0"/>
-              </a:spcBef>
-              <a:spcAft>
-                <a:spcPts val="0"/>
-              </a:spcAft>
-              <a:buClr>
-                <a:srgbClr val="ADADAD"/>
-              </a:buClr>
-              <a:buSzPts val="2600"/>
-              <a:buFont typeface="Arial"/>
-              <a:buNone/>
-              <a:defRPr b="0" i="0" sz="2600" u="none" cap="none" strike="noStrike">
+            <a:lvl5pPr marL="0" marR="0" lvl="4" indent="0" algn="r">
+              <a:lnSpc>
+                <a:spcPct val="100000"/>
+              </a:lnSpc>
+              <a:spcBef>
+                <a:spcPts val="0"/>
+              </a:spcBef>
+              <a:spcAft>
+                <a:spcPts val="0"/>
+              </a:spcAft>
+              <a:buClr>
+                <a:srgbClr val="ADADAD"/>
+              </a:buClr>
+              <a:buSzPts val="2600"/>
+              <a:buFont typeface="Arial"/>
+              <a:buNone/>
+              <a:defRPr sz="2600" b="0" i="0" u="none" strike="noStrike" cap="none">
                 <a:solidFill>
                   <a:srgbClr val="ADADAD"/>
                 </a:solidFill>
@@ -6046,23 +6146,23 @@
                 <a:sym typeface="Arial"/>
               </a:defRPr>
             </a:lvl5pPr>
-            <a:lvl6pPr indent="0" lvl="5" marL="0" marR="0" algn="r">
-              <a:lnSpc>
-                <a:spcPct val="100000"/>
-              </a:lnSpc>
-              <a:spcBef>
-                <a:spcPts val="0"/>
-              </a:spcBef>
-              <a:spcAft>
-                <a:spcPts val="0"/>
-              </a:spcAft>
-              <a:buClr>
-                <a:srgbClr val="ADADAD"/>
-              </a:buClr>
-              <a:buSzPts val="2600"/>
-              <a:buFont typeface="Arial"/>
-              <a:buNone/>
-              <a:defRPr b="0" i="0" sz="2600" u="none" cap="none" strike="noStrike">
+            <a:lvl6pPr marL="0" marR="0" lvl="5" indent="0" algn="r">
+              <a:lnSpc>
+                <a:spcPct val="100000"/>
+              </a:lnSpc>
+              <a:spcBef>
+                <a:spcPts val="0"/>
+              </a:spcBef>
+              <a:spcAft>
+                <a:spcPts val="0"/>
+              </a:spcAft>
+              <a:buClr>
+                <a:srgbClr val="ADADAD"/>
+              </a:buClr>
+              <a:buSzPts val="2600"/>
+              <a:buFont typeface="Arial"/>
+              <a:buNone/>
+              <a:defRPr sz="2600" b="0" i="0" u="none" strike="noStrike" cap="none">
                 <a:solidFill>
                   <a:srgbClr val="ADADAD"/>
                 </a:solidFill>
@@ -6072,23 +6172,23 @@
                 <a:sym typeface="Arial"/>
               </a:defRPr>
             </a:lvl6pPr>
-            <a:lvl7pPr indent="0" lvl="6" marL="0" marR="0" algn="r">
-              <a:lnSpc>
-                <a:spcPct val="100000"/>
-              </a:lnSpc>
-              <a:spcBef>
-                <a:spcPts val="0"/>
-              </a:spcBef>
-              <a:spcAft>
-                <a:spcPts val="0"/>
-              </a:spcAft>
-              <a:buClr>
-                <a:srgbClr val="ADADAD"/>
-              </a:buClr>
-              <a:buSzPts val="2600"/>
-              <a:buFont typeface="Arial"/>
-              <a:buNone/>
-              <a:defRPr b="0" i="0" sz="2600" u="none" cap="none" strike="noStrike">
+            <a:lvl7pPr marL="0" marR="0" lvl="6" indent="0" algn="r">
+              <a:lnSpc>
+                <a:spcPct val="100000"/>
+              </a:lnSpc>
+              <a:spcBef>
+                <a:spcPts val="0"/>
+              </a:spcBef>
+              <a:spcAft>
+                <a:spcPts val="0"/>
+              </a:spcAft>
+              <a:buClr>
+                <a:srgbClr val="ADADAD"/>
+              </a:buClr>
+              <a:buSzPts val="2600"/>
+              <a:buFont typeface="Arial"/>
+              <a:buNone/>
+              <a:defRPr sz="2600" b="0" i="0" u="none" strike="noStrike" cap="none">
                 <a:solidFill>
                   <a:srgbClr val="ADADAD"/>
                 </a:solidFill>
@@ -6098,23 +6198,23 @@
                 <a:sym typeface="Arial"/>
               </a:defRPr>
             </a:lvl7pPr>
-            <a:lvl8pPr indent="0" lvl="7" marL="0" marR="0" algn="r">
-              <a:lnSpc>
-                <a:spcPct val="100000"/>
-              </a:lnSpc>
-              <a:spcBef>
-                <a:spcPts val="0"/>
-              </a:spcBef>
-              <a:spcAft>
-                <a:spcPts val="0"/>
-              </a:spcAft>
-              <a:buClr>
-                <a:srgbClr val="ADADAD"/>
-              </a:buClr>
-              <a:buSzPts val="2600"/>
-              <a:buFont typeface="Arial"/>
-              <a:buNone/>
-              <a:defRPr b="0" i="0" sz="2600" u="none" cap="none" strike="noStrike">
+            <a:lvl8pPr marL="0" marR="0" lvl="7" indent="0" algn="r">
+              <a:lnSpc>
+                <a:spcPct val="100000"/>
+              </a:lnSpc>
+              <a:spcBef>
+                <a:spcPts val="0"/>
+              </a:spcBef>
+              <a:spcAft>
+                <a:spcPts val="0"/>
+              </a:spcAft>
+              <a:buClr>
+                <a:srgbClr val="ADADAD"/>
+              </a:buClr>
+              <a:buSzPts val="2600"/>
+              <a:buFont typeface="Arial"/>
+              <a:buNone/>
+              <a:defRPr sz="2600" b="0" i="0" u="none" strike="noStrike" cap="none">
                 <a:solidFill>
                   <a:srgbClr val="ADADAD"/>
                 </a:solidFill>
@@ -6124,23 +6224,23 @@
                 <a:sym typeface="Arial"/>
               </a:defRPr>
             </a:lvl8pPr>
-            <a:lvl9pPr indent="0" lvl="8" marL="0" marR="0" algn="r">
-              <a:lnSpc>
-                <a:spcPct val="100000"/>
-              </a:lnSpc>
-              <a:spcBef>
-                <a:spcPts val="0"/>
-              </a:spcBef>
-              <a:spcAft>
-                <a:spcPts val="0"/>
-              </a:spcAft>
-              <a:buClr>
-                <a:srgbClr val="ADADAD"/>
-              </a:buClr>
-              <a:buSzPts val="2600"/>
-              <a:buFont typeface="Arial"/>
-              <a:buNone/>
-              <a:defRPr b="0" i="0" sz="2600" u="none" cap="none" strike="noStrike">
+            <a:lvl9pPr marL="0" marR="0" lvl="8" indent="0" algn="r">
+              <a:lnSpc>
+                <a:spcPct val="100000"/>
+              </a:lnSpc>
+              <a:spcBef>
+                <a:spcPts val="0"/>
+              </a:spcBef>
+              <a:spcAft>
+                <a:spcPts val="0"/>
+              </a:spcAft>
+              <a:buClr>
+                <a:srgbClr val="ADADAD"/>
+              </a:buClr>
+              <a:buSzPts val="2600"/>
+              <a:buFont typeface="Arial"/>
+              <a:buNone/>
+              <a:defRPr sz="2600" b="0" i="0" u="none" strike="noStrike" cap="none">
                 <a:solidFill>
                   <a:srgbClr val="ADADAD"/>
                 </a:solidFill>
@@ -6152,7 +6252,7 @@
             </a:lvl9pPr>
           </a:lstStyle>
           <a:p>
-            <a:pPr indent="0" lvl="0" marL="0" rtl="0" algn="r">
+            <a:pPr marL="0" lvl="0" indent="0" algn="r" rtl="0">
               <a:spcBef>
                 <a:spcPts val="0"/>
               </a:spcBef>
@@ -6178,11 +6278,11 @@
 </file>
 
 <file path=ppt/slideLayouts/slideLayout9.xml><?xml version="1.0" encoding="utf-8"?>
-<p:sldLayout xmlns:a="http://schemas.openxmlformats.org/drawingml/2006/main" xmlns:r="http://schemas.openxmlformats.org/officeDocument/2006/relationships" xmlns:mc="http://schemas.openxmlformats.org/markup-compatibility/2006" xmlns:mv="urn:schemas-microsoft-com:mac:vml" xmlns:p="http://schemas.openxmlformats.org/presentationml/2006/main" xmlns:c="http://schemas.openxmlformats.org/drawingml/2006/chart" xmlns:dgm="http://schemas.openxmlformats.org/drawingml/2006/diagram" xmlns:o="urn:schemas-microsoft-com:office:office" xmlns:v="urn:schemas-microsoft-com:vml" xmlns:pvml="urn:schemas-microsoft-com:office:powerpoint" xmlns:com="http://schemas.openxmlformats.org/drawingml/2006/compatibility" xmlns:p14="http://schemas.microsoft.com/office/powerpoint/2010/main" xmlns:p15="http://schemas.microsoft.com/office/powerpoint/2012/main" xmlns:ahyp="http://schemas.microsoft.com/office/drawing/2018/hyperlinkcolor" matchingName="BIG_NUMBER">
+<p:sldLayout xmlns:a="http://schemas.openxmlformats.org/drawingml/2006/main" xmlns:r="http://schemas.openxmlformats.org/officeDocument/2006/relationships" xmlns:p="http://schemas.openxmlformats.org/presentationml/2006/main" matchingName="BIG_NUMBER">
   <p:cSld name="BIG_NUMBER">
     <p:spTree>
       <p:nvGrpSpPr>
-        <p:cNvPr id="41" name="Shape 41"/>
+        <p:cNvPr id="1" name="Shape 41"/>
         <p:cNvGrpSpPr/>
         <p:nvPr/>
       </p:nvGrpSpPr>
@@ -6197,7 +6297,9 @@
       <p:sp>
         <p:nvSpPr>
           <p:cNvPr id="42" name="Google Shape;42;p10"/>
-          <p:cNvSpPr txBox="1"/>
+          <p:cNvSpPr txBox="1">
+            <a:spLocks noGrp="1"/>
+          </p:cNvSpPr>
           <p:nvPr>
             <p:ph type="title"/>
           </p:nvPr>
@@ -6216,7 +6318,7 @@
           </a:ln>
         </p:spPr>
         <p:txBody>
-          <a:bodyPr anchorCtr="0" anchor="b" bIns="243775" lIns="243775" spcFirstLastPara="1" rIns="243775" wrap="square" tIns="243775">
+          <a:bodyPr spcFirstLastPara="1" wrap="square" lIns="243775" tIns="243775" rIns="243775" bIns="243775" anchor="b" anchorCtr="0">
             <a:noAutofit/>
           </a:bodyPr>
           <a:lstStyle>
@@ -6375,15 +6477,19 @@
               <a:defRPr/>
             </a:lvl9pPr>
           </a:lstStyle>
-          <a:p/>
+          <a:p>
+            <a:endParaRPr/>
+          </a:p>
         </p:txBody>
       </p:sp>
       <p:sp>
         <p:nvSpPr>
           <p:cNvPr id="43" name="Google Shape;43;p10"/>
-          <p:cNvSpPr txBox="1"/>
+          <p:cNvSpPr txBox="1">
+            <a:spLocks noGrp="1"/>
+          </p:cNvSpPr>
           <p:nvPr>
-            <p:ph idx="1" type="body"/>
+            <p:ph type="body" idx="1"/>
           </p:nvPr>
         </p:nvSpPr>
         <p:spPr>
@@ -6400,11 +6506,11 @@
           </a:ln>
         </p:spPr>
         <p:txBody>
-          <a:bodyPr anchorCtr="0" anchor="t" bIns="243775" lIns="243775" spcFirstLastPara="1" rIns="243775" wrap="square" tIns="243775">
+          <a:bodyPr spcFirstLastPara="1" wrap="square" lIns="243775" tIns="243775" rIns="243775" bIns="243775" anchor="t" anchorCtr="0">
             <a:noAutofit/>
           </a:bodyPr>
           <a:lstStyle>
-            <a:lvl1pPr indent="-533400" lvl="0" marL="457200" algn="ctr">
+            <a:lvl1pPr marL="457200" lvl="0" indent="-533400" algn="ctr">
               <a:lnSpc>
                 <a:spcPct val="115000"/>
               </a:lnSpc>
@@ -6418,7 +6524,7 @@
               <a:buChar char="●"/>
               <a:defRPr/>
             </a:lvl1pPr>
-            <a:lvl2pPr indent="-533400" lvl="1" marL="914400" algn="ctr">
+            <a:lvl2pPr marL="914400" lvl="1" indent="-533400" algn="ctr">
               <a:lnSpc>
                 <a:spcPct val="115000"/>
               </a:lnSpc>
@@ -6432,7 +6538,7 @@
               <a:buChar char="○"/>
               <a:defRPr/>
             </a:lvl2pPr>
-            <a:lvl3pPr indent="-533400" lvl="2" marL="1371600" algn="ctr">
+            <a:lvl3pPr marL="1371600" lvl="2" indent="-533400" algn="ctr">
               <a:lnSpc>
                 <a:spcPct val="115000"/>
               </a:lnSpc>
@@ -6446,7 +6552,7 @@
               <a:buChar char="■"/>
               <a:defRPr/>
             </a:lvl3pPr>
-            <a:lvl4pPr indent="-533400" lvl="3" marL="1828800" algn="ctr">
+            <a:lvl4pPr marL="1828800" lvl="3" indent="-533400" algn="ctr">
               <a:lnSpc>
                 <a:spcPct val="115000"/>
               </a:lnSpc>
@@ -6460,7 +6566,7 @@
               <a:buChar char="●"/>
               <a:defRPr/>
             </a:lvl4pPr>
-            <a:lvl5pPr indent="-533400" lvl="4" marL="2286000" algn="ctr">
+            <a:lvl5pPr marL="2286000" lvl="4" indent="-533400" algn="ctr">
               <a:lnSpc>
                 <a:spcPct val="115000"/>
               </a:lnSpc>
@@ -6474,7 +6580,7 @@
               <a:buChar char="○"/>
               <a:defRPr/>
             </a:lvl5pPr>
-            <a:lvl6pPr indent="-533400" lvl="5" marL="2743200" algn="l">
+            <a:lvl6pPr marL="2743200" lvl="5" indent="-533400" algn="l">
               <a:lnSpc>
                 <a:spcPct val="115000"/>
               </a:lnSpc>
@@ -6488,7 +6594,7 @@
               <a:buChar char="■"/>
               <a:defRPr/>
             </a:lvl6pPr>
-            <a:lvl7pPr indent="-533400" lvl="6" marL="3200400" algn="l">
+            <a:lvl7pPr marL="3200400" lvl="6" indent="-533400" algn="l">
               <a:lnSpc>
                 <a:spcPct val="115000"/>
               </a:lnSpc>
@@ -6502,7 +6608,7 @@
               <a:buChar char="●"/>
               <a:defRPr/>
             </a:lvl7pPr>
-            <a:lvl8pPr indent="-533400" lvl="7" marL="3657600" algn="l">
+            <a:lvl8pPr marL="3657600" lvl="7" indent="-533400" algn="l">
               <a:lnSpc>
                 <a:spcPct val="115000"/>
               </a:lnSpc>
@@ -6516,7 +6622,7 @@
               <a:buChar char="○"/>
               <a:defRPr/>
             </a:lvl8pPr>
-            <a:lvl9pPr indent="-533400" lvl="8" marL="4114800" algn="l">
+            <a:lvl9pPr marL="4114800" lvl="8" indent="-533400" algn="l">
               <a:lnSpc>
                 <a:spcPct val="115000"/>
               </a:lnSpc>
@@ -6531,15 +6637,19 @@
               <a:defRPr/>
             </a:lvl9pPr>
           </a:lstStyle>
-          <a:p/>
+          <a:p>
+            <a:endParaRPr/>
+          </a:p>
         </p:txBody>
       </p:sp>
       <p:sp>
         <p:nvSpPr>
           <p:cNvPr id="44" name="Google Shape;44;p10"/>
-          <p:cNvSpPr txBox="1"/>
+          <p:cNvSpPr txBox="1">
+            <a:spLocks noGrp="1"/>
+          </p:cNvSpPr>
           <p:nvPr>
-            <p:ph idx="12" type="sldNum"/>
+            <p:ph type="sldNum" idx="12"/>
           </p:nvPr>
         </p:nvSpPr>
         <p:spPr>
@@ -6556,27 +6666,27 @@
           </a:ln>
         </p:spPr>
         <p:txBody>
-          <a:bodyPr anchorCtr="0" anchor="ctr" bIns="243775" lIns="243775" spcFirstLastPara="1" rIns="243775" wrap="square" tIns="243775">
+          <a:bodyPr spcFirstLastPara="1" wrap="square" lIns="243775" tIns="243775" rIns="243775" bIns="243775" anchor="ctr" anchorCtr="0">
             <a:noAutofit/>
           </a:bodyPr>
           <a:lstStyle>
-            <a:lvl1pPr indent="0" lvl="0" marL="0" marR="0" algn="r">
-              <a:lnSpc>
-                <a:spcPct val="100000"/>
-              </a:lnSpc>
-              <a:spcBef>
-                <a:spcPts val="0"/>
-              </a:spcBef>
-              <a:spcAft>
-                <a:spcPts val="0"/>
-              </a:spcAft>
-              <a:buClr>
-                <a:srgbClr val="ADADAD"/>
-              </a:buClr>
-              <a:buSzPts val="2600"/>
-              <a:buFont typeface="Arial"/>
-              <a:buNone/>
-              <a:defRPr b="0" i="0" sz="2600" u="none" cap="none" strike="noStrike">
+            <a:lvl1pPr marL="0" marR="0" lvl="0" indent="0" algn="r">
+              <a:lnSpc>
+                <a:spcPct val="100000"/>
+              </a:lnSpc>
+              <a:spcBef>
+                <a:spcPts val="0"/>
+              </a:spcBef>
+              <a:spcAft>
+                <a:spcPts val="0"/>
+              </a:spcAft>
+              <a:buClr>
+                <a:srgbClr val="ADADAD"/>
+              </a:buClr>
+              <a:buSzPts val="2600"/>
+              <a:buFont typeface="Arial"/>
+              <a:buNone/>
+              <a:defRPr sz="2600" b="0" i="0" u="none" strike="noStrike" cap="none">
                 <a:solidFill>
                   <a:srgbClr val="ADADAD"/>
                 </a:solidFill>
@@ -6586,23 +6696,23 @@
                 <a:sym typeface="Arial"/>
               </a:defRPr>
             </a:lvl1pPr>
-            <a:lvl2pPr indent="0" lvl="1" marL="0" marR="0" algn="r">
-              <a:lnSpc>
-                <a:spcPct val="100000"/>
-              </a:lnSpc>
-              <a:spcBef>
-                <a:spcPts val="0"/>
-              </a:spcBef>
-              <a:spcAft>
-                <a:spcPts val="0"/>
-              </a:spcAft>
-              <a:buClr>
-                <a:srgbClr val="ADADAD"/>
-              </a:buClr>
-              <a:buSzPts val="2600"/>
-              <a:buFont typeface="Arial"/>
-              <a:buNone/>
-              <a:defRPr b="0" i="0" sz="2600" u="none" cap="none" strike="noStrike">
+            <a:lvl2pPr marL="0" marR="0" lvl="1" indent="0" algn="r">
+              <a:lnSpc>
+                <a:spcPct val="100000"/>
+              </a:lnSpc>
+              <a:spcBef>
+                <a:spcPts val="0"/>
+              </a:spcBef>
+              <a:spcAft>
+                <a:spcPts val="0"/>
+              </a:spcAft>
+              <a:buClr>
+                <a:srgbClr val="ADADAD"/>
+              </a:buClr>
+              <a:buSzPts val="2600"/>
+              <a:buFont typeface="Arial"/>
+              <a:buNone/>
+              <a:defRPr sz="2600" b="0" i="0" u="none" strike="noStrike" cap="none">
                 <a:solidFill>
                   <a:srgbClr val="ADADAD"/>
                 </a:solidFill>
@@ -6612,23 +6722,23 @@
                 <a:sym typeface="Arial"/>
               </a:defRPr>
             </a:lvl2pPr>
-            <a:lvl3pPr indent="0" lvl="2" marL="0" marR="0" algn="r">
-              <a:lnSpc>
-                <a:spcPct val="100000"/>
-              </a:lnSpc>
-              <a:spcBef>
-                <a:spcPts val="0"/>
-              </a:spcBef>
-              <a:spcAft>
-                <a:spcPts val="0"/>
-              </a:spcAft>
-              <a:buClr>
-                <a:srgbClr val="ADADAD"/>
-              </a:buClr>
-              <a:buSzPts val="2600"/>
-              <a:buFont typeface="Arial"/>
-              <a:buNone/>
-              <a:defRPr b="0" i="0" sz="2600" u="none" cap="none" strike="noStrike">
+            <a:lvl3pPr marL="0" marR="0" lvl="2" indent="0" algn="r">
+              <a:lnSpc>
+                <a:spcPct val="100000"/>
+              </a:lnSpc>
+              <a:spcBef>
+                <a:spcPts val="0"/>
+              </a:spcBef>
+              <a:spcAft>
+                <a:spcPts val="0"/>
+              </a:spcAft>
+              <a:buClr>
+                <a:srgbClr val="ADADAD"/>
+              </a:buClr>
+              <a:buSzPts val="2600"/>
+              <a:buFont typeface="Arial"/>
+              <a:buNone/>
+              <a:defRPr sz="2600" b="0" i="0" u="none" strike="noStrike" cap="none">
                 <a:solidFill>
                   <a:srgbClr val="ADADAD"/>
                 </a:solidFill>
@@ -6638,23 +6748,23 @@
                 <a:sym typeface="Arial"/>
               </a:defRPr>
             </a:lvl3pPr>
-            <a:lvl4pPr indent="0" lvl="3" marL="0" marR="0" algn="r">
-              <a:lnSpc>
-                <a:spcPct val="100000"/>
-              </a:lnSpc>
-              <a:spcBef>
-                <a:spcPts val="0"/>
-              </a:spcBef>
-              <a:spcAft>
-                <a:spcPts val="0"/>
-              </a:spcAft>
-              <a:buClr>
-                <a:srgbClr val="ADADAD"/>
-              </a:buClr>
-              <a:buSzPts val="2600"/>
-              <a:buFont typeface="Arial"/>
-              <a:buNone/>
-              <a:defRPr b="0" i="0" sz="2600" u="none" cap="none" strike="noStrike">
+            <a:lvl4pPr marL="0" marR="0" lvl="3" indent="0" algn="r">
+              <a:lnSpc>
+                <a:spcPct val="100000"/>
+              </a:lnSpc>
+              <a:spcBef>
+                <a:spcPts val="0"/>
+              </a:spcBef>
+              <a:spcAft>
+                <a:spcPts val="0"/>
+              </a:spcAft>
+              <a:buClr>
+                <a:srgbClr val="ADADAD"/>
+              </a:buClr>
+              <a:buSzPts val="2600"/>
+              <a:buFont typeface="Arial"/>
+              <a:buNone/>
+              <a:defRPr sz="2600" b="0" i="0" u="none" strike="noStrike" cap="none">
                 <a:solidFill>
                   <a:srgbClr val="ADADAD"/>
                 </a:solidFill>
@@ -6664,23 +6774,23 @@
                 <a:sym typeface="Arial"/>
               </a:defRPr>
             </a:lvl4pPr>
-            <a:lvl5pPr indent="0" lvl="4" marL="0" marR="0" algn="r">
-              <a:lnSpc>
-                <a:spcPct val="100000"/>
-              </a:lnSpc>
-              <a:spcBef>
-                <a:spcPts val="0"/>
-              </a:spcBef>
-              <a:spcAft>
-                <a:spcPts val="0"/>
-              </a:spcAft>
-              <a:buClr>
-                <a:srgbClr val="ADADAD"/>
-              </a:buClr>
-              <a:buSzPts val="2600"/>
-              <a:buFont typeface="Arial"/>
-              <a:buNone/>
-              <a:defRPr b="0" i="0" sz="2600" u="none" cap="none" strike="noStrike">
+            <a:lvl5pPr marL="0" marR="0" lvl="4" indent="0" algn="r">
+              <a:lnSpc>
+                <a:spcPct val="100000"/>
+              </a:lnSpc>
+              <a:spcBef>
+                <a:spcPts val="0"/>
+              </a:spcBef>
+              <a:spcAft>
+                <a:spcPts val="0"/>
+              </a:spcAft>
+              <a:buClr>
+                <a:srgbClr val="ADADAD"/>
+              </a:buClr>
+              <a:buSzPts val="2600"/>
+              <a:buFont typeface="Arial"/>
+              <a:buNone/>
+              <a:defRPr sz="2600" b="0" i="0" u="none" strike="noStrike" cap="none">
                 <a:solidFill>
                   <a:srgbClr val="ADADAD"/>
                 </a:solidFill>
@@ -6690,23 +6800,23 @@
                 <a:sym typeface="Arial"/>
               </a:defRPr>
             </a:lvl5pPr>
-            <a:lvl6pPr indent="0" lvl="5" marL="0" marR="0" algn="r">
-              <a:lnSpc>
-                <a:spcPct val="100000"/>
-              </a:lnSpc>
-              <a:spcBef>
-                <a:spcPts val="0"/>
-              </a:spcBef>
-              <a:spcAft>
-                <a:spcPts val="0"/>
-              </a:spcAft>
-              <a:buClr>
-                <a:srgbClr val="ADADAD"/>
-              </a:buClr>
-              <a:buSzPts val="2600"/>
-              <a:buFont typeface="Arial"/>
-              <a:buNone/>
-              <a:defRPr b="0" i="0" sz="2600" u="none" cap="none" strike="noStrike">
+            <a:lvl6pPr marL="0" marR="0" lvl="5" indent="0" algn="r">
+              <a:lnSpc>
+                <a:spcPct val="100000"/>
+              </a:lnSpc>
+              <a:spcBef>
+                <a:spcPts val="0"/>
+              </a:spcBef>
+              <a:spcAft>
+                <a:spcPts val="0"/>
+              </a:spcAft>
+              <a:buClr>
+                <a:srgbClr val="ADADAD"/>
+              </a:buClr>
+              <a:buSzPts val="2600"/>
+              <a:buFont typeface="Arial"/>
+              <a:buNone/>
+              <a:defRPr sz="2600" b="0" i="0" u="none" strike="noStrike" cap="none">
                 <a:solidFill>
                   <a:srgbClr val="ADADAD"/>
                 </a:solidFill>
@@ -6716,23 +6826,23 @@
                 <a:sym typeface="Arial"/>
               </a:defRPr>
             </a:lvl6pPr>
-            <a:lvl7pPr indent="0" lvl="6" marL="0" marR="0" algn="r">
-              <a:lnSpc>
-                <a:spcPct val="100000"/>
-              </a:lnSpc>
-              <a:spcBef>
-                <a:spcPts val="0"/>
-              </a:spcBef>
-              <a:spcAft>
-                <a:spcPts val="0"/>
-              </a:spcAft>
-              <a:buClr>
-                <a:srgbClr val="ADADAD"/>
-              </a:buClr>
-              <a:buSzPts val="2600"/>
-              <a:buFont typeface="Arial"/>
-              <a:buNone/>
-              <a:defRPr b="0" i="0" sz="2600" u="none" cap="none" strike="noStrike">
+            <a:lvl7pPr marL="0" marR="0" lvl="6" indent="0" algn="r">
+              <a:lnSpc>
+                <a:spcPct val="100000"/>
+              </a:lnSpc>
+              <a:spcBef>
+                <a:spcPts val="0"/>
+              </a:spcBef>
+              <a:spcAft>
+                <a:spcPts val="0"/>
+              </a:spcAft>
+              <a:buClr>
+                <a:srgbClr val="ADADAD"/>
+              </a:buClr>
+              <a:buSzPts val="2600"/>
+              <a:buFont typeface="Arial"/>
+              <a:buNone/>
+              <a:defRPr sz="2600" b="0" i="0" u="none" strike="noStrike" cap="none">
                 <a:solidFill>
                   <a:srgbClr val="ADADAD"/>
                 </a:solidFill>
@@ -6742,23 +6852,23 @@
                 <a:sym typeface="Arial"/>
               </a:defRPr>
             </a:lvl7pPr>
-            <a:lvl8pPr indent="0" lvl="7" marL="0" marR="0" algn="r">
-              <a:lnSpc>
-                <a:spcPct val="100000"/>
-              </a:lnSpc>
-              <a:spcBef>
-                <a:spcPts val="0"/>
-              </a:spcBef>
-              <a:spcAft>
-                <a:spcPts val="0"/>
-              </a:spcAft>
-              <a:buClr>
-                <a:srgbClr val="ADADAD"/>
-              </a:buClr>
-              <a:buSzPts val="2600"/>
-              <a:buFont typeface="Arial"/>
-              <a:buNone/>
-              <a:defRPr b="0" i="0" sz="2600" u="none" cap="none" strike="noStrike">
+            <a:lvl8pPr marL="0" marR="0" lvl="7" indent="0" algn="r">
+              <a:lnSpc>
+                <a:spcPct val="100000"/>
+              </a:lnSpc>
+              <a:spcBef>
+                <a:spcPts val="0"/>
+              </a:spcBef>
+              <a:spcAft>
+                <a:spcPts val="0"/>
+              </a:spcAft>
+              <a:buClr>
+                <a:srgbClr val="ADADAD"/>
+              </a:buClr>
+              <a:buSzPts val="2600"/>
+              <a:buFont typeface="Arial"/>
+              <a:buNone/>
+              <a:defRPr sz="2600" b="0" i="0" u="none" strike="noStrike" cap="none">
                 <a:solidFill>
                   <a:srgbClr val="ADADAD"/>
                 </a:solidFill>
@@ -6768,23 +6878,23 @@
                 <a:sym typeface="Arial"/>
               </a:defRPr>
             </a:lvl8pPr>
-            <a:lvl9pPr indent="0" lvl="8" marL="0" marR="0" algn="r">
-              <a:lnSpc>
-                <a:spcPct val="100000"/>
-              </a:lnSpc>
-              <a:spcBef>
-                <a:spcPts val="0"/>
-              </a:spcBef>
-              <a:spcAft>
-                <a:spcPts val="0"/>
-              </a:spcAft>
-              <a:buClr>
-                <a:srgbClr val="ADADAD"/>
-              </a:buClr>
-              <a:buSzPts val="2600"/>
-              <a:buFont typeface="Arial"/>
-              <a:buNone/>
-              <a:defRPr b="0" i="0" sz="2600" u="none" cap="none" strike="noStrike">
+            <a:lvl9pPr marL="0" marR="0" lvl="8" indent="0" algn="r">
+              <a:lnSpc>
+                <a:spcPct val="100000"/>
+              </a:lnSpc>
+              <a:spcBef>
+                <a:spcPts val="0"/>
+              </a:spcBef>
+              <a:spcAft>
+                <a:spcPts val="0"/>
+              </a:spcAft>
+              <a:buClr>
+                <a:srgbClr val="ADADAD"/>
+              </a:buClr>
+              <a:buSzPts val="2600"/>
+              <a:buFont typeface="Arial"/>
+              <a:buNone/>
+              <a:defRPr sz="2600" b="0" i="0" u="none" strike="noStrike" cap="none">
                 <a:solidFill>
                   <a:srgbClr val="ADADAD"/>
                 </a:solidFill>
@@ -6796,7 +6906,7 @@
             </a:lvl9pPr>
           </a:lstStyle>
           <a:p>
-            <a:pPr indent="0" lvl="0" marL="0" rtl="0" algn="r">
+            <a:pPr marL="0" lvl="0" indent="0" algn="r" rtl="0">
               <a:spcBef>
                 <a:spcPts val="0"/>
               </a:spcBef>
@@ -6822,18 +6932,19 @@
 </file>
 
 <file path=ppt/slideMasters/slideMaster1.xml><?xml version="1.0" encoding="utf-8"?>
-<p:sldMaster xmlns:a="http://schemas.openxmlformats.org/drawingml/2006/main" xmlns:r="http://schemas.openxmlformats.org/officeDocument/2006/relationships" xmlns:mc="http://schemas.openxmlformats.org/markup-compatibility/2006" xmlns:mv="urn:schemas-microsoft-com:mac:vml" xmlns:p="http://schemas.openxmlformats.org/presentationml/2006/main" xmlns:c="http://schemas.openxmlformats.org/drawingml/2006/chart" xmlns:dgm="http://schemas.openxmlformats.org/drawingml/2006/diagram" xmlns:o="urn:schemas-microsoft-com:office:office" xmlns:v="urn:schemas-microsoft-com:vml" xmlns:pvml="urn:schemas-microsoft-com:office:powerpoint" xmlns:com="http://schemas.openxmlformats.org/drawingml/2006/compatibility" xmlns:p14="http://schemas.microsoft.com/office/powerpoint/2010/main" xmlns:p15="http://schemas.microsoft.com/office/powerpoint/2012/main" xmlns:ahyp="http://schemas.microsoft.com/office/drawing/2018/hyperlinkcolor">
+<p:sldMaster xmlns:a="http://schemas.openxmlformats.org/drawingml/2006/main" xmlns:r="http://schemas.openxmlformats.org/officeDocument/2006/relationships" xmlns:p="http://schemas.openxmlformats.org/presentationml/2006/main">
   <p:cSld>
     <p:bg>
       <p:bgPr>
         <a:solidFill>
           <a:srgbClr val="434343"/>
         </a:solidFill>
+        <a:effectLst/>
       </p:bgPr>
     </p:bg>
     <p:spTree>
       <p:nvGrpSpPr>
-        <p:cNvPr id="5" name="Shape 5"/>
+        <p:cNvPr id="1" name="Shape 5"/>
         <p:cNvGrpSpPr/>
         <p:nvPr/>
       </p:nvGrpSpPr>
@@ -6848,7 +6959,9 @@
       <p:sp>
         <p:nvSpPr>
           <p:cNvPr id="6" name="Google Shape;6;p1"/>
-          <p:cNvSpPr txBox="1"/>
+          <p:cNvSpPr txBox="1">
+            <a:spLocks noGrp="1"/>
+          </p:cNvSpPr>
           <p:nvPr>
             <p:ph type="title"/>
           </p:nvPr>
@@ -6867,11 +6980,11 @@
           </a:ln>
         </p:spPr>
         <p:txBody>
-          <a:bodyPr anchorCtr="0" anchor="t" bIns="243775" lIns="243775" spcFirstLastPara="1" rIns="243775" wrap="square" tIns="243775">
+          <a:bodyPr spcFirstLastPara="1" wrap="square" lIns="243775" tIns="243775" rIns="243775" bIns="243775" anchor="t" anchorCtr="0">
             <a:noAutofit/>
           </a:bodyPr>
           <a:lstStyle>
-            <a:lvl1pPr lvl="0" marR="0" rtl="0" algn="l">
+            <a:lvl1pPr marR="0" lvl="0" algn="l" rtl="0">
               <a:lnSpc>
                 <a:spcPct val="100000"/>
               </a:lnSpc>
@@ -6887,7 +7000,7 @@
               <a:buSzPts val="7400"/>
               <a:buFont typeface="Arial"/>
               <a:buNone/>
-              <a:defRPr b="0" i="0" sz="7400" u="none" cap="none" strike="noStrike">
+              <a:defRPr sz="7400" b="0" i="0" u="none" strike="noStrike" cap="none">
                 <a:solidFill>
                   <a:srgbClr val="FFFFFF"/>
                 </a:solidFill>
@@ -6897,7 +7010,7 @@
                 <a:sym typeface="Arial"/>
               </a:defRPr>
             </a:lvl1pPr>
-            <a:lvl2pPr lvl="1" marR="0" rtl="0" algn="l">
+            <a:lvl2pPr marR="0" lvl="1" algn="l" rtl="0">
               <a:lnSpc>
                 <a:spcPct val="100000"/>
               </a:lnSpc>
@@ -6913,7 +7026,7 @@
               <a:buSzPts val="7400"/>
               <a:buFont typeface="Arial"/>
               <a:buNone/>
-              <a:defRPr b="0" i="0" sz="7400" u="none" cap="none" strike="noStrike">
+              <a:defRPr sz="7400" b="0" i="0" u="none" strike="noStrike" cap="none">
                 <a:solidFill>
                   <a:srgbClr val="FFFFFF"/>
                 </a:solidFill>
@@ -6923,7 +7036,7 @@
                 <a:sym typeface="Arial"/>
               </a:defRPr>
             </a:lvl2pPr>
-            <a:lvl3pPr lvl="2" marR="0" rtl="0" algn="l">
+            <a:lvl3pPr marR="0" lvl="2" algn="l" rtl="0">
               <a:lnSpc>
                 <a:spcPct val="100000"/>
               </a:lnSpc>
@@ -6939,7 +7052,7 @@
               <a:buSzPts val="7400"/>
               <a:buFont typeface="Arial"/>
               <a:buNone/>
-              <a:defRPr b="0" i="0" sz="7400" u="none" cap="none" strike="noStrike">
+              <a:defRPr sz="7400" b="0" i="0" u="none" strike="noStrike" cap="none">
                 <a:solidFill>
                   <a:srgbClr val="FFFFFF"/>
                 </a:solidFill>
@@ -6949,7 +7062,7 @@
                 <a:sym typeface="Arial"/>
               </a:defRPr>
             </a:lvl3pPr>
-            <a:lvl4pPr lvl="3" marR="0" rtl="0" algn="l">
+            <a:lvl4pPr marR="0" lvl="3" algn="l" rtl="0">
               <a:lnSpc>
                 <a:spcPct val="100000"/>
               </a:lnSpc>
@@ -6965,7 +7078,7 @@
               <a:buSzPts val="7400"/>
               <a:buFont typeface="Arial"/>
               <a:buNone/>
-              <a:defRPr b="0" i="0" sz="7400" u="none" cap="none" strike="noStrike">
+              <a:defRPr sz="7400" b="0" i="0" u="none" strike="noStrike" cap="none">
                 <a:solidFill>
                   <a:srgbClr val="FFFFFF"/>
                 </a:solidFill>
@@ -6975,7 +7088,7 @@
                 <a:sym typeface="Arial"/>
               </a:defRPr>
             </a:lvl4pPr>
-            <a:lvl5pPr lvl="4" marR="0" rtl="0" algn="l">
+            <a:lvl5pPr marR="0" lvl="4" algn="l" rtl="0">
               <a:lnSpc>
                 <a:spcPct val="100000"/>
               </a:lnSpc>
@@ -6991,7 +7104,7 @@
               <a:buSzPts val="7400"/>
               <a:buFont typeface="Arial"/>
               <a:buNone/>
-              <a:defRPr b="0" i="0" sz="7400" u="none" cap="none" strike="noStrike">
+              <a:defRPr sz="7400" b="0" i="0" u="none" strike="noStrike" cap="none">
                 <a:solidFill>
                   <a:srgbClr val="FFFFFF"/>
                 </a:solidFill>
@@ -7001,7 +7114,7 @@
                 <a:sym typeface="Arial"/>
               </a:defRPr>
             </a:lvl5pPr>
-            <a:lvl6pPr lvl="5" marR="0" rtl="0" algn="l">
+            <a:lvl6pPr marR="0" lvl="5" algn="l" rtl="0">
               <a:lnSpc>
                 <a:spcPct val="100000"/>
               </a:lnSpc>
@@ -7017,7 +7130,7 @@
               <a:buSzPts val="7400"/>
               <a:buFont typeface="Arial"/>
               <a:buNone/>
-              <a:defRPr b="0" i="0" sz="7400" u="none" cap="none" strike="noStrike">
+              <a:defRPr sz="7400" b="0" i="0" u="none" strike="noStrike" cap="none">
                 <a:solidFill>
                   <a:srgbClr val="FFFFFF"/>
                 </a:solidFill>
@@ -7027,7 +7140,7 @@
                 <a:sym typeface="Arial"/>
               </a:defRPr>
             </a:lvl6pPr>
-            <a:lvl7pPr lvl="6" marR="0" rtl="0" algn="l">
+            <a:lvl7pPr marR="0" lvl="6" algn="l" rtl="0">
               <a:lnSpc>
                 <a:spcPct val="100000"/>
               </a:lnSpc>
@@ -7043,7 +7156,7 @@
               <a:buSzPts val="7400"/>
               <a:buFont typeface="Arial"/>
               <a:buNone/>
-              <a:defRPr b="0" i="0" sz="7400" u="none" cap="none" strike="noStrike">
+              <a:defRPr sz="7400" b="0" i="0" u="none" strike="noStrike" cap="none">
                 <a:solidFill>
                   <a:srgbClr val="FFFFFF"/>
                 </a:solidFill>
@@ -7053,7 +7166,7 @@
                 <a:sym typeface="Arial"/>
               </a:defRPr>
             </a:lvl7pPr>
-            <a:lvl8pPr lvl="7" marR="0" rtl="0" algn="l">
+            <a:lvl8pPr marR="0" lvl="7" algn="l" rtl="0">
               <a:lnSpc>
                 <a:spcPct val="100000"/>
               </a:lnSpc>
@@ -7069,7 +7182,7 @@
               <a:buSzPts val="7400"/>
               <a:buFont typeface="Arial"/>
               <a:buNone/>
-              <a:defRPr b="0" i="0" sz="7400" u="none" cap="none" strike="noStrike">
+              <a:defRPr sz="7400" b="0" i="0" u="none" strike="noStrike" cap="none">
                 <a:solidFill>
                   <a:srgbClr val="FFFFFF"/>
                 </a:solidFill>
@@ -7079,7 +7192,7 @@
                 <a:sym typeface="Arial"/>
               </a:defRPr>
             </a:lvl8pPr>
-            <a:lvl9pPr lvl="8" marR="0" rtl="0" algn="l">
+            <a:lvl9pPr marR="0" lvl="8" algn="l" rtl="0">
               <a:lnSpc>
                 <a:spcPct val="100000"/>
               </a:lnSpc>
@@ -7095,7 +7208,7 @@
               <a:buSzPts val="7400"/>
               <a:buFont typeface="Arial"/>
               <a:buNone/>
-              <a:defRPr b="0" i="0" sz="7400" u="none" cap="none" strike="noStrike">
+              <a:defRPr sz="7400" b="0" i="0" u="none" strike="noStrike" cap="none">
                 <a:solidFill>
                   <a:srgbClr val="FFFFFF"/>
                 </a:solidFill>
@@ -7106,15 +7219,19 @@
               </a:defRPr>
             </a:lvl9pPr>
           </a:lstStyle>
-          <a:p/>
+          <a:p>
+            <a:endParaRPr/>
+          </a:p>
         </p:txBody>
       </p:sp>
       <p:sp>
         <p:nvSpPr>
           <p:cNvPr id="7" name="Google Shape;7;p1"/>
-          <p:cNvSpPr txBox="1"/>
+          <p:cNvSpPr txBox="1">
+            <a:spLocks noGrp="1"/>
+          </p:cNvSpPr>
           <p:nvPr>
-            <p:ph idx="1" type="body"/>
+            <p:ph type="body" idx="1"/>
           </p:nvPr>
         </p:nvSpPr>
         <p:spPr>
@@ -7131,11 +7248,11 @@
           </a:ln>
         </p:spPr>
         <p:txBody>
-          <a:bodyPr anchorCtr="0" anchor="t" bIns="243775" lIns="243775" spcFirstLastPara="1" rIns="243775" wrap="square" tIns="243775">
+          <a:bodyPr spcFirstLastPara="1" wrap="square" lIns="243775" tIns="243775" rIns="243775" bIns="243775" anchor="t" anchorCtr="0">
             <a:noAutofit/>
           </a:bodyPr>
           <a:lstStyle>
-            <a:lvl1pPr indent="-533400" lvl="0" marL="457200" marR="0" rtl="0" algn="l">
+            <a:lvl1pPr marL="457200" marR="0" lvl="0" indent="-533400" algn="l" rtl="0">
               <a:lnSpc>
                 <a:spcPct val="115000"/>
               </a:lnSpc>
@@ -7151,7 +7268,7 @@
               <a:buSzPts val="4800"/>
               <a:buFont typeface="Arial"/>
               <a:buChar char="●"/>
-              <a:defRPr b="0" i="0" sz="4800" u="none" cap="none" strike="noStrike">
+              <a:defRPr sz="4800" b="0" i="0" u="none" strike="noStrike" cap="none">
                 <a:solidFill>
                   <a:srgbClr val="ADADAD"/>
                 </a:solidFill>
@@ -7161,7 +7278,7 @@
                 <a:sym typeface="Arial"/>
               </a:defRPr>
             </a:lvl1pPr>
-            <a:lvl2pPr indent="-533400" lvl="1" marL="914400" marR="0" rtl="0" algn="l">
+            <a:lvl2pPr marL="914400" marR="0" lvl="1" indent="-533400" algn="l" rtl="0">
               <a:lnSpc>
                 <a:spcPct val="115000"/>
               </a:lnSpc>
@@ -7177,7 +7294,7 @@
               <a:buSzPts val="4800"/>
               <a:buFont typeface="Arial"/>
               <a:buChar char="○"/>
-              <a:defRPr b="0" i="0" sz="4800" u="none" cap="none" strike="noStrike">
+              <a:defRPr sz="4800" b="0" i="0" u="none" strike="noStrike" cap="none">
                 <a:solidFill>
                   <a:srgbClr val="ADADAD"/>
                 </a:solidFill>
@@ -7187,7 +7304,7 @@
                 <a:sym typeface="Arial"/>
               </a:defRPr>
             </a:lvl2pPr>
-            <a:lvl3pPr indent="-533400" lvl="2" marL="1371600" marR="0" rtl="0" algn="l">
+            <a:lvl3pPr marL="1371600" marR="0" lvl="2" indent="-533400" algn="l" rtl="0">
               <a:lnSpc>
                 <a:spcPct val="115000"/>
               </a:lnSpc>
@@ -7203,7 +7320,7 @@
               <a:buSzPts val="4800"/>
               <a:buFont typeface="Arial"/>
               <a:buChar char="■"/>
-              <a:defRPr b="0" i="0" sz="4800" u="none" cap="none" strike="noStrike">
+              <a:defRPr sz="4800" b="0" i="0" u="none" strike="noStrike" cap="none">
                 <a:solidFill>
                   <a:srgbClr val="ADADAD"/>
                 </a:solidFill>
@@ -7213,7 +7330,7 @@
                 <a:sym typeface="Arial"/>
               </a:defRPr>
             </a:lvl3pPr>
-            <a:lvl4pPr indent="-533400" lvl="3" marL="1828800" marR="0" rtl="0" algn="l">
+            <a:lvl4pPr marL="1828800" marR="0" lvl="3" indent="-533400" algn="l" rtl="0">
               <a:lnSpc>
                 <a:spcPct val="115000"/>
               </a:lnSpc>
@@ -7229,7 +7346,7 @@
               <a:buSzPts val="4800"/>
               <a:buFont typeface="Arial"/>
               <a:buChar char="●"/>
-              <a:defRPr b="0" i="0" sz="4800" u="none" cap="none" strike="noStrike">
+              <a:defRPr sz="4800" b="0" i="0" u="none" strike="noStrike" cap="none">
                 <a:solidFill>
                   <a:srgbClr val="ADADAD"/>
                 </a:solidFill>
@@ -7239,7 +7356,7 @@
                 <a:sym typeface="Arial"/>
               </a:defRPr>
             </a:lvl4pPr>
-            <a:lvl5pPr indent="-533400" lvl="4" marL="2286000" marR="0" rtl="0" algn="l">
+            <a:lvl5pPr marL="2286000" marR="0" lvl="4" indent="-533400" algn="l" rtl="0">
               <a:lnSpc>
                 <a:spcPct val="115000"/>
               </a:lnSpc>
@@ -7255,7 +7372,7 @@
               <a:buSzPts val="4800"/>
               <a:buFont typeface="Arial"/>
               <a:buChar char="○"/>
-              <a:defRPr b="0" i="0" sz="4800" u="none" cap="none" strike="noStrike">
+              <a:defRPr sz="4800" b="0" i="0" u="none" strike="noStrike" cap="none">
                 <a:solidFill>
                   <a:srgbClr val="ADADAD"/>
                 </a:solidFill>
@@ -7265,7 +7382,7 @@
                 <a:sym typeface="Arial"/>
               </a:defRPr>
             </a:lvl5pPr>
-            <a:lvl6pPr indent="-533400" lvl="5" marL="2743200" marR="0" rtl="0" algn="l">
+            <a:lvl6pPr marL="2743200" marR="0" lvl="5" indent="-533400" algn="l" rtl="0">
               <a:lnSpc>
                 <a:spcPct val="115000"/>
               </a:lnSpc>
@@ -7281,7 +7398,7 @@
               <a:buSzPts val="4800"/>
               <a:buFont typeface="Arial"/>
               <a:buChar char="■"/>
-              <a:defRPr b="0" i="0" sz="4800" u="none" cap="none" strike="noStrike">
+              <a:defRPr sz="4800" b="0" i="0" u="none" strike="noStrike" cap="none">
                 <a:solidFill>
                   <a:srgbClr val="ADADAD"/>
                 </a:solidFill>
@@ -7291,7 +7408,7 @@
                 <a:sym typeface="Arial"/>
               </a:defRPr>
             </a:lvl6pPr>
-            <a:lvl7pPr indent="-533400" lvl="6" marL="3200400" marR="0" rtl="0" algn="l">
+            <a:lvl7pPr marL="3200400" marR="0" lvl="6" indent="-533400" algn="l" rtl="0">
               <a:lnSpc>
                 <a:spcPct val="115000"/>
               </a:lnSpc>
@@ -7307,7 +7424,7 @@
               <a:buSzPts val="4800"/>
               <a:buFont typeface="Arial"/>
               <a:buChar char="●"/>
-              <a:defRPr b="0" i="0" sz="4800" u="none" cap="none" strike="noStrike">
+              <a:defRPr sz="4800" b="0" i="0" u="none" strike="noStrike" cap="none">
                 <a:solidFill>
                   <a:srgbClr val="ADADAD"/>
                 </a:solidFill>
@@ -7317,7 +7434,7 @@
                 <a:sym typeface="Arial"/>
               </a:defRPr>
             </a:lvl7pPr>
-            <a:lvl8pPr indent="-533400" lvl="7" marL="3657600" marR="0" rtl="0" algn="l">
+            <a:lvl8pPr marL="3657600" marR="0" lvl="7" indent="-533400" algn="l" rtl="0">
               <a:lnSpc>
                 <a:spcPct val="115000"/>
               </a:lnSpc>
@@ -7333,7 +7450,7 @@
               <a:buSzPts val="4800"/>
               <a:buFont typeface="Arial"/>
               <a:buChar char="○"/>
-              <a:defRPr b="0" i="0" sz="4800" u="none" cap="none" strike="noStrike">
+              <a:defRPr sz="4800" b="0" i="0" u="none" strike="noStrike" cap="none">
                 <a:solidFill>
                   <a:srgbClr val="ADADAD"/>
                 </a:solidFill>
@@ -7343,7 +7460,7 @@
                 <a:sym typeface="Arial"/>
               </a:defRPr>
             </a:lvl8pPr>
-            <a:lvl9pPr indent="-533400" lvl="8" marL="4114800" marR="0" rtl="0" algn="l">
+            <a:lvl9pPr marL="4114800" marR="0" lvl="8" indent="-533400" algn="l" rtl="0">
               <a:lnSpc>
                 <a:spcPct val="115000"/>
               </a:lnSpc>
@@ -7359,7 +7476,7 @@
               <a:buSzPts val="4800"/>
               <a:buFont typeface="Arial"/>
               <a:buChar char="■"/>
-              <a:defRPr b="0" i="0" sz="4800" u="none" cap="none" strike="noStrike">
+              <a:defRPr sz="4800" b="0" i="0" u="none" strike="noStrike" cap="none">
                 <a:solidFill>
                   <a:srgbClr val="ADADAD"/>
                 </a:solidFill>
@@ -7370,15 +7487,19 @@
               </a:defRPr>
             </a:lvl9pPr>
           </a:lstStyle>
-          <a:p/>
+          <a:p>
+            <a:endParaRPr/>
+          </a:p>
         </p:txBody>
       </p:sp>
       <p:sp>
         <p:nvSpPr>
           <p:cNvPr id="8" name="Google Shape;8;p1"/>
-          <p:cNvSpPr txBox="1"/>
+          <p:cNvSpPr txBox="1">
+            <a:spLocks noGrp="1"/>
+          </p:cNvSpPr>
           <p:nvPr>
-            <p:ph idx="12" type="sldNum"/>
+            <p:ph type="sldNum" idx="12"/>
           </p:nvPr>
         </p:nvSpPr>
         <p:spPr>
@@ -7395,27 +7516,27 @@
           </a:ln>
         </p:spPr>
         <p:txBody>
-          <a:bodyPr anchorCtr="0" anchor="ctr" bIns="243775" lIns="243775" spcFirstLastPara="1" rIns="243775" wrap="square" tIns="243775">
+          <a:bodyPr spcFirstLastPara="1" wrap="square" lIns="243775" tIns="243775" rIns="243775" bIns="243775" anchor="ctr" anchorCtr="0">
             <a:noAutofit/>
           </a:bodyPr>
           <a:lstStyle>
-            <a:lvl1pPr indent="0" lvl="0" marL="0" marR="0" rtl="0" algn="r">
-              <a:lnSpc>
-                <a:spcPct val="100000"/>
-              </a:lnSpc>
-              <a:spcBef>
-                <a:spcPts val="0"/>
-              </a:spcBef>
-              <a:spcAft>
-                <a:spcPts val="0"/>
-              </a:spcAft>
-              <a:buClr>
-                <a:srgbClr val="ADADAD"/>
-              </a:buClr>
-              <a:buSzPts val="2600"/>
-              <a:buFont typeface="Arial"/>
-              <a:buNone/>
-              <a:defRPr b="0" i="0" sz="2600" u="none" cap="none" strike="noStrike">
+            <a:lvl1pPr marL="0" marR="0" lvl="0" indent="0" algn="r" rtl="0">
+              <a:lnSpc>
+                <a:spcPct val="100000"/>
+              </a:lnSpc>
+              <a:spcBef>
+                <a:spcPts val="0"/>
+              </a:spcBef>
+              <a:spcAft>
+                <a:spcPts val="0"/>
+              </a:spcAft>
+              <a:buClr>
+                <a:srgbClr val="ADADAD"/>
+              </a:buClr>
+              <a:buSzPts val="2600"/>
+              <a:buFont typeface="Arial"/>
+              <a:buNone/>
+              <a:defRPr sz="2600" b="0" i="0" u="none" strike="noStrike" cap="none">
                 <a:solidFill>
                   <a:srgbClr val="ADADAD"/>
                 </a:solidFill>
@@ -7425,23 +7546,23 @@
                 <a:sym typeface="Arial"/>
               </a:defRPr>
             </a:lvl1pPr>
-            <a:lvl2pPr indent="0" lvl="1" marL="0" marR="0" rtl="0" algn="r">
-              <a:lnSpc>
-                <a:spcPct val="100000"/>
-              </a:lnSpc>
-              <a:spcBef>
-                <a:spcPts val="0"/>
-              </a:spcBef>
-              <a:spcAft>
-                <a:spcPts val="0"/>
-              </a:spcAft>
-              <a:buClr>
-                <a:srgbClr val="ADADAD"/>
-              </a:buClr>
-              <a:buSzPts val="2600"/>
-              <a:buFont typeface="Arial"/>
-              <a:buNone/>
-              <a:defRPr b="0" i="0" sz="2600" u="none" cap="none" strike="noStrike">
+            <a:lvl2pPr marL="0" marR="0" lvl="1" indent="0" algn="r" rtl="0">
+              <a:lnSpc>
+                <a:spcPct val="100000"/>
+              </a:lnSpc>
+              <a:spcBef>
+                <a:spcPts val="0"/>
+              </a:spcBef>
+              <a:spcAft>
+                <a:spcPts val="0"/>
+              </a:spcAft>
+              <a:buClr>
+                <a:srgbClr val="ADADAD"/>
+              </a:buClr>
+              <a:buSzPts val="2600"/>
+              <a:buFont typeface="Arial"/>
+              <a:buNone/>
+              <a:defRPr sz="2600" b="0" i="0" u="none" strike="noStrike" cap="none">
                 <a:solidFill>
                   <a:srgbClr val="ADADAD"/>
                 </a:solidFill>
@@ -7451,23 +7572,23 @@
                 <a:sym typeface="Arial"/>
               </a:defRPr>
             </a:lvl2pPr>
-            <a:lvl3pPr indent="0" lvl="2" marL="0" marR="0" rtl="0" algn="r">
-              <a:lnSpc>
-                <a:spcPct val="100000"/>
-              </a:lnSpc>
-              <a:spcBef>
-                <a:spcPts val="0"/>
-              </a:spcBef>
-              <a:spcAft>
-                <a:spcPts val="0"/>
-              </a:spcAft>
-              <a:buClr>
-                <a:srgbClr val="ADADAD"/>
-              </a:buClr>
-              <a:buSzPts val="2600"/>
-              <a:buFont typeface="Arial"/>
-              <a:buNone/>
-              <a:defRPr b="0" i="0" sz="2600" u="none" cap="none" strike="noStrike">
+            <a:lvl3pPr marL="0" marR="0" lvl="2" indent="0" algn="r" rtl="0">
+              <a:lnSpc>
+                <a:spcPct val="100000"/>
+              </a:lnSpc>
+              <a:spcBef>
+                <a:spcPts val="0"/>
+              </a:spcBef>
+              <a:spcAft>
+                <a:spcPts val="0"/>
+              </a:spcAft>
+              <a:buClr>
+                <a:srgbClr val="ADADAD"/>
+              </a:buClr>
+              <a:buSzPts val="2600"/>
+              <a:buFont typeface="Arial"/>
+              <a:buNone/>
+              <a:defRPr sz="2600" b="0" i="0" u="none" strike="noStrike" cap="none">
                 <a:solidFill>
                   <a:srgbClr val="ADADAD"/>
                 </a:solidFill>
@@ -7477,23 +7598,23 @@
                 <a:sym typeface="Arial"/>
               </a:defRPr>
             </a:lvl3pPr>
-            <a:lvl4pPr indent="0" lvl="3" marL="0" marR="0" rtl="0" algn="r">
-              <a:lnSpc>
-                <a:spcPct val="100000"/>
-              </a:lnSpc>
-              <a:spcBef>
-                <a:spcPts val="0"/>
-              </a:spcBef>
-              <a:spcAft>
-                <a:spcPts val="0"/>
-              </a:spcAft>
-              <a:buClr>
-                <a:srgbClr val="ADADAD"/>
-              </a:buClr>
-              <a:buSzPts val="2600"/>
-              <a:buFont typeface="Arial"/>
-              <a:buNone/>
-              <a:defRPr b="0" i="0" sz="2600" u="none" cap="none" strike="noStrike">
+            <a:lvl4pPr marL="0" marR="0" lvl="3" indent="0" algn="r" rtl="0">
+              <a:lnSpc>
+                <a:spcPct val="100000"/>
+              </a:lnSpc>
+              <a:spcBef>
+                <a:spcPts val="0"/>
+              </a:spcBef>
+              <a:spcAft>
+                <a:spcPts val="0"/>
+              </a:spcAft>
+              <a:buClr>
+                <a:srgbClr val="ADADAD"/>
+              </a:buClr>
+              <a:buSzPts val="2600"/>
+              <a:buFont typeface="Arial"/>
+              <a:buNone/>
+              <a:defRPr sz="2600" b="0" i="0" u="none" strike="noStrike" cap="none">
                 <a:solidFill>
                   <a:srgbClr val="ADADAD"/>
                 </a:solidFill>
@@ -7503,23 +7624,23 @@
                 <a:sym typeface="Arial"/>
               </a:defRPr>
             </a:lvl4pPr>
-            <a:lvl5pPr indent="0" lvl="4" marL="0" marR="0" rtl="0" algn="r">
-              <a:lnSpc>
-                <a:spcPct val="100000"/>
-              </a:lnSpc>
-              <a:spcBef>
-                <a:spcPts val="0"/>
-              </a:spcBef>
-              <a:spcAft>
-                <a:spcPts val="0"/>
-              </a:spcAft>
-              <a:buClr>
-                <a:srgbClr val="ADADAD"/>
-              </a:buClr>
-              <a:buSzPts val="2600"/>
-              <a:buFont typeface="Arial"/>
-              <a:buNone/>
-              <a:defRPr b="0" i="0" sz="2600" u="none" cap="none" strike="noStrike">
+            <a:lvl5pPr marL="0" marR="0" lvl="4" indent="0" algn="r" rtl="0">
+              <a:lnSpc>
+                <a:spcPct val="100000"/>
+              </a:lnSpc>
+              <a:spcBef>
+                <a:spcPts val="0"/>
+              </a:spcBef>
+              <a:spcAft>
+                <a:spcPts val="0"/>
+              </a:spcAft>
+              <a:buClr>
+                <a:srgbClr val="ADADAD"/>
+              </a:buClr>
+              <a:buSzPts val="2600"/>
+              <a:buFont typeface="Arial"/>
+              <a:buNone/>
+              <a:defRPr sz="2600" b="0" i="0" u="none" strike="noStrike" cap="none">
                 <a:solidFill>
                   <a:srgbClr val="ADADAD"/>
                 </a:solidFill>
@@ -7529,23 +7650,23 @@
                 <a:sym typeface="Arial"/>
               </a:defRPr>
             </a:lvl5pPr>
-            <a:lvl6pPr indent="0" lvl="5" marL="0" marR="0" rtl="0" algn="r">
-              <a:lnSpc>
-                <a:spcPct val="100000"/>
-              </a:lnSpc>
-              <a:spcBef>
-                <a:spcPts val="0"/>
-              </a:spcBef>
-              <a:spcAft>
-                <a:spcPts val="0"/>
-              </a:spcAft>
-              <a:buClr>
-                <a:srgbClr val="ADADAD"/>
-              </a:buClr>
-              <a:buSzPts val="2600"/>
-              <a:buFont typeface="Arial"/>
-              <a:buNone/>
-              <a:defRPr b="0" i="0" sz="2600" u="none" cap="none" strike="noStrike">
+            <a:lvl6pPr marL="0" marR="0" lvl="5" indent="0" algn="r" rtl="0">
+              <a:lnSpc>
+                <a:spcPct val="100000"/>
+              </a:lnSpc>
+              <a:spcBef>
+                <a:spcPts val="0"/>
+              </a:spcBef>
+              <a:spcAft>
+                <a:spcPts val="0"/>
+              </a:spcAft>
+              <a:buClr>
+                <a:srgbClr val="ADADAD"/>
+              </a:buClr>
+              <a:buSzPts val="2600"/>
+              <a:buFont typeface="Arial"/>
+              <a:buNone/>
+              <a:defRPr sz="2600" b="0" i="0" u="none" strike="noStrike" cap="none">
                 <a:solidFill>
                   <a:srgbClr val="ADADAD"/>
                 </a:solidFill>
@@ -7555,23 +7676,23 @@
                 <a:sym typeface="Arial"/>
               </a:defRPr>
             </a:lvl6pPr>
-            <a:lvl7pPr indent="0" lvl="6" marL="0" marR="0" rtl="0" algn="r">
-              <a:lnSpc>
-                <a:spcPct val="100000"/>
-              </a:lnSpc>
-              <a:spcBef>
-                <a:spcPts val="0"/>
-              </a:spcBef>
-              <a:spcAft>
-                <a:spcPts val="0"/>
-              </a:spcAft>
-              <a:buClr>
-                <a:srgbClr val="ADADAD"/>
-              </a:buClr>
-              <a:buSzPts val="2600"/>
-              <a:buFont typeface="Arial"/>
-              <a:buNone/>
-              <a:defRPr b="0" i="0" sz="2600" u="none" cap="none" strike="noStrike">
+            <a:lvl7pPr marL="0" marR="0" lvl="6" indent="0" algn="r" rtl="0">
+              <a:lnSpc>
+                <a:spcPct val="100000"/>
+              </a:lnSpc>
+              <a:spcBef>
+                <a:spcPts val="0"/>
+              </a:spcBef>
+              <a:spcAft>
+                <a:spcPts val="0"/>
+              </a:spcAft>
+              <a:buClr>
+                <a:srgbClr val="ADADAD"/>
+              </a:buClr>
+              <a:buSzPts val="2600"/>
+              <a:buFont typeface="Arial"/>
+              <a:buNone/>
+              <a:defRPr sz="2600" b="0" i="0" u="none" strike="noStrike" cap="none">
                 <a:solidFill>
                   <a:srgbClr val="ADADAD"/>
                 </a:solidFill>
@@ -7581,23 +7702,23 @@
                 <a:sym typeface="Arial"/>
               </a:defRPr>
             </a:lvl7pPr>
-            <a:lvl8pPr indent="0" lvl="7" marL="0" marR="0" rtl="0" algn="r">
-              <a:lnSpc>
-                <a:spcPct val="100000"/>
-              </a:lnSpc>
-              <a:spcBef>
-                <a:spcPts val="0"/>
-              </a:spcBef>
-              <a:spcAft>
-                <a:spcPts val="0"/>
-              </a:spcAft>
-              <a:buClr>
-                <a:srgbClr val="ADADAD"/>
-              </a:buClr>
-              <a:buSzPts val="2600"/>
-              <a:buFont typeface="Arial"/>
-              <a:buNone/>
-              <a:defRPr b="0" i="0" sz="2600" u="none" cap="none" strike="noStrike">
+            <a:lvl8pPr marL="0" marR="0" lvl="7" indent="0" algn="r" rtl="0">
+              <a:lnSpc>
+                <a:spcPct val="100000"/>
+              </a:lnSpc>
+              <a:spcBef>
+                <a:spcPts val="0"/>
+              </a:spcBef>
+              <a:spcAft>
+                <a:spcPts val="0"/>
+              </a:spcAft>
+              <a:buClr>
+                <a:srgbClr val="ADADAD"/>
+              </a:buClr>
+              <a:buSzPts val="2600"/>
+              <a:buFont typeface="Arial"/>
+              <a:buNone/>
+              <a:defRPr sz="2600" b="0" i="0" u="none" strike="noStrike" cap="none">
                 <a:solidFill>
                   <a:srgbClr val="ADADAD"/>
                 </a:solidFill>
@@ -7607,23 +7728,23 @@
                 <a:sym typeface="Arial"/>
               </a:defRPr>
             </a:lvl8pPr>
-            <a:lvl9pPr indent="0" lvl="8" marL="0" marR="0" rtl="0" algn="r">
-              <a:lnSpc>
-                <a:spcPct val="100000"/>
-              </a:lnSpc>
-              <a:spcBef>
-                <a:spcPts val="0"/>
-              </a:spcBef>
-              <a:spcAft>
-                <a:spcPts val="0"/>
-              </a:spcAft>
-              <a:buClr>
-                <a:srgbClr val="ADADAD"/>
-              </a:buClr>
-              <a:buSzPts val="2600"/>
-              <a:buFont typeface="Arial"/>
-              <a:buNone/>
-              <a:defRPr b="0" i="0" sz="2600" u="none" cap="none" strike="noStrike">
+            <a:lvl9pPr marL="0" marR="0" lvl="8" indent="0" algn="r" rtl="0">
+              <a:lnSpc>
+                <a:spcPct val="100000"/>
+              </a:lnSpc>
+              <a:spcBef>
+                <a:spcPts val="0"/>
+              </a:spcBef>
+              <a:spcAft>
+                <a:spcPts val="0"/>
+              </a:spcAft>
+              <a:buClr>
+                <a:srgbClr val="ADADAD"/>
+              </a:buClr>
+              <a:buSzPts val="2600"/>
+              <a:buFont typeface="Arial"/>
+              <a:buNone/>
+              <a:defRPr sz="2600" b="0" i="0" u="none" strike="noStrike" cap="none">
                 <a:solidFill>
                   <a:srgbClr val="ADADAD"/>
                 </a:solidFill>
@@ -7635,7 +7756,7 @@
             </a:lvl9pPr>
           </a:lstStyle>
           <a:p>
-            <a:pPr indent="0" lvl="0" marL="0" rtl="0" algn="r">
+            <a:pPr marL="0" lvl="0" indent="0" algn="r" rtl="0">
               <a:spcBef>
                 <a:spcPts val="0"/>
               </a:spcBef>
@@ -7658,7 +7779,7 @@
       </p:sp>
     </p:spTree>
   </p:cSld>
-  <p:clrMap accent1="accent1" accent2="accent2" accent3="accent3" accent4="accent4" accent5="accent5" accent6="accent6" bg1="lt1" bg2="dk2" tx1="dk1" tx2="lt2" folHlink="folHlink" hlink="hlink"/>
+  <p:clrMap bg1="lt1" tx1="dk1" bg2="dk2" tx2="lt2" accent1="accent1" accent2="accent2" accent3="accent3" accent4="accent4" accent5="accent5" accent6="accent6" hlink="hlink" folHlink="folHlink"/>
   <p:sldLayoutIdLst>
     <p:sldLayoutId id="2147483648" r:id="rId1"/>
     <p:sldLayoutId id="2147483649" r:id="rId2"/>
@@ -7671,10 +7792,10 @@
     <p:sldLayoutId id="2147483656" r:id="rId9"/>
     <p:sldLayoutId id="2147483657" r:id="rId10"/>
   </p:sldLayoutIdLst>
-  <p:hf dt="0" ftr="0" hdr="0" sldNum="0"/>
+  <p:hf sldNum="0" hdr="0" ftr="0" dt="0"/>
   <p:txStyles>
     <p:titleStyle>
-      <a:defPPr lvl="0" marR="0" rtl="0" algn="l">
+      <a:defPPr marR="0" lvl="0" algn="l" rtl="0">
         <a:lnSpc>
           <a:spcPct val="100000"/>
         </a:lnSpc>
@@ -7685,7 +7806,7 @@
           <a:spcPts val="0"/>
         </a:spcAft>
       </a:defPPr>
-      <a:lvl1pPr lvl="0" marR="0" rtl="0" algn="l">
+      <a:lvl1pPr marR="0" lvl="0" algn="l" rtl="0">
         <a:lnSpc>
           <a:spcPct val="100000"/>
         </a:lnSpc>
@@ -7699,7 +7820,7 @@
           <a:srgbClr val="000000"/>
         </a:buClr>
         <a:buFont typeface="Arial"/>
-        <a:defRPr b="0" i="0" sz="1400" u="none" cap="none" strike="noStrike">
+        <a:defRPr sz="1400" b="0" i="0" u="none" strike="noStrike" cap="none">
           <a:solidFill>
             <a:srgbClr val="000000"/>
           </a:solidFill>
@@ -7709,7 +7830,7 @@
           <a:sym typeface="Arial"/>
         </a:defRPr>
       </a:lvl1pPr>
-      <a:lvl2pPr lvl="1" marR="0" rtl="0" algn="l">
+      <a:lvl2pPr marR="0" lvl="1" algn="l" rtl="0">
         <a:lnSpc>
           <a:spcPct val="100000"/>
         </a:lnSpc>
@@ -7723,7 +7844,7 @@
           <a:srgbClr val="000000"/>
         </a:buClr>
         <a:buFont typeface="Arial"/>
-        <a:defRPr b="0" i="0" sz="1400" u="none" cap="none" strike="noStrike">
+        <a:defRPr sz="1400" b="0" i="0" u="none" strike="noStrike" cap="none">
           <a:solidFill>
             <a:srgbClr val="000000"/>
           </a:solidFill>
@@ -7733,7 +7854,7 @@
           <a:sym typeface="Arial"/>
         </a:defRPr>
       </a:lvl2pPr>
-      <a:lvl3pPr lvl="2" marR="0" rtl="0" algn="l">
+      <a:lvl3pPr marR="0" lvl="2" algn="l" rtl="0">
         <a:lnSpc>
           <a:spcPct val="100000"/>
         </a:lnSpc>
@@ -7747,7 +7868,7 @@
           <a:srgbClr val="000000"/>
         </a:buClr>
         <a:buFont typeface="Arial"/>
-        <a:defRPr b="0" i="0" sz="1400" u="none" cap="none" strike="noStrike">
+        <a:defRPr sz="1400" b="0" i="0" u="none" strike="noStrike" cap="none">
           <a:solidFill>
             <a:srgbClr val="000000"/>
           </a:solidFill>
@@ -7757,7 +7878,7 @@
           <a:sym typeface="Arial"/>
         </a:defRPr>
       </a:lvl3pPr>
-      <a:lvl4pPr lvl="3" marR="0" rtl="0" algn="l">
+      <a:lvl4pPr marR="0" lvl="3" algn="l" rtl="0">
         <a:lnSpc>
           <a:spcPct val="100000"/>
         </a:lnSpc>
@@ -7771,7 +7892,7 @@
           <a:srgbClr val="000000"/>
         </a:buClr>
         <a:buFont typeface="Arial"/>
-        <a:defRPr b="0" i="0" sz="1400" u="none" cap="none" strike="noStrike">
+        <a:defRPr sz="1400" b="0" i="0" u="none" strike="noStrike" cap="none">
           <a:solidFill>
             <a:srgbClr val="000000"/>
           </a:solidFill>
@@ -7781,7 +7902,7 @@
           <a:sym typeface="Arial"/>
         </a:defRPr>
       </a:lvl4pPr>
-      <a:lvl5pPr lvl="4" marR="0" rtl="0" algn="l">
+      <a:lvl5pPr marR="0" lvl="4" algn="l" rtl="0">
         <a:lnSpc>
           <a:spcPct val="100000"/>
         </a:lnSpc>
@@ -7795,7 +7916,7 @@
           <a:srgbClr val="000000"/>
         </a:buClr>
         <a:buFont typeface="Arial"/>
-        <a:defRPr b="0" i="0" sz="1400" u="none" cap="none" strike="noStrike">
+        <a:defRPr sz="1400" b="0" i="0" u="none" strike="noStrike" cap="none">
           <a:solidFill>
             <a:srgbClr val="000000"/>
           </a:solidFill>
@@ -7805,7 +7926,7 @@
           <a:sym typeface="Arial"/>
         </a:defRPr>
       </a:lvl5pPr>
-      <a:lvl6pPr lvl="5" marR="0" rtl="0" algn="l">
+      <a:lvl6pPr marR="0" lvl="5" algn="l" rtl="0">
         <a:lnSpc>
           <a:spcPct val="100000"/>
         </a:lnSpc>
@@ -7819,7 +7940,7 @@
           <a:srgbClr val="000000"/>
         </a:buClr>
         <a:buFont typeface="Arial"/>
-        <a:defRPr b="0" i="0" sz="1400" u="none" cap="none" strike="noStrike">
+        <a:defRPr sz="1400" b="0" i="0" u="none" strike="noStrike" cap="none">
           <a:solidFill>
             <a:srgbClr val="000000"/>
           </a:solidFill>
@@ -7829,7 +7950,7 @@
           <a:sym typeface="Arial"/>
         </a:defRPr>
       </a:lvl6pPr>
-      <a:lvl7pPr lvl="6" marR="0" rtl="0" algn="l">
+      <a:lvl7pPr marR="0" lvl="6" algn="l" rtl="0">
         <a:lnSpc>
           <a:spcPct val="100000"/>
         </a:lnSpc>
@@ -7843,7 +7964,7 @@
           <a:srgbClr val="000000"/>
         </a:buClr>
         <a:buFont typeface="Arial"/>
-        <a:defRPr b="0" i="0" sz="1400" u="none" cap="none" strike="noStrike">
+        <a:defRPr sz="1400" b="0" i="0" u="none" strike="noStrike" cap="none">
           <a:solidFill>
             <a:srgbClr val="000000"/>
           </a:solidFill>
@@ -7853,7 +7974,7 @@
           <a:sym typeface="Arial"/>
         </a:defRPr>
       </a:lvl7pPr>
-      <a:lvl8pPr lvl="7" marR="0" rtl="0" algn="l">
+      <a:lvl8pPr marR="0" lvl="7" algn="l" rtl="0">
         <a:lnSpc>
           <a:spcPct val="100000"/>
         </a:lnSpc>
@@ -7867,7 +7988,7 @@
           <a:srgbClr val="000000"/>
         </a:buClr>
         <a:buFont typeface="Arial"/>
-        <a:defRPr b="0" i="0" sz="1400" u="none" cap="none" strike="noStrike">
+        <a:defRPr sz="1400" b="0" i="0" u="none" strike="noStrike" cap="none">
           <a:solidFill>
             <a:srgbClr val="000000"/>
           </a:solidFill>
@@ -7877,7 +7998,7 @@
           <a:sym typeface="Arial"/>
         </a:defRPr>
       </a:lvl8pPr>
-      <a:lvl9pPr lvl="8" marR="0" rtl="0" algn="l">
+      <a:lvl9pPr marR="0" lvl="8" algn="l" rtl="0">
         <a:lnSpc>
           <a:spcPct val="100000"/>
         </a:lnSpc>
@@ -7891,7 +8012,7 @@
           <a:srgbClr val="000000"/>
         </a:buClr>
         <a:buFont typeface="Arial"/>
-        <a:defRPr b="0" i="0" sz="1400" u="none" cap="none" strike="noStrike">
+        <a:defRPr sz="1400" b="0" i="0" u="none" strike="noStrike" cap="none">
           <a:solidFill>
             <a:srgbClr val="000000"/>
           </a:solidFill>
@@ -7903,7 +8024,7 @@
       </a:lvl9pPr>
     </p:titleStyle>
     <p:bodyStyle>
-      <a:defPPr lvl="0" marR="0" rtl="0" algn="l">
+      <a:defPPr marR="0" lvl="0" algn="l" rtl="0">
         <a:lnSpc>
           <a:spcPct val="100000"/>
         </a:lnSpc>
@@ -7914,7 +8035,7 @@
           <a:spcPts val="0"/>
         </a:spcAft>
       </a:defPPr>
-      <a:lvl1pPr lvl="0" marR="0" rtl="0" algn="l">
+      <a:lvl1pPr marR="0" lvl="0" algn="l" rtl="0">
         <a:lnSpc>
           <a:spcPct val="100000"/>
         </a:lnSpc>
@@ -7928,7 +8049,7 @@
           <a:srgbClr val="000000"/>
         </a:buClr>
         <a:buFont typeface="Arial"/>
-        <a:defRPr b="0" i="0" sz="1400" u="none" cap="none" strike="noStrike">
+        <a:defRPr sz="1400" b="0" i="0" u="none" strike="noStrike" cap="none">
           <a:solidFill>
             <a:srgbClr val="000000"/>
           </a:solidFill>
@@ -7938,7 +8059,7 @@
           <a:sym typeface="Arial"/>
         </a:defRPr>
       </a:lvl1pPr>
-      <a:lvl2pPr lvl="1" marR="0" rtl="0" algn="l">
+      <a:lvl2pPr marR="0" lvl="1" algn="l" rtl="0">
         <a:lnSpc>
           <a:spcPct val="100000"/>
         </a:lnSpc>
@@ -7952,7 +8073,7 @@
           <a:srgbClr val="000000"/>
         </a:buClr>
         <a:buFont typeface="Arial"/>
-        <a:defRPr b="0" i="0" sz="1400" u="none" cap="none" strike="noStrike">
+        <a:defRPr sz="1400" b="0" i="0" u="none" strike="noStrike" cap="none">
           <a:solidFill>
             <a:srgbClr val="000000"/>
           </a:solidFill>
@@ -7962,7 +8083,7 @@
           <a:sym typeface="Arial"/>
         </a:defRPr>
       </a:lvl2pPr>
-      <a:lvl3pPr lvl="2" marR="0" rtl="0" algn="l">
+      <a:lvl3pPr marR="0" lvl="2" algn="l" rtl="0">
         <a:lnSpc>
           <a:spcPct val="100000"/>
         </a:lnSpc>
@@ -7976,7 +8097,7 @@
           <a:srgbClr val="000000"/>
         </a:buClr>
         <a:buFont typeface="Arial"/>
-        <a:defRPr b="0" i="0" sz="1400" u="none" cap="none" strike="noStrike">
+        <a:defRPr sz="1400" b="0" i="0" u="none" strike="noStrike" cap="none">
           <a:solidFill>
             <a:srgbClr val="000000"/>
           </a:solidFill>
@@ -7986,7 +8107,7 @@
           <a:sym typeface="Arial"/>
         </a:defRPr>
       </a:lvl3pPr>
-      <a:lvl4pPr lvl="3" marR="0" rtl="0" algn="l">
+      <a:lvl4pPr marR="0" lvl="3" algn="l" rtl="0">
         <a:lnSpc>
           <a:spcPct val="100000"/>
         </a:lnSpc>
@@ -8000,7 +8121,7 @@
           <a:srgbClr val="000000"/>
         </a:buClr>
         <a:buFont typeface="Arial"/>
-        <a:defRPr b="0" i="0" sz="1400" u="none" cap="none" strike="noStrike">
+        <a:defRPr sz="1400" b="0" i="0" u="none" strike="noStrike" cap="none">
           <a:solidFill>
             <a:srgbClr val="000000"/>
           </a:solidFill>
@@ -8010,7 +8131,7 @@
           <a:sym typeface="Arial"/>
         </a:defRPr>
       </a:lvl4pPr>
-      <a:lvl5pPr lvl="4" marR="0" rtl="0" algn="l">
+      <a:lvl5pPr marR="0" lvl="4" algn="l" rtl="0">
         <a:lnSpc>
           <a:spcPct val="100000"/>
         </a:lnSpc>
@@ -8024,7 +8145,7 @@
           <a:srgbClr val="000000"/>
         </a:buClr>
         <a:buFont typeface="Arial"/>
-        <a:defRPr b="0" i="0" sz="1400" u="none" cap="none" strike="noStrike">
+        <a:defRPr sz="1400" b="0" i="0" u="none" strike="noStrike" cap="none">
           <a:solidFill>
             <a:srgbClr val="000000"/>
           </a:solidFill>
@@ -8034,7 +8155,7 @@
           <a:sym typeface="Arial"/>
         </a:defRPr>
       </a:lvl5pPr>
-      <a:lvl6pPr lvl="5" marR="0" rtl="0" algn="l">
+      <a:lvl6pPr marR="0" lvl="5" algn="l" rtl="0">
         <a:lnSpc>
           <a:spcPct val="100000"/>
         </a:lnSpc>
@@ -8048,7 +8169,7 @@
           <a:srgbClr val="000000"/>
         </a:buClr>
         <a:buFont typeface="Arial"/>
-        <a:defRPr b="0" i="0" sz="1400" u="none" cap="none" strike="noStrike">
+        <a:defRPr sz="1400" b="0" i="0" u="none" strike="noStrike" cap="none">
           <a:solidFill>
             <a:srgbClr val="000000"/>
           </a:solidFill>
@@ -8058,7 +8179,7 @@
           <a:sym typeface="Arial"/>
         </a:defRPr>
       </a:lvl6pPr>
-      <a:lvl7pPr lvl="6" marR="0" rtl="0" algn="l">
+      <a:lvl7pPr marR="0" lvl="6" algn="l" rtl="0">
         <a:lnSpc>
           <a:spcPct val="100000"/>
         </a:lnSpc>
@@ -8072,7 +8193,7 @@
           <a:srgbClr val="000000"/>
         </a:buClr>
         <a:buFont typeface="Arial"/>
-        <a:defRPr b="0" i="0" sz="1400" u="none" cap="none" strike="noStrike">
+        <a:defRPr sz="1400" b="0" i="0" u="none" strike="noStrike" cap="none">
           <a:solidFill>
             <a:srgbClr val="000000"/>
           </a:solidFill>
@@ -8082,7 +8203,7 @@
           <a:sym typeface="Arial"/>
         </a:defRPr>
       </a:lvl7pPr>
-      <a:lvl8pPr lvl="7" marR="0" rtl="0" algn="l">
+      <a:lvl8pPr marR="0" lvl="7" algn="l" rtl="0">
         <a:lnSpc>
           <a:spcPct val="100000"/>
         </a:lnSpc>
@@ -8096,7 +8217,7 @@
           <a:srgbClr val="000000"/>
         </a:buClr>
         <a:buFont typeface="Arial"/>
-        <a:defRPr b="0" i="0" sz="1400" u="none" cap="none" strike="noStrike">
+        <a:defRPr sz="1400" b="0" i="0" u="none" strike="noStrike" cap="none">
           <a:solidFill>
             <a:srgbClr val="000000"/>
           </a:solidFill>
@@ -8106,7 +8227,7 @@
           <a:sym typeface="Arial"/>
         </a:defRPr>
       </a:lvl8pPr>
-      <a:lvl9pPr lvl="8" marR="0" rtl="0" algn="l">
+      <a:lvl9pPr marR="0" lvl="8" algn="l" rtl="0">
         <a:lnSpc>
           <a:spcPct val="100000"/>
         </a:lnSpc>
@@ -8120,7 +8241,7 @@
           <a:srgbClr val="000000"/>
         </a:buClr>
         <a:buFont typeface="Arial"/>
-        <a:defRPr b="0" i="0" sz="1400" u="none" cap="none" strike="noStrike">
+        <a:defRPr sz="1400" b="0" i="0" u="none" strike="noStrike" cap="none">
           <a:solidFill>
             <a:srgbClr val="000000"/>
           </a:solidFill>
@@ -8132,7 +8253,7 @@
       </a:lvl9pPr>
     </p:bodyStyle>
     <p:otherStyle>
-      <a:defPPr lvl="0" marR="0" rtl="0" algn="l">
+      <a:defPPr marR="0" lvl="0" algn="l" rtl="0">
         <a:lnSpc>
           <a:spcPct val="100000"/>
         </a:lnSpc>
@@ -8143,7 +8264,7 @@
           <a:spcPts val="0"/>
         </a:spcAft>
       </a:defPPr>
-      <a:lvl1pPr lvl="0" marR="0" rtl="0" algn="l">
+      <a:lvl1pPr marR="0" lvl="0" algn="l" rtl="0">
         <a:lnSpc>
           <a:spcPct val="100000"/>
         </a:lnSpc>
@@ -8157,7 +8278,7 @@
           <a:srgbClr val="000000"/>
         </a:buClr>
         <a:buFont typeface="Arial"/>
-        <a:defRPr b="0" i="0" sz="1400" u="none" cap="none" strike="noStrike">
+        <a:defRPr sz="1400" b="0" i="0" u="none" strike="noStrike" cap="none">
           <a:solidFill>
             <a:srgbClr val="000000"/>
           </a:solidFill>
@@ -8167,7 +8288,7 @@
           <a:sym typeface="Arial"/>
         </a:defRPr>
       </a:lvl1pPr>
-      <a:lvl2pPr lvl="1" marR="0" rtl="0" algn="l">
+      <a:lvl2pPr marR="0" lvl="1" algn="l" rtl="0">
         <a:lnSpc>
           <a:spcPct val="100000"/>
         </a:lnSpc>
@@ -8181,7 +8302,7 @@
           <a:srgbClr val="000000"/>
         </a:buClr>
         <a:buFont typeface="Arial"/>
-        <a:defRPr b="0" i="0" sz="1400" u="none" cap="none" strike="noStrike">
+        <a:defRPr sz="1400" b="0" i="0" u="none" strike="noStrike" cap="none">
           <a:solidFill>
             <a:srgbClr val="000000"/>
           </a:solidFill>
@@ -8191,7 +8312,7 @@
           <a:sym typeface="Arial"/>
         </a:defRPr>
       </a:lvl2pPr>
-      <a:lvl3pPr lvl="2" marR="0" rtl="0" algn="l">
+      <a:lvl3pPr marR="0" lvl="2" algn="l" rtl="0">
         <a:lnSpc>
           <a:spcPct val="100000"/>
         </a:lnSpc>
@@ -8205,7 +8326,7 @@
           <a:srgbClr val="000000"/>
         </a:buClr>
         <a:buFont typeface="Arial"/>
-        <a:defRPr b="0" i="0" sz="1400" u="none" cap="none" strike="noStrike">
+        <a:defRPr sz="1400" b="0" i="0" u="none" strike="noStrike" cap="none">
           <a:solidFill>
             <a:srgbClr val="000000"/>
           </a:solidFill>
@@ -8215,7 +8336,7 @@
           <a:sym typeface="Arial"/>
         </a:defRPr>
       </a:lvl3pPr>
-      <a:lvl4pPr lvl="3" marR="0" rtl="0" algn="l">
+      <a:lvl4pPr marR="0" lvl="3" algn="l" rtl="0">
         <a:lnSpc>
           <a:spcPct val="100000"/>
         </a:lnSpc>
@@ -8229,7 +8350,7 @@
           <a:srgbClr val="000000"/>
         </a:buClr>
         <a:buFont typeface="Arial"/>
-        <a:defRPr b="0" i="0" sz="1400" u="none" cap="none" strike="noStrike">
+        <a:defRPr sz="1400" b="0" i="0" u="none" strike="noStrike" cap="none">
           <a:solidFill>
             <a:srgbClr val="000000"/>
           </a:solidFill>
@@ -8239,7 +8360,7 @@
           <a:sym typeface="Arial"/>
         </a:defRPr>
       </a:lvl4pPr>
-      <a:lvl5pPr lvl="4" marR="0" rtl="0" algn="l">
+      <a:lvl5pPr marR="0" lvl="4" algn="l" rtl="0">
         <a:lnSpc>
           <a:spcPct val="100000"/>
         </a:lnSpc>
@@ -8253,7 +8374,7 @@
           <a:srgbClr val="000000"/>
         </a:buClr>
         <a:buFont typeface="Arial"/>
-        <a:defRPr b="0" i="0" sz="1400" u="none" cap="none" strike="noStrike">
+        <a:defRPr sz="1400" b="0" i="0" u="none" strike="noStrike" cap="none">
           <a:solidFill>
             <a:srgbClr val="000000"/>
           </a:solidFill>
@@ -8263,7 +8384,7 @@
           <a:sym typeface="Arial"/>
         </a:defRPr>
       </a:lvl5pPr>
-      <a:lvl6pPr lvl="5" marR="0" rtl="0" algn="l">
+      <a:lvl6pPr marR="0" lvl="5" algn="l" rtl="0">
         <a:lnSpc>
           <a:spcPct val="100000"/>
         </a:lnSpc>
@@ -8277,7 +8398,7 @@
           <a:srgbClr val="000000"/>
         </a:buClr>
         <a:buFont typeface="Arial"/>
-        <a:defRPr b="0" i="0" sz="1400" u="none" cap="none" strike="noStrike">
+        <a:defRPr sz="1400" b="0" i="0" u="none" strike="noStrike" cap="none">
           <a:solidFill>
             <a:srgbClr val="000000"/>
           </a:solidFill>
@@ -8287,7 +8408,7 @@
           <a:sym typeface="Arial"/>
         </a:defRPr>
       </a:lvl6pPr>
-      <a:lvl7pPr lvl="6" marR="0" rtl="0" algn="l">
+      <a:lvl7pPr marR="0" lvl="6" algn="l" rtl="0">
         <a:lnSpc>
           <a:spcPct val="100000"/>
         </a:lnSpc>
@@ -8301,7 +8422,7 @@
           <a:srgbClr val="000000"/>
         </a:buClr>
         <a:buFont typeface="Arial"/>
-        <a:defRPr b="0" i="0" sz="1400" u="none" cap="none" strike="noStrike">
+        <a:defRPr sz="1400" b="0" i="0" u="none" strike="noStrike" cap="none">
           <a:solidFill>
             <a:srgbClr val="000000"/>
           </a:solidFill>
@@ -8311,7 +8432,7 @@
           <a:sym typeface="Arial"/>
         </a:defRPr>
       </a:lvl7pPr>
-      <a:lvl8pPr lvl="7" marR="0" rtl="0" algn="l">
+      <a:lvl8pPr marR="0" lvl="7" algn="l" rtl="0">
         <a:lnSpc>
           <a:spcPct val="100000"/>
         </a:lnSpc>
@@ -8325,7 +8446,7 @@
           <a:srgbClr val="000000"/>
         </a:buClr>
         <a:buFont typeface="Arial"/>
-        <a:defRPr b="0" i="0" sz="1400" u="none" cap="none" strike="noStrike">
+        <a:defRPr sz="1400" b="0" i="0" u="none" strike="noStrike" cap="none">
           <a:solidFill>
             <a:srgbClr val="000000"/>
           </a:solidFill>
@@ -8335,7 +8456,7 @@
           <a:sym typeface="Arial"/>
         </a:defRPr>
       </a:lvl8pPr>
-      <a:lvl9pPr lvl="8" marR="0" rtl="0" algn="l">
+      <a:lvl9pPr marR="0" lvl="8" algn="l" rtl="0">
         <a:lnSpc>
           <a:spcPct val="100000"/>
         </a:lnSpc>
@@ -8349,7 +8470,7 @@
           <a:srgbClr val="000000"/>
         </a:buClr>
         <a:buFont typeface="Arial"/>
-        <a:defRPr b="0" i="0" sz="1400" u="none" cap="none" strike="noStrike">
+        <a:defRPr sz="1400" b="0" i="0" u="none" strike="noStrike" cap="none">
           <a:solidFill>
             <a:srgbClr val="000000"/>
           </a:solidFill>
@@ -8365,18 +8486,19 @@
 </file>
 
 <file path=ppt/slides/slide1.xml><?xml version="1.0" encoding="utf-8"?>
-<p:sld xmlns:a="http://schemas.openxmlformats.org/drawingml/2006/main" xmlns:r="http://schemas.openxmlformats.org/officeDocument/2006/relationships" xmlns:mc="http://schemas.openxmlformats.org/markup-compatibility/2006" xmlns:mv="urn:schemas-microsoft-com:mac:vml" xmlns:p="http://schemas.openxmlformats.org/presentationml/2006/main" xmlns:c="http://schemas.openxmlformats.org/drawingml/2006/chart" xmlns:dgm="http://schemas.openxmlformats.org/drawingml/2006/diagram" xmlns:o="urn:schemas-microsoft-com:office:office" xmlns:v="urn:schemas-microsoft-com:vml" xmlns:pvml="urn:schemas-microsoft-com:office:powerpoint" xmlns:com="http://schemas.openxmlformats.org/drawingml/2006/compatibility" xmlns:p14="http://schemas.microsoft.com/office/powerpoint/2010/main" xmlns:p15="http://schemas.microsoft.com/office/powerpoint/2012/main" xmlns:ahyp="http://schemas.microsoft.com/office/drawing/2018/hyperlinkcolor">
+<p:sld xmlns:a="http://schemas.openxmlformats.org/drawingml/2006/main" xmlns:r="http://schemas.openxmlformats.org/officeDocument/2006/relationships" xmlns:p="http://schemas.openxmlformats.org/presentationml/2006/main">
   <p:cSld>
     <p:bg>
       <p:bgPr>
         <a:solidFill>
           <a:schemeClr val="lt1"/>
         </a:solidFill>
+        <a:effectLst/>
       </p:bgPr>
     </p:bg>
     <p:spTree>
       <p:nvGrpSpPr>
-        <p:cNvPr id="50" name="Shape 50"/>
+        <p:cNvPr id="1" name="Shape 50"/>
         <p:cNvGrpSpPr/>
         <p:nvPr/>
       </p:nvGrpSpPr>
@@ -8391,7 +8513,9 @@
       <p:sp>
         <p:nvSpPr>
           <p:cNvPr id="51" name="Google Shape;51;p12"/>
-          <p:cNvSpPr txBox="1"/>
+          <p:cNvSpPr txBox="1">
+            <a:spLocks noGrp="1"/>
+          </p:cNvSpPr>
           <p:nvPr>
             <p:ph type="title"/>
           </p:nvPr>
@@ -8410,12 +8534,12 @@
           </a:ln>
         </p:spPr>
         <p:txBody>
-          <a:bodyPr anchorCtr="0" anchor="t" bIns="243775" lIns="243775" spcFirstLastPara="1" rIns="243775" wrap="square" tIns="243775">
+          <a:bodyPr spcFirstLastPara="1" wrap="square" lIns="243775" tIns="243775" rIns="243775" bIns="243775" anchor="t" anchorCtr="0">
             <a:noAutofit/>
           </a:bodyPr>
           <a:lstStyle/>
           <a:p>
-            <a:pPr indent="0" lvl="0" marL="0" marR="0" rtl="0" algn="ctr">
+            <a:pPr marL="0" marR="0" lvl="0" indent="0" algn="ctr" rtl="0">
               <a:lnSpc>
                 <a:spcPct val="100000"/>
               </a:lnSpc>
@@ -8450,7 +8574,7 @@
       </p:sp>
       <p:pic>
         <p:nvPicPr>
-          <p:cNvPr descr="Google Shape;203;p24" id="52" name="Google Shape;52;p12"/>
+          <p:cNvPr id="52" name="Google Shape;52;p12" descr="Google Shape;203;p24"/>
           <p:cNvPicPr preferRelativeResize="0"/>
           <p:nvPr/>
         </p:nvPicPr>
@@ -8458,7 +8582,7 @@
           <a:blip r:embed="rId3">
             <a:alphaModFix/>
           </a:blip>
-          <a:srcRect b="0" l="0" r="0" t="0"/>
+          <a:srcRect/>
           <a:stretch/>
         </p:blipFill>
         <p:spPr>
@@ -8477,7 +8601,7 @@
       </p:pic>
       <p:pic>
         <p:nvPicPr>
-          <p:cNvPr descr="Google Shape;204;p24" id="53" name="Google Shape;53;p12"/>
+          <p:cNvPr id="53" name="Google Shape;53;p12" descr="Google Shape;204;p24"/>
           <p:cNvPicPr preferRelativeResize="0"/>
           <p:nvPr/>
         </p:nvPicPr>
@@ -8485,12 +8609,12 @@
           <a:blip r:embed="rId4">
             <a:alphaModFix/>
           </a:blip>
-          <a:srcRect b="0" l="0" r="0" t="0"/>
+          <a:srcRect/>
           <a:stretch/>
         </p:blipFill>
         <p:spPr>
           <a:xfrm>
-            <a:off x="5723860" y="3588976"/>
+            <a:off x="5215860" y="3588976"/>
             <a:ext cx="4155533" cy="4155532"/>
           </a:xfrm>
           <a:prstGeom prst="rect">
@@ -8504,7 +8628,7 @@
       </p:pic>
       <p:pic>
         <p:nvPicPr>
-          <p:cNvPr descr="Google Shape;205;p24" id="54" name="Google Shape;54;p12"/>
+          <p:cNvPr id="54" name="Google Shape;54;p12" descr="Google Shape;205;p24"/>
           <p:cNvPicPr preferRelativeResize="0"/>
           <p:nvPr/>
         </p:nvPicPr>
@@ -8512,7 +8636,7 @@
           <a:blip r:embed="rId5">
             <a:alphaModFix/>
           </a:blip>
-          <a:srcRect b="0" l="0" r="0" t="0"/>
+          <a:srcRect/>
           <a:stretch/>
         </p:blipFill>
         <p:spPr>
@@ -8531,7 +8655,7 @@
       </p:pic>
       <p:pic>
         <p:nvPicPr>
-          <p:cNvPr descr="Google Shape;213;p24" id="55" name="Google Shape;55;p12"/>
+          <p:cNvPr id="55" name="Google Shape;55;p12" descr="Google Shape;213;p24"/>
           <p:cNvPicPr preferRelativeResize="0"/>
           <p:nvPr/>
         </p:nvPicPr>
@@ -8539,7 +8663,7 @@
           <a:blip r:embed="rId6">
             <a:alphaModFix/>
           </a:blip>
-          <a:srcRect b="0" l="0" r="0" t="0"/>
+          <a:srcRect/>
           <a:stretch/>
         </p:blipFill>
         <p:spPr>
@@ -8569,29 +8693,29 @@
           </a:xfrm>
           <a:prstGeom prst="roundRect">
             <a:avLst>
-              <a:gd fmla="val 16667" name="adj"/>
+              <a:gd name="adj" fmla="val 16667"/>
             </a:avLst>
           </a:prstGeom>
           <a:solidFill>
             <a:srgbClr val="ADADAD"/>
           </a:solidFill>
-          <a:ln cap="flat" cmpd="sng" w="25400">
+          <a:ln w="25400" cap="flat" cmpd="sng">
             <a:solidFill>
               <a:srgbClr val="303030"/>
             </a:solidFill>
             <a:prstDash val="solid"/>
             <a:round/>
-            <a:headEnd len="sm" w="sm" type="none"/>
-            <a:tailEnd len="sm" w="sm" type="none"/>
+            <a:headEnd type="none" w="sm" len="sm"/>
+            <a:tailEnd type="none" w="sm" len="sm"/>
           </a:ln>
         </p:spPr>
         <p:txBody>
-          <a:bodyPr anchorCtr="0" anchor="ctr" bIns="0" lIns="0" spcFirstLastPara="1" rIns="0" wrap="square" tIns="0">
+          <a:bodyPr spcFirstLastPara="1" wrap="square" lIns="0" tIns="0" rIns="0" bIns="0" anchor="ctr" anchorCtr="0">
             <a:noAutofit/>
           </a:bodyPr>
           <a:lstStyle/>
           <a:p>
-            <a:pPr indent="0" lvl="0" marL="0" marR="0" rtl="0" algn="ctr">
+            <a:pPr marL="0" marR="0" lvl="0" indent="0" algn="ctr" rtl="0">
               <a:lnSpc>
                 <a:spcPct val="100000"/>
               </a:lnSpc>
@@ -8609,7 +8733,7 @@
               <a:buNone/>
             </a:pPr>
             <a:r>
-              <a:rPr b="0" i="0" lang="en-US" sz="3600" u="none" cap="none" strike="noStrike">
+              <a:rPr lang="en-US" sz="3600" b="0" i="0" u="none" strike="noStrike" cap="none">
                 <a:solidFill>
                   <a:srgbClr val="000000"/>
                 </a:solidFill>
@@ -8623,7 +8747,7 @@
             <a:endParaRPr/>
           </a:p>
           <a:p>
-            <a:pPr indent="0" lvl="0" marL="0" marR="0" rtl="0" algn="ctr">
+            <a:pPr marL="0" marR="0" lvl="0" indent="0" algn="ctr" rtl="0">
               <a:lnSpc>
                 <a:spcPct val="100000"/>
               </a:lnSpc>
@@ -8641,7 +8765,7 @@
               <a:buNone/>
             </a:pPr>
             <a:r>
-              <a:rPr b="0" i="0" lang="en-US" sz="3600" u="none" cap="none" strike="noStrike">
+              <a:rPr lang="en-US" sz="3600" b="0" i="0" u="none" strike="noStrike" cap="none">
                 <a:solidFill>
                   <a:srgbClr val="000000"/>
                 </a:solidFill>
@@ -8652,7 +8776,7 @@
               </a:rPr>
               <a:t>threshold</a:t>
             </a:r>
-            <a:endParaRPr b="0" i="0" sz="3600" u="none" cap="none" strike="noStrike">
+            <a:endParaRPr sz="3600" b="0" i="0" u="none" strike="noStrike" cap="none">
               <a:solidFill>
                 <a:srgbClr val="000000"/>
               </a:solidFill>
@@ -8672,8 +8796,519 @@
 </p:sld>
 </file>
 
+<file path=ppt/slides/slide2.xml><?xml version="1.0" encoding="utf-8"?>
+<p:sld xmlns:a="http://schemas.openxmlformats.org/drawingml/2006/main" xmlns:r="http://schemas.openxmlformats.org/officeDocument/2006/relationships" xmlns:p="http://schemas.openxmlformats.org/presentationml/2006/main">
+  <p:cSld>
+    <p:bg>
+      <p:bgPr>
+        <a:solidFill>
+          <a:schemeClr val="bg1"/>
+        </a:solidFill>
+        <a:effectLst/>
+      </p:bgPr>
+    </p:bg>
+    <p:spTree>
+      <p:nvGrpSpPr>
+        <p:cNvPr id="1" name=""/>
+        <p:cNvGrpSpPr/>
+        <p:nvPr/>
+      </p:nvGrpSpPr>
+      <p:grpSpPr>
+        <a:xfrm>
+          <a:off x="0" y="0"/>
+          <a:ext cx="0" cy="0"/>
+          <a:chOff x="0" y="0"/>
+          <a:chExt cx="0" cy="0"/>
+        </a:xfrm>
+      </p:grpSpPr>
+      <p:pic>
+        <p:nvPicPr>
+          <p:cNvPr id="5" name="Picture 4">
+            <a:extLst>
+              <a:ext uri="{FF2B5EF4-FFF2-40B4-BE49-F238E27FC236}">
+                <a16:creationId xmlns:a16="http://schemas.microsoft.com/office/drawing/2014/main" id="{4B8BF8AC-6956-C44E-A427-D93E02885693}"/>
+              </a:ext>
+            </a:extLst>
+          </p:cNvPr>
+          <p:cNvPicPr>
+            <a:picLocks noChangeAspect="1"/>
+          </p:cNvPicPr>
+          <p:nvPr/>
+        </p:nvPicPr>
+        <p:blipFill>
+          <a:blip r:embed="rId2"/>
+          <a:stretch>
+            <a:fillRect/>
+          </a:stretch>
+        </p:blipFill>
+        <p:spPr>
+          <a:xfrm>
+            <a:off x="12704837" y="2032000"/>
+            <a:ext cx="5674172" cy="5902969"/>
+          </a:xfrm>
+          <a:prstGeom prst="rect">
+            <a:avLst/>
+          </a:prstGeom>
+        </p:spPr>
+      </p:pic>
+      <p:pic>
+        <p:nvPicPr>
+          <p:cNvPr id="6" name="Picture 5">
+            <a:extLst>
+              <a:ext uri="{FF2B5EF4-FFF2-40B4-BE49-F238E27FC236}">
+                <a16:creationId xmlns:a16="http://schemas.microsoft.com/office/drawing/2014/main" id="{C86FDA14-8287-2B4E-BB02-47FD0384A03F}"/>
+              </a:ext>
+            </a:extLst>
+          </p:cNvPr>
+          <p:cNvPicPr>
+            <a:picLocks noChangeAspect="1"/>
+          </p:cNvPicPr>
+          <p:nvPr/>
+        </p:nvPicPr>
+        <p:blipFill>
+          <a:blip r:embed="rId3"/>
+          <a:stretch>
+            <a:fillRect/>
+          </a:stretch>
+        </p:blipFill>
+        <p:spPr>
+          <a:xfrm>
+            <a:off x="18440022" y="2032000"/>
+            <a:ext cx="5674172" cy="5902969"/>
+          </a:xfrm>
+          <a:prstGeom prst="rect">
+            <a:avLst/>
+          </a:prstGeom>
+        </p:spPr>
+      </p:pic>
+      <p:pic>
+        <p:nvPicPr>
+          <p:cNvPr id="7" name="Google Shape;53;p12" descr="Google Shape;204;p24">
+            <a:extLst>
+              <a:ext uri="{FF2B5EF4-FFF2-40B4-BE49-F238E27FC236}">
+                <a16:creationId xmlns:a16="http://schemas.microsoft.com/office/drawing/2014/main" id="{A0325386-7D5C-984E-BD5A-9E8238AF751D}"/>
+              </a:ext>
+            </a:extLst>
+          </p:cNvPr>
+          <p:cNvPicPr preferRelativeResize="0"/>
+          <p:nvPr/>
+        </p:nvPicPr>
+        <p:blipFill rotWithShape="1">
+          <a:blip r:embed="rId4">
+            <a:alphaModFix/>
+          </a:blip>
+          <a:srcRect/>
+          <a:stretch/>
+        </p:blipFill>
+        <p:spPr>
+          <a:xfrm>
+            <a:off x="358552" y="2032034"/>
+            <a:ext cx="5902937" cy="5902935"/>
+          </a:xfrm>
+          <a:prstGeom prst="rect">
+            <a:avLst/>
+          </a:prstGeom>
+          <a:noFill/>
+          <a:ln>
+            <a:noFill/>
+          </a:ln>
+        </p:spPr>
+      </p:pic>
+      <p:pic>
+        <p:nvPicPr>
+          <p:cNvPr id="8" name="Google Shape;52;p12" descr="Google Shape;203;p24">
+            <a:extLst>
+              <a:ext uri="{FF2B5EF4-FFF2-40B4-BE49-F238E27FC236}">
+                <a16:creationId xmlns:a16="http://schemas.microsoft.com/office/drawing/2014/main" id="{B0E88E82-8D29-4345-B58A-2D5644FA7E1B}"/>
+              </a:ext>
+            </a:extLst>
+          </p:cNvPr>
+          <p:cNvPicPr preferRelativeResize="0"/>
+          <p:nvPr/>
+        </p:nvPicPr>
+        <p:blipFill rotWithShape="1">
+          <a:blip r:embed="rId5">
+            <a:alphaModFix/>
+          </a:blip>
+          <a:srcRect/>
+          <a:stretch/>
+        </p:blipFill>
+        <p:spPr>
+          <a:xfrm>
+            <a:off x="6322502" y="2032000"/>
+            <a:ext cx="5842734" cy="5902969"/>
+          </a:xfrm>
+          <a:prstGeom prst="rect">
+            <a:avLst/>
+          </a:prstGeom>
+          <a:noFill/>
+          <a:ln>
+            <a:noFill/>
+          </a:ln>
+        </p:spPr>
+      </p:pic>
+      <p:pic>
+        <p:nvPicPr>
+          <p:cNvPr id="9" name="Google Shape;54;p12" descr="Google Shape;205;p24">
+            <a:extLst>
+              <a:ext uri="{FF2B5EF4-FFF2-40B4-BE49-F238E27FC236}">
+                <a16:creationId xmlns:a16="http://schemas.microsoft.com/office/drawing/2014/main" id="{9AB905C2-4370-1A45-BD70-61905620EC78}"/>
+              </a:ext>
+            </a:extLst>
+          </p:cNvPr>
+          <p:cNvPicPr preferRelativeResize="0"/>
+          <p:nvPr/>
+        </p:nvPicPr>
+        <p:blipFill rotWithShape="1">
+          <a:blip r:embed="rId6">
+            <a:alphaModFix/>
+          </a:blip>
+          <a:srcRect/>
+          <a:stretch/>
+        </p:blipFill>
+        <p:spPr>
+          <a:xfrm>
+            <a:off x="7032200" y="8394133"/>
+            <a:ext cx="4423334" cy="2477067"/>
+          </a:xfrm>
+          <a:prstGeom prst="rect">
+            <a:avLst/>
+          </a:prstGeom>
+          <a:noFill/>
+          <a:ln>
+            <a:noFill/>
+          </a:ln>
+        </p:spPr>
+      </p:pic>
+      <p:pic>
+        <p:nvPicPr>
+          <p:cNvPr id="10" name="Google Shape;55;p12" descr="Google Shape;213;p24">
+            <a:extLst>
+              <a:ext uri="{FF2B5EF4-FFF2-40B4-BE49-F238E27FC236}">
+                <a16:creationId xmlns:a16="http://schemas.microsoft.com/office/drawing/2014/main" id="{F19CF41B-13E2-0D46-B150-8FE0A125BDE5}"/>
+              </a:ext>
+            </a:extLst>
+          </p:cNvPr>
+          <p:cNvPicPr preferRelativeResize="0"/>
+          <p:nvPr/>
+        </p:nvPicPr>
+        <p:blipFill rotWithShape="1">
+          <a:blip r:embed="rId7">
+            <a:alphaModFix/>
+          </a:blip>
+          <a:srcRect/>
+          <a:stretch/>
+        </p:blipFill>
+        <p:spPr>
+          <a:xfrm>
+            <a:off x="1029692" y="8464476"/>
+            <a:ext cx="4431893" cy="2406724"/>
+          </a:xfrm>
+          <a:prstGeom prst="rect">
+            <a:avLst/>
+          </a:prstGeom>
+          <a:noFill/>
+          <a:ln>
+            <a:noFill/>
+          </a:ln>
+        </p:spPr>
+      </p:pic>
+    </p:spTree>
+    <p:extLst>
+      <p:ext uri="{BB962C8B-B14F-4D97-AF65-F5344CB8AC3E}">
+        <p14:creationId xmlns:p14="http://schemas.microsoft.com/office/powerpoint/2010/main" val="1402075510"/>
+      </p:ext>
+    </p:extLst>
+  </p:cSld>
+  <p:clrMapOvr>
+    <a:masterClrMapping/>
+  </p:clrMapOvr>
+</p:sld>
+</file>
+
 <file path=ppt/theme/theme1.xml><?xml version="1.0" encoding="utf-8"?>
-<a:theme xmlns:a="http://schemas.openxmlformats.org/drawingml/2006/main" xmlns:r="http://schemas.openxmlformats.org/officeDocument/2006/relationships" name="Simple Dark">
+<a:theme xmlns:a="http://schemas.openxmlformats.org/drawingml/2006/main" name="Simple Dark">
+  <a:themeElements>
+    <a:clrScheme name="Simple Dark">
+      <a:dk1>
+        <a:srgbClr val="434343"/>
+      </a:dk1>
+      <a:lt1>
+        <a:srgbClr val="FFFFFF"/>
+      </a:lt1>
+      <a:dk2>
+        <a:srgbClr val="A7A7A7"/>
+      </a:dk2>
+      <a:lt2>
+        <a:srgbClr val="535353"/>
+      </a:lt2>
+      <a:accent1>
+        <a:srgbClr val="009688"/>
+      </a:accent1>
+      <a:accent2>
+        <a:srgbClr val="EEEEEE"/>
+      </a:accent2>
+      <a:accent3>
+        <a:srgbClr val="78909C"/>
+      </a:accent3>
+      <a:accent4>
+        <a:srgbClr val="FFAB40"/>
+      </a:accent4>
+      <a:accent5>
+        <a:srgbClr val="4DD0E1"/>
+      </a:accent5>
+      <a:accent6>
+        <a:srgbClr val="EEFF41"/>
+      </a:accent6>
+      <a:hlink>
+        <a:srgbClr val="0000FF"/>
+      </a:hlink>
+      <a:folHlink>
+        <a:srgbClr val="FF00FF"/>
+      </a:folHlink>
+    </a:clrScheme>
+    <a:fontScheme name="Office">
+      <a:majorFont>
+        <a:latin typeface="Arial"/>
+        <a:ea typeface=""/>
+        <a:cs typeface=""/>
+        <a:font script="Jpan" typeface="ＭＳ Ｐゴシック"/>
+        <a:font script="Hang" typeface="맑은 고딕"/>
+        <a:font script="Hans" typeface="宋体"/>
+        <a:font script="Hant" typeface="新細明體"/>
+        <a:font script="Arab" typeface="Times New Roman"/>
+        <a:font script="Hebr" typeface="Times New Roman"/>
+        <a:font script="Thai" typeface="Angsana New"/>
+        <a:font script="Ethi" typeface="Nyala"/>
+        <a:font script="Beng" typeface="Vrinda"/>
+        <a:font script="Gujr" typeface="Shruti"/>
+        <a:font script="Khmr" typeface="MoolBoran"/>
+        <a:font script="Knda" typeface="Tunga"/>
+        <a:font script="Guru" typeface="Raavi"/>
+        <a:font script="Cans" typeface="Euphemia"/>
+        <a:font script="Cher" typeface="Plantagenet Cherokee"/>
+        <a:font script="Yiii" typeface="Microsoft Yi Baiti"/>
+        <a:font script="Tibt" typeface="Microsoft Himalaya"/>
+        <a:font script="Thaa" typeface="MV Boli"/>
+        <a:font script="Deva" typeface="Mangal"/>
+        <a:font script="Telu" typeface="Gautami"/>
+        <a:font script="Taml" typeface="Latha"/>
+        <a:font script="Syrc" typeface="Estrangelo Edessa"/>
+        <a:font script="Orya" typeface="Kalinga"/>
+        <a:font script="Mlym" typeface="Kartika"/>
+        <a:font script="Laoo" typeface="DokChampa"/>
+        <a:font script="Sinh" typeface="Iskoola Pota"/>
+        <a:font script="Mong" typeface="Mongolian Baiti"/>
+        <a:font script="Viet" typeface="Times New Roman"/>
+        <a:font script="Uigh" typeface="Microsoft Uighur"/>
+        <a:font script="Geor" typeface="Sylfaen"/>
+      </a:majorFont>
+      <a:minorFont>
+        <a:latin typeface="Arial"/>
+        <a:ea typeface=""/>
+        <a:cs typeface=""/>
+        <a:font script="Jpan" typeface="ＭＳ Ｐゴシック"/>
+        <a:font script="Hang" typeface="맑은 고딕"/>
+        <a:font script="Hans" typeface="宋体"/>
+        <a:font script="Hant" typeface="新細明體"/>
+        <a:font script="Arab" typeface="Arial"/>
+        <a:font script="Hebr" typeface="Arial"/>
+        <a:font script="Thai" typeface="Cordia New"/>
+        <a:font script="Ethi" typeface="Nyala"/>
+        <a:font script="Beng" typeface="Vrinda"/>
+        <a:font script="Gujr" typeface="Shruti"/>
+        <a:font script="Khmr" typeface="DaunPenh"/>
+        <a:font script="Knda" typeface="Tunga"/>
+        <a:font script="Guru" typeface="Raavi"/>
+        <a:font script="Cans" typeface="Euphemia"/>
+        <a:font script="Cher" typeface="Plantagenet Cherokee"/>
+        <a:font script="Yiii" typeface="Microsoft Yi Baiti"/>
+        <a:font script="Tibt" typeface="Microsoft Himalaya"/>
+        <a:font script="Thaa" typeface="MV Boli"/>
+        <a:font script="Deva" typeface="Mangal"/>
+        <a:font script="Telu" typeface="Gautami"/>
+        <a:font script="Taml" typeface="Latha"/>
+        <a:font script="Syrc" typeface="Estrangelo Edessa"/>
+        <a:font script="Orya" typeface="Kalinga"/>
+        <a:font script="Mlym" typeface="Kartika"/>
+        <a:font script="Laoo" typeface="DokChampa"/>
+        <a:font script="Sinh" typeface="Iskoola Pota"/>
+        <a:font script="Mong" typeface="Mongolian Baiti"/>
+        <a:font script="Viet" typeface="Arial"/>
+        <a:font script="Uigh" typeface="Microsoft Uighur"/>
+        <a:font script="Geor" typeface="Sylfaen"/>
+      </a:minorFont>
+    </a:fontScheme>
+    <a:fmtScheme name="Office">
+      <a:fillStyleLst>
+        <a:solidFill>
+          <a:schemeClr val="phClr"/>
+        </a:solidFill>
+        <a:gradFill rotWithShape="1">
+          <a:gsLst>
+            <a:gs pos="0">
+              <a:schemeClr val="phClr">
+                <a:tint val="50000"/>
+                <a:satMod val="300000"/>
+              </a:schemeClr>
+            </a:gs>
+            <a:gs pos="35000">
+              <a:schemeClr val="phClr">
+                <a:tint val="37000"/>
+                <a:satMod val="300000"/>
+              </a:schemeClr>
+            </a:gs>
+            <a:gs pos="100000">
+              <a:schemeClr val="phClr">
+                <a:tint val="15000"/>
+                <a:satMod val="350000"/>
+              </a:schemeClr>
+            </a:gs>
+          </a:gsLst>
+          <a:lin ang="16200000" scaled="1"/>
+        </a:gradFill>
+        <a:gradFill rotWithShape="1">
+          <a:gsLst>
+            <a:gs pos="0">
+              <a:schemeClr val="phClr">
+                <a:tint val="100000"/>
+                <a:shade val="100000"/>
+                <a:satMod val="130000"/>
+              </a:schemeClr>
+            </a:gs>
+            <a:gs pos="100000">
+              <a:schemeClr val="phClr">
+                <a:tint val="50000"/>
+                <a:shade val="100000"/>
+                <a:satMod val="350000"/>
+              </a:schemeClr>
+            </a:gs>
+          </a:gsLst>
+          <a:lin ang="16200000" scaled="0"/>
+        </a:gradFill>
+      </a:fillStyleLst>
+      <a:lnStyleLst>
+        <a:ln w="9525" cap="flat" cmpd="sng" algn="ctr">
+          <a:solidFill>
+            <a:schemeClr val="phClr">
+              <a:shade val="95000"/>
+              <a:satMod val="105000"/>
+            </a:schemeClr>
+          </a:solidFill>
+          <a:prstDash val="solid"/>
+        </a:ln>
+        <a:ln w="25400" cap="flat" cmpd="sng" algn="ctr">
+          <a:solidFill>
+            <a:schemeClr val="phClr"/>
+          </a:solidFill>
+          <a:prstDash val="solid"/>
+        </a:ln>
+        <a:ln w="38100" cap="flat" cmpd="sng" algn="ctr">
+          <a:solidFill>
+            <a:schemeClr val="phClr"/>
+          </a:solidFill>
+          <a:prstDash val="solid"/>
+        </a:ln>
+      </a:lnStyleLst>
+      <a:effectStyleLst>
+        <a:effectStyle>
+          <a:effectLst>
+            <a:outerShdw blurRad="40000" dist="20000" dir="5400000" rotWithShape="0">
+              <a:srgbClr val="000000">
+                <a:alpha val="38000"/>
+              </a:srgbClr>
+            </a:outerShdw>
+          </a:effectLst>
+        </a:effectStyle>
+        <a:effectStyle>
+          <a:effectLst>
+            <a:outerShdw blurRad="40000" dist="23000" dir="5400000" rotWithShape="0">
+              <a:srgbClr val="000000">
+                <a:alpha val="35000"/>
+              </a:srgbClr>
+            </a:outerShdw>
+          </a:effectLst>
+        </a:effectStyle>
+        <a:effectStyle>
+          <a:effectLst>
+            <a:outerShdw blurRad="40000" dist="23000" dir="5400000" rotWithShape="0">
+              <a:srgbClr val="000000">
+                <a:alpha val="35000"/>
+              </a:srgbClr>
+            </a:outerShdw>
+          </a:effectLst>
+          <a:scene3d>
+            <a:camera prst="orthographicFront">
+              <a:rot lat="0" lon="0" rev="0"/>
+            </a:camera>
+            <a:lightRig rig="threePt" dir="t">
+              <a:rot lat="0" lon="0" rev="1200000"/>
+            </a:lightRig>
+          </a:scene3d>
+          <a:sp3d>
+            <a:bevelT w="63500" h="25400"/>
+          </a:sp3d>
+        </a:effectStyle>
+      </a:effectStyleLst>
+      <a:bgFillStyleLst>
+        <a:solidFill>
+          <a:schemeClr val="phClr"/>
+        </a:solidFill>
+        <a:gradFill rotWithShape="1">
+          <a:gsLst>
+            <a:gs pos="0">
+              <a:schemeClr val="phClr">
+                <a:tint val="40000"/>
+                <a:satMod val="350000"/>
+              </a:schemeClr>
+            </a:gs>
+            <a:gs pos="40000">
+              <a:schemeClr val="phClr">
+                <a:tint val="45000"/>
+                <a:shade val="99000"/>
+                <a:satMod val="350000"/>
+              </a:schemeClr>
+            </a:gs>
+            <a:gs pos="100000">
+              <a:schemeClr val="phClr">
+                <a:shade val="20000"/>
+                <a:satMod val="255000"/>
+              </a:schemeClr>
+            </a:gs>
+          </a:gsLst>
+          <a:path path="circle">
+            <a:fillToRect l="50000" t="-80000" r="50000" b="180000"/>
+          </a:path>
+        </a:gradFill>
+        <a:gradFill rotWithShape="1">
+          <a:gsLst>
+            <a:gs pos="0">
+              <a:schemeClr val="phClr">
+                <a:tint val="80000"/>
+                <a:satMod val="300000"/>
+              </a:schemeClr>
+            </a:gs>
+            <a:gs pos="100000">
+              <a:schemeClr val="phClr">
+                <a:shade val="30000"/>
+                <a:satMod val="200000"/>
+              </a:schemeClr>
+            </a:gs>
+          </a:gsLst>
+          <a:path path="circle">
+            <a:fillToRect l="50000" t="50000" r="50000" b="50000"/>
+          </a:path>
+        </a:gradFill>
+      </a:bgFillStyleLst>
+    </a:fmtScheme>
+  </a:themeElements>
+  <a:objectDefaults/>
+  <a:extraClrSchemeLst/>
+</a:theme>
+</file>
+
+<file path=ppt/theme/theme2.xml><?xml version="1.0" encoding="utf-8"?>
+<a:theme xmlns:a="http://schemas.openxmlformats.org/drawingml/2006/main" name="Simple Dark">
   <a:themeElements>
     <a:clrScheme name="Simple Dark">
       <a:dk1>
@@ -8948,284 +9583,7 @@
       </a:bgFillStyleLst>
     </a:fmtScheme>
   </a:themeElements>
-</a:theme>
-</file>
-
-<file path=ppt/theme/theme2.xml><?xml version="1.0" encoding="utf-8"?>
-<a:theme xmlns:a="http://schemas.openxmlformats.org/drawingml/2006/main" xmlns:r="http://schemas.openxmlformats.org/officeDocument/2006/relationships" name="Simple Dark">
-  <a:themeElements>
-    <a:clrScheme name="Simple Dark">
-      <a:dk1>
-        <a:srgbClr val="434343"/>
-      </a:dk1>
-      <a:lt1>
-        <a:srgbClr val="FFFFFF"/>
-      </a:lt1>
-      <a:dk2>
-        <a:srgbClr val="A7A7A7"/>
-      </a:dk2>
-      <a:lt2>
-        <a:srgbClr val="535353"/>
-      </a:lt2>
-      <a:accent1>
-        <a:srgbClr val="009688"/>
-      </a:accent1>
-      <a:accent2>
-        <a:srgbClr val="EEEEEE"/>
-      </a:accent2>
-      <a:accent3>
-        <a:srgbClr val="78909C"/>
-      </a:accent3>
-      <a:accent4>
-        <a:srgbClr val="FFAB40"/>
-      </a:accent4>
-      <a:accent5>
-        <a:srgbClr val="4DD0E1"/>
-      </a:accent5>
-      <a:accent6>
-        <a:srgbClr val="EEFF41"/>
-      </a:accent6>
-      <a:hlink>
-        <a:srgbClr val="0000FF"/>
-      </a:hlink>
-      <a:folHlink>
-        <a:srgbClr val="FF00FF"/>
-      </a:folHlink>
-    </a:clrScheme>
-    <a:fontScheme name="Office">
-      <a:majorFont>
-        <a:latin typeface="Arial"/>
-        <a:ea typeface=""/>
-        <a:cs typeface=""/>
-        <a:font script="Jpan" typeface="ＭＳ Ｐゴシック"/>
-        <a:font script="Hang" typeface="맑은 고딕"/>
-        <a:font script="Hans" typeface="宋体"/>
-        <a:font script="Hant" typeface="新細明體"/>
-        <a:font script="Arab" typeface="Times New Roman"/>
-        <a:font script="Hebr" typeface="Times New Roman"/>
-        <a:font script="Thai" typeface="Angsana New"/>
-        <a:font script="Ethi" typeface="Nyala"/>
-        <a:font script="Beng" typeface="Vrinda"/>
-        <a:font script="Gujr" typeface="Shruti"/>
-        <a:font script="Khmr" typeface="MoolBoran"/>
-        <a:font script="Knda" typeface="Tunga"/>
-        <a:font script="Guru" typeface="Raavi"/>
-        <a:font script="Cans" typeface="Euphemia"/>
-        <a:font script="Cher" typeface="Plantagenet Cherokee"/>
-        <a:font script="Yiii" typeface="Microsoft Yi Baiti"/>
-        <a:font script="Tibt" typeface="Microsoft Himalaya"/>
-        <a:font script="Thaa" typeface="MV Boli"/>
-        <a:font script="Deva" typeface="Mangal"/>
-        <a:font script="Telu" typeface="Gautami"/>
-        <a:font script="Taml" typeface="Latha"/>
-        <a:font script="Syrc" typeface="Estrangelo Edessa"/>
-        <a:font script="Orya" typeface="Kalinga"/>
-        <a:font script="Mlym" typeface="Kartika"/>
-        <a:font script="Laoo" typeface="DokChampa"/>
-        <a:font script="Sinh" typeface="Iskoola Pota"/>
-        <a:font script="Mong" typeface="Mongolian Baiti"/>
-        <a:font script="Viet" typeface="Times New Roman"/>
-        <a:font script="Uigh" typeface="Microsoft Uighur"/>
-        <a:font script="Geor" typeface="Sylfaen"/>
-      </a:majorFont>
-      <a:minorFont>
-        <a:latin typeface="Arial"/>
-        <a:ea typeface=""/>
-        <a:cs typeface=""/>
-        <a:font script="Jpan" typeface="ＭＳ Ｐゴシック"/>
-        <a:font script="Hang" typeface="맑은 고딕"/>
-        <a:font script="Hans" typeface="宋体"/>
-        <a:font script="Hant" typeface="新細明體"/>
-        <a:font script="Arab" typeface="Arial"/>
-        <a:font script="Hebr" typeface="Arial"/>
-        <a:font script="Thai" typeface="Cordia New"/>
-        <a:font script="Ethi" typeface="Nyala"/>
-        <a:font script="Beng" typeface="Vrinda"/>
-        <a:font script="Gujr" typeface="Shruti"/>
-        <a:font script="Khmr" typeface="DaunPenh"/>
-        <a:font script="Knda" typeface="Tunga"/>
-        <a:font script="Guru" typeface="Raavi"/>
-        <a:font script="Cans" typeface="Euphemia"/>
-        <a:font script="Cher" typeface="Plantagenet Cherokee"/>
-        <a:font script="Yiii" typeface="Microsoft Yi Baiti"/>
-        <a:font script="Tibt" typeface="Microsoft Himalaya"/>
-        <a:font script="Thaa" typeface="MV Boli"/>
-        <a:font script="Deva" typeface="Mangal"/>
-        <a:font script="Telu" typeface="Gautami"/>
-        <a:font script="Taml" typeface="Latha"/>
-        <a:font script="Syrc" typeface="Estrangelo Edessa"/>
-        <a:font script="Orya" typeface="Kalinga"/>
-        <a:font script="Mlym" typeface="Kartika"/>
-        <a:font script="Laoo" typeface="DokChampa"/>
-        <a:font script="Sinh" typeface="Iskoola Pota"/>
-        <a:font script="Mong" typeface="Mongolian Baiti"/>
-        <a:font script="Viet" typeface="Arial"/>
-        <a:font script="Uigh" typeface="Microsoft Uighur"/>
-        <a:font script="Geor" typeface="Sylfaen"/>
-      </a:minorFont>
-    </a:fontScheme>
-    <a:fmtScheme name="Office">
-      <a:fillStyleLst>
-        <a:solidFill>
-          <a:schemeClr val="phClr"/>
-        </a:solidFill>
-        <a:gradFill rotWithShape="1">
-          <a:gsLst>
-            <a:gs pos="0">
-              <a:schemeClr val="phClr">
-                <a:tint val="50000"/>
-                <a:satMod val="300000"/>
-              </a:schemeClr>
-            </a:gs>
-            <a:gs pos="35000">
-              <a:schemeClr val="phClr">
-                <a:tint val="37000"/>
-                <a:satMod val="300000"/>
-              </a:schemeClr>
-            </a:gs>
-            <a:gs pos="100000">
-              <a:schemeClr val="phClr">
-                <a:tint val="15000"/>
-                <a:satMod val="350000"/>
-              </a:schemeClr>
-            </a:gs>
-          </a:gsLst>
-          <a:lin ang="16200000" scaled="1"/>
-        </a:gradFill>
-        <a:gradFill rotWithShape="1">
-          <a:gsLst>
-            <a:gs pos="0">
-              <a:schemeClr val="phClr">
-                <a:tint val="100000"/>
-                <a:shade val="100000"/>
-                <a:satMod val="130000"/>
-              </a:schemeClr>
-            </a:gs>
-            <a:gs pos="100000">
-              <a:schemeClr val="phClr">
-                <a:tint val="50000"/>
-                <a:shade val="100000"/>
-                <a:satMod val="350000"/>
-              </a:schemeClr>
-            </a:gs>
-          </a:gsLst>
-          <a:lin ang="16200000" scaled="0"/>
-        </a:gradFill>
-      </a:fillStyleLst>
-      <a:lnStyleLst>
-        <a:ln w="9525" cap="flat" cmpd="sng" algn="ctr">
-          <a:solidFill>
-            <a:schemeClr val="phClr">
-              <a:shade val="95000"/>
-              <a:satMod val="105000"/>
-            </a:schemeClr>
-          </a:solidFill>
-          <a:prstDash val="solid"/>
-        </a:ln>
-        <a:ln w="25400" cap="flat" cmpd="sng" algn="ctr">
-          <a:solidFill>
-            <a:schemeClr val="phClr"/>
-          </a:solidFill>
-          <a:prstDash val="solid"/>
-        </a:ln>
-        <a:ln w="38100" cap="flat" cmpd="sng" algn="ctr">
-          <a:solidFill>
-            <a:schemeClr val="phClr"/>
-          </a:solidFill>
-          <a:prstDash val="solid"/>
-        </a:ln>
-      </a:lnStyleLst>
-      <a:effectStyleLst>
-        <a:effectStyle>
-          <a:effectLst>
-            <a:outerShdw blurRad="40000" dist="20000" dir="5400000" rotWithShape="0">
-              <a:srgbClr val="000000">
-                <a:alpha val="38000"/>
-              </a:srgbClr>
-            </a:outerShdw>
-          </a:effectLst>
-        </a:effectStyle>
-        <a:effectStyle>
-          <a:effectLst>
-            <a:outerShdw blurRad="40000" dist="23000" dir="5400000" rotWithShape="0">
-              <a:srgbClr val="000000">
-                <a:alpha val="35000"/>
-              </a:srgbClr>
-            </a:outerShdw>
-          </a:effectLst>
-        </a:effectStyle>
-        <a:effectStyle>
-          <a:effectLst>
-            <a:outerShdw blurRad="40000" dist="23000" dir="5400000" rotWithShape="0">
-              <a:srgbClr val="000000">
-                <a:alpha val="35000"/>
-              </a:srgbClr>
-            </a:outerShdw>
-          </a:effectLst>
-          <a:scene3d>
-            <a:camera prst="orthographicFront">
-              <a:rot lat="0" lon="0" rev="0"/>
-            </a:camera>
-            <a:lightRig rig="threePt" dir="t">
-              <a:rot lat="0" lon="0" rev="1200000"/>
-            </a:lightRig>
-          </a:scene3d>
-          <a:sp3d>
-            <a:bevelT w="63500" h="25400"/>
-          </a:sp3d>
-        </a:effectStyle>
-      </a:effectStyleLst>
-      <a:bgFillStyleLst>
-        <a:solidFill>
-          <a:schemeClr val="phClr"/>
-        </a:solidFill>
-        <a:gradFill rotWithShape="1">
-          <a:gsLst>
-            <a:gs pos="0">
-              <a:schemeClr val="phClr">
-                <a:tint val="40000"/>
-                <a:satMod val="350000"/>
-              </a:schemeClr>
-            </a:gs>
-            <a:gs pos="40000">
-              <a:schemeClr val="phClr">
-                <a:tint val="45000"/>
-                <a:shade val="99000"/>
-                <a:satMod val="350000"/>
-              </a:schemeClr>
-            </a:gs>
-            <a:gs pos="100000">
-              <a:schemeClr val="phClr">
-                <a:shade val="20000"/>
-                <a:satMod val="255000"/>
-              </a:schemeClr>
-            </a:gs>
-          </a:gsLst>
-          <a:path path="circle">
-            <a:fillToRect l="50000" t="-80000" r="50000" b="180000"/>
-          </a:path>
-        </a:gradFill>
-        <a:gradFill rotWithShape="1">
-          <a:gsLst>
-            <a:gs pos="0">
-              <a:schemeClr val="phClr">
-                <a:tint val="80000"/>
-                <a:satMod val="300000"/>
-              </a:schemeClr>
-            </a:gs>
-            <a:gs pos="100000">
-              <a:schemeClr val="phClr">
-                <a:shade val="30000"/>
-                <a:satMod val="200000"/>
-              </a:schemeClr>
-            </a:gs>
-          </a:gsLst>
-          <a:path path="circle">
-            <a:fillToRect l="50000" t="50000" r="50000" b="50000"/>
-          </a:path>
-        </a:gradFill>
-      </a:bgFillStyleLst>
-    </a:fmtScheme>
-  </a:themeElements>
+  <a:objectDefaults/>
+  <a:extraClrSchemeLst/>
 </a:theme>
 </file>
--- a/figures/resources/binarization.pptx
+++ b/figures/resources/binarization.pptx
@@ -8668,7 +8668,7 @@
         </p:blipFill>
         <p:spPr>
           <a:xfrm>
-            <a:off x="5745020" y="8186144"/>
+            <a:off x="5215860" y="8186144"/>
             <a:ext cx="4113213" cy="2233666"/>
           </a:xfrm>
           <a:prstGeom prst="rect">
@@ -8688,7 +8688,7 @@
         </p:nvSpPr>
         <p:spPr>
           <a:xfrm>
-            <a:off x="10243701" y="4920507"/>
+            <a:off x="10040499" y="4920507"/>
             <a:ext cx="2397989" cy="1565354"/>
           </a:xfrm>
           <a:prstGeom prst="roundRect">
